--- a/topic07/talk-1/node-2019.pptx
+++ b/topic07/talk-1/node-2019.pptx
@@ -314,7 +314,7 @@
           <a:p>
             <a:fld id="{0A882A87-1ED2-486D-BB61-3F2936C23B09}" type="datetimeFigureOut">
               <a:rPr lang="en-IE" smtClean="0"/>
-              <a:t>12/11/2020</a:t>
+              <a:t>16/11/2020</a:t>
             </a:fld>
             <a:endParaRPr lang="en-IE"/>
           </a:p>
@@ -1017,8 +1017,79 @@
             </a:r>
             <a:r>
               <a:rPr lang="en-IE" dirty="0"/>
-              <a:t> function when that event is detected. Node has many built-in events, such as the </a:t>
-            </a:r>
+              <a:t> function when that event is detected. </a:t>
+            </a:r>
+            <a:r>
+              <a:rPr lang="en-GB" b="0" i="0" dirty="0">
+                <a:solidFill>
+                  <a:srgbClr val="000000"/>
+                </a:solidFill>
+                <a:effectLst/>
+                <a:latin typeface="Arial" panose="020B0604020202020204" pitchFamily="34" charset="0"/>
+              </a:rPr>
+              <a:t>Many objects in a Node emit events, for example, a </a:t>
+            </a:r>
+            <a:r>
+              <a:rPr lang="en-GB" b="0" i="0" dirty="0" err="1">
+                <a:solidFill>
+                  <a:srgbClr val="000000"/>
+                </a:solidFill>
+                <a:effectLst/>
+                <a:latin typeface="Arial" panose="020B0604020202020204" pitchFamily="34" charset="0"/>
+              </a:rPr>
+              <a:t>net.Server</a:t>
+            </a:r>
+            <a:r>
+              <a:rPr lang="en-GB" b="0" i="0" dirty="0">
+                <a:solidFill>
+                  <a:srgbClr val="000000"/>
+                </a:solidFill>
+                <a:effectLst/>
+                <a:latin typeface="Arial" panose="020B0604020202020204" pitchFamily="34" charset="0"/>
+              </a:rPr>
+              <a:t> emits an event each time a peer connects to it, an </a:t>
+            </a:r>
+            <a:r>
+              <a:rPr lang="en-GB" b="0" i="0" dirty="0" err="1">
+                <a:solidFill>
+                  <a:srgbClr val="000000"/>
+                </a:solidFill>
+                <a:effectLst/>
+                <a:latin typeface="Arial" panose="020B0604020202020204" pitchFamily="34" charset="0"/>
+              </a:rPr>
+              <a:t>fs.readStream</a:t>
+            </a:r>
+            <a:r>
+              <a:rPr lang="en-GB" b="0" i="0" dirty="0">
+                <a:solidFill>
+                  <a:srgbClr val="000000"/>
+                </a:solidFill>
+                <a:effectLst/>
+                <a:latin typeface="Arial" panose="020B0604020202020204" pitchFamily="34" charset="0"/>
+              </a:rPr>
+              <a:t> emits an event when the file is opened. All objects which emit events are the instances of </a:t>
+            </a:r>
+            <a:r>
+              <a:rPr lang="en-GB" b="0" i="0" dirty="0" err="1">
+                <a:solidFill>
+                  <a:srgbClr val="000000"/>
+                </a:solidFill>
+                <a:effectLst/>
+                <a:latin typeface="Arial" panose="020B0604020202020204" pitchFamily="34" charset="0"/>
+              </a:rPr>
+              <a:t>events.EventEmitter</a:t>
+            </a:r>
+            <a:r>
+              <a:rPr lang="en-GB" b="0" i="0" dirty="0">
+                <a:solidFill>
+                  <a:srgbClr val="000000"/>
+                </a:solidFill>
+                <a:effectLst/>
+                <a:latin typeface="Arial" panose="020B0604020202020204" pitchFamily="34" charset="0"/>
+              </a:rPr>
+              <a:t>.</a:t>
+            </a:r>
+            <a:endParaRPr lang="en-IE" dirty="0"/>
           </a:p>
         </p:txBody>
       </p:sp>
@@ -9511,7 +9582,13 @@
       </p:grpSpPr>
       <p:pic>
         <p:nvPicPr>
-          <p:cNvPr id="2" name="Picture 1"/>
+          <p:cNvPr id="3" name="Picture 2">
+            <a:extLst>
+              <a:ext uri="{FF2B5EF4-FFF2-40B4-BE49-F238E27FC236}">
+                <a16:creationId xmlns:a16="http://schemas.microsoft.com/office/drawing/2014/main" id="{6D489F2E-5F77-4786-A247-51519C679BB3}"/>
+              </a:ext>
+            </a:extLst>
+          </p:cNvPr>
           <p:cNvPicPr>
             <a:picLocks noChangeAspect="1"/>
           </p:cNvPicPr>
@@ -9525,8 +9602,8 @@
         </p:blipFill>
         <p:spPr>
           <a:xfrm>
-            <a:off x="2912218" y="2761110"/>
-            <a:ext cx="4800085" cy="2144719"/>
+            <a:off x="2698027" y="3156145"/>
+            <a:ext cx="4507025" cy="1576838"/>
           </a:xfrm>
           <a:prstGeom prst="rect">
             <a:avLst/>
@@ -9571,7 +9648,7 @@
         </p:nvSpPr>
         <p:spPr>
           <a:xfrm>
-            <a:off x="2183575" y="1769040"/>
+            <a:off x="2015460" y="1621143"/>
             <a:ext cx="9071640" cy="4384440"/>
           </a:xfrm>
           <a:prstGeom prst="rect">
@@ -9751,6 +9828,36 @@
           </a:p>
         </p:txBody>
       </p:sp>
+      <p:pic>
+        <p:nvPicPr>
+          <p:cNvPr id="4" name="Picture 3">
+            <a:extLst>
+              <a:ext uri="{FF2B5EF4-FFF2-40B4-BE49-F238E27FC236}">
+                <a16:creationId xmlns:a16="http://schemas.microsoft.com/office/drawing/2014/main" id="{A1E28A02-7724-4845-94C3-8293C8B924FB}"/>
+              </a:ext>
+            </a:extLst>
+          </p:cNvPr>
+          <p:cNvPicPr>
+            <a:picLocks noChangeAspect="1"/>
+          </p:cNvPicPr>
+          <p:nvPr/>
+        </p:nvPicPr>
+        <p:blipFill>
+          <a:blip r:embed="rId3"/>
+          <a:stretch>
+            <a:fillRect/>
+          </a:stretch>
+        </p:blipFill>
+        <p:spPr>
+          <a:xfrm>
+            <a:off x="3687126" y="5566944"/>
+            <a:ext cx="5615219" cy="1199615"/>
+          </a:xfrm>
+          <a:prstGeom prst="rect">
+            <a:avLst/>
+          </a:prstGeom>
+        </p:spPr>
+      </p:pic>
     </p:spTree>
   </p:cSld>
   <p:clrMapOvr>
@@ -11211,7 +11318,7 @@
         </p:spPr>
         <p:txBody>
           <a:bodyPr vert="horz" lIns="91440" tIns="45720" rIns="91440" bIns="45720" rtlCol="0" anchor="t">
-            <a:normAutofit fontScale="85000" lnSpcReduction="20000"/>
+            <a:normAutofit/>
           </a:bodyPr>
           <a:lstStyle/>
           <a:p>
@@ -13663,7 +13770,7 @@
         </p:blipFill>
         <p:spPr>
           <a:xfrm>
-            <a:off x="2112645" y="1293812"/>
+            <a:off x="2466975" y="539432"/>
             <a:ext cx="9991725" cy="2486025"/>
           </a:xfrm>
           <a:prstGeom prst="rect">
@@ -13697,6 +13804,10 @@
           <a:bodyPr/>
           <a:lstStyle/>
           <a:p>
+            <a:pPr marL="571500" indent="-571500">
+              <a:buFont typeface="Arial" panose="020B0604020202020204" pitchFamily="34" charset="0"/>
+              <a:buChar char="•"/>
+            </a:pPr>
             <a:r>
               <a:rPr lang="en-GB" i="0" dirty="0">
                 <a:solidFill>
@@ -13726,6 +13837,10 @@
             </a:endParaRPr>
           </a:p>
           <a:p>
+            <a:pPr marL="571500" indent="-571500">
+              <a:buFont typeface="Arial" panose="020B0604020202020204" pitchFamily="34" charset="0"/>
+              <a:buChar char="•"/>
+            </a:pPr>
             <a:r>
               <a:rPr lang="en-GB" b="0" i="0" dirty="0">
                 <a:solidFill>
@@ -13767,6 +13882,10 @@
             </a:r>
           </a:p>
           <a:p>
+            <a:pPr marL="571500" indent="-571500">
+              <a:buFont typeface="Arial" panose="020B0604020202020204" pitchFamily="34" charset="0"/>
+              <a:buChar char="•"/>
+            </a:pPr>
             <a:r>
               <a:rPr lang="en-GB" dirty="0">
                 <a:solidFill>
@@ -15738,7 +15857,7 @@
         <p:spPr>
           <a:xfrm>
             <a:off x="2183575" y="1785142"/>
-            <a:ext cx="7740114" cy="4401205"/>
+            <a:ext cx="7740114" cy="3785652"/>
           </a:xfrm>
           <a:prstGeom prst="rect">
             <a:avLst/>
@@ -15812,17 +15931,6 @@
               <a:rPr lang="en-IE" sz="4000" dirty="0"/>
               <a:t>Creating a node app</a:t>
             </a:r>
-          </a:p>
-          <a:p>
-            <a:pPr marL="285750" indent="-285750">
-              <a:buFont typeface="Arial" panose="020B0604020202020204" pitchFamily="34" charset="0"/>
-              <a:buChar char="•"/>
-            </a:pPr>
-            <a:r>
-              <a:rPr lang="en-IE" sz="4000" dirty="0"/>
-              <a:t>Introduction to Express</a:t>
-            </a:r>
-            <a:endParaRPr lang="en-IE" dirty="0"/>
           </a:p>
         </p:txBody>
       </p:sp>
@@ -16235,67 +16343,6 @@
                                           <p:spTgt spid="4">
                                             <p:txEl>
                                               <p:pRg st="5" end="5"/>
-                                            </p:txEl>
-                                          </p:spTgt>
-                                        </p:tgtEl>
-                                      </p:cBhvr>
-                                    </p:animEffect>
-                                  </p:childTnLst>
-                                </p:cTn>
-                              </p:par>
-                            </p:childTnLst>
-                          </p:cTn>
-                        </p:par>
-                      </p:childTnLst>
-                    </p:cTn>
-                  </p:par>
-                  <p:par>
-                    <p:cTn id="33" fill="hold">
-                      <p:stCondLst>
-                        <p:cond delay="indefinite"/>
-                      </p:stCondLst>
-                      <p:childTnLst>
-                        <p:par>
-                          <p:cTn id="34" fill="hold">
-                            <p:stCondLst>
-                              <p:cond delay="0"/>
-                            </p:stCondLst>
-                            <p:childTnLst>
-                              <p:par>
-                                <p:cTn id="35" presetID="10" presetClass="entr" presetSubtype="0" fill="hold" nodeType="clickEffect">
-                                  <p:stCondLst>
-                                    <p:cond delay="0"/>
-                                  </p:stCondLst>
-                                  <p:childTnLst>
-                                    <p:set>
-                                      <p:cBhvr>
-                                        <p:cTn id="36" dur="1" fill="hold">
-                                          <p:stCondLst>
-                                            <p:cond delay="0"/>
-                                          </p:stCondLst>
-                                        </p:cTn>
-                                        <p:tgtEl>
-                                          <p:spTgt spid="4">
-                                            <p:txEl>
-                                              <p:pRg st="6" end="6"/>
-                                            </p:txEl>
-                                          </p:spTgt>
-                                        </p:tgtEl>
-                                        <p:attrNameLst>
-                                          <p:attrName>style.visibility</p:attrName>
-                                        </p:attrNameLst>
-                                      </p:cBhvr>
-                                      <p:to>
-                                        <p:strVal val="visible"/>
-                                      </p:to>
-                                    </p:set>
-                                    <p:animEffect transition="in" filter="fade">
-                                      <p:cBhvr>
-                                        <p:cTn id="37" dur="500"/>
-                                        <p:tgtEl>
-                                          <p:spTgt spid="4">
-                                            <p:txEl>
-                                              <p:pRg st="6" end="6"/>
                                             </p:txEl>
                                           </p:spTgt>
                                         </p:tgtEl>
@@ -18237,7 +18284,7 @@
         <p:spPr>
           <a:xfrm>
             <a:off x="7259018" y="2800080"/>
-            <a:ext cx="6236053" cy="3262432"/>
+            <a:ext cx="6236053" cy="3631763"/>
           </a:xfrm>
           <a:prstGeom prst="rect">
             <a:avLst/>
@@ -18256,7 +18303,7 @@
               <a:buChar char="•"/>
             </a:pPr>
             <a:r>
-              <a:rPr lang="en-GB" sz="2400" dirty="0"/>
+              <a:rPr lang="en-GB" sz="2400" b="1" dirty="0"/>
               <a:t>I/O operations detrimental to highly concurrent apps (e.g. web applications)</a:t>
             </a:r>
           </a:p>

--- a/topic07/talk-1/node-2019.pptx
+++ b/topic07/talk-1/node-2019.pptx
@@ -7284,31 +7284,6 @@
           </a:p>
         </p:txBody>
       </p:sp>
-      <p:sp>
-        <p:nvSpPr>
-          <p:cNvPr id="3" name="Subtitle 2">
-            <a:extLst>
-              <a:ext uri="{FF2B5EF4-FFF2-40B4-BE49-F238E27FC236}">
-                <a16:creationId xmlns:a16="http://schemas.microsoft.com/office/drawing/2014/main" id="{4844C28F-78A4-4847-965D-09AB32DCB681}"/>
-              </a:ext>
-            </a:extLst>
-          </p:cNvPr>
-          <p:cNvSpPr>
-            <a:spLocks noGrp="1"/>
-          </p:cNvSpPr>
-          <p:nvPr>
-            <p:ph type="subTitle"/>
-          </p:nvPr>
-        </p:nvSpPr>
-        <p:spPr/>
-        <p:txBody>
-          <a:bodyPr/>
-          <a:lstStyle/>
-          <a:p>
-            <a:endParaRPr lang="en-IE"/>
-          </a:p>
-        </p:txBody>
-      </p:sp>
       <p:pic>
         <p:nvPicPr>
           <p:cNvPr id="4" name="Picture 3">
@@ -11029,31 +11004,6 @@
               <a:rPr lang="en-IE" dirty="0"/>
               <a:t>Context - Technologies</a:t>
             </a:r>
-          </a:p>
-        </p:txBody>
-      </p:sp>
-      <p:sp>
-        <p:nvSpPr>
-          <p:cNvPr id="3" name="Subtitle 2">
-            <a:extLst>
-              <a:ext uri="{FF2B5EF4-FFF2-40B4-BE49-F238E27FC236}">
-                <a16:creationId xmlns:a16="http://schemas.microsoft.com/office/drawing/2014/main" id="{FDEC1B7C-6CE2-4EFF-A431-3C55B1AE2E07}"/>
-              </a:ext>
-            </a:extLst>
-          </p:cNvPr>
-          <p:cNvSpPr>
-            <a:spLocks noGrp="1"/>
-          </p:cNvSpPr>
-          <p:nvPr>
-            <p:ph type="subTitle"/>
-          </p:nvPr>
-        </p:nvSpPr>
-        <p:spPr/>
-        <p:txBody>
-          <a:bodyPr/>
-          <a:lstStyle/>
-          <a:p>
-            <a:endParaRPr lang="en-IE"/>
           </a:p>
         </p:txBody>
       </p:sp>
@@ -16440,8 +16390,8 @@
           <a:p>
             <a:pPr algn="ctr"/>
             <a:r>
-              <a:rPr lang="en-IE"/>
-              <a:t>What's Node: Basics</a:t>
+              <a:rPr lang="en-IE" dirty="0"/>
+              <a:t>What's Node.js: Basics</a:t>
             </a:r>
           </a:p>
         </p:txBody>

--- a/topic07/talk-1/node-2019.pptx
+++ b/topic07/talk-1/node-2019.pptx
@@ -4721,7 +4721,7 @@
         </p:blipFill>
         <p:spPr>
           <a:xfrm>
-            <a:off x="2290454" y="339216"/>
+            <a:off x="2393324" y="419097"/>
             <a:ext cx="8813308" cy="4406654"/>
           </a:xfrm>
           <a:prstGeom prst="rect">

--- a/topic07/talk-1/node-2019.pptx
+++ b/topic07/talk-1/node-2019.pptx
@@ -590,7 +590,7 @@
           <a:p>
             <a:fld id="{0A882A87-1ED2-486D-BB61-3F2936C23B09}" type="datetimeFigureOut">
               <a:rPr lang="en-IE" smtClean="0"/>
-              <a:t>19/11/2020</a:t>
+              <a:t>03/11/2021</a:t>
             </a:fld>
             <a:endParaRPr lang="en-IE"/>
           </a:p>
@@ -2737,7 +2737,7 @@
           <a:p>
             <a:fld id="{846CE7D5-CF57-46EF-B807-FDD0502418D4}" type="datetimeFigureOut">
               <a:rPr lang="en-US" smtClean="0"/>
-              <a:t>11/19/2020</a:t>
+              <a:t>11/3/2021</a:t>
             </a:fld>
             <a:endParaRPr lang="en-US"/>
           </a:p>
@@ -2905,7 +2905,7 @@
           <a:p>
             <a:fld id="{846CE7D5-CF57-46EF-B807-FDD0502418D4}" type="datetimeFigureOut">
               <a:rPr lang="en-US" smtClean="0"/>
-              <a:t>11/19/2020</a:t>
+              <a:t>11/3/2021</a:t>
             </a:fld>
             <a:endParaRPr lang="en-US"/>
           </a:p>
@@ -3137,7 +3137,7 @@
           <a:p>
             <a:fld id="{846CE7D5-CF57-46EF-B807-FDD0502418D4}" type="datetimeFigureOut">
               <a:rPr lang="en-US" smtClean="0"/>
-              <a:t>11/19/2020</a:t>
+              <a:t>11/3/2021</a:t>
             </a:fld>
             <a:endParaRPr lang="en-US"/>
           </a:p>
@@ -28332,7 +28332,7 @@
                 <a:latin typeface="Calibri" panose="020F0502020204030204" pitchFamily="34" charset="0"/>
                 <a:cs typeface="Calibri" panose="020F0502020204030204" pitchFamily="34" charset="0"/>
               </a:rPr>
-              <a:t>Reading/writing to data store, network access.</a:t>
+              <a:t>Reading/writing to database or file</a:t>
             </a:r>
           </a:p>
           <a:p>
@@ -28342,8 +28342,11 @@
               <a:buChar char="•"/>
             </a:pPr>
             <a:r>
-              <a:rPr lang="en-GB" dirty="0"/>
-              <a:t>Read 4K randomly from SSD* 150,000 ns ~1GB/sec SSD</a:t>
+              <a:rPr lang="en-IE" sz="2400" dirty="0">
+                <a:latin typeface="Calibri" panose="020F0502020204030204" pitchFamily="34" charset="0"/>
+                <a:cs typeface="Calibri" panose="020F0502020204030204" pitchFamily="34" charset="0"/>
+              </a:rPr>
+              <a:t>network access.</a:t>
             </a:r>
           </a:p>
           <a:p>
@@ -28354,15 +28357,7 @@
             </a:pPr>
             <a:r>
               <a:rPr lang="en-GB" dirty="0"/>
-              <a:t>Round trip over network within same </a:t>
-            </a:r>
-            <a:r>
-              <a:rPr lang="en-GB" dirty="0" err="1"/>
-              <a:t>datacenter</a:t>
-            </a:r>
-            <a:r>
-              <a:rPr lang="en-GB" dirty="0"/>
-              <a:t> 500,000 ns</a:t>
+              <a:t>Read 4K from Solid State Disk 150,000 nanoseconds ~1GB/sec</a:t>
             </a:r>
           </a:p>
           <a:p>
@@ -28372,8 +28367,19 @@
               <a:buChar char="•"/>
             </a:pPr>
             <a:r>
+              <a:rPr lang="en-GB" dirty="0"/>
+              <a:t>Round trip over network within same datacentre 500,000 nanoseconds</a:t>
+            </a:r>
+          </a:p>
+          <a:p>
+            <a:pPr marL="914400" lvl="1" indent="-457200">
+              <a:buSzPct val="109000"/>
+              <a:buFont typeface="Calibri" panose="020F0502020204030204" pitchFamily="34" charset="0"/>
+              <a:buChar char="•"/>
+            </a:pPr>
+            <a:r>
               <a:rPr lang="en-IE" dirty="0"/>
-              <a:t>Send packet US-&gt;Netherlands-&gt;US 150,000,000 ns</a:t>
+              <a:t>Send IP packet US-&gt;Netherlands-&gt;US 150,000,000 ns</a:t>
             </a:r>
             <a:endParaRPr sz="1600" dirty="0">
               <a:latin typeface="Calibri" panose="020F0502020204030204" pitchFamily="34" charset="0"/>
@@ -28719,7 +28725,7 @@
         <p:spPr>
           <a:xfrm>
             <a:off x="4942888" y="6681281"/>
-            <a:ext cx="3050835" cy="369332"/>
+            <a:ext cx="4179349" cy="369332"/>
           </a:xfrm>
           <a:prstGeom prst="rect">
             <a:avLst/>
@@ -28734,7 +28740,7 @@
           <a:p>
             <a:r>
               <a:rPr lang="en-IE" dirty="0"/>
-              <a:t>1ns = 10</a:t>
+              <a:t>1nanoseconds = 10</a:t>
             </a:r>
             <a:r>
               <a:rPr lang="en-IE" baseline="30000" dirty="0"/>
@@ -28987,6 +28993,49 @@
                                   </p:childTnLst>
                                 </p:cTn>
                               </p:par>
+                              <p:par>
+                                <p:cTn id="20" presetID="10" presetClass="entr" presetSubtype="0" fill="hold" nodeType="withEffect">
+                                  <p:stCondLst>
+                                    <p:cond delay="0"/>
+                                  </p:stCondLst>
+                                  <p:childTnLst>
+                                    <p:set>
+                                      <p:cBhvr>
+                                        <p:cTn id="21" dur="1" fill="hold">
+                                          <p:stCondLst>
+                                            <p:cond delay="0"/>
+                                          </p:stCondLst>
+                                        </p:cTn>
+                                        <p:tgtEl>
+                                          <p:spTgt spid="88">
+                                            <p:txEl>
+                                              <p:pRg st="5" end="5"/>
+                                            </p:txEl>
+                                          </p:spTgt>
+                                        </p:tgtEl>
+                                        <p:attrNameLst>
+                                          <p:attrName>style.visibility</p:attrName>
+                                        </p:attrNameLst>
+                                      </p:cBhvr>
+                                      <p:to>
+                                        <p:strVal val="visible"/>
+                                      </p:to>
+                                    </p:set>
+                                    <p:animEffect transition="in" filter="fade">
+                                      <p:cBhvr>
+                                        <p:cTn id="22" dur="500"/>
+                                        <p:tgtEl>
+                                          <p:spTgt spid="88">
+                                            <p:txEl>
+                                              <p:pRg st="5" end="5"/>
+                                            </p:txEl>
+                                          </p:spTgt>
+                                        </p:tgtEl>
+                                      </p:cBhvr>
+                                    </p:animEffect>
+                                  </p:childTnLst>
+                                </p:cTn>
+                              </p:par>
                             </p:childTnLst>
                           </p:cTn>
                         </p:par>
@@ -28994,26 +29043,26 @@
                     </p:cTn>
                   </p:par>
                   <p:par>
-                    <p:cTn id="20" fill="hold">
+                    <p:cTn id="23" fill="hold">
                       <p:stCondLst>
                         <p:cond delay="indefinite"/>
                       </p:stCondLst>
                       <p:childTnLst>
                         <p:par>
-                          <p:cTn id="21" fill="hold">
+                          <p:cTn id="24" fill="hold">
                             <p:stCondLst>
                               <p:cond delay="0"/>
                             </p:stCondLst>
                             <p:childTnLst>
                               <p:par>
-                                <p:cTn id="22" presetID="10" presetClass="entr" presetSubtype="0" fill="hold" nodeType="clickEffect">
+                                <p:cTn id="25" presetID="10" presetClass="entr" presetSubtype="0" fill="hold" nodeType="clickEffect">
                                   <p:stCondLst>
                                     <p:cond delay="0"/>
                                   </p:stCondLst>
                                   <p:childTnLst>
                                     <p:set>
                                       <p:cBhvr>
-                                        <p:cTn id="23" dur="1" fill="hold">
+                                        <p:cTn id="26" dur="1" fill="hold">
                                           <p:stCondLst>
                                             <p:cond delay="0"/>
                                           </p:stCondLst>
@@ -29035,7 +29084,7 @@
                                     </p:set>
                                     <p:animEffect transition="in" filter="fade">
                                       <p:cBhvr>
-                                        <p:cTn id="24" dur="500"/>
+                                        <p:cTn id="27" dur="500"/>
                                         <p:tgtEl>
                                           <p:spTgt spid="7">
                                             <p:txEl>
@@ -29055,26 +29104,26 @@
                     </p:cTn>
                   </p:par>
                   <p:par>
-                    <p:cTn id="25" fill="hold">
+                    <p:cTn id="28" fill="hold">
                       <p:stCondLst>
                         <p:cond delay="indefinite"/>
                       </p:stCondLst>
                       <p:childTnLst>
                         <p:par>
-                          <p:cTn id="26" fill="hold">
+                          <p:cTn id="29" fill="hold">
                             <p:stCondLst>
                               <p:cond delay="0"/>
                             </p:stCondLst>
                             <p:childTnLst>
                               <p:par>
-                                <p:cTn id="27" presetID="10" presetClass="entr" presetSubtype="0" fill="hold" nodeType="clickEffect">
+                                <p:cTn id="30" presetID="10" presetClass="entr" presetSubtype="0" fill="hold" nodeType="clickEffect">
                                   <p:stCondLst>
                                     <p:cond delay="0"/>
                                   </p:stCondLst>
                                   <p:childTnLst>
                                     <p:set>
                                       <p:cBhvr>
-                                        <p:cTn id="28" dur="1" fill="hold">
+                                        <p:cTn id="31" dur="1" fill="hold">
                                           <p:stCondLst>
                                             <p:cond delay="0"/>
                                           </p:stCondLst>
@@ -29096,7 +29145,7 @@
                                     </p:set>
                                     <p:animEffect transition="in" filter="fade">
                                       <p:cBhvr>
-                                        <p:cTn id="29" dur="500"/>
+                                        <p:cTn id="32" dur="500"/>
                                         <p:tgtEl>
                                           <p:spTgt spid="7">
                                             <p:txEl>
@@ -29116,26 +29165,26 @@
                     </p:cTn>
                   </p:par>
                   <p:par>
-                    <p:cTn id="30" fill="hold">
+                    <p:cTn id="33" fill="hold">
                       <p:stCondLst>
                         <p:cond delay="indefinite"/>
                       </p:stCondLst>
                       <p:childTnLst>
                         <p:par>
-                          <p:cTn id="31" fill="hold">
+                          <p:cTn id="34" fill="hold">
                             <p:stCondLst>
                               <p:cond delay="0"/>
                             </p:stCondLst>
                             <p:childTnLst>
                               <p:par>
-                                <p:cTn id="32" presetID="10" presetClass="entr" presetSubtype="0" fill="hold" nodeType="clickEffect">
+                                <p:cTn id="35" presetID="10" presetClass="entr" presetSubtype="0" fill="hold" nodeType="clickEffect">
                                   <p:stCondLst>
                                     <p:cond delay="0"/>
                                   </p:stCondLst>
                                   <p:childTnLst>
                                     <p:set>
                                       <p:cBhvr>
-                                        <p:cTn id="33" dur="1" fill="hold">
+                                        <p:cTn id="36" dur="1" fill="hold">
                                           <p:stCondLst>
                                             <p:cond delay="0"/>
                                           </p:stCondLst>
@@ -29157,7 +29206,7 @@
                                     </p:set>
                                     <p:animEffect transition="in" filter="fade">
                                       <p:cBhvr>
-                                        <p:cTn id="34" dur="500"/>
+                                        <p:cTn id="37" dur="500"/>
                                         <p:tgtEl>
                                           <p:spTgt spid="7">
                                             <p:txEl>
@@ -29177,26 +29226,26 @@
                     </p:cTn>
                   </p:par>
                   <p:par>
-                    <p:cTn id="35" fill="hold">
+                    <p:cTn id="38" fill="hold">
                       <p:stCondLst>
                         <p:cond delay="indefinite"/>
                       </p:stCondLst>
                       <p:childTnLst>
                         <p:par>
-                          <p:cTn id="36" fill="hold">
+                          <p:cTn id="39" fill="hold">
                             <p:stCondLst>
                               <p:cond delay="0"/>
                             </p:stCondLst>
                             <p:childTnLst>
                               <p:par>
-                                <p:cTn id="37" presetID="10" presetClass="entr" presetSubtype="0" fill="hold" nodeType="clickEffect">
+                                <p:cTn id="40" presetID="10" presetClass="entr" presetSubtype="0" fill="hold" nodeType="clickEffect">
                                   <p:stCondLst>
                                     <p:cond delay="0"/>
                                   </p:stCondLst>
                                   <p:childTnLst>
                                     <p:set>
                                       <p:cBhvr>
-                                        <p:cTn id="38" dur="1" fill="hold">
+                                        <p:cTn id="41" dur="1" fill="hold">
                                           <p:stCondLst>
                                             <p:cond delay="0"/>
                                           </p:stCondLst>
@@ -29218,7 +29267,7 @@
                                     </p:set>
                                     <p:animEffect transition="in" filter="fade">
                                       <p:cBhvr>
-                                        <p:cTn id="39" dur="500"/>
+                                        <p:cTn id="42" dur="500"/>
                                         <p:tgtEl>
                                           <p:spTgt spid="3">
                                             <p:txEl>
@@ -29238,26 +29287,26 @@
                     </p:cTn>
                   </p:par>
                   <p:par>
-                    <p:cTn id="40" fill="hold">
+                    <p:cTn id="43" fill="hold">
                       <p:stCondLst>
                         <p:cond delay="indefinite"/>
                       </p:stCondLst>
                       <p:childTnLst>
                         <p:par>
-                          <p:cTn id="41" fill="hold">
+                          <p:cTn id="44" fill="hold">
                             <p:stCondLst>
                               <p:cond delay="0"/>
                             </p:stCondLst>
                             <p:childTnLst>
                               <p:par>
-                                <p:cTn id="42" presetID="10" presetClass="entr" presetSubtype="0" fill="hold" nodeType="clickEffect">
+                                <p:cTn id="45" presetID="10" presetClass="entr" presetSubtype="0" fill="hold" nodeType="clickEffect">
                                   <p:stCondLst>
                                     <p:cond delay="0"/>
                                   </p:stCondLst>
                                   <p:childTnLst>
                                     <p:set>
                                       <p:cBhvr>
-                                        <p:cTn id="43" dur="1" fill="hold">
+                                        <p:cTn id="46" dur="1" fill="hold">
                                           <p:stCondLst>
                                             <p:cond delay="0"/>
                                           </p:stCondLst>
@@ -29279,54 +29328,11 @@
                                     </p:set>
                                     <p:animEffect transition="in" filter="fade">
                                       <p:cBhvr>
-                                        <p:cTn id="44" dur="500"/>
+                                        <p:cTn id="47" dur="500"/>
                                         <p:tgtEl>
                                           <p:spTgt spid="3">
                                             <p:txEl>
                                               <p:pRg st="2" end="2"/>
-                                            </p:txEl>
-                                          </p:spTgt>
-                                        </p:tgtEl>
-                                      </p:cBhvr>
-                                    </p:animEffect>
-                                  </p:childTnLst>
-                                </p:cTn>
-                              </p:par>
-                              <p:par>
-                                <p:cTn id="45" presetID="10" presetClass="entr" presetSubtype="0" fill="hold" nodeType="withEffect">
-                                  <p:stCondLst>
-                                    <p:cond delay="0"/>
-                                  </p:stCondLst>
-                                  <p:childTnLst>
-                                    <p:set>
-                                      <p:cBhvr>
-                                        <p:cTn id="46" dur="1" fill="hold">
-                                          <p:stCondLst>
-                                            <p:cond delay="0"/>
-                                          </p:stCondLst>
-                                        </p:cTn>
-                                        <p:tgtEl>
-                                          <p:spTgt spid="3">
-                                            <p:txEl>
-                                              <p:pRg st="3" end="3"/>
-                                            </p:txEl>
-                                          </p:spTgt>
-                                        </p:tgtEl>
-                                        <p:attrNameLst>
-                                          <p:attrName>style.visibility</p:attrName>
-                                        </p:attrNameLst>
-                                      </p:cBhvr>
-                                      <p:to>
-                                        <p:strVal val="visible"/>
-                                      </p:to>
-                                    </p:set>
-                                    <p:animEffect transition="in" filter="fade">
-                                      <p:cBhvr>
-                                        <p:cTn id="47" dur="500"/>
-                                        <p:tgtEl>
-                                          <p:spTgt spid="3">
-                                            <p:txEl>
-                                              <p:pRg st="3" end="3"/>
                                             </p:txEl>
                                           </p:spTgt>
                                         </p:tgtEl>
@@ -29351,6 +29357,49 @@
                                         <p:tgtEl>
                                           <p:spTgt spid="3">
                                             <p:txEl>
+                                              <p:pRg st="3" end="3"/>
+                                            </p:txEl>
+                                          </p:spTgt>
+                                        </p:tgtEl>
+                                        <p:attrNameLst>
+                                          <p:attrName>style.visibility</p:attrName>
+                                        </p:attrNameLst>
+                                      </p:cBhvr>
+                                      <p:to>
+                                        <p:strVal val="visible"/>
+                                      </p:to>
+                                    </p:set>
+                                    <p:animEffect transition="in" filter="fade">
+                                      <p:cBhvr>
+                                        <p:cTn id="50" dur="500"/>
+                                        <p:tgtEl>
+                                          <p:spTgt spid="3">
+                                            <p:txEl>
+                                              <p:pRg st="3" end="3"/>
+                                            </p:txEl>
+                                          </p:spTgt>
+                                        </p:tgtEl>
+                                      </p:cBhvr>
+                                    </p:animEffect>
+                                  </p:childTnLst>
+                                </p:cTn>
+                              </p:par>
+                              <p:par>
+                                <p:cTn id="51" presetID="10" presetClass="entr" presetSubtype="0" fill="hold" nodeType="withEffect">
+                                  <p:stCondLst>
+                                    <p:cond delay="0"/>
+                                  </p:stCondLst>
+                                  <p:childTnLst>
+                                    <p:set>
+                                      <p:cBhvr>
+                                        <p:cTn id="52" dur="1" fill="hold">
+                                          <p:stCondLst>
+                                            <p:cond delay="0"/>
+                                          </p:stCondLst>
+                                        </p:cTn>
+                                        <p:tgtEl>
+                                          <p:spTgt spid="3">
+                                            <p:txEl>
                                               <p:pRg st="4" end="4"/>
                                             </p:txEl>
                                           </p:spTgt>
@@ -29365,7 +29414,7 @@
                                     </p:set>
                                     <p:animEffect transition="in" filter="fade">
                                       <p:cBhvr>
-                                        <p:cTn id="50" dur="500"/>
+                                        <p:cTn id="53" dur="500"/>
                                         <p:tgtEl>
                                           <p:spTgt spid="3">
                                             <p:txEl>
@@ -29561,12 +29610,21 @@
           <a:p>
             <a:pPr algn="ctr"/>
             <a:r>
-              <a:rPr lang="en-IE" sz="4400">
+              <a:rPr lang="en-IE" sz="4400" dirty="0">
                 <a:latin typeface="Arial"/>
               </a:rPr>
-              <a:t>Blocking/Non-blocking Example</a:t>
-            </a:r>
-            <a:endParaRPr/>
+              <a:t>Blocking/Non-blocking </a:t>
+            </a:r>
+          </a:p>
+          <a:p>
+            <a:pPr algn="ctr"/>
+            <a:r>
+              <a:rPr lang="en-IE" sz="4400" dirty="0">
+                <a:latin typeface="Arial"/>
+              </a:rPr>
+              <a:t>Database Read Example</a:t>
+            </a:r>
+            <a:endParaRPr dirty="0"/>
           </a:p>
         </p:txBody>
       </p:sp>

--- a/topic07/talk-1/node-2019.pptx
+++ b/topic07/talk-1/node-2019.pptx
@@ -199,30 +199,211 @@
           <inkml:channelProperty channel="T" name="resolution" value="1" units="1/dev"/>
         </inkml:channelProperties>
       </inkml:inkSource>
-      <inkml:timestamp xml:id="ts0" timeString="2019-03-06T10:06:54.050"/>
+      <inkml:timestamp xml:id="ts0" timeString="2021-11-03T16:21:39.955"/>
+    </inkml:context>
+    <inkml:brush xml:id="br0">
+      <inkml:brushProperty name="width" value="0.05292" units="cm"/>
+      <inkml:brushProperty name="height" value="0.05292" units="cm"/>
+      <inkml:brushProperty name="color" value="#FF0000"/>
+    </inkml:brush>
+  </inkml:definitions>
+  <inkml:trace contextRef="#ctx0" brushRef="#br0">29333 7178 576 0,'-18'-22'25'0,"6"17"6"0,-7-6-31 0,7-6 0 15,-7 6 0-15,7-5 0 0,-13 5 226 0,7-6 39 0,5-4 8 0,-5 10 2 16,-1-6-194-16,1 12-38 15,-7-17-8-15,7 0-2 0,-7 5-24 0,7 1-9 0,-13-1 0 0,6-4 9 16,0 10-23-16,-5-6-5 0,-7 6-1 0,0-5 0 16,0 10 0-16,-6-16 0 15,-7 11 0-15,-5 11 0 0,5-16 10 0,1 10 2 0,-6-5 0 0,-1 6 0 16,-6 0 22-16,-5-6 5 0,5 5 1 16,-6-5 0-16,0-5-1 0,0 10 0 0,-6-10 0 0,7 10 0 15,-1 1 4-15,0-12 1 16,0 12 0-16,6-17 0 0,-5 11-8 0,-1 0-2 0,-6 0 0 15,-12-5 0-15,-1 5-6 0,1 0-8 0,0 0 11 16,5-6-11-16,-5 6 0 0,0-5 0 16,6 10 0-16,-1-16 0 0,-5 12 0 15,0-12 0-15,-7 5-9 0,1 6 9 0,-1-5 0 0,-5 10 0 0,5-16 0 0,1 6 8 16,-1 5-8-16,1 0 0 0,-1 0-8 0,-12 0 8 16,1 0 0-16,-1 0 0 0,0 0 0 0,-6 0 11 0,0 0-11 15,0 6 0-15,0-6 0 0,-6 11 0 0,-13-11 0 0,1 5 0 16,-13 1 0-16,13 5 8 15,5 0-20-15,-5 0-4 0,-1 0 0 0,1 0-1 0,-1 5 17 16,7-5 0-16,-6 6 0 0,5 5 0 0,7-11 0 0,-6 5 0 16,-1-5-8-16,-5 6 8 0,6 10 0 15,-7-16 12-15,7 11-1 0,-1 0-1 0,1 0-10 16,-6-11-14-16,5 6 3 0,-5-1 1 0,-7 1 10 16,7 4 14-16,-1 1-3 0,1 0-1 0,-1 0-10 0,-5 11-11 15,-1-5 3-15,-6-1 0 0,13 12 8 16,-1 4 0-16,1-10 0 0,5-5 0 0,-11 5 0 0,-1 0 9 15,7 11-1-15,-1-17-8 0,7 17 8 0,0-11-8 16,-1 5 0-16,1-5 0 0,0 0 8 0,-7 5-8 16,-6 6 0-16,19 0 0 0,6-11 0 15,-6 6 10-15,-6 4-10 0,6-15 8 0,6 10-8 0,-6 1 0 16,-19 5 0-16,13 5 0 0,-1-5 0 0,13-6 0 0,-12 6 0 16,0 6 0-16,-7-7 0 0,1 12 0 15,-1-11 8-15,7 6-8 0,0 4 0 0,12-4 0 0,-7 5-12 16,1-12 12-16,0 7-10 0,-6-1 10 0,-1 6 0 0,7-6-9 15,12 6 9-15,1-16 0 0,-7 5 0 0,0-1 0 16,-19 1 0-16,13-5 0 0,-6-1 0 16,6 6 0-16,6 0 0 0,-7-6-10 0,14 1 1 0,-7 10 0 15,-7-5 9-15,1-11 11 0,6 16-3 16,0-10 0-16,13 10-8 0,5-5-14 0,1 0 3 16,-1 0 1-16,7 0 10 0,-7-6 0 0,1 6 0 0,-1-6-8 15,13 6-1-15,0 0 0 0,-12 5 0 0,5-5 0 0,7-5-12 16,0 5-3-16,0-1 0 0,0-10 0 0,0 0 14 15,-7 0 10-15,7 6-13 0,-6-12 5 0,-1 11 8 0,7-5 0 16,6 6 0-16,0-6 0 0,-6 5 0 0,6-5 0 16,12 5 0-16,-11 1 0 15,-1-1 0-15,0 1 0 0,0-1 0 0,0 0 0 16,12 6 0-16,-12-5 0 0,12 5 0 0,-12-11 0 16,13 0 0-16,5 5 0 0,-6 6 0 0,1-22 0 0,5 5 0 0,7 6 0 15,-19 0 0-15,6 0 0 0,1-6 0 16,-1 6 0-16,7 0 0 0,-7 0 0 0,-6 6 0 0,7-6 0 15,-1 10 0-15,0-15 0 0,1 10 0 0,11 1 0 16,-18-1 0-16,19-5 0 0,-13 0 0 16,13 0 0-16,0-6 0 0,-1 6 0 0,1 0 0 0,6 0 0 15,-19 0 0-15,7-6 0 0,5 1 0 0,7-1 0 16,-12 6 0-16,5-5 0 0,-5 5 0 0,6 5 0 16,-13 0 0-16,6-10 0 0,7 5 0 0,0 0 8 0,12 0-8 15,-19 5 8-15,7-5-8 0,6 11 8 0,0-11-8 0,-7 0 8 16,1 0-8-16,6 5 0 15,0-5 0-15,6 5 0 0,6-5 0 0,-12 0 0 0,12 0 0 0,0 0 0 16,13 5 0-16,-7-5 0 0,6-5 0 0,7 10 0 16,6-10 0-16,-6 5-12 15,-1 0 4-15,13-6 0 0,0 6 8 0,0 0 0 16,-12-6 0-16,6 6 0 0,6-5 0 0,0-1-8 16,0 6 8-16,0-6 0 0,-13 6 0 0,7 0-8 0,6 0 8 0,-6 0 0 15,0 0 0-15,6 0 0 0,6-6 0 16,-6 12 0-16,0-1 0 0,6 1 0 0,13-1 0 0,-19 0 0 15,6 1-10-15,6-1 10 0,-6 1-12 0,13-1 12 16,-13 0 0-16,6 1 0 0,1-1 0 0,5 6 0 0,-5 0 0 0,5-6-8 16,-6 6-1-16,7 0 0 0,-1 6 9 0,-5-18 0 15,11 7 0-15,-17 5 0 0,11-17 0 0,1 12 0 16,-1-6 0-16,1 5 0 0,5-5 0 16,-5 0 0-16,5 0 0 0,-5 5 0 0,-1-10 0 15,7-1 0-15,-6 6 0 0,11 5 0 0,-11-16 0 0,6 11 0 16,-1-5 0-16,7 5 0 0,0 0 0 0,0-6 0 15,-7 0 0-15,13 6 8 0,-12 6-8 0,6-12 0 16,6 1 0-16,0 5 0 0,0 5 0 0,6-16 0 16,0 5 8-16,-12 6-8 0,0-5 8 0,0-1-8 0,6 1 8 0,0 5-8 31,6-6 0-31,0 0 0 0,0 6 0 0,-6-5 0 0,6-6 0 16,7 5 0-16,-7-5 0 0,0 6 0 0,0-6 0 0,0 5 0 15,7-5 0-15,-1 0 8 0,0-6-8 0,1 1 0 0,5-1 0 16,1 1 0-16,5-1 0 0,7-5 0 15,-6 6 0-15,5 5 11 0,7-11-11 0,-12 0 0 16,0 0 0-16,-1 0 8 0,1 11-8 0,6-11 0 16,-6 0 0-16,5 0 8 0,1 0-8 0,-6 11 0 15,12-11 0-15,0 5 8 0,0 1-8 0,0 5 0 16,0 0 0-16,0 0 8 0,0-6-8 0,0 1 0 16,0-1 0-16,6 6 8 0,6 0-8 0,-6-11 0 0,7 5 0 0,-13 1 0 15,12-1 0-15,-6-5 8 0,0 11-8 16,-6-5 8-16,7-1-8 0,-1 1 0 15,-6 5 0-15,6-6 0 0,6 6 0 0,1 0 8 16,-13 0-8-16,6-5 0 0,6 5 0 0,0-6 8 0,7 6-8 0,-19-6 0 16,12 1 10-16,7-1-10 0,-1 1 12 15,1-6-12-15,5 0 28 0,7 0-2 0,-6 5 0 0,-1-5 0 16,-5 0-26-16,-1-5 0 0,7 5 8 0,0 0-8 16,5-6 0-16,1 6 0 0,-6 0 0 0,6 0 0 0,-7 0 0 0,-5 0 0 15,-1 0 0-15,7 6 8 0,-6-12-8 0,11 6 0 16,1 0 0-16,0 6 0 0,0-6 0 15,0 5 0-15,-7 6 0 0,-5-11 0 0,-1 0 0 16,7 0 8-16,0 0-8 0,5 0 0 16,7 0 8-16,-6 0-8 0,-6 0 8 15,0 0-8-15,5 0 12 0,1 0-4 0,-12 0 0 16,5 0 0-16,13-11 1 0,-6 11 0 0,-6 0 0 0,-1 0 0 16,7 0-9-16,-6 0 8 0,0 0-8 0,-7 11 8 0,-6-11-8 15,13 0 0-15,18 11 0 0,0-11 0 0,-12 6 0 0,6-6 8 16,0 11-8-16,6-11 0 0,-6 0 0 0,6 0 0 15,-6 0 0-15,13 0 0 0,5-6 0 0,-12 6 0 0,0-5 0 0,-6 5 0 16,0 0 0-16,0 0 8 0,7 0-8 0,5 5 0 16,-12-5 0-16,0 6 0 15,0-1 0-15,0 1 0 0,-6 5 0 0,6-6 0 16,0 6 0-16,6-5 0 0,0 5 0 0,0 0 0 16,0-6 0-16,-6 6 0 0,-6-6 0 0,12 1 8 0,7-1-8 15,5-5 0-15,-12 0 0 0,13 6 0 0,-7-6 0 0,0 0 0 16,7-6 0-16,-1 1 0 0,1-1 0 0,-1 1 0 15,13-1 0-15,-6 1 0 0,-1 0 0 0,-5-6 0 16,5 0 0-16,7 5 0 0,0-5 8 0,0 0-8 16,-6 6 0-16,-1-6 0 0,1 0 0 0,0 5 0 0,5-5 0 15,-5 0 8-15,6 0-8 0,-7 0 8 16,-5 0-8-16,6-5 0 0,-1 5 0 0,1 0 8 0,18-11-8 0,-12 6 0 16,-7-1 0-16,1-5 0 0,0 6 8 0,-7-11-8 15,1 5 8-15,-1 5-8 0,1-10 0 0,-7 5 0 16,-6 0 8-16,-6-5-8 0,0-6 0 15,6 5 8-15,7 6-8 0,-7 0 8 16,0-16 4-16,-12 11 0 0,6-6 0 0,-6 0 0 0,-1 0-2 0,7-5 0 16,0-1 0-16,0 6 0 0,6 0-10 0,-12 1 12 0,0-1-12 15,-6 0 12 1,-7-6-12-16,1 7 0 0,-1-7 9 0,1 1-9 16,-1 5 8-16,-5-16-8 0,5 10 8 0,-6-5-8 0,1 6 0 15,-1-11 0-15,-6 5 0 0,0 0 0 0,-6 0 0 0,0-5 9 0,0-6-9 16,-6 6 0-16,-6 5 15 0,-1-6-4 15,7 1-1-15,6 0 0 0,-6 5-10 0,0 0 0 16,0 0 0-16,-7-5 0 0,1 5 11 0,0-5-3 0,-1-17-8 0,1 11 12 16,-6 0-12-16,-1-5 11 0,7-6-11 0,-1 6 10 15,1 0 2-15,-7-6 1 0,-5 0 0 16,5 11 0-16,-5-5-13 0,-1 0-8 0,-6 5 8 16,-6 0-13-16,0-5 13 0,-6 0 0 0,0-1 12 0,-7 1-12 15,-5 5 19-15,6-5-3 0,-7 0-1 0,-6 5 0 16,7-5-15-16,-7 5 0 0,1 5 8 15,-1-10-8-15,-6 5 0 0,6 6 0 0,-5 5 8 0,-1-5-8 0,0-6 0 0,-6 6 0 16,-6-1 0-16,0-4 0 16,-1 4 10-16,1-5-10 0,-6 17 10 0,-7-22-10 0,7 16 20 15,-6-11-1-15,-7 11-1 0,0-5 0 0,1 5 10 0,-1 0 3 16,-6 0 0-16,6 6 0 0,-5-6-11 16,-7 0-3-16,0 6 0 0,0 0 0 0,0-6-17 0,0 0 0 15,-7 6 0-15,1-6 0 0,0 16 0 0,-6-27 0 16,6 17 0-16,0-6 0 0,-1-5 0 0,1 0 0 15,0 5-8-15,0 0 8 0,0 6 0 0,0-12 0 16,-7 6 0-16,1 6 10 0,0-6-10 0,-13 0 0 16,0 17 0-16,7-22 0 0,-1 16 0 0,-5-11 0 0,-7 11 0 0,6-5 0 15,-6 5 0-15,0 5 0 16,1-16 0-16,-1 12 0 0,-6-7 0 0,-6 6 0 0,0 6 0 16,-1-6 0-16,1 6 0 0,-6-6 0 0,6 0 0 0,0 5 0 15,-1 6 0-15,1-10 0 16,0-7 0-16,0 28 0 0,-6-27 0 0,-1 10 0 0,1 1 0 15,-7 0 0-15,-18-1 0 0,7 6 0 0,5 6 0 16,-6-6 0-16,0 0 0 0,-6 0 0 16,-6 6 0-16,-12 5 0 0,5-6 0 0,1 1 8 15,0 5-8-15,-1 5 8 0,-5-10-8 0,-13 10 0 0,0 6 0 0,-6-10 8 16,0 10-8-16,-6 0 0 0,-6 10 0 0,-13-10 0 16,-12 11 0-16,7 6 0 0,-1 5-8 0,-6 0 8 15,-13 5 0-15,-11 6-11 0,5 11 11 0,-18-6-8 16,-6 17 8-16,-12 16-8 0,-1-5 8 0,-24 16-8 15,-6 11-34 1,-13 6-6-16,-6 11-2 0,-6 10 0 0,-6 12-118 16,-18 16-23-16</inkml:trace>
+</inkml:ink>
+</file>
+
+<file path=ppt/ink/ink10.xml><?xml version="1.0" encoding="utf-8"?>
+<inkml:ink xmlns:inkml="http://www.w3.org/2003/InkML">
+  <inkml:definitions>
+    <inkml:context xml:id="ctx0">
+      <inkml:inkSource xml:id="inkSrc0">
+        <inkml:traceFormat>
+          <inkml:channel name="X" type="integer" min="-2.14748E9" max="2.14748E9" units="cm"/>
+          <inkml:channel name="Y" type="integer" min="-2.14748E9" max="2.14748E9" units="cm"/>
+          <inkml:channel name="F" type="integer" max="32767" units="dev"/>
+          <inkml:channel name="OA" type="integer" max="360" units="deg"/>
+          <inkml:channel name="OE" type="integer" max="90" units="deg"/>
+        </inkml:traceFormat>
+        <inkml:channelProperties>
+          <inkml:channelProperty channel="X" name="resolution" value="1000" units="1/cm"/>
+          <inkml:channelProperty channel="Y" name="resolution" value="1000" units="1/cm"/>
+          <inkml:channelProperty channel="F" name="resolution" value="0" units="1/dev"/>
+          <inkml:channelProperty channel="OA" name="resolution" value="1000" units="1/deg"/>
+          <inkml:channelProperty channel="OE" name="resolution" value="1000" units="1/deg"/>
+        </inkml:channelProperties>
+      </inkml:inkSource>
+      <inkml:timestamp xml:id="ts0" timeString="2020-11-19T11:30:40.804"/>
     </inkml:context>
     <inkml:brush xml:id="br0">
       <inkml:brushProperty name="width" value="0.05" units="cm"/>
       <inkml:brushProperty name="height" value="0.05" units="cm"/>
-      <inkml:brushProperty name="color" value="#ED1C24"/>
-      <inkml:brushProperty name="fitToCurve" value="1"/>
+      <inkml:brushProperty name="color" value="#E71224"/>
     </inkml:brush>
   </inkml:definitions>
-  <inkml:trace contextRef="#ctx0" brushRef="#br0">0 3675 345 0,'0'0'15'0,"0"0"4"0,0 0-19 0,0 0 0 0,0 0 0 0,0 0 0 15,10-4 132-15,-10 4 24 0,0 0 4 0,5-4 0 16,0-5-108-16,-1 0-23 0,-4 1-4 0,0 8-1 16,10-9-5-16,-5 0-2 0,-5 9 0 0,0-4 0 15,0 4 9-15,0 0 2 0,5-9 0 0,-5 9 0 16,0-8 13-16,0 8 3 0,0 0 1 0,5-5 0 15,-5 5-2-15,0 0-1 0,5-4 0 0,-5 4 0 16,0 0-12-16,4-13-2 0,1 9-1 0,0-5 0 16,-5 9-10-16,5-8-1 0,0-1-1 0,0 0 0 15,4 5 1-15,-4-5 0 0,5 1 0 0,0-1 0 16,-1 0 9-16,1-4 3 0,5 0 0 0,-6 1 0 0,6-6-10 16,0 5-2-16,4-4 0 0,-4-5 0 0,4 1-2 0,0-5-1 15,6 4 0-15,-1-4 0 0,0 1-5 0,1-6 0 16,4 1-8-16,0 0 12 0,5 0-12 0,0-5 0 15,-5 0 8-15,5 1-8 0,5-1 0 0,-5-3 0 16,5-1 8-16,0 4-8 0,0-4 13 0,4 0 0 16,1 1 0-16,0-6 0 0,0 5 9 0,4-4 2 15,1 4 0-15,-1 1 0 0,6-6 0 0,-1 5 0 16,-4-4 0-16,4 4 0 0,1-4-9 0,-1 4-2 16,1 1 0-16,4-1 0 0,0-5-4 0,5 6-1 15,-9 3 0-15,9-4 0 0,0 0-8 0,-5 5 10 0,1-1-10 16,-6 5 10-16,5-5-1 0,-4 1 0 0,-1-1 0 15,1 5 0-15,4-4 0 0,-5-1 0 0,6 5 0 0,-1-5 0 16,0 5-9-16,1-5 12 0,-1 5-12 0,0-4 12 16,1 3-12-16,-1 6 10 0,-5-6-10 0,6 1 10 15,-6 4-10-15,5 0 0 0,1 0 9 0,4 0-9 16,-5-8 0-16,0 8 0 0,1 0 0 0,-6 4 0 16,5-3 0-16,1-1 8 0,-11 4-8 0,6-4 0 15,-6 5 12-15,6-5-3 0,-6 4 0 0,1 0 0 16,4 9 9-16,-4-4 2 0,0-4 0 0,-1 3 0 15,1 1-20-15,-1 4 0 0,-9 0 0 0,0-4 0 16,0 4 0-16,-5 4 0 0,0 1-10 0,-5-1 10 16,0 0 0-16,-4 1 0 0,4-1 0 0,-5 5 8 15,-5-5 0-15,6 1 0 0,9 3 0 0,-10-3 0 0,0 3-8 16,-4 1 0-16,4-5 9 0,0 5-9 0,5 0 0 16,-4-1 0-16,-6-3 0 0,5 3 8 0,6 1-8 0,-11 0 0 15,-4-5 0-15,-1 5 8 16,6-1-68-16,-1-3-14 0,1 4-2 0,-6-5-971 15</inkml:trace>
-  <inkml:trace contextRef="#ctx0" brushRef="#br0" timeOffset="1078">4470 462 460 0,'0'0'41'15,"0"0"-33"-15,0 0-8 0,0 0 0 16,0 0 138-16,0 0 26 0,0 0 4 0,0 0 2 16,0 0-98-16,0 0-20 0,0 0-4 0,0 0-1 15,0 0 3-15,0 0 1 0,0 0 0 0,10 0 0 0,-1 0-11 16,1 0-1-16,-10 0-1 0,10 4 0 0,4 1-15 0,1-5-3 15,-5 4-1-15,-1 0 0 0,6 1 9 0,4-5 3 16,1 4 0-16,-6-4 0 0,-4 4 4 0,9-4 1 16,11 5 0-16,-11-1 0 0,0-4-8 0,6 0 0 15,9 0-1-15,0 0 0 0,0 0-3 0,5 0 0 16,-5 0 0-16,0 0 0 0,5 4-10 0,-5 1-2 16,-10-1-1-16,5-4 0 0,10 4-11 0,-5 1 0 15,-10-1 9-15,-4 0-9 0,4 1 0 0,0 7 0 16,0-7 0-16,-4 3 8 0,-1 5-8 0,6-4 0 0,-1 4 0 15,-9-4 0-15,-6 4 0 0,1-5 0 0,9 5 0 16,-9-4 0-16,-5-1 8 0,0 1-8 0,5 4 10 16,-6-4-10-16,-4 4 32 0,-4 0 0 0,-6-5 0 15,5 5 0-15,5 0-12 0,-10 0-3 0,-9-4 0 0,4 8 0 16,6 0-2-16,-6-4-1 0,-4 0 0 0,-1 4 0 16,-4-4-14-16,4 5 9 0,1-5-9 0,-5 4 8 15,-6 0 12-15,6 0 3 0,5 1 0 0,-6-1 0 16,-4 0-23-16,5-4 9 0,0 5-9 0,4 3 0 15,-4-8 0-15,-5 9 0 0,0-9 0 0,9 4 0 16,6 0 0-16,-6 0 0 0,-9-4 0 0,10 5 0 16,14-5 0-16,-10-5 0 0,-4 5 0 0,4-4 0 15,6 0-82 1,9-9-14-16,0 0-2 0,0 0-1 0,0 0-113 0,0 0-22 0,19 0-5 0,-19 0-1 0</inkml:trace>
-  <inkml:trace contextRef="#ctx0" brushRef="#br0" timeOffset="43822">5918 449 338 0,'0'0'0'0,"0"0"14"0,0 0-4 0,0 0 1 0,0 0-11 0,0 0 0 0,0 0 0 0,0 0 0 16,0 0 93-16,0 0 17 0,0 0 3 0,9 0 1 16,-9 0-33-16,0 0-6 0,0 0-2 0,0 0 0 15,10-4 4-15,-10 4 1 0,0 0 0 0,0 0 0 16,10-4-18-16,-10 4-3 0,0 0-1 0,0 0 0 16,0-9 7-16,0 9 1 0,0 0 0 15,0 0 0-15,0 0-22 0,0 0-4 0,0 0-1 0,0 0 0 0,-10-4-9 0,10 4-1 16,0 0-1-16,0 0 0 0,-10 0-13 15,10 0-2-15,0 0-1 0,0 0 0 0,-4 8-10 0,-6-3-11 16,0 3 3-16,5-4 0 0,5-4 8 0,-9 9 0 16,-1 0 0-16,0-1 0 0,0 1 38 0,6 4 10 15,-6 0 1-15,5 0 1 0,-10 0-38 0,6 0-12 16,4 4 8-16,-5 0-8 0,0 1 0 0,1-5 0 16,-1 0 8-16,0 4-8 0,0-4 11 0,6 4-2 0,-1-4 0 15,5 4 0-15,-10-8-9 0,5 4 0 0,0 4 0 0,0-4 0 16,5 0 0-16,-4 4 0 0,-6-4 0 15,5 5-11-15,5-1 11 0,0 0 0 0,-5 0 0 0,0 1 0 16,5-1 0-16,0 5 0 0,0-5 0 0,0 0 0 16,-5 5 0-16,5-5-8 0,5-4 8 15,0 4-8-15,-5-4 8 0,5 0 0 0,5-4 0 0,4 4 0 16,-9-5 0-16,0-3 0 0,5 3 0 0,-1 1 0 16,6 0 0-16,-5-5 0 0,-10-4 0 0,9 9 0 15,11-1 0-15,-10 1 9 0,4-5-9 0,-4 9 0 16,5-9 0-16,-6 1 0 0,-9-5 0 0,10 4 0 15,5 0 0-15,-6-4 0 0,6 5 0 0,-1-5 0 16,-14 0 9-16,15-5-9 0,0 5 0 0,-1-4 9 16,-14 4-9-16,15-4 0 0,4-1 0 0,1-3 0 15,-6-1-155-15,-4 0-29 0,9-12-7 0,10 4-1 16</inkml:trace>
-  <inkml:trace contextRef="#ctx0" brushRef="#br0" timeOffset="44868">6563 644 172 0,'0'0'16'0,"0"0"-16"15,0 0 0-15,0 0 0 0,0 0 186 0,0 0 34 16,0 0 8-16,0 0 0 0,0 0-102 0,0 0-21 16,0 0-4-16,-5-5-1 0,-5 1-7 0,1 0-1 15,-1-1-1-15,5 5 0 0,-9 0-19 0,9 0-4 16,5 0-1-16,-15 0 0 0,1 0-47 0,4 0-8 15,-5 5-3-15,6 3 0 0,-1-3 44 0,0 3 9 16,-4 1 2-16,4-1 0 0,0 1-52 0,0 4-12 16,-4-4 0-16,4 4 0 0,-5 0-14 0,1 0-6 0,-1-1 0 0,1 1-1 15,4 5 21-15,0-1 0 0,1 0 0 16,-1 9 0-16,-5-4 0 0,6-1 0 0,9 5 0 16,-5 0 0-16,-10 0 12 0,5 4 8 0,10-8 0 0,0 4 1 15,0 0-33-15,-4-5-8 0,-1 1 0 0,10-5-1 16,-1 0 13-16,6 1 8 0,-10-5-10 0,10 0 10 15,4-5-8-15,1 5 8 0,-15-13 0 0,5 5-9 16,9-1 9-16,-4 5 0 0,5-9 0 0,-15 0 0 16,0 0 0-16,14-5-8 0,6-3 8 0,-1-1 0 15,-9 0 0-15,4-4 0 0,1-4 0 0,0 0 0 16,-1 0 0-16,1-5-8 0,4 0 8 0,1-4 0 16,-11 0 0-16,6-4 0 0,-5 9 0 15,4-5-8-15,1-4 8 0,-5 8 0 0,-1-4 0 0,-4 4 0 16,0 1 28-16,5-1 5 0,-5 1 1 0,-1 3 0 15,1 1-53-15,-5 4-10 0,5 0-3 0,-5 5 0 0,5-5 32 0,-5 8 0 16,0 5 0-16,0 0 0 0,0 0 8 0,0 0 0 16,0 0 1-16,0 0 0 0,0 0 10 0,0 0 1 15,0 0 1-15,0 0 0 0,0 0-21 0,0 0 0 16,0 0-10-16,0 0 10 0,-5 5-8 0,-5 3 8 16,6 1 0-16,-1 4 0 0,-5 0 0 0,10-5 0 15,-5 10 0-15,5-5 0 0,0 4 0 0,0 0 0 16,0 0 0-16,0 5 0 0,0-5 0 0,0-4 0 15,5 5 12-15,-5-1-3 0,5-4-9 0,0 4 0 16,0-4-10-16,4 0 10 0,-4 0 0 0,5 0 0 16,0 0-8-16,-1 0 8 0,6 0 0 0,-5 0 0 0,-1-5 12 0,6 1-12 15,-5 0 0-15,-1-5 0 16,1 0 0-16,5 1-9 0,-6-1 9 0,6-4 0 0,-5 0 0 16,4-4 0-16,1-1-14 0,-6 1-7 0,1-5-2 0,5-4 0 31,-1 0-153-31,1 0-32 0,4-21-5 0,6 4-2 0</inkml:trace>
-  <inkml:trace contextRef="#ctx0" brushRef="#br0" timeOffset="45243">7016 212 288 0,'0'0'12'0,"0"0"4"0,0 13-16 0,-5 0 0 16,0 4 0-16,5 0 0 0,-5 0 259 0,5 1 49 15,-5 3 9-15,0 1 3 0,1-1-220 0,4 1-43 16,-10 4-9-16,5-4-1 0,0 8-18 0,5-4-3 0,0 4-1 0,0 4 0 16,-5 5-4-16,0-4-1 0,5-1 0 15,0 5 0-15,0 4-1 0,0 1-1 0,0 3 0 0,0 1 0 16,0 3-18-16,0-3 0 0,5-5 8 0,0 5-8 16,-5-5 0-16,5-9-16 0,5 1 4 0,-5-5 0 31,-1 5-40-31,1-9-7 0,-5-5-1 0,5-8-678 0</inkml:trace>
-  <inkml:trace contextRef="#ctx0" brushRef="#br0" timeOffset="45571">7327 268 864 0,'0'0'76'0,"0"13"-60"16,0 0-16-16,0 4 0 0,0-4 92 0,-5 9 15 16,0-5 3-16,0 9 1 0,-5-5-39 0,5 5-7 15,5 4-1-15,0 1-1 0,-4 3-19 0,-1 5-4 16,0-4-1-16,0 4 0 0,5 4-17 0,0-4-3 15,0 4-1-15,0 0 0 0,0 0-7 0,0 5-2 16,0-5 0-16,5 0 0 0,-5 0-9 0,5-4 0 16,-5 0 0-16,5-5 0 0,-1-8 0 0,1 0 0 15,0 0 0-15,0 0-512 0,-5-4-101 16</inkml:trace>
-  <inkml:trace contextRef="#ctx0" brushRef="#br0" timeOffset="46415">7662 307 633 0,'0'13'56'0,"0"0"-44"16,0 8-12-16,0 1 0 0,0-1 120 0,0 5 23 15,0-4 4-15,0 4 1 0,0 0-78 0,-5 8-15 0,0-4-3 16,5 5-1-16,0 0-15 0,0-5-2 0,10 0-1 0,-10 0 0 16,-5 5-20-16,5-1-4 0,5 10-1 0,-5-1 0 15,-5-4 19-15,0 4 3 0,5-4 1 0,0-1 0 16,0 1-15-16,0-4-4 0,0-5 0 0,0-4 0 15,0 0 4-15,0 0 0 0,-5-5 0 0,5-3 0 16,0-5 7-16,-5 0 1 0,5-5 1 0,-9 1 0 16,9-9 15-16,0 0 4 0,0 0 0 0,0 0 0 15,0 0-2-15,-5-4 0 0,5 4 0 0,-5-13 0 16,0 0-19-16,5-9-4 0,0 5-1 0,0-5 0 16,5 1-18-16,0-5 10 0,-5 0-10 0,0 0 8 15,14 0-8-15,-9 0 0 0,5 4 0 0,-5-3 0 16,-10 3 0-16,10 5 0 0,-5-5 0 0,5 9 0 15,4-4 0-15,-4 4 0 0,0 0 0 0,0 0 0 16,0 4 0-16,0 1 0 0,0-1 0 0,-1 0 0 0,6 1 0 16,-5-1 0-16,0 5 0 0,0-5 0 0,4 5 0 0,-9 4 0 15,10-4 0-15,0 4 0 0,0 0 0 16,-10 0 0-16,9 4 0 0,1 0 0 0,5 5 0 0,-1 0 0 16,-4-1 0-16,0 5 0 0,4 0-8 0,-4 4 8 15,0-4 0-15,-6 9 0 0,6-5 0 0,-5 0 0 16,0 1 0-16,0 3 0 0,0-3 0 0,-5-1 0 15,4 4 0-15,-4-3 0 0,0 3 8 0,0-3-8 16,0 3 0-16,0-4 8 0,-4 5-8 0,4 8 0 16,-10-8 0-16,10-9 0 0,-5 4 0 0,0-4 0 15,-5 0 12-15,6 0-4 0,-6 4-8 0,0-4 10 16,-4 0-10-16,-1 0 10 0,0 0-10 0,6-4 8 0,-6-5-8 16,1 5 8-16,-6-9 2 0,1 0 0 0,9 0 0 0,-9-9 0 15,-1 0-10-15,-4 1 8 0,4-5-8 0,6 0 8 16,-6-4-20-16,6-1-5 0,-1 1-1 15,6 4 0 1,-1-4-46-16,0 0-10 0,5-1-2 0,5 1 0 16,0-5-41-16,5 5-9 0,0-4-2 0,5-1-614 0</inkml:trace>
-  <inkml:trace contextRef="#ctx0" brushRef="#br0" timeOffset="47055">8274 851 1598 0,'0'0'35'0,"0"0"7"0,0 0 2 0,0 0 1 0,0 0-36 0,-5 4-9 15,5-4 0-15,-10 9 0 0,-4-1 57 0,4-3 10 16,0 8 1-16,6-5 1 0,-11 1-30 0,5 4-7 16,1 0 0-16,-1 0-1 0,-5 4 13 0,6-4 2 15,-6 4 1-15,5 1 0 0,1-1-14 0,-1 4-2 16,0-3-1-16,0 3 0 0,1 1-17 0,4-5-3 16,-5 0-1-16,5 5 0 0,0-5-9 0,5 1 0 0,-5-1 0 15,5 0 0-15,0-4 0 0,0 0 0 16,0 4-8-16,5-4 8 0,-5-13 0 0,5 9-9 0,0-5 9 0,0 5 0 15,5 0-11-15,-1-1 11 0,-9-8-10 0,10 0 10 16,0 0 0-16,0 0-9 0,-1-4 9 16,1 0 0-16,0-1 0 0,4-3 0 0,-4 3 0 0,0-8 0 15,4 5 0-15,-4-5 0 0,5 4 0 0,-6-8 0 16,-4 0-12-16,5-1 4 0,0-3 0 0,-6 3 0 16,6 1 8-16,-5-4 14 0,5-1-3 0,-1 5-1 15,-4-5-10-15,0 0 0 0,0 5 9 0,-5-4-9 16,0 3 0-16,5 1-16 0,-5 0 2 0,-5 4 1 15,5-4 13-15,-5 8 0 0,0-4 0 0,0 4 0 16,1 1 28-16,-1-1 9 0,5 9 2 0,0 0 0 16,-5-4-23-16,5 4-5 0,0 0-1 0,0 0 0 15,0 0-10-15,-5 13 0 0,0-5 0 0,0 5 0 0,5 5 0 16,0-1 0-16,0 0 0 0,0 5 0 0,0-1 0 0,0 1 0 16,5-1 9-16,0 5-9 0,0-4 0 0,0 4 9 15,-5-5-9-15,0 5 0 0,5-4 0 0,4 0 0 16,-4 3 0-16,5-7 0 0,-5-5 14 0,0 0-4 15,4 0-1-15,-4 0 0 0,0-5-9 0,5 1-12 16,-1-5 2-16,6 0 1 0,-15-4 9 0,10 5 0 16,-1-5 0-16,6-5 0 15,-5 5-132-15,-1-8-25 0,6-1-5 0</inkml:trace>
-  <inkml:trace contextRef="#ctx0" brushRef="#br0" timeOffset="47446">8823 846 806 0,'0'0'72'0,"0"0"-58"0,0 0-14 0,0 0 0 15,-5 9 186-15,-5 0 34 0,6-1 8 0,-1 1 0 16,-5 0-105-16,5-1-22 0,-5 1-4 0,6 4-1 16,-6 0-47-16,5-5-9 0,-5 5-3 0,1 5 0 0,-6-5-12 15,10 0-2-15,-5 4-1 0,6-4 0 16,-6 4 6-16,0 0 2 0,0 1 0 0,6-1 0 0,-6 0-8 0,5 1-2 16,-5 3 0-16,10-4 0 0,0 1-4 0,0-1 0 15,0-4-1-15,0 8 0 0,5-3-7 0,0-1-8 16,0-4 11-16,0 0-11 0,4 0 8 0,-4 0-8 15,5 0 0-15,5 0 0 0,-6-5 0 0,6 5-9 16,-5 0 1-16,4 0 0 0,-4-13 8 0,4 5 0 16,1-5 0-16,0 0 0 15,4 0-40-15,-4-5-7 0,4-8-1 0,0 5 0 16,1-5-157-16,-1 0-32 0</inkml:trace>
-  <inkml:trace contextRef="#ctx0" brushRef="#br0" timeOffset="47852">9353 0 288 0,'0'0'25'0,"-5"13"-25"0,0 0 0 0,0-4 0 0,5 8 260 0,-5 0 48 16,0 5 8-16,5-1 3 0,-5-3-191 0,1 8-37 15,-1 4-8-15,5 4-2 0,-5 5-8 0,0-4-1 16,0-1-1-16,5 5 0 0,-5 0-32 0,0 4-7 15,1 0 0-15,-1 1-1 0,0-6-17 0,0 6-3 16,0-1-1-16,0 4 0 0,-4-4-10 0,4 5 0 16,-5-1 9-16,5 5-9 0,0 0 0 0,0-4 9 15,1-1-9-15,-1-4 0 0,0 1 0 0,5-6 0 16,-5-3 0-16,0-5-12 16,5 5-81-16,-5-9-16 0,0 0-3 0,1-5-723 0</inkml:trace>
-  <inkml:trace contextRef="#ctx0" brushRef="#br0" timeOffset="48368">9110 769 864 0,'0'0'38'0,"0"0"8"0,0 0-37 0,0 0-9 0,0 0 0 0,9 8 0 16,-9-8 102-16,10 5 18 0,-10-5 4 0,0 0 1 16,0 0-61-16,10 0-13 0,4 0-3 0,1 0 0 15,4 0-13-15,-4 0-3 0,4 0-1 0,1 0 0 16,-6 4-19-16,11 0-4 0,-6 5-8 0,1-5 12 16,-6 5-4-16,6 0-8 0,-1-1 11 0,-4 1-11 0,-1-1 9 0,1 1-9 15,-6-5 0-15,1 5 9 0,0 0-9 0,0-1 8 16,-6-3-8-16,1 3 8 0,0 1 0 0,-5 4-8 15,0-4 12-15,0 3-4 0,-5 1-8 0,0-4 12 16,1 4-12-16,-1 0 12 0,-10 0-12 0,5 0 0 16,1-4 0-16,-1 3 0 0,-5-3 0 0,6 0 0 15,-1-1 0-15,0-3 8 0,-4 3 1 0,4-3 0 16,5 3 0-16,-5-3 0 0,6 3 15 0,4-8 4 16,-5 0 0-16,5 0 0 0,0 0 2 0,0 0 1 15,0 0 0-15,0 9 0 0,0-9-7 0,5 13-2 16,-5-13 0-16,4 9 0 0,1-5-2 0,0 4 0 0,5 5 0 15,-5-4 0-15,4 0-3 0,-4-1-1 0,5 1 0 16,0 4 0-16,4 0 8 0,-4-4 0 0,5 8 1 16,-1 0 0-16,1 5 5 0,-6-1 1 0,6 9 0 0,0 1 0 15,-1-1-13-15,1 0-2 0,-1-4-1 0,1 9 0 16,-1-5-7-16,-4-4-8 0,0 0 11 0,0 0-11 16,-1-1 0-16,-4 1 0 0,5-8 0 0,-5-5 0 31,9 4-116-31,-4-8-21 0,-5-5-4 0</inkml:trace>
+  <inkml:trace contextRef="#ctx0" brushRef="#br0">0 4 920 0 0,'0'0'4461'0'0,"14"20"6184"0"0,-10-17-10558 0 0,-1 0 0 0 0,1-1 0 0 0,-1 0-1 0 0,1 0 1 0 0,0 0 0 0 0,0 0 0 0 0,-1 0 0 0 0,1-1 0 0 0,1 0-1 0 0,-1 0 1 0 0,0 0 0 0 0,0 0 0 0 0,0-1 0 0 0,0 1 0 0 0,7-1-1 0 0,15 5 249 0 0,-3 0-126 0 0,170-14 726 0 0,-94 5-792 0 0,-26 2-73 0 0,63-7-58 0 0,-28 13-12 0 0,120-18 64 0 0,8-2-64 0 0,-103 10 0 0 0,1 5 0 0 0,153 18 0 0 0,-146 0 0 0 0,9 6 0 0 0,119 12 0 0 0,-116-13 0 0 0,11 11 0 0 0,96 26 0 0 0,-171-37 0 0 0,71 32 0 0 0,-40-11 0 0 0,116 40 0 0 0,-192-66 0 0 0,90 40 0 0 0,-1 1 0 0 0,90 31 0 0 0,-106-42 0 0 0,360 151 63 0 0,-422-175-62 0 0,118 47-1 0 0,61 25 0 0 0,-168-65 0 0 0,213 87 0 0 0,-179-77 0 0 0,42 15 0 0 0,239 91 0 0 0,-77-26 0 0 0,-193-81 0 0 0,286 109 0 0 0,-202-53 0 0 0,22 9 0 0 0,-109-54 6 0 0,182 115 0 0 0,-196-108 46 0 0,128 97-52 0 0,-116-76 11 0 0,-61-42 47 0 0,-1 1 1 0 0,45 52-1 0 0,-45-44 36 0 0,148 167 6 0 0,-101-108 56 0 0,-8 5-73 0 0,-14-18-15 0 0,-29-41-2 0 0,-2 2 1 0 0,-2 2-1 0 0,32 63 0 0 0,-4-5 82 0 0,-31-58-48 0 0,-1-5-36 0 0,-19-30-20 0 0,18 33 0 0 0,158 309 196 0 0,-134-231-117 0 0,64 224 1 0 0,-95-275-104 0 0,-4-10 39 0 0,16 103-1 0 0,-28-133-38 0 0,2 19 32 0 0,7 73 12 0 0,-13-94-51 0 0,0-7 18 0 0,-1 1 0 0 0,-2 0 0 0 0,-3 35-1 0 0,-2 89 34 0 0,2-125-57 0 0,1-12 5 0 0,0-1-1 0 0,-1 0 1 0 0,-1 1-1 0 0,-6 19 0 0 0,-4 38-11 0 0,-2-28 24 0 0,-31 82 108 0 0,45-128-131 0 0,-66 135 106 0 0,54-111-85 0 0,-2-2 0 0 0,0 0 0 0 0,-27 30 0 0 0,-48 60 50 0 0,63-74-17 0 0,-54 56 0 0 0,59-73-47 0 0,-73 70-6 0 0,0-6 36 0 0,-42 35 48 0 0,-85 45-2 0 0,121-90-84 0 0,62-44 3 0 0,31-25 10 0 0,0 0-1 0 0,0 0 1 0 0,-10 5 0 0 0,-168 87 72 0 0,165-88-71 0 0,-1 0 1 0 0,-28 8-1 0 0,-3 2-4 0 0,-111 43 54 0 0,150-59-64 0 0,-1 0-1 0 0,-15 2 0 0 0,-8 2 14 0 0,-13 4 67 0 0,-101 11 1 0 0,80-15-53 0 0,38-4-20 0 0,-78 11 208 0 0,-139 3 0 0 0,181-18-99 0 0,-54-1 26 0 0,50-3-62 0 0,-66-5 37 0 0,70-2-82 0 0,-23-2 96 0 0,-116-31 1 0 0,39-3-79 0 0,-125-30 28 0 0,-11 1-82 0 0,171 41 0 0 0,-142-28 0 0 0,125 33 75 0 0,26 3 32 0 0,51 12-96 0 0,48 8-11 0 0,0 2 0 0 0,-40-3-1 0 0,10 14-359 0 0,46 18-1726 0 0,5-11 36 0 0</inkml:trace>
 </inkml:ink>
 </file>
 
-<file path=ppt/ink/ink10.xml><?xml version="1.0" encoding="utf-8"?>
+<file path=ppt/ink/ink11.xml><?xml version="1.0" encoding="utf-8"?>
+<inkml:ink xmlns:inkml="http://www.w3.org/2003/InkML">
+  <inkml:definitions>
+    <inkml:context xml:id="ctx0">
+      <inkml:inkSource xml:id="inkSrc0">
+        <inkml:traceFormat>
+          <inkml:channel name="X" type="integer" min="-2.14748E9" max="2.14748E9" units="cm"/>
+          <inkml:channel name="Y" type="integer" min="-2.14748E9" max="2.14748E9" units="cm"/>
+          <inkml:channel name="F" type="integer" max="32767" units="dev"/>
+          <inkml:channel name="OA" type="integer" max="360" units="deg"/>
+          <inkml:channel name="OE" type="integer" max="90" units="deg"/>
+        </inkml:traceFormat>
+        <inkml:channelProperties>
+          <inkml:channelProperty channel="X" name="resolution" value="1000" units="1/cm"/>
+          <inkml:channelProperty channel="Y" name="resolution" value="1000" units="1/cm"/>
+          <inkml:channelProperty channel="F" name="resolution" value="0" units="1/dev"/>
+          <inkml:channelProperty channel="OA" name="resolution" value="1000" units="1/deg"/>
+          <inkml:channelProperty channel="OE" name="resolution" value="1000" units="1/deg"/>
+        </inkml:channelProperties>
+      </inkml:inkSource>
+      <inkml:timestamp xml:id="ts0" timeString="2020-11-19T11:30:42.210"/>
+    </inkml:context>
+    <inkml:brush xml:id="br0">
+      <inkml:brushProperty name="width" value="0.05" units="cm"/>
+      <inkml:brushProperty name="height" value="0.05" units="cm"/>
+      <inkml:brushProperty name="color" value="#E71224"/>
+    </inkml:brush>
+  </inkml:definitions>
+  <inkml:trace contextRef="#ctx0" brushRef="#br0">126 317 3624 0 0,'0'0'10536'0'0,"11"-4"-9930"0"0,38-3 725 0 0,-17 2-642 0 0,37-9 1 0 0,-60 11-551 0 0,0 1 0 0 0,0-2 0 0 0,-1 1 0 0 0,1-1 0 0 0,-1-1 0 0 0,0 1 0 0 0,0-2 0 0 0,13-9 0 0 0,-8 4 106 0 0,1 0-1 0 0,19-10 1 0 0,-21 14-149 0 0,0-1 1 0 0,0 0-1 0 0,-1-1 1 0 0,11-10-1 0 0,-1-2-11 0 0,-16 17-65 0 0,0-1 0 0 0,0 1 0 0 0,-1-1 1 0 0,1 0-1 0 0,5-10 0 0 0,-4-7 126 0 0,-6 11-146 0 0,-16-18-85 0 0,7 18-21 0 0,4 10 85 0 0,2 1 1 0 0,-2-2-23 0 0,-1-1 0 0 0,0 1 0 0 0,1 1 0 0 0,-1-1 0 0 0,0 1 0 0 0,0 0 0 0 0,-8 0 0 0 0,10 1-5 0 0,1 0 1 0 0,0 0-1 0 0,-1 0 1 0 0,1 1-1 0 0,0 0 0 0 0,0-1 1 0 0,0 1-1 0 0,-1 0 1 0 0,1 1-1 0 0,0-1 1 0 0,0 1-1 0 0,0-1 1 0 0,1 1-1 0 0,-1 0 1 0 0,-4 3-1 0 0,1 0-85 0 0,0-1 0 0 0,0 0 0 0 0,-1 0-1 0 0,1 0 1 0 0,-13 4 0 0 0,12-5 24 0 0,1 0 0 0 0,-1 1-1 0 0,0 0 1 0 0,1 0 0 0 0,-7 5-1 0 0,-18 16-326 0 0,20-17 336 0 0,2 0 1 0 0,-1 0-1 0 0,1 0 0 0 0,-12 16 1 0 0,-33 41 27 0 0,-22 30 366 0 0,67-81-175 0 0,-50 78 756 0 0,52-80-674 0 0,1 0 0 0 0,0 1 0 0 0,1-1 0 0 0,1 1 0 0 0,-6 25 0 0 0,9 25 478 0 0,1-61-661 0 0,1 1-1 0 0,-1-1 1 0 0,1 0-1 0 0,0 1 1 0 0,0-1 0 0 0,0 0-1 0 0,0 1 1 0 0,0-1-1 0 0,0 0 1 0 0,3 3 0 0 0,2 5 45 0 0,-4-6-28 0 0,0-1 0 0 0,0 1-1 0 0,0 0 1 0 0,0-1 0 0 0,0 0-1 0 0,1 1 1 0 0,0-1 0 0 0,-1 0-1 0 0,1 0 1 0 0,0-1 0 0 0,1 1-1 0 0,-1-1 1 0 0,0 1 0 0 0,1-1-1 0 0,6 3 1 0 0,-5-2 22 0 0,0 1-1 0 0,-1-1 1 0 0,1 1 0 0 0,-1 0-1 0 0,5 5 1 0 0,-5-5-6 0 0,0 1 0 0 0,1-1 1 0 0,0 0-1 0 0,8 6 0 0 0,53 31 190 0 0,-25-17-178 0 0,15 7-43 0 0,-42-24-75 0 0,-10-4-160 0 0,1 0 1 0 0,-1-1-1 0 0,1 0 0 0 0,-1 0 0 0 0,1-1 0 0 0,0 1 1 0 0,6 0-1 0 0</inkml:trace>
+</inkml:ink>
+</file>
+
+<file path=ppt/ink/ink12.xml><?xml version="1.0" encoding="utf-8"?>
+<inkml:ink xmlns:inkml="http://www.w3.org/2003/InkML">
+  <inkml:definitions>
+    <inkml:context xml:id="ctx0">
+      <inkml:inkSource xml:id="inkSrc0">
+        <inkml:traceFormat>
+          <inkml:channel name="X" type="integer" min="-2.14748E9" max="2.14748E9" units="cm"/>
+          <inkml:channel name="Y" type="integer" min="-2.14748E9" max="2.14748E9" units="cm"/>
+          <inkml:channel name="F" type="integer" max="32767" units="dev"/>
+          <inkml:channel name="OA" type="integer" max="360" units="deg"/>
+          <inkml:channel name="OE" type="integer" max="90" units="deg"/>
+        </inkml:traceFormat>
+        <inkml:channelProperties>
+          <inkml:channelProperty channel="X" name="resolution" value="1000" units="1/cm"/>
+          <inkml:channelProperty channel="Y" name="resolution" value="1000" units="1/cm"/>
+          <inkml:channelProperty channel="F" name="resolution" value="0" units="1/dev"/>
+          <inkml:channelProperty channel="OA" name="resolution" value="1000" units="1/deg"/>
+          <inkml:channelProperty channel="OE" name="resolution" value="1000" units="1/deg"/>
+        </inkml:channelProperties>
+      </inkml:inkSource>
+      <inkml:timestamp xml:id="ts0" timeString="2020-11-19T11:30:43.909"/>
+    </inkml:context>
+    <inkml:brush xml:id="br0">
+      <inkml:brushProperty name="width" value="0.05" units="cm"/>
+      <inkml:brushProperty name="height" value="0.05" units="cm"/>
+      <inkml:brushProperty name="color" value="#E71224"/>
+    </inkml:brush>
+  </inkml:definitions>
+  <inkml:trace contextRef="#ctx0" brushRef="#br0">1 694 4688 0 0,'0'0'4512'0'0,"1"-11"-3796"0"0,1-5-412 0 0,2 1 1 0 0,0-1 0 0 0,1 1-1 0 0,0-1 1 0 0,14-26 0 0 0,-12 29 56 0 0,1 0 1 0 0,-1 1-1 0 0,2 0 1 0 0,0 1-1 0 0,18-18 1 0 0,-8 10 128 0 0,-12 12-305 0 0,0 1 0 0 0,0 0-1 0 0,9-6 1 0 0,-2 2 22 0 0,-1-1-1 0 0,0 0 1 0 0,-1 0-1 0 0,0-2 0 0 0,-1 1 1 0 0,12-17-1 0 0,-12 15-91 0 0,71-72 477 0 0,9-9-242 0 0,-21 25-171 0 0,-56 55-141 0 0,20-29-1 0 0,-33 43 59 0 0,-13 20-651 0 0,4-11 442 0 0,0-1-1 0 0,-1 1 0 0 0,0-2 0 0 0,-19 12 1 0 0,14-10-67 0 0,1 0 0 0 0,-15 14 1 0 0,22-17 35 0 0,0-1 0 0 0,0 0 1 0 0,0-1-1 0 0,-13 6 1 0 0,-5 3-223 0 0,1 2-282 0 0,-6-7 473 0 0,-32 5 0 0 0,3-1 21 0 0,29-8 195 0 0,26-4-32 0 0,-1 2 0 0 0,1-1 0 0 0,-1 0 1 0 0,0 1-1 0 0,1-1 0 0 0,0 1 0 0 0,-1 0 0 0 0,1 0 1 0 0,-6 3-1 0 0,6-3 16 0 0,0 0 0 0 0,0 0 0 0 0,0 0 1 0 0,-1-1-1 0 0,1 1 0 0 0,0-1 0 0 0,0 1 0 0 0,-1-1 0 0 0,1 0 1 0 0,-6-1-1 0 0,-10 0 191 0 0,-26 12 287 0 0,43-11-16 0 0,-10-1-95 0 0,18 8 2001 0 0,5 2-2188 0 0,-2 1 1 0 0,13 16-1 0 0,20 32 570 0 0,23 39-546 0 0,46 73 499 0 0,-105-161-718 0 0,-3-4 9 0 0,0 0-1 0 0,0 1 1 0 0,0 0-1 0 0,-1 0 1 0 0,0 0-1 0 0,2 9 1 0 0,-3-9 6 0 0,1 1 0 0 0,0-1 1 0 0,0 0-1 0 0,7 11 0 0 0,31 55 133 0 0,28 44-57 0 0,-65-112-93 0 0,0 0 0 0 0,0 0 0 0 0,-1 0-1 0 0,1 1 1 0 0,-1 0 0 0 0,0-1 0 0 0,0 1 0 0 0,0 0 0 0 0,-1 0-1 0 0,0 0 1 0 0,0 0 0 0 0,0 0 0 0 0,-1 0 0 0 0,1 1 0 0 0,-2 7-1 0 0,1 31-283 0 0,0-42 207 0 0,-1-4-407 0 0,-3-2 326 0 0,0-1-1 0 0,0 0 1 0 0,0 1-1 0 0,1-1 1 0 0,0-1-1 0 0,0 1 1 0 0,1 0-1 0 0,-1-1 1 0 0,1 1-1 0 0,1-1 1 0 0,-1 0-1 0 0,1 0 1 0 0,-1-5-1 0 0,0-7-181 0 0,0 0 0 0 0,-1 1 0 0 0,-1 0 0 0 0,-7-23 0 0 0,-1-1 96 0 0,-21-89 44 0 0,17 61 192 0 0,10 38 0 0 0,-18-51 0 0 0,6 33 0 0 0,7 18 0 0 0,-1 0 0 0 0,-21-38 0 0 0,16 38 0 0 0,5 9 0 0 0,-1 1 0 0 0,0 0 0 0 0,-22-25 0 0 0,29 40 68 0 0,-1 1 0 0 0,0-1 0 0 0,0 1 0 0 0,0 0 0 0 0,-1 0 0 0 0,1 1 0 0 0,-10-4 0 0 0,16 8-50 0 0,-12-3 547 0 0,12 3-557 0 0,1 1-1 0 0,0-1 1 0 0,-1 1-1 0 0,1-1 1 0 0,-1 0-1 0 0,1 1 1 0 0,0-1-1 0 0,-1 1 1 0 0,1-1-1 0 0,0 1 0 0 0,0-1 1 0 0,-1 1-1 0 0,1-1 1 0 0,0 1-1 0 0,0-1 1 0 0,0 1-1 0 0,0 0 1 0 0,0-1-1 0 0,0 1 1 0 0,0-1-1 0 0,0 1 1 0 0,0-1-1 0 0,0 1 1 0 0,0-1-1 0 0,0 2 1 0 0,6 34 158 0 0,-6-35-159 0 0,0 0 0 0 0,1 0 0 0 0,-1 0-1 0 0,0 0 1 0 0,0-1 0 0 0,0 1 0 0 0,1 0 0 0 0,-1 0-1 0 0,0 0 1 0 0,1 0 0 0 0,-1-1 0 0 0,1 1-1 0 0,-1 0 1 0 0,1 0 0 0 0,-1-1 0 0 0,1 1-1 0 0,0 0 1 0 0,0 0 0 0 0,9 13 88 0 0,-8-9-79 0 0,1 0 0 0 0,0 0 0 0 0,0-1 0 0 0,0 1-1 0 0,1-1 1 0 0,0 0 0 0 0,-1 0 0 0 0,1-1-1 0 0,1 1 1 0 0,6 4 0 0 0,8 8 162 0 0,-13-12-100 0 0,1 0 0 0 0,0-1-1 0 0,1 1 1 0 0,-1-1 0 0 0,0-1-1 0 0,1 0 1 0 0,0 0 0 0 0,0 0-1 0 0,15 1 1 0 0,-13-2 16 0 0,4-1 49 0 0,0-1 0 0 0,1 0 0 0 0,-1-1-1 0 0,0-1 1 0 0,-1 0 0 0 0,20-7 0 0 0,-31 10-134 0 0,70-23 289 0 0,-1-4 0 0 0,102-53 0 0 0,-100 36-737 0 0,-39 22-2294 0 0,-17 12-3900 0 0</inkml:trace>
+</inkml:ink>
+</file>
+
+<file path=ppt/ink/ink13.xml><?xml version="1.0" encoding="utf-8"?>
+<inkml:ink xmlns:inkml="http://www.w3.org/2003/InkML">
+  <inkml:definitions>
+    <inkml:context xml:id="ctx0">
+      <inkml:inkSource xml:id="inkSrc0">
+        <inkml:traceFormat>
+          <inkml:channel name="X" type="integer" min="-2.14748E9" max="2.14748E9" units="cm"/>
+          <inkml:channel name="Y" type="integer" min="-2.14748E9" max="2.14748E9" units="cm"/>
+          <inkml:channel name="F" type="integer" max="32767" units="dev"/>
+          <inkml:channel name="OA" type="integer" max="360" units="deg"/>
+          <inkml:channel name="OE" type="integer" max="90" units="deg"/>
+        </inkml:traceFormat>
+        <inkml:channelProperties>
+          <inkml:channelProperty channel="X" name="resolution" value="1000" units="1/cm"/>
+          <inkml:channelProperty channel="Y" name="resolution" value="1000" units="1/cm"/>
+          <inkml:channelProperty channel="F" name="resolution" value="0" units="1/dev"/>
+          <inkml:channelProperty channel="OA" name="resolution" value="1000" units="1/deg"/>
+          <inkml:channelProperty channel="OE" name="resolution" value="1000" units="1/deg"/>
+        </inkml:channelProperties>
+      </inkml:inkSource>
+      <inkml:timestamp xml:id="ts0" timeString="2020-11-19T11:31:05.543"/>
+    </inkml:context>
+    <inkml:brush xml:id="br0">
+      <inkml:brushProperty name="width" value="0.05" units="cm"/>
+      <inkml:brushProperty name="height" value="0.05" units="cm"/>
+      <inkml:brushProperty name="color" value="#E71224"/>
+    </inkml:brush>
+  </inkml:definitions>
+  <inkml:trace contextRef="#ctx0" brushRef="#br0">6182 3252 920 0 0,'-8'7'13992'0'0,"6"-8"-13849"0"0,-1 1 0 0 0,1-1 0 0 0,0 1 0 0 0,-1-1 1 0 0,1 0-1 0 0,0 1 0 0 0,0-1 0 0 0,0-1 0 0 0,-4-1 1 0 0,5 2 55 0 0,-9-21 248 0 0,-13-41 338 0 0,23 43-667 0 0,0 19-115 0 0,0 0-1 0 0,0 0 1 0 0,0 0-1 0 0,0 0 1 0 0,0 0-1 0 0,0 0 1 0 0,0 0 0 0 0,0 0-1 0 0,0 0 1 0 0,0 0-1 0 0,0 0 1 0 0,-1 0-1 0 0,1 0 1 0 0,0 0 0 0 0,-1 0-1 0 0,1 0 1 0 0,-1 0-1 0 0,1 1 1 0 0,-1-1-1 0 0,1 0 1 0 0,-1 0-1 0 0,0 0 1 0 0,1 1 0 0 0,-1-1-1 0 0,0 0 1 0 0,0 1-1 0 0,0-1 1 0 0,-1 0-1 0 0,1 0 4 0 0,1 0-1 0 0,-1 1 0 0 0,0-1 1 0 0,1 0-1 0 0,-1 1 0 0 0,0-1 1 0 0,1 0-1 0 0,-1 0 0 0 0,1 0 1 0 0,-1 0-1 0 0,1 0 0 0 0,0 0 0 0 0,-1 1 1 0 0,1-1-1 0 0,0 0 0 0 0,-1-2 1 0 0,1 1 5 0 0,0 1 0 0 0,-1-1 0 0 0,1 1 0 0 0,0 0 0 0 0,-1-1 1 0 0,0 1-1 0 0,1 0 0 0 0,-1-1 0 0 0,0 1 0 0 0,0 0 0 0 0,-1-2 0 0 0,-13-13 81 0 0,11 13-54 0 0,0-1-1 0 0,1-1 1 0 0,-1 1-1 0 0,1 0 1 0 0,0-1-1 0 0,0 0 1 0 0,-3-5-1 0 0,3 5-12 0 0,1 0 0 0 0,-1 1-1 0 0,0-1 1 0 0,-1 1 0 0 0,1 0-1 0 0,-1 0 1 0 0,0 0-1 0 0,-5-4 1 0 0,-18-20 84 0 0,-37-42 54 0 0,35 35-138 0 0,8 11-4 0 0,-25-37-1 0 0,-15-16 18 0 0,54 66 139 0 0,-2 1 0 0 0,-16-17 0 0 0,3 5 126 0 0,0 1-20 0 0,-2 1 0 0 0,0 0-1 0 0,-30-17 1 0 0,-24-19 242 0 0,-34-20-189 0 0,81 56-304 0 0,-87-51-184 0 0,96 57 161 0 0,-1 1 0 0 0,-30-11-1 0 0,-17-10 153 0 0,-12-5-185 0 0,2 2-19 0 0,-70-40 172 0 0,-13-6 14 0 0,140 71-123 0 0,-1 1 0 0 0,-45-13-1 0 0,-14-6 46 0 0,-99-43-18 0 0,-67-30-18 0 0,124 41-29 0 0,-309-138 0 0 0,358 166 0 0 0,-11-6 0 0 0,-34-14 29 0 0,-3-2 81 0 0,20 15-34 0 0,-45-15 29 0 0,125 47-87 0 0,-41-22 1 0 0,-11-5 8 0 0,-26-12-27 0 0,-236-88 188 0 0,192 85 8 0 0,3 2-86 0 0,7-2-325 0 0,20 6 574 0 0,79 32-283 0 0,0-1 0 0 0,1-2 0 0 0,-36-21 0 0 0,22 8 34 0 0,33 20-72 0 0,1 0 0 0 0,0-1 0 0 0,-28-24 0 0 0,-149-122-26 0 0,155 131 9 0 0,-1 3 1 0 0,-51-23-1 0 0,81 41-21 0 0,-80-29 44 0 0,38 15-13 0 0,-22-6-4 0 0,-41-17-1 0 0,1-12-90 0 0,40 17 64 0 0,-5-4 0 0 0,49 27 0 0 0,24 9 0 0 0,-1 2 0 0 0,0-1 0 0 0,0 1 0 0 0,0-1 0 0 0,0 2 0 0 0,-11-3 0 0 0,-39-9 0 0 0,5 6 0 0 0,35 6 0 0 0,-13 1 0 0 0,-43-3-74 0 0,71 3 18 0 0,1 8-758 0 0</inkml:trace>
+</inkml:ink>
+</file>
+
+<file path=ppt/ink/ink14.xml><?xml version="1.0" encoding="utf-8"?>
+<inkml:ink xmlns:inkml="http://www.w3.org/2003/InkML">
+  <inkml:definitions>
+    <inkml:context xml:id="ctx0">
+      <inkml:inkSource xml:id="inkSrc0">
+        <inkml:traceFormat>
+          <inkml:channel name="X" type="integer" min="-2.14748E9" max="2.14748E9" units="cm"/>
+          <inkml:channel name="Y" type="integer" min="-2.14748E9" max="2.14748E9" units="cm"/>
+          <inkml:channel name="F" type="integer" max="32767" units="dev"/>
+          <inkml:channel name="OA" type="integer" max="360" units="deg"/>
+          <inkml:channel name="OE" type="integer" max="90" units="deg"/>
+        </inkml:traceFormat>
+        <inkml:channelProperties>
+          <inkml:channelProperty channel="X" name="resolution" value="1000" units="1/cm"/>
+          <inkml:channelProperty channel="Y" name="resolution" value="1000" units="1/cm"/>
+          <inkml:channelProperty channel="F" name="resolution" value="0" units="1/dev"/>
+          <inkml:channelProperty channel="OA" name="resolution" value="1000" units="1/deg"/>
+          <inkml:channelProperty channel="OE" name="resolution" value="1000" units="1/deg"/>
+        </inkml:channelProperties>
+      </inkml:inkSource>
+      <inkml:timestamp xml:id="ts0" timeString="2020-11-19T11:31:07.410"/>
+    </inkml:context>
+    <inkml:brush xml:id="br0">
+      <inkml:brushProperty name="width" value="0.05" units="cm"/>
+      <inkml:brushProperty name="height" value="0.05" units="cm"/>
+      <inkml:brushProperty name="color" value="#E71224"/>
+    </inkml:brush>
+  </inkml:definitions>
+  <inkml:trace contextRef="#ctx0" brushRef="#br0">1 351 1376 0 0,'0'0'3216'0'0,"1"-16"-2054"0"0,4 8 2624 0 0,9-8-3010 0 0,-3 7 9097 0 0,-9 8-9647 0 0,13-10 253 0 0,-7 4-343 0 0,38-34 545 0 0,-13 23-437 0 0,9-6-72 0 0,-18 7-108 0 0,-12 10-36 0 0,-1-1 0 0 0,0 0 0 0 0,-1-1 0 0 0,16-17 0 0 0,7-9-12 0 0,-22 25 8 0 0,-1-1-1 0 0,16-21 1 0 0,-17 23 11 0 0,-8 8-27 0 0,1-1-1 0 0,0 0 0 0 0,-1 1 1 0 0,1-1-1 0 0,-1 0 1 0 0,1 0-1 0 0,-1 0 0 0 0,0 0 1 0 0,0 0-1 0 0,0 0 1 0 0,1-4-1 0 0,-1 4 154 0 0,-1 4-948 0 0,0-2 765 0 0,0 1 1 0 0,0-1-1 0 0,-1 1 0 0 0,1 0 1 0 0,0-1-1 0 0,0 1 0 0 0,0-1 1 0 0,-1 1-1 0 0,1 0 0 0 0,0-1 1 0 0,0 1-1 0 0,-1-1 0 0 0,1 1 1 0 0,-1-1-1 0 0,1 1 0 0 0,0-1 1 0 0,-1 0-1 0 0,1 1 0 0 0,-1-1 1 0 0,1 1-1 0 0,-1-1 0 0 0,0 1 1 0 0,-16 13-266 0 0,14-12 275 0 0,-53 46-1133 0 0,15-21 100 0 0,37-25 987 0 0,-1-1 0 0 0,1 1-1 0 0,-1-1 1 0 0,1 1 0 0 0,-1-1 0 0 0,1 0 0 0 0,-1-1 0 0 0,1 1 0 0 0,-6-1-1 0 0,-24 5-249 0 0,-1-3 91 0 0,4 0 66 0 0,23-1 151 0 0,-2-1 1584 0 0,-3 12-841 0 0,12-10-699 0 0,1 0 1 0 0,-1 0-1 0 0,1 0 1 0 0,0 0-1 0 0,0 0 1 0 0,0 1-1 0 0,0-1 0 0 0,0 0 1 0 0,0 0-1 0 0,0 0 1 0 0,1 0-1 0 0,-1 0 0 0 0,1 0 1 0 0,-1 0-1 0 0,2 3 1 0 0,3 20 277 0 0,-5-25-316 0 0,0 0-1 0 0,0 1 0 0 0,0-1 1 0 0,0 1-1 0 0,0-1 1 0 0,0 1-1 0 0,0-1 0 0 0,0 0 1 0 0,0 1-1 0 0,0-1 1 0 0,0 1-1 0 0,0-1 0 0 0,1 0 1 0 0,-1 1-1 0 0,0-1 0 0 0,0 0 1 0 0,0 1-1 0 0,1-1 1 0 0,-1 1-1 0 0,0-1 0 0 0,0 0 1 0 0,1 0-1 0 0,-1 1 0 0 0,0-1 1 0 0,1 0-1 0 0,-1 1 1 0 0,7 8 136 0 0,61 161 616 0 0,6-5-377 0 0,-72-163-370 0 0,1 2-10 0 0,-2 13 80 0 0,0-10-3 0 0,1-6-76 0 0,-1 17 170 0 0,-1-16-248 0 0</inkml:trace>
+</inkml:ink>
+</file>
+
+<file path=ppt/ink/ink15.xml><?xml version="1.0" encoding="utf-8"?>
+<inkml:ink xmlns:inkml="http://www.w3.org/2003/InkML">
+  <inkml:definitions>
+    <inkml:context xml:id="ctx0">
+      <inkml:inkSource xml:id="inkSrc0">
+        <inkml:traceFormat>
+          <inkml:channel name="X" type="integer" min="-2.14748E9" max="2.14748E9" units="cm"/>
+          <inkml:channel name="Y" type="integer" min="-2.14748E9" max="2.14748E9" units="cm"/>
+          <inkml:channel name="F" type="integer" max="32767" units="dev"/>
+          <inkml:channel name="OA" type="integer" max="360" units="deg"/>
+          <inkml:channel name="OE" type="integer" max="90" units="deg"/>
+        </inkml:traceFormat>
+        <inkml:channelProperties>
+          <inkml:channelProperty channel="X" name="resolution" value="1000" units="1/cm"/>
+          <inkml:channelProperty channel="Y" name="resolution" value="1000" units="1/cm"/>
+          <inkml:channelProperty channel="F" name="resolution" value="0" units="1/dev"/>
+          <inkml:channelProperty channel="OA" name="resolution" value="1000" units="1/deg"/>
+          <inkml:channelProperty channel="OE" name="resolution" value="1000" units="1/deg"/>
+        </inkml:channelProperties>
+      </inkml:inkSource>
+      <inkml:timestamp xml:id="ts0" timeString="2020-11-19T11:31:11.027"/>
+    </inkml:context>
+    <inkml:brush xml:id="br0">
+      <inkml:brushProperty name="width" value="0.05" units="cm"/>
+      <inkml:brushProperty name="height" value="0.05" units="cm"/>
+      <inkml:brushProperty name="color" value="#E71224"/>
+    </inkml:brush>
+  </inkml:definitions>
+  <inkml:trace contextRef="#ctx0" brushRef="#br0">510 579 2560 0 0,'0'0'116'0'0,"11"0"8112"0"0,-14 0-8052 0 0,-3-1 3488 0 0,15-10-2786 0 0,-8 11-834 0 0,0-1 0 0 0,0 0 0 0 0,0 0 0 0 0,0 0-1 0 0,0 0 1 0 0,0 0 0 0 0,-1 0 0 0 0,1-1 0 0 0,0 1 0 0 0,-1 0-1 0 0,1 0 1 0 0,-1 0 0 0 0,1-1 0 0 0,-1 1 0 0 0,0 0 0 0 0,0 0-1 0 0,1-1 1 0 0,-1 1 0 0 0,0 0 0 0 0,0-1 0 0 0,0-1 0 0 0,-1 0 68 0 0,0-1 1 0 0,0 1 0 0 0,0-1 0 0 0,0 1 0 0 0,-1-1-1 0 0,1 1 1 0 0,-4-5 0 0 0,3 4-69 0 0,1 0 1 0 0,-1 1 0 0 0,1-1-1 0 0,0 0 1 0 0,0 0-1 0 0,-1-7 1 0 0,-4-17 260 0 0,4 19-167 0 0,0 1-1 0 0,0-1 1 0 0,0-15 0 0 0,1 15-77 0 0,0-1 0 0 0,0 1 1 0 0,-4-12-1 0 0,0 1-26 0 0,0-1-1 0 0,2 0 1 0 0,0 0-1 0 0,1-27 1 0 0,-3-17 9 0 0,4 56-44 0 0,0 0 0 0 0,1 0 0 0 0,0 0 0 0 0,0 0 0 0 0,1 0 0 0 0,0-1 0 0 0,4-13 0 0 0,-4 20-23 0 0,0 1 0 0 0,-1-1 1 0 0,1 0-1 0 0,-1 0 0 0 0,0 1 0 0 0,0-1 0 0 0,0 0 0 0 0,0 0 0 0 0,-1-2 0 0 0,0-29-174 0 0,1 38 111 0 0,1-1 1 0 0,0 0 0 0 0,0 1 0 0 0,0-1-1 0 0,0 0 1 0 0,0 1 0 0 0,1-1-1 0 0,0 0 1 0 0,0 0 0 0 0,3 4 0 0 0,-3-3 12 0 0,1-1 1 0 0,-1 1-1 0 0,0 0 1 0 0,-1 0-1 0 0,1-1 1 0 0,1 6-1 0 0,6 24-451 0 0,-7-28 456 0 0,0 0 0 0 0,0 0-1 0 0,-1 1 1 0 0,0-1-1 0 0,0 0 1 0 0,0 1 0 0 0,-1-1-1 0 0,0 1 1 0 0,0 7 0 0 0,-1-5-1 0 0,1 0 1 0 0,0-1 0 0 0,1 1 0 0 0,1 9 0 0 0,1 16-55 0 0,-3-13 59 0 0,1-3-13 0 0,-2-1-1 0 0,0 1 1 0 0,-3 18-1 0 0,3-16 20 0 0,0 4-17 0 0,-4 3 42 0 0,5-25 29 0 0,0 0 0 0 0,0 0 1 0 0,0 0-1 0 0,0 0 0 0 0,0 0 1 0 0,0 0-1 0 0,0 0 0 0 0,-1 0 1 0 0,1 0-1 0 0,0 0 0 0 0,-1 0 1 0 0,1 0-1 0 0,-1 0 0 0 0,0 1 1 0 0,-2 0 23 0 0,1 0 1 0 0,-1 0 0 0 0,0 0-1 0 0,1-1 1 0 0,-1 1-1 0 0,0-1 1 0 0,0 1 0 0 0,-3 0-1 0 0,2 0 54 0 0,4-1-72 0 0,-1 0 1 0 0,0 0 0 0 0,1-1-1 0 0,-1 1 1 0 0,0 0-1 0 0,0 0 1 0 0,1-1 0 0 0,-1 1-1 0 0,0-1 1 0 0,0 1 0 0 0,0-1-1 0 0,0 1 1 0 0,0-1 0 0 0,0 1-1 0 0,0-1 1 0 0,0 0 0 0 0,0 0-1 0 0,0 1 1 0 0,0-1 0 0 0,0 0-1 0 0,0 0 1 0 0,0 0 0 0 0,0 0-1 0 0,0 0 1 0 0,0 0 0 0 0,0 0-1 0 0,-2-1 1 0 0,-2 0 36 0 0,-5 1 119 0 0,-13 0 255 0 0,0 0 0 0 0,1-2 0 0 0,-38-7 0 0 0,21-1-338 0 0,-62-12 1930 0 0,-1 4-1547 0 0,99 17-464 0 0,1 1 0 0 0,0-1 0 0 0,-1 1 1 0 0,1-1-1 0 0,-1 0 0 0 0,1 1 0 0 0,0-1 1 0 0,-1 0-1 0 0,1-1 0 0 0,0 1 0 0 0,0 0 1 0 0,0-1-1 0 0,0 1 0 0 0,-3-4 0 0 0,2 1-199 0 0,0 0 0 0 0,0 0 0 0 0,0-1 0 0 0,0 1-1 0 0,1-1 1 0 0,-4-7 0 0 0,-1-11-6301 0 0</inkml:trace>
+</inkml:ink>
+</file>
+
+<file path=ppt/ink/ink16.xml><?xml version="1.0" encoding="utf-8"?>
 <inkml:ink xmlns:inkml="http://www.w3.org/2003/InkML">
   <inkml:definitions>
     <inkml:context xml:id="ctx0">
@@ -272,6 +453,244 @@
           <inkml:channelProperty channel="T" name="resolution" value="1" units="1/dev"/>
         </inkml:channelProperties>
       </inkml:inkSource>
+      <inkml:timestamp xml:id="ts0" timeString="2021-11-03T16:22:30.661"/>
+    </inkml:context>
+    <inkml:brush xml:id="br0">
+      <inkml:brushProperty name="width" value="0.05292" units="cm"/>
+      <inkml:brushProperty name="height" value="0.05292" units="cm"/>
+      <inkml:brushProperty name="color" value="#FF0000"/>
+    </inkml:brush>
+  </inkml:definitions>
+  <inkml:trace contextRef="#ctx0" brushRef="#br0">21632 14479 345 0,'0'0'15'0,"-12"-17"4"0,0 12-19 0,-1-6 0 0,1 0 0 0,0 0 0 16,-1 0 95-16,1 5 15 0,0-15 3 0,5 10 1 15,-5 0-91-15,6 0-23 0,-6-6 0 0,5 6 0 16,1-11 0-16,-6 6 0 0,0-1 0 0,-1 1 0 16,7 0 0-16,-6-1-13 0,-7 1 1 0,7-1 1 15,0 1 11-15,-1-1 8 0,-11 1-8 0,-1 5 11 16,0-11 43-16,-6 0 9 0,1 6 1 0,-1 5 1 15,-6 0 15-15,0-11 2 0,0 5 1 0,0 6 0 16,0 0-26-16,-6 0-5 0,6 1 0 0,0-1-1 16,-7 0-35-16,8 5-6 0,-8 6-2 0,1-5 0 0,6-1-23 0,-6 1-5 15,0-6 0-15,6 11-1 0,-6-11 1 0,6 5 0 16,0 6 0-16,-6 0 0 16,-1-11-13-16,1 11-3 0,0 0 0 15,0-11 0-15,-13 11 12 0,13 0 3 0,-6 0 0 0,-7 11 0 16,7-11 21-16,-6 11-11 0,-7-5 11 0,0 5-8 0,-6-6 8 15,1 12 0-15,-7-1 0 0,6 11-8 16,0-5-20-16,-6 11-4 0,6-5-1 16,0 5 0-16,7-1 22 0,-1 1 11 0,-6 6-10 0,7-1 10 0,-1-11 0 0,0 1 0 15,7 10 0-15,-13-5 0 0,-6 5 0 0,12-5 12 16,13 6-4-16,0-1-8 0,-13 6 8 0,0 5-8 0,19 6 0 16,-6-6 0-16,-1 6 0 0,1-5 0 0,6 10 0 15,0 6 0-15,6-17 0 0,0 0-11 16,0 6 11-16,6-6-13 0,13 6 13 0,-13-11 0 15,-6-6 0-15,6 6-9 0,19-5 9 0,-7-1 0 0,-6 6 0 0,7-11 0 16,12 0 15-16,0 5-2 0,-7-5 0 16,7-6 0-16,6 6 8 0,6-5 2 0,0 4 0 0,-6-4 0 15,0-1 0-15,13-5 0 0,5 6 0 0,1-1 0 16,-7-5-12-16,7 11-3 0,5-17 0 0,7 12 0 16,-6-1-8-16,6-5 8 0,-1 5-8 0,14-5 8 15,-7 0-8-15,12 0 12 0,-6-5-12 0,12 5 12 0,13 10 8 16,-6-15 1-16,-13 10 1 0,13 1 0 15,12-6-22-15,-6 0 0 0,-7-6 0 0,1 6 0 0,6 0 0 16,0-6 0-16,-7-5-10 0,7 6 10 16,0-6 0-16,6 5 0 0,6 6 8 0,7-17-8 0,-1 6 9 15,0-5-9-15,0 5 8 0,-5 0-8 0,-1 0 10 16,0 5-10-16,0-16 12 0,6 11-12 0,7 0 11 0,6-5-11 16,-7 5 10-16,7 0-10 15,-1 0 8-15,1 0-8 0,-6 10 0 0,-1-10 0 0,1 17 0 0,11-12 0 16,1 12 0-16,6-17 0 0,-12 11 8 0,6-1-8 15,-1-4 0-15,-5 5 0 0,0-11 9 0,-1-6-9 16,1 1 8-16,-6-6-8 0,5-6 16 0,-5 6-3 16,5-5 0-16,-5-6 0 0,-1-17 6 0,1 12 1 15,-13-11 0-15,6 5 0 0,-12-17 6 0,6 6 2 16,7 1 0-16,-13-7 0 0,0 6-7 0,0-11-1 16,0 6 0-16,-6 0 0 0,-7-6-8 0,-5 5-3 15,-1-4 0-15,-6-1 0 0,-5 5-1 0,-7-4-8 0,0 4 12 0,-7-10-4 16,-5 5 6-16,-6-5 1 0,-1 5 0 0,-6-11 0 15,1 0 11-15,-7 6 2 16,-6-6 1-16,-6 0 0 0,0 0 8 0,-7 1 2 0,-5 10 0 0,-1-16 0 16,-5 16-5-16,-7-17-1 0,-12 7 0 0,-7-7 0 15,-5 6-9-15,-1-5-1 0,-5 0-1 0,-1-6 0 16,-6 0-8-16,-6 6-2 0,0 5 0 0,-6-11 0 16,0 12 4-16,0-1 0 0,-13 0 0 0,-5 6 0 15,-7-6-3-15,0 6 0 0,-6 5 0 0,0 5 0 16,0-4 5-16,0-1 1 0,-12 0 0 0,-1 0 0 15,-11 0-27-15,-1 17-6 0,0-12-1 0,-5 12 0 16,5 11 15-16,-12-12 0 0,-6 12 0 0,0 5 0 0,0 0 0 16,-1 11 0-16,14 0-11 0</inkml:trace>
+  <inkml:trace contextRef="#ctx0" brushRef="#br0" timeOffset="171.04">20011 13898 2688 0,'-142'5'-31'0,"0"6"1"0,-6 6 0 0,6 16 0 15,13-12-6-15,-1 7-2 79,7 5 0-79,12 5-622 15,18 0-124 1</inkml:trace>
+</inkml:ink>
+</file>
+
+<file path=ppt/ink/ink3.xml><?xml version="1.0" encoding="utf-8"?>
+<inkml:ink xmlns:inkml="http://www.w3.org/2003/InkML">
+  <inkml:definitions>
+    <inkml:context xml:id="ctx0">
+      <inkml:inkSource xml:id="inkSrc0">
+        <inkml:traceFormat>
+          <inkml:channel name="X" type="integer" max="9600" units="cm"/>
+          <inkml:channel name="Y" type="integer" max="7200" units="cm"/>
+          <inkml:channel name="F" type="integer" max="4096" units="dev"/>
+          <inkml:channel name="T" type="integer" max="2.14748E9" units="dev"/>
+        </inkml:traceFormat>
+        <inkml:channelProperties>
+          <inkml:channelProperty channel="X" name="resolution" value="369.51501" units="1/cm"/>
+          <inkml:channelProperty channel="Y" name="resolution" value="415.70438" units="1/cm"/>
+          <inkml:channelProperty channel="F" name="resolution" value="0" units="1/dev"/>
+          <inkml:channelProperty channel="T" name="resolution" value="1" units="1/dev"/>
+        </inkml:channelProperties>
+      </inkml:inkSource>
+      <inkml:timestamp xml:id="ts0" timeString="2021-11-03T16:23:27.222"/>
+    </inkml:context>
+    <inkml:brush xml:id="br0">
+      <inkml:brushProperty name="width" value="0.05292" units="cm"/>
+      <inkml:brushProperty name="height" value="0.05292" units="cm"/>
+      <inkml:brushProperty name="color" value="#FF0000"/>
+    </inkml:brush>
+  </inkml:definitions>
+  <inkml:trace contextRef="#ctx0" brushRef="#br0">16693 4629 1785 0,'-135'-16'159'0,"85"16"-127"0,-5 0-32 0,6-5 0 0,-7 10 35 0,-6-5 1 0,13-5 0 0,0-1 0 16,-1 6-36-16,-5-11 0 0,-7 0 0 0,7 6 0 15,-7-12 0-15,7 6 0 0,-7 6 10 0,0-1-10 16,-6-5 0-16,1 0 0 0,11 6 0 0,1-12 0 15,-7 12 0-15,7-6 0 0,-7-5 0 16,6 10 0-16,1-5-10 0,-7 6 10 0,-12-1 0 16,6 1-9-16,7 5-2 0,-1 0 0 0,0 0 0 0,-12 0 0 15,0 0 1-15,13 0 0 0,-7 5 0 16,6 1 0-16,1 10 10 0,-1-10 0 0,0 10 0 16,1-5 0-16,-1-6 0 0,-6 12 0 0,7 10 0 0,5-16 0 15,-6 11 0-15,1-5 0 0,11 5 0 0,-5 10 0 16,-1-10 0-16,7 6 0 0,6 16 0 0,0-12 0 15,-7 7 0-15,13-1 0 0,0-5 0 0,7 11-8 16,-14 0 8-16,14 5 0 0,-1-11 0 0,0 6 0 16,6 6-9-16,1-1 0 0,-1 6 0 0,0 0 0 0,13 5 9 0,-7 0-13 15,1 11 5-15,6-10 8 16,-1 10-11-16,7 6 11 0,6-22-8 0,0 16 8 16,-12-11 0-16,12 0 0 0,0 1 0 0,12-7 0 0,-6 7 0 0,7-6 0 15,-1-1 0-15,6 12 0 0,1-11 0 0,6 5 0 16,-1 11 0-16,1-16 0 0,0 6 0 15,5-1 0-15,1 0 0 0,6 0 0 16,0-5 11-16,0 0 1 0,6 0 0 0,1 11 0 16,11-28-12-16,-6 11-11 0,7 1 3 0,-1 10 0 15,13-22 8-15,0 12 11 0,0-6-3 0,0-1 0 0,0-4-8 16,6 5-9-16,-7-12 9 0,7 7-13 0,0-6 13 16,13 5 0-16,-7-16 0 0,6 0 0 0,7 5 0 15,-1-5 0-15,1 0 8 0,-1-5-8 0,1-1 0 0,-1 1 0 0,7-7 8 16,6-10-8-16,-1 11 0 0,7-11 8 0,6 0-8 15,-12 0 0-15,0-11 10 0,6 1-10 0,12-1 8 0,-12 0-8 16,7-11 0-16,5 11 8 0,6-6-8 0,1-5 0 16,-7 0 9-16,7 6-9 0,-1-17 10 15,7 0-10-15,6 0 8 0,-7-5-8 0,-11 0 0 0,11-6 0 16,1 0 0-16,12-11 8 0,-13 6-8 16,7-12 0-16,12 1 0 0,-12 0 9 0,0-11-9 0,6-6 8 15,-6 0-8-15,6-11 0 0,6 1 0 0,-12-1 8 16,-13 0-8-16,7 6 0 0,-7 0 0 15,1 5-11-15,-1-5 11 0,1 11 0 0,-7-1 0 16,-12-4 0-16,-6 5 0 0,-6-1 0 0,-7 12 0 0,1-11 0 16,-7-1 16-16,0 7-2 0,-18 4 0 15,0 7 0-15,-13-7 14 0,1 1 4 0,-7 5 0 0,-6 0 0 16,-12 1 4-16,-6 4 2 0,-7-16 0 0,-11 6 0 16,-7 0 5-16,-7 0 1 0,-5 5 0 0,-13-11 0 15,-5 11 6-15,-14 0 2 0,-11-5 0 16,-7 16 0-16,-12-5-22 0,0-11-4 0,-12 16-1 0,0-6 0 15,-13 7-4-15,-6 4-1 0,-6-5 0 0,-6-10 0 16,-12 10-6-16,-1 0-2 0,7 0 0 0,-19 0 0 16,0-5-12-16,-18 5 0 0,-1 6-9 0,-11 10 9 0,5-16 0 15,-24 6-9-15,-12 11 9 0,5-1 0 16,13-10 0-16,-6 16 0 0,-24 0 9 0,-1-5-9 16,6 16 8-16,-12 0-8 0,0-6 0 0,-6 12 0 0,-12 5 0 0,-7 0 0 15,-12 5-8-15,6-5 8 0,0 17 0 0,-6-1 0 16,-6 17 0-16,-6 0 10 0,6 11-26 0,-7 16-6 0,-5-5-1 0,-7 22 0 31,7-6-5-31,-7 22 0 0,13-11-1 0,-13 33-735 16,-12-5-146-16</inkml:trace>
+  <inkml:trace contextRef="#ctx0" brushRef="#br0" timeOffset="42306.4">12155 7934 576 0,'-37'-27'51'0,"13"22"-41"0,-7-12-10 0,0 12 0 16,-6-28 153-16,0 11 29 0,-6 0 6 0,0 5 0 15,-1-10-81-15,-5 0-17 0,6-1-3 0,-6 6-1 16,5-5-58-16,1 0-11 0,-6-1-2 0,0 6-1 15,-1 0-14-15,1-5 0 0,-6 5 8 0,-7 11-8 16,-6-11 0-16,6 17 0 0,-5-12 0 0,-1 12-10 16,6 5-2-16,-12 5 0 0,0-5 0 0,12 17 0 31,1-6-13-31,-7 5-3 0,6 6-1 0,-6-6 0 16,1 6-24-16,-1 22-5 0,0-16-1 0,6 15 0 0,1-4-37 0,-13 5-7 15,6 10-1-15,0 7-1 0,-6-12 37 0,6 11 7 16,0 17 1-16,-6-6 1 0,7 1 76 0,-1 15 15 0,-12 1 4 0,12 5 0 0,-19-11 28 0,26 6 7 15,-1 0 1-15,0-1 0 0,7-4-16 0,6-1-4 16,12 6 0-16,0-12 0 0,12 12-28 16,0-11-7-16,19-6-1 0,-12 0 0 0,18 0-4 0,0-5-2 15,6-5 0-15,6-1 0 16,7-5-10-16,11-1 0 0,-5 12 0 0,12-27 8 16,0 15-19-16,6-10-4 0,0 6-1 0,7-7 0 0,5 1 26 0,13-5 5 15,-6 4 1-15,6-10 0 0,6 0-16 16,6-16-16-16,6 5 3 0,19-6 1 15,-19-16 12-15,19-5 0 0,18-6 0 0,-6-6 0 0,7-5 0 16,-1-5 0-16,0-6 8 0,13-5-8 0,6-12 0 0,6-10 0 16,-6 0 8-16,6-1-8 0,0-4 0 0,6-12 0 15,-12 0 0-15,-1-5 0 0,1-11 0 0,-6 5 0 16,-13-5 8-16,7 0-8 0,-1 5 0 0,-5-5 10 16,5 11-10-16,-18-6 8 0,-6 6 31 0,-13-6 5 0,-5-5 2 15,-13 11 0-15,0-1 29 0,-13 12 5 0,1-17 2 16,-7 23 0-16,-5-7-14 0,-19 7-4 0,6 4 0 15,-19 12 0-15,-12-11-28 0,-12 16-7 16,-6-5-1-16,-7-1 0 0,-12 6 4 0,-12 1 0 0,0 4 0 16,-12 6 0-16,-1-5-32 0,-12 5 8 0,-18 0-8 0,6 17 0 15,-13-1-31-15,-5 6-9 16,-7 0-1-16,6 6-1 16,7 5-29-16,5 0-5 0,1 0-2 0,0 0 0 0,-1 0 5 15,7 11 1-15,6-6 0 0,-12 1 0 0</inkml:trace>
+  <inkml:trace contextRef="#ctx0" brushRef="#br0" timeOffset="43403.01">16490 7628 1209 0,'-37'-17'108'0,"6"-10"-87"0,0 5-21 0,-6-6 0 0,0-5 56 0,0 1 6 15,0 10 2-15,0-11 0 0,-6-6 16 0,0 7 3 16,-6 4 1-16,-7 6 0 0,1 0-36 0,-7 11-8 16,-6-11 0-16,0 11-1 15,-12 6-23-15,6-1-4 0,0 6 0 0,6 6-1 0,-12-1-11 0,6 6 0 16,0 0-12 0,-6 11 12-16,-6 0-19 0,-1 0 4 0,7 16 1 0,0-5 0 0,-6 0-7 0,-1 6-2 0,7-1 0 15,0-5 0-15,6 11 23 0,0-6 0 0,0 6 10 16,0 5-10-16,6-5 0 0,-6 11-19 0,7-11 3 15,-1 11 0-15,0-6 26 0,0 6 6 0,6 5 0 0,1 0 1 16,5 1-17-16,1 4 0 0,5-4 0 0,7 10 0 16,0 0 0-16,12 0 0 15,-6 1 0-15,13-1 0 0,-7-5 0 0,12-1 0 0,1 7 0 0,12-1 0 16,6 0 0-16,-13 0 0 0,26-5 0 0,-7 0 0 16,12 0-12-16,1 5-5 0,12-11-2 15,-1 1 0-15,14-7 19 0,5-4-10 0,6-1 10 0,1-5-8 16,6 0 8-16,5-6-10 0,14-5 10 0,-1 11-10 0,0-6 10 15,6-10 0-15,-6 5 0 0,7 10-8 16,-1-10 8-16,13 6 0 0,5-1 0 0,7 6 0 0,7-17 0 0,-14 6 0 16,14 11 0-16,-7-17-8 15,12-5 8-15,0 0 0 0,13-5 10 0,-1-6-10 0,1 5 0 16,0-5 0-16,-1-11 0 0,1 0 0 0,-13-16 0 16,13 5 0-16,12-6 0 0,0-5 0 0,-12 6 0 15,-7-12 0-15,7 1 0 0,-1-11 0 0,1-6 0 0,0-6 0 16,-7-4 0-16,-5-1 0 0,5 0 8 15,-6-11-8-15,-12-5 0 0,6-11 0 0,1 0 9 0,-1-12-9 16,-19 12 8-16,1-11-8 16,-13 11 0-16,-5-22 8 0,-14 21-8 0,1-10 0 0,-12 11 11 0,-1-17-3 0,-24 6-8 0,6 0 12 15,-12 0 19-15,-7 5 3 16,-5 0 1-16,-20 1 0 0,1-1 13 0,-12-5 4 0,-7 11 0 0,-6-11 0 16,-6-1-6-16,-18 1-1 15,-13 0 0-15,-12 0 0 0,0 5-6 0,-13 6-2 0,-30 5 0 16,6 0 0-16,6 12-7 0,-19 10-2 0,-12-5 0 15,-12-1 0-15,-6 23-11 0,-7 0-2 16,1-1-1-16,-19 17 0 0,-12 0-14 0,-7 11 0 0,13 0 0 16,-12 22 0-16,-7 0-9 0,-6 11 9 0,0 6-13 15,0 16 5 1,-5-6-37-16,-1 17-7 0,0 5-2 0,-7 6-647 0,7 21-130 0</inkml:trace>
+  <inkml:trace contextRef="#ctx0" brushRef="#br0" timeOffset="56261.11">13802 12725 601 0,'0'0'26'0,"0"0"6"0,0 0-32 0,0 0 0 16,12-11 0-16,-12 11 0 0,0-6 44 0,12-5 3 16,-12 11 0-16,6-11 0 0,7 0-31 0,5 1-5 15,-5 10-2-15,-1-11 0 0,6 11-9 0,1 0 8 16,6-11-8-16,-7 5 8 0,1 6-8 0,5 0 12 16,1 0-12-16,0 0 12 0,-7 0-12 0,13 6 10 0,-13 5-10 0,13-11 10 15,-12 11-1-15,5-6 0 16,7 6 0-16,0-6 0 0,0 1 5 0,0 5 1 15,6-6 0-15,0 1 0 0,6-1-3 0,6 1 0 0,0 5 0 16,1-11 0-16,-1 0-12 0,7 0 0 0,-7 11 0 16,6-11 0-16,-5 0 32 0,5 0 0 0,1 11 0 0,-1-11 0 15,1 5-22-15,-7 1-10 0,7-1 10 0,-7 1-10 16,0-1 29-16,7 1 0 0,-1-1 0 16,7 1 0-16,-1-6-5 0,1 5-2 15,0-5 0-15,6 6 0 0,-1-1-6 0,1 6-2 16,0-11 0-16,-6 11 0 0,-1 0-14 0,1-6 11 0,6 1-11 0,-6-1 10 15,-7-5-10-15,13 11 8 0,12-11-8 0,-12 0 8 16,-13 0 4-16,1 0 1 0,18-5 0 0,-6 5 0 16,0-6-13-16,-7 6 11 0,1-11-11 0,6 6 10 15,-7-6 4-15,7 0 1 0,-6 0 0 0,6-5 0 0,12-1 1 0,-12 1 0 16,-19 5 0-16,6 0 0 0,19-11-2 0,-6 11 0 16,-6 0 0-16,0 0 0 0,-1 0-5 15,1 0-1-15,-7 6 0 0,1-6 0 16,-7-6-8-16,7 12 12 0,-7-12-12 0,0 12 12 0,-12-1-12 15,13 1 0-15,5-1 0 0,-12 1 0 0,-6 5 0 0,6 0-11 16,13 0 3-16,6 0 0 0,-7 5-10 0,-6 1-2 16,13-1 0-16</inkml:trace>
+</inkml:ink>
+</file>
+
+<file path=ppt/ink/ink4.xml><?xml version="1.0" encoding="utf-8"?>
+<inkml:ink xmlns:inkml="http://www.w3.org/2003/InkML">
+  <inkml:definitions>
+    <inkml:context xml:id="ctx0">
+      <inkml:inkSource xml:id="inkSrc0">
+        <inkml:traceFormat>
+          <inkml:channel name="X" type="integer" max="9600" units="cm"/>
+          <inkml:channel name="Y" type="integer" max="7200" units="cm"/>
+          <inkml:channel name="F" type="integer" max="4096" units="dev"/>
+          <inkml:channel name="T" type="integer" max="2.14748E9" units="dev"/>
+        </inkml:traceFormat>
+        <inkml:channelProperties>
+          <inkml:channelProperty channel="X" name="resolution" value="369.51501" units="1/cm"/>
+          <inkml:channelProperty channel="Y" name="resolution" value="415.70438" units="1/cm"/>
+          <inkml:channelProperty channel="F" name="resolution" value="0" units="1/dev"/>
+          <inkml:channelProperty channel="T" name="resolution" value="1" units="1/dev"/>
+        </inkml:channelProperties>
+      </inkml:inkSource>
+      <inkml:timestamp xml:id="ts0" timeString="2021-11-03T16:25:22.243"/>
+    </inkml:context>
+    <inkml:brush xml:id="br0">
+      <inkml:brushProperty name="width" value="0.05292" units="cm"/>
+      <inkml:brushProperty name="height" value="0.05292" units="cm"/>
+      <inkml:brushProperty name="color" value="#FF0000"/>
+    </inkml:brush>
+  </inkml:definitions>
+  <inkml:trace contextRef="#ctx0" brushRef="#br0">2777 14183 460 0,'-12'0'41'0,"-1"0"-33"0,-5-6-8 0,-1 1 0 15,-5-1 100-15,5-5 19 0,-6 6 3 0,-5-6 1 16,11-11-67-16,-6 6-12 0,7-1-4 0,6 6 0 15,-7-5-10-15,7-6-2 0,-7 5-1 0,7-5 0 16,-19 0-2-16,6 12 0 0,7-12 0 0,6 11 0 16,-19-6 9-16,12 1 2 15,7-1 0-15,-7 6 0 0,-5 0-19 0,5 0-3 0,-12 6-1 0,19-6 0 16,-6-5-2-16,-1 5-1 0,-5 5 0 0,5-5 0 16,1 0-10-16,-1 6 12 0,1-1-12 0,11 1 12 15,-17-6-12-15,5 11 0 16,1-6 0-16,-1 6 8 0,1 0-8 0,-7 0 10 0,7 6-10 0,-7 5 10 15,0 0-2-15,7 5 0 0,-7 1 0 0,-6-6 0 16,7 10-8-16,-1-4 8 0,6 10-8 0,1-5 8 16,-7 0-8-16,7 6 0 0,-1-1 0 0,13 6 0 15,-12 0 0-15,-1 5 12 0,13-5-2 0,-13 11 0 0,1 0-10 16,12 0 0-16,-7 10 0 0,7-10 0 0,-12 16-14 0,-1-5-5 16,-5 6-1-16,5 4 0 0,-6 12 20 15,7-17 0-15,-1 6-8 0,-5 0 8 0,5 11 0 0,-5-17 0 16,5 11 0-16,1-5 0 0,5-6 0 0,-5-5 0 15,-1 0 0-15,1 11 0 0,12-17 0 0,-13 6 0 16,19-6 0-16,-18 0 0 0,11-5 0 0,-11 6 0 16,6 4 0-16,5-15 0 0,-11 5 0 15,12-1 0-15,-13-4 0 0,7 5 0 0,6-17 0 0,0 6 0 16,-13-6 0-16,19 6 9 0,-18-11 5 16,18-5 1-16,-19 10 0 0,13-11 0 0,6 6-1 0,-12 0 0 15,5-5 0-15,7-1 0 0,-12 12-14 0,6-17 8 0,6 5-8 0,0-5 0 16,0 5 8-16,0-5-8 0,0-11 0 15,0 17 0-15,0-6 9 0,0 0-9 0,0-11 8 0,0 16-8 16,0 1 0-16,0-6 0 0,0 5-9 0,0-5 9 16,-6-6 0-16,6 6 0 0,0 0 0 0,0-11 0 15,0 0 0-15,-13 17 0 0,13-6 0 0,-6 5 0 16,6-5 0-16,0-11 0 0,0 11 0 0,0-11 0 16,0 11 0-16,0 6 0 0,0-6 0 0,0 5 0 15,0 0 0-15,0 1 0 0,0 5 0 0,0-6 0 16,0 1 0-16,6 5 0 0,-6-11 0 0,13 0 0 0,-7 5 0 0,-6 0 0 15,18 1 0-15,-11-6 0 16,11 5 0-16,1 1 0 0,-1-1 0 0,7 1 0 0,-1-1-8 0,13-5 8 16,0 11 0-16,-6-6 0 0,25-5 0 15,-13 6 0-15,6-1 0 0,7 6 0 0,5 0 0 0,-11 5 0 16,11 1 0-16,1 5 0 0,0-6 0 16,-1 12 0-16,-11-1 0 0,11 0 0 0,1 12 0 0,6-7 0 15,-6 7 0-15,12 5 0 0,-13-1 8 0,7-4-8 16,-6-1 0-16,5 0 0 0,14 1 8 0,-1-6-8 15,-6-1 0-15,0-4 0 0,0-6 9 0,0-6-9 16,6-5 8-16,-6-6-8 0,6-5 8 16,6 0-8-16,13-11 0 0,-6 0 8 0,5-11-8 15,-5 0 0-15,5-5-10 0,1-6-481 0,-7-11-96 0</inkml:trace>
+</inkml:ink>
+</file>
+
+<file path=ppt/ink/ink5.xml><?xml version="1.0" encoding="utf-8"?>
+<inkml:ink xmlns:inkml="http://www.w3.org/2003/InkML">
+  <inkml:definitions>
+    <inkml:context xml:id="ctx0">
+      <inkml:inkSource xml:id="inkSrc0">
+        <inkml:traceFormat>
+          <inkml:channel name="X" type="integer" max="9600" units="cm"/>
+          <inkml:channel name="Y" type="integer" max="7200" units="cm"/>
+          <inkml:channel name="F" type="integer" max="4096" units="dev"/>
+          <inkml:channel name="T" type="integer" max="2.14748E9" units="dev"/>
+        </inkml:traceFormat>
+        <inkml:channelProperties>
+          <inkml:channelProperty channel="X" name="resolution" value="369.51501" units="1/cm"/>
+          <inkml:channelProperty channel="Y" name="resolution" value="415.70438" units="1/cm"/>
+          <inkml:channelProperty channel="F" name="resolution" value="0" units="1/dev"/>
+          <inkml:channelProperty channel="T" name="resolution" value="1" units="1/dev"/>
+        </inkml:channelProperties>
+      </inkml:inkSource>
+      <inkml:timestamp xml:id="ts0" timeString="2021-11-03T16:25:55.272"/>
+    </inkml:context>
+    <inkml:brush xml:id="br0">
+      <inkml:brushProperty name="width" value="0.05292" units="cm"/>
+      <inkml:brushProperty name="height" value="0.05292" units="cm"/>
+      <inkml:brushProperty name="color" value="#FF0000"/>
+    </inkml:brush>
+  </inkml:definitions>
+  <inkml:trace contextRef="#ctx0" brushRef="#br0">8431 5704 288 0,'0'0'25'0,"0"0"-25"16,0 0 0-16,12 0 0 16,-5 5 65-16,5 12 8 0,-12-17 2 0,12 0 0 15,1 5-41-15,5 6-8 0,-18-11-2 0,12 6 0 0,1 5-12 0,5 5-2 16,-18-16-1-16,19 0 0 15,-7 11-9-15,0 0 0 0,7-11 0 0,-7 0 8 0,7 0 0 0,-1 0-8 16,1 0 12-16,5 0-4 0,1 0 13 0,-6 0 3 16,11 0 0-16,-11 0 0 0,6 0 3 0,-1 0 1 15,13 0 0-15,-18 5 0 0,5 1-9 0,7-6-2 16,0 11 0-16,-6-11 0 0,12 0-7 16,-7 11-2-16,-11-6 0 0,6 6 0 0,-1-5-8 0,7-1 10 15,0 6-10-15,0 0 10 0,0-11-10 16,-1 6 8-16,14 10-8 0,-14-10 8 0,1 4 4 0,12 1 0 15,-18-5 0-15,6-1 0 0,0 6 6 0,-7 0 2 0,1-11 0 16,6 11 0-16,-6-5-20 0,5-6 0 16,1 5-13-16,-6 6 5 0,12-11 8 0,-6 0 0 0,12 0 0 15,-6 0 0-15,6 0 0 0,-6 0-20 16,0 0 4-16,0 0-305 16,0 0-62-16</inkml:trace>
+  <inkml:trace contextRef="#ctx0" brushRef="#br0" timeOffset="1407.4">11008 6087 471 0,'56'-11'20'0,"-13"11"6"0,-12 0-26 0,12-16 0 0,6 10 0 0,1 6 0 0,5 0 63 0,1-21 7 16,-1 15 2-16,1 1 0 0,11-6-42 0,-5 5-8 16,-6 1-2-16,5-1 0 15,1-5-20-15,12 6 0 0,-12-1 0 0,5 1 0 0,1-1 0 0,-6 6 0 16,6-11 0-16,-13 11-240 15,1-16-42-15</inkml:trace>
+  <inkml:trace contextRef="#ctx0" brushRef="#br0" timeOffset="5329.22">11970 6734 288 0,'19'0'25'0,"-13"0"-25"16,6 0 0-16,1 11 0 0,17-11 57 0,-17 6 7 16,18-1 0-16,-13-5 1 0,13 6-20 0,0-6-4 15,6 5-1-15,0-5 0 0,-6 0 6 0,12 0 1 16,-6 0 0-16,0 0 0 0,0-5-2 0,0 5 0 16,12 0 0-16,-6 0 0 0,0 0-14 0,1 0-3 15,5 0-1-15,0 0 0 0,-12 5-11 0,6-5-3 16,7 0 0-16,-7 0 0 0,0 5-13 0,0 1 0 15,0-1 0-15,0 1 0 0,7-6 0 0,-19 5 0 16,12-5 0-16,-6 11 0 16,0-11-30-16,6 11-6 0,-12-11 0 0</inkml:trace>
+  <inkml:trace contextRef="#ctx0" brushRef="#br0" timeOffset="5844.62">15140 6964 1234 0,'24'-27'55'0,"-5"10"11"0,5 7-53 0,1-12-13 0,6 0 0 0,6 0 0 15,6 5 11-15,0-5-1 0,7-5 0 0,11 5 0 16,7 0 3-16,0 6 1 0,0 10 0 0,6-10 0 15,-7 5-14-15,7 0 0 0,0 5 0 0,-6 6 0 16,0-5 0-16,0 5 0 16,-13 0 0-16,7 0-10 15,0 5-22-15,-7 1-4 0,1 5 0 0,-13-6-508 0</inkml:trace>
+  <inkml:trace contextRef="#ctx0" brushRef="#br0" timeOffset="18590.91">5607 7847 403 0,'0'0'17'0,"0"0"5"0,12 0-22 0,7 11 0 0,-1 0 0 0,7 0 0 16,6-11 51-16,-19 0 5 0,7 0 2 0,5 0 0 15,7 0-30-15,-12 5-7 0,5-5-1 0,1 6 0 16,0 5-7-16,6-11-1 0,-19 0-1 0,19 5 0 16,-7 1 5-16,-5-1 2 0,6 6 0 0,-1-6 0 15,1 12 6-15,6-6 2 0,12 0 0 16,-19-6 0-16,13 6-6 0,-6 0 0 0,0-5-1 0,12 5 0 16,0 0-3-16,1-6-1 0,-14 17 0 15,20-22 0-15,-1 6-15 0,-6-6 0 0,13 0 0 16,-13 0 0-16,6 0 0 0,7 0 0 0,5-6 8 0,1 6-8 15,12-11 0-15,0-5 0 0,-12 5 0 0,24 5 0 16,-12-10-9-16,6 5-5 0,0 5-1 16,0 1 0-16,-12-6-17 15,12 0-4-15,-12-6-1 0</inkml:trace>
+  <inkml:trace contextRef="#ctx0" brushRef="#br0" timeOffset="34935.54">6199 8570 172 0,'0'0'8'0,"18"0"1"0,-11-11-9 0,5 11 0 15,13-11 0-15,-19 6 0 0,-6 5 39 0,18-6 5 16,1 1 2-16,-1-1 0 0,1 1 2 15,-7 5 1-15,7-6 0 0,-1 6 0 0,1 0-9 0,-1 0-1 16,1 0-1-16,5 0 0 0,-5 6-16 0,-7 5-3 16,0-6-1-16,7 6 0 0,-1 0-18 0,7 0 10 15,-19-11-10-15,13 11 8 0,-1-5-8 0,1-1 0 16,-19-5 0-16,12 6 0 0,7 5 0 0,-1-6-12 0,-6 1 2 0,13-1 1 47,-25-5-27-47,19 6-4 0,-1-1-2 0,7 0-140 0,-7-5-28 0</inkml:trace>
+  <inkml:trace contextRef="#ctx0" brushRef="#br0" timeOffset="46153.49">8585 9283 536 0,'0'0'24'0,"0"0"4"0,0 0-28 0,0 0 0 0,0 0 0 0,0 0 0 0,0 0 58 0,0 0 6 16,0 0 0-16,0 0 1 15,0 0-34-15,13 0-7 0,-13 0-2 0,12 0 0 16,0 0-14-16,-12 0-8 0,19-6 8 0,-7 6-8 0,-12 0 0 0,19 0 0 16,-7 6 0-16,0-6 0 0,7 5 0 0,-7-5 0 15,7 0 0-15,-7 6 0 0,6-6 10 0,-5 5-2 16,5-5-8-16,1 0 12 0,-7 0 11 0,13 0 1 16,-7 0 1-16,-6 0 0 0,7 0 6 0,-1 6 1 15,7-6 0-15,6 0 0 0,-19 0-4 0,7 5-1 16,5 1 0-16,-5-6 0 0,-1 5-6 0,-5 1-1 15,11-6 0-15,-5 5 0 0,6-5-20 0,12 0 0 16,-13 0 0-16,1 0 0 0,12 0 11 0,6 0-3 16,-18-5 0-16,12 5 0 0,6-6 4 0,-12 1 0 15,6-1 0-15,0 1 0 0,-6-1-12 0,12 1-17 16,-6-6 4-16,6 0 1 0,0 11 12 0,0-22 0 16,7 16 0-16,-7 1 0 0,-12-1 0 0,6 6 10 0,6-5-10 15,-6-1 8-15,6 6-8 0,-12 0 0 0,6-5 0 16,0 5-11-16,-13 0 11 0,13 0 0 0,-18 5 0 15,5-5 0-15,1 6 0 0,0-1 0 16,-1 1 0-16,-5 5 0 0,6-11 0 0,-1 22 0 16,1-22 0-16,-13 0 0 0,19 5 0 0,-19-5 0 0,13 6 0 0,0-1 0 15,-1-5 0-15,1 6 0 0,0-12 0 0,6 6 0 16,-19 0 0-16,19 0 0 0,0 0 0 0,-1 0 0 16,1-5 0-16,0 5 0 0,12 0 0 0,-12 0-8 15,0 5-8-15,12-5-2 0,-18 0 0 0,12 6-538 16</inkml:trace>
+  <inkml:trace contextRef="#ctx0" brushRef="#br0" timeOffset="49649.58">18839 19708 576 0,'0'0'51'0,"0"0"-41"0,0 0-10 0,0 0 0 0,0 0 42 0,0 0 6 15,0-11 2-15</inkml:trace>
+  <inkml:trace contextRef="#ctx0" brushRef="#br0" timeOffset="49863.23">18882 19565 288 0,'0'0'12'0,"0"0"4"0,0 0-16 0,0 0 0 0,0 0 0 15,13 0 0-15,-1 0 192 0,-12 0 35 0,6 11 7 0,6 0 2 16,-5 5-180-16,5-5-36 0,-6 11-8 0,0-11 0 0,7 6-12 16,-7-1 8-16,6 12-8 0,7-17 8 0,-7-1 5 0,13 1 1 15,-1 0 0-15,7 0 0 0,0-5 16 0,6-1 3 16,6-5 1-16,6 0 0 0,1-5-6 0,11-1-2 15,-5-5 0-15,6 0 0 0,5 6-11 0,1-6-3 16,0-5 0-16,-6 5 0 0,-7 5 5 0,1-5 1 16,-7 6 0-16,0-1 0 0,1 1-18 0,-7-1-16 0,0 1 4 15,0 10 0-15,-6-5 3 0,0 6 1 16,6-1 0-16,-6 1-661 0</inkml:trace>
+  <inkml:trace contextRef="#ctx0" brushRef="#br0" timeOffset="52125.16">21003 19560 403 0,'0'0'36'0,"6"-11"-36"0,7-6 0 0,-7 6 0 16,6-5 172-16,1-1 27 0,5 1 5 0,-6 5 2 15,1-11-160-15,5 11-32 0,7-5-6 0,-7 5-8 16,1-6 0-16,6 6-13 16,-7 6 1-16,1 5 0 0,-7-11 12 0,6 0 0 0,1 5 0 0,-7 6 0 15,7-5 8-15,-7 5-8 0,7-6 12 0,5 6-12 16,-11-5 28-16,11 5 0 0,-5 0-1 0,5 0 0 15,7 5-3-15,-6 6 0 0,6-5 0 0,0 5 0 16,-1 0-9-16,1-11-3 16,0 5 0-16,6 6 0 0,-6-5 4 0,6-1 0 0,-6 1 0 0,12 5 0 15,-6-11 12-15,6 5 4 0,6 1 0 0,1-6 0 0,5 0-5 0,1 0-1 16,5 0 0-16,7-6 0 0,0 1-3 16,0 5-1-16,6 0 0 0,0 0 0 0,0 0-22 0,-6 0 9 15,-1 0-9-15,7 0 0 0,-6 5 21 0,0 1-2 16,6-6-1-16,-6 5 0 0,0 6 7 0,12 0 2 15,0 0 0-15,-6-6 0 0,0 12-6 0,-6-1-1 16,0 1 0-16,-1 10 0 0,1-16-10 16,-6 11-2-16,0 0-8 0,5 5 12 0,-5-10-12 15,6 5 0-15,0 0 0 0,-7 0 0 0,1 5-12 16,0-11 0-16,-1 6 1 0,1-5 0 16,-6 5-25-16,-7-17-4 0,6 6-2 0,1-5-782 0</inkml:trace>
+  <inkml:trace contextRef="#ctx0" brushRef="#br0" timeOffset="56984.9">14733 10286 568 0,'123'0'25'15,"-61"0"6"-15,5 0-31 0,7 0 0 0,13 0 0 0,-1-6 0 0,7 6 20 0,5-5-1 16,13 5-1-16,6 0 0 15,-6-6 4-15,6 6 1 0,-6 0 0 0,7-5 0 0,-1-1 4 16,6-5 1-16,0 6 0 0,1-1 0 16,-13 6-13-16,0 0-3 0,0-5 0 0,-7 5 0 0,1 0-12 15,-12-11-16-15,-7 11 3 0,-6 0 1 0</inkml:trace>
+  <inkml:trace contextRef="#ctx0" brushRef="#br0" timeOffset="58629">4695 10828 403 0,'0'0'36'0,"0"0"-36"0,0 0 0 0,12 11 0 0,6-5 43 0,-11 5 1 16,11-6 1-16,-12 1 0 0,13-1-17 0,-1 6-3 16,1-11-1-16,-1 6 0 0,7-6-4 0,-7 0-2 15,13 0 0-15,0-6 0 0,0 6-18 0,6-5 0 16,0-1 8-16,6 1-8 0,6 5 0 0,-6-6 0 0,-6 6 0 0,7 0 0 16,-1 6-14-16</inkml:trace>
+  <inkml:trace contextRef="#ctx0" brushRef="#br0" timeOffset="67155.74">11335 11831 716 0,'0'0'32'0,"0"0"6"0,0 0-30 0,13-5-8 0,-1-6 0 0,0 11 0 0,7-6 17 0,-7-4 3 46,7-1 0-46,-7 11 0 0,0 0-12 0,7-11-8 0,-7 5 12 0,7 1-12 0,-1-1 32 0,0 1 0 0,1-1 0 0,6 6 0 0,-1-11 12 0,7 6 3 16,-6-1 0-16,6 1 0 0,6-1-3 0,-7-5-1 0,1 11 0 0,0 0 0 16,6 0-15-16,-6 0-4 0,0 0 0 15,0 0 0-15,12 0-24 0,-19 11 0 0,13-11-14 0,7 6 5 16,-14-1 20-16,1 1 4 16,0 5 1-16,0-6 0 0,12 6-16 0,-24 0-16 15,5-5 3-15,7 5 1 16,-12 0-12-16,-1-1-1 15,-6-4-1-15,13 10-535 0</inkml:trace>
+  <inkml:trace contextRef="#ctx0" brushRef="#br0" timeOffset="67977.87">14282 11799 748 0,'0'0'67'0,"0"0"-54"0,0 0-13 0,0 0 0 16,0 0 68-16,0 0 10 0,0 0 2 16,0 0 1-16,0 0-31 0,0 0-6 15,0 0-2-15,0 0 0 0,0-11-18 0,7-6-3 16,-1 6-1-16,0 6 0 0,6-1-6 0,7-5-2 0,5 6 0 0,7-6 0 15,-6 11 11-15,6-6 1 0,12-5 1 0,0 11 0 16,0-11-1-16,0 11-1 0,7-11 0 0,-1 6 0 16,7 5-1-16,5-6 0 0,1 6 0 0,0-5 0 15,-7 5-32-15,7 0-6 0,-7 0-2 0,-5 0-657 16</inkml:trace>
+  <inkml:trace contextRef="#ctx0" brushRef="#br0" timeOffset="76140.05">4466 12533 403 0,'0'0'36'0,"0"0"-36"0,13 5 0 0,-7-10 0 15,-6 5 69-15,18 0 7 0,-5-6 2 0,-1 1 0 16,7 0-61-16,-1 5-17 0,1-6 0 0,-1 1 8 15,1-1-8-15,5-5 12 0,1 11-12 0,0-11 12 16,5 0-12-16,-5 6 0 0,-6-6 0 0,5 5 0 16,-5-5 17-16,5 6-1 0,1-1-1 0,-7 1 0 0,1-1 5 0,6 1 2 15,-13 5 0-15,13 0 0 16,-7-11-10-16,-6 11-3 0,7-11 0 0,-1 11 0 16,7 0-9-16,-6-5 0 0,-1 5 0 0,7-6 8 0,-7 1-8 0,7 5 0 15,12-6 0-15,0 1 0 0,-12 5 0 16,-7-6 0-16,1 6 0 0,5-5 0 0,1-1 0 0,12 6 0 15,-19-5 0-15,13 5 0 16,-6 5 0-16,6-5 0 0,-13 0 0 0,13 6 0 16,-6-1 0-16,6 1 0 0,-13-6 0 0,13 0 0 0,-6 5 0 15,5-5 0-15,-11 6 0 0,6-6 0 0,-7 5 0 0,7 1 0 16,-1-6 0-16,-5 5 8 16,6-5-8-16,-1 0 0 0,7 11 0 0,-12-11 0 0,5 0 0 0,-5 11 0 0,5-11 0 0,-5 5 0 15,-1-5 0-15,7 6 0 16,-6-6 0-16,5 0 0 0,-5 5 0 0,-1 1 0 0,7-6 0 0,-1 0 0 15,13 0 0-15,-18 0 0 16,-7-6 0-16,7 6 0 0,-1 0 0 0,7 0 0 16,-7-5 0-16,19 5 8 0,-18-6 6 0,6 6 1 0,-7 0 0 15,1-5 0-15,5 5-5 0,-5 0-1 16,5 0 0-16,-5 0 0 0,-19 0 4 0,18 5 1 0,7-5 0 16,-6 6 0-16,-7-6-14 0,6 0 9 0,1 0-9 15,6 5 8-15,-7-5-8 0,1 0 0 16,-1-5 0-16,7 5 0 0,-1 0 0 0,-5 0 0 0,6 0 0 0,-7-6 8 15,7 6-8-15,6 0 0 0,-13 0 0 16,13 0 0-16,0 0 0 0,12 0 0 0,-18 0 9 0,5 0-9 16,7 0 0-16,-12 0 9 0,6 0-9 0,-6 0 0 0,12 6 0 0,6-1 0 15,0 1 0 1,0-1 0-16,-12 12 0 0,12-12 0 0,6 6 0 0,-6 0 0 16,1 11 0-16,-1-16 0 0,-6 10 0 0,6 0 0 15,6 1 9-15,7-1-1 0,-13 6-8 0,19 0-482 16</inkml:trace>
+  <inkml:trace contextRef="#ctx0" brushRef="#br0" timeOffset="93755.4">10361 16397 403 0,'0'0'36'0,"0"0"-36"0,0 0 0 0,0 0 0 0,-12 0 153 0,12 0 24 0,0 0 5 0,0 0 1 15,0 0-134-15,0 0-26 0,0 0-6 0,0 0-1 16,12 0 13-16,6-16 3 0,-5 5 0 0,11 0 0 15,1 5 3-15,0 1 1 0,-1-6 0 0,7 0 0 16,0 0-12-16,6 0-3 0,0 0 0 0,0 5 0 16,6 1-11-16,0-1-2 0,1 1-8 0,-1 5 12 15,0-5-12-15,0 5 0 0,6 0-9 0,1 5 9 16,-1 0 0-16,0-5 0 0,1 6 0 16,5-1 0-16,-5 1-9 0,5-1 1 0,1 1 0 0,-1 5-417 15,1-11-83-15</inkml:trace>
+  <inkml:trace contextRef="#ctx0" brushRef="#br0" timeOffset="127858.11">32947 8713 172 0,'0'0'8'0,"0"0"1"0,0 0-9 0,0 0 0 0</inkml:trace>
+  <inkml:trace contextRef="#ctx0" brushRef="#br0" timeOffset="128233.32">32367 8773 288 0,'0'0'25'0,"0"0"-25"15,0 0 0-15,0 0 0 0,0 0 100 0,0 0 16 16,0 0 2-16,0 0 1 0,0 0-87 0,0 0-16 0,0 0-4 0,0 0-1 16,12 6-11-16,1-12 0 0,-1 6 0 15,0 0 0-15,7 0 0 0,-1-5 0 16,1-1 0-16,6 6 0 0,-1-5 0 0,7 5 0 0,-12 0 8 0,11 0-8 16,7-11 44-16,0 11 4 15,0-11 1-15,7 11 0 0,-7 0 5 0,6-11 1 0,0 11 0 0,0 0 0 16,0-6-14-16,0 6-2 0,0 0-1 0,1-5 0 15,5 5-10-15,6-6-1 16,1 6-1-16,12 0 0 0,0 0-7 0,-1 6-2 16,1-1 0-16,0 1 0 0,0 5-17 0,6 0 0 15,-6 0 0-15,6-6 0 0,-6 6 0 0,-7-5 0 16,1-1-15-16,0 0-406 0,-1 6-82 0</inkml:trace>
+  <inkml:trace contextRef="#ctx0" brushRef="#br0" timeOffset="129216.23">23587 9557 633 0,'0'0'56'0,"0"0"-44"0,0-11-12 0,0 11 0 16,-13-6 62-16,13 6 10 0,0 0 3 0,0 0 0 16,0 0-65-16,0 0-10 0,0 0 0 0,0 0-12 15,0 0-12-15,0 0-1 16,0 0-1-16,19 0 0 0,-7 0 12 0,7 6 2 0,-7-6 1 0,7 5 0 0,-1 1 11 15,7-6 8-15,-7 5-8 0,1 1 11 0,-1-1 19 16,7 1 4-16,-7-1 1 0,7 1 0 16,0 5-1-16,-1 0 0 0,7-11 0 0,0 11 0 0,-6 0-9 0,12 0-1 15,0-6-1-15,12 0 0 16,0 12-15-16,7-12-8 0,6-5 8 0,-1 6-8 16,7 5 8-16,0-11-8 0,6 0 8 15,0-11-8-15,0 11 0 0,12-6 8 0,0 1-8 0,7 5 0 16,-1-17 0-16,1 12 8 0,-1-6-8 0,1 0 0 0,-1 6 0 15,1-6 0-15,-1-6 0 0,1 6 0 0,-1 0 9 16,7-5-9-16,6 10 12 0,-6 1-12 0,-1-1 0 16,-5 6 0-16,-1 0 0 0,-6 6 0 0,7-6-26 0,-7 5 1 15,99 1 0-15,-55-1 0 0</inkml:trace>
+  <inkml:trace contextRef="#ctx0" brushRef="#br0" timeOffset="131345.22">30480 10160 864 0,'0'11'76'0,"0"-11"-60"0,13 5-16 0,-1 1 0 15,6-6 15-15,7 0 0 0,0 0 0 0,6 11 0 16,6-6 3-16,0 1 1 15,0-6 0-15,12 5 0 0,0 6-19 0,7 0 0 0,5-11 0 0,-5 5 0 16,6 6 0-16,-1-5 0 0,-5-1 0 0,5 1 0 16,1-6 13-16,0 5-4 0,-1 1-1 0,1-6-306 15,6-6-62-15</inkml:trace>
+  <inkml:trace contextRef="#ctx0" brushRef="#br0" timeOffset="132032.94">22933 11283 806 0,'19'-11'36'0,"-7"0"7"0,7 0-35 0,5 0-8 0,1 1 0 0,12-1 0 15,0 0 141-15,12 0 27 0,7 5 4 0,12-5 2 16,12 0-139-16,0 6-35 0,12-6 0 0,1 5 0 16,12 1 10-16,-1-1-10 0,7 1 8 0,13-1-8 15,-1 1 9-15,0 5-9 16,1 0 10-16,-7 0-10 0,6 5-20 15,1 1-9-15,110 10-3 0,-62 1 0 0</inkml:trace>
+  <inkml:trace contextRef="#ctx0" brushRef="#br0" timeOffset="192427.04">24018 13624 460 0,'0'0'41'0,"0"0"-33"0,0 0-8 0,0 0 0 15,0 0 98-15,13-11 18 0,-7 0 3 0,0-6 1 16,6 12-59-16,1-6-11 16,-1 0-2-16,0 0-1 0,1-5-19 0,-1 5-3 0,7 11-1 0,-1-11 0 15,-18 11-8-15,12-6-1 0,7 6-1 0,-1-5 0 16,-18 5-6-16,19-6-8 0,-1 6 11 0,-18 0-11 16,19 6 15-16,-7-1-4 0,7-5-1 0,-1 6 0 15,-18-6 10-15,19 11 1 0,-19-11 1 0,24 0 0 16,-24 0-30-16,0 0-7 0,25 11-1 0,0-11 0 15,-1 0 16-15,-24 0 0 0,25 10 0 0,-6-10 0 16,5 0 0-16,-5 6 0 0,5-6 8 0,-5 0-8 16,6 5 8-16,-7-5-8 0,7-5 12 0,-1 5-12 15,1-6 18-15,0 6-3 0,-1-10-1 0,7 10 0 16,-6 0-2-16,6 0-1 0,-7 0 0 16,7 0 0-16,0 0-1 0,0 0 0 0,-7 0 0 0,7 10 0 15,0-10-10-15,-6 6 0 0,-13-6 0 0,7 11 8 0,-1-6-8 16,1 1 0-16,-1-1 0 0,7 1 0 0,6-1-9 0,-1 6-4 15,1-5-1-15,6 5-406 16,-6 0-82-16</inkml:trace>
+  <inkml:trace contextRef="#ctx0" brushRef="#br0" timeOffset="196494">23685 14588 489 0,'0'0'21'0,"0"0"6"0,0 0-27 0,0 0 0 0,0 0 0 0,0 0 0 15,13 0 11-15,-13 0-3 16,0 0-8-16,12 11 12 0,-12-11-2 0,0 0-1 0,0 0 0 0,12 6 0 16,-12-6 15-16,13 5 2 0,-13-5 1 0,12 6 0 31,-12-6 3-31,0 0 1 0,12 5 0 0,7 1 0 0,-19-6-3 0,12 0 0 0,1 0 0 0,-13 0 0 16,12-6 0-16,6 6 0 0,1 0 0 15,-7 0 0-15,7-5-7 0,-7-1-1 0,0 6-1 0,1 0 0 16,-1 0-9-16,0 6-2 0,7-6 0 0,-7 5 0 15,1 1 11-15,-13-6 1 0,12-6 1 0,0 6 0 16,7 0-21-16,-1 0 9 0,1 0-9 0,-7 0 0 16,7 0 20-16,-7 0-4 0,0-5 0 0,1-1 0 15,-1 1 2-15,6 5 0 0,1 0 0 0,-1 0 0 16,-5-6-8-16,-1 6-2 0,-12 0 0 0,12 0 0 16,7 0 2-16,-19 0 0 0,18 0 0 0,1 6 0 15,-19-6-10-15,12 5 0 0,7 1 0 0,-7-1 8 16,0 1-8-16,-12-6 0 0,19 5 0 0,-1 1 0 15,1-6 0-15,-1 5 0 0,-18-5 0 0,0 0 8 16,19 0-8-16,-1 0 0 0,-18 0 0 0,0 0 8 0,13 0-8 0,-13 0 0 16,18 0 0-16,-18 0 0 15,19 0 0-15,-1 11 0 0,-5-11 0 0,-1 0 0 0,-12 0 0 16,12 0 8-16,-12 0-8 0,13 11 8 0,5-11 0 0,-18 0-8 16,12 0 12-16,-12 0-4 15,13 11-8-15,-1-11 8 0,0 6-8 0,1 4 8 0,-13-10-8 16,18 0 0-16,-5 0 0 0,-1 0 8 0,-12 0-8 15,12 0 8-15,7 0-8 0,-7 0 8 0,-12 0-8 0,12 0 0 16,1 0 0-16,-1 0 0 0,0 0 0 0,1 0 8 16,-1 6-8-16,0-6 8 0,1 0-8 0,5-6 8 15,-12 6-8-15,13 0 8 0,-13-5 1 0,12 5 0 16,-5 0 0-16,-1 0 0 0,7-5-9 0,-7-1 0 0,0 6 0 16,7-11 0-16,-1 11 0 0,1 0 0 15,-1-11 0-15,1 11 8 0,-19 0-8 0,0 0 0 16,0 0 0-16,0 0 0 0,0 0 0 0,0 0 0 0,0 0 0 0,18 0 8 15,7 0-8-15,-25 0 12 16,18 0-12-16,1-11 12 0,6 6 0 0,-13 5 0 16,6 0 0-16,7-6 0 0,-25 6-12 0,19 0 0 0,5 0-12 0,-5 0 12 15,-1 0 0-15,1 0 0 16,-1 0 0-16,-5 0 0 0,5-5 0 0,-6 5 0 16,-12 0 0-16,19 5 0 0,-1-5 0 0,-5 6 0 0,-13-6 0 0,18 5 0 15,-5-5 0-15,-13 0 0 0,18-5 0 0,-6 5 0 16,7 16 0-16,-7-16 0 0,1 0 0 0,-1 0 0 0,-12 0 0 0,18 0 0 15,-5 0 0-15,-1 11 8 0,0-11 0 16,1-11 0-16,5 11 0 0,-5 0 0 16,-1 0-8-16,6 0 0 0,-5 0 0 0,5 0 0 15,-5 0 0-15,5 0-9 0,-12 11 9 0,13-11-10 16,-1 0 10-16,1 11 0 0,-1-11 8 0,1 6-8 16,5-1 0-16,-5 0 8 0,-1 1-8 0,7-1 0 15,6 1 0-15,-13-1 0 0,1-5 0 0,-7 6 0 0,13-6 0 0,-7 5 0 16,1-5 0-16,-1 6 0 15,1-6 0-15,6-6 8 0,-7 6-8 0,0 6 0 0,1-6 0 16,-1 5 0-16,1 6 0 0,-1-11-8 0,1 0 8 0,6 0 0 16,-7 11 0-16,7-11 0 0,-7 0 0 0,7 6 0 15,-7-6 0-15,1 0 0 0,6 5 0 0,-7-10 0 16,7-1 0-16,-1 6 0 0,-5 0 0 0,-1 0 0 16,1 0 0-16,6 0 0 0,-7-11 0 0,7 11 8 15,-7-11-8-15,7 6 0 0,-7-1 0 0,7 1 8 16,0 5-8-16,-1 0 0 0,1-11 0 0,0 5 9 15,-1 1-9-15,1-1 0 0,0 1 12 0,-7 0-12 16,1-1 12-16,5-5-12 0,7 0 0 0,-6 11 0 0,6-11 0 0,0 6 0 16,6-6 0-16,-7-6 0 0,7 6 0 0,-6 6 0 15,6-6-17 1,-6 0-11-16,6 11-1 0,-6-11-439 0,6 0-87 0</inkml:trace>
+  <inkml:trace contextRef="#ctx0" brushRef="#br0" timeOffset="198062.09">32194 14769 288 0,'0'0'25'0,"0"0"-25"0,0 0 0 0,13 0 0 15,-13 0 37-15,12 0 3 0,7-5 0 0,-7 5 0 16,0-6-32-16,1-5-8 0,-1 11 0 15,0 0 0-15,7 0 0 0,-7-11 0 0,0 11 0 0,7-5 0 16,-7-1 27-16,7 6 4 16,-7-5 1-16,0 5 0 0,7 5 28 0,-7 1 5 0,-6-1 2 0,7 6 0 15,5 0-16-15,-5-5-3 0,-1-1-1 0,0 6 0 16,1-5-23-16,-1-1-4 0,0 1 0 0,7-1-1 16,-19-5 2-16,12 0 1 0,7 0 0 0,5 0 0 15,-11 0-22-15,5 0 0 0,7 0 0 0,-1 6 0 16,-5-1 0-16,-1 1 0 0,1 4 0 0,-1-10 0 15,-5 0 0-15,5 11 0 0,1-11-12 0,-7 11 4 16,6 0-4-16,-5 0-1 0</inkml:trace>
+  <inkml:trace contextRef="#ctx0" brushRef="#br0" timeOffset="199399.15">34192 14780 172 0,'0'0'16'16,"0"0"-16"-16,0 0 0 0,0 0 0 0,-6 11 17 0,6-11 1 0,0 0 0 0,0 0 0 15,0 0-18-15,0 0 0 0,-6 6 0 0,6-6 0 16,0 0 30-16,0 0 2 0,-6 5 1 0,6-5 0 16,0 0 47-16,0 0 8 0,0 0 3 0,0 0 0 0,0 0-33 0,0 0-6 15,0 0-2-15,0 0 0 16,0 0-28-16,0 0-6 0,0 0 0 0,12 0-1 16,-12 0 9-16,18 0 1 0,1 0 1 0,6 0 0 15,-7-5-1-15,1-1 0 0,5 6 0 0,1-5 0 16,0-1 2-16,-1 6 0 0,7 0 0 0,-6 6 0 0,6-1 2 0,-7 1 1 15,-5-1 0-15,5 1 0 16,7-1-4-16,0 1-1 0,-6 4 0 0,6 1 0 16,6-11-9-16,0 0-3 0,-7 6 0 15,7-1 0-15,0 6 17 0,0-5 3 0,-6 5 1 16,0-6 0-16,0 6-34 0,6-5-9 0,-6 5-1 0,6 0 0 16,-6-11 10-16,12 16 0 0,-6 1 0 0,6-1-8 31,6-5-22-31,-6 0-4 0,50 22-1 0,-19-17 0 0</inkml:trace>
+  <inkml:trace contextRef="#ctx0" brushRef="#br0" timeOffset="204207.92">31726 14561 345 0,'0'0'31'0,"0"0"-31"16,0 0 0-16,0 0 0 0,0 0 98 0,0 0 14 15,0 0 2-15,0 0 1 0,0 0-72 0,6 0-15 16,12 0-2-16,-11 0-1 15,-7 0-11-15,18-6-2 0,-6 1-1 0,7-1 0 0,-7 1-1 0,7 0 0 16,-1 5 0-16,-5 0 0 0,5-6 8 0,-6 6 2 16,-12 0 0-16,19-5 0 0,-1-1-2 0,-18 6 0 15,19 0 0-15,-1-5 0 0,1-1-4 0,-1 6-1 16,-5 0 0-16,5-5 0 0,1-6-4 0,-1 11-1 16,1 0 0-16,-1-11 0 0,-5 11-8 0,5 0 0 0,-6 0 0 15,7-11 8 1,-1 11-8-16,-5 0 0 0,5 0 0 0,1 0 0 0,-7 0 0 0,0 0 0 15,7 0 0-15,-7 11 0 0,1-11 0 0,5 0 0 0,1 0 0 0,-1 0 8 16,1 0-8 0,5 0 12-16,-5 0-12 0,-1 0 12 0,7 0-4 0,-7 0-8 15,7 0 12-15,-6 0-4 0,5 0-8 0,-11 0 12 16,-13 0-12-16,18-11 12 0,-6 11-12 0,1 11 0 16,5-11 0-16,1 0 8 0,-13 0-8 0,12 11 0 15,-5-11 0-15,-1 0 0 0,-12 0 0 0,0 0 0 0,0 0 0 0,19 11 0 16,-1-11 0-16,-18 0 0 0,12 5 0 0,7 6 0 15,-19-11 0-15,18 11 0 0,-18-11 0 0,13 6 0 16,-1 4-9-16,0 1 9 0,-12-11-12 0,13 17-525 16</inkml:trace>
+  <inkml:trace contextRef="#ctx0" brushRef="#br0" timeOffset="205146.5">31812 14665 172 0,'6'0'16'0,"7"0"-16"16,-7 0 0-16,12 0 0 0,-5 0 65 0,5 11 11 15,-6-11 1-15,7 0 1 0,-1 0-49 0,1-11-9 16,-1 11-3-16,1 0 0 0,-1 0 23 0,1 0 4 16,-1 0 0-16,1 0 1 0,-1 0 4 0,7 0 1 15,-6 0 0-15,-1 0 0 0,7 0-28 0,-1 11-6 16,-5-11 0-16,6 6-1 0,-1-6-5 0,1 5-1 16,6 0 0-16,-7 1 0 0,13-1-1 0,-6-5 0 15,0 6 0-15,0-6 0 0,6 5 4 0,-12 1 1 16,-1 5 0-16,7-6 0 0,0-5 6 0,0 0 1 15,0 0 0-15,6 0 0 16,0 0 6-16,-7 11 2 0,7-11 0 0,0 0 0 16,-6 0-4-16,6 0 0 0,0 0 0 0,-6 0 0 15,6 0-6-15,-6 0-2 0,6 0 0 0,0 0 0 0,-6 11-6 0,-1-11-2 16,1 0 0-16,6 6 0 0,6-6-8 16,-6 0 0-16,0 11-12 0,7-6 12 0,-14-5 0 0,7 0 0 15,-12 0 0-15,0 0 0 0,6 6 0 0,-7-1 0 0,1-5 0 0,-7 6 0 16,1-6 0-16,-1 0 8 0,-18 0-8 15,13 0 0-15,-13 0 0 0,0 0 0 0,0 0 0 0,0 0 0 16,0 0 0-16,0 0 0 0,0 0 0 0,0 0 0 16,0 0 10-16,0 0-10 0,0 0 12 0,0 0-12 15,0 0 8-15,0 0-8 0,-13 0 0 0,1 0 0 0,0-6 10 16,-1 6-10-16,-5 0 8 0,-1-5-8 0,7 5 0 0,-6 0 0 16,-1-11 0-16,-6 5 0 15,1 1 0-15,-7 5 0 0,0-6 0 0,0-5 0 16,-6 11 0-16,6 0 15 0,-6-11-3 0,7 6 0 0,-7 5-12 15,0 0 0-15,6 0 8 0,-6 5-8 0,-6-5 0 16,6 11 0-16,-13-11 0 0,1 0-10 16,0 11-4-16,-13-11-1 0,0 17 0 0,7-12 0 0,-1 6 1 15,1 0 0-15,-7-11 0 0,7 11 0 0,-1 5 0 0,7 1 0 16,-7-6 0-16,7 5 0 0,0 1 0 0,-1-6 0 16,1 0 0-16,0 11-356 15,-1-17-71-15</inkml:trace>
+  <inkml:trace contextRef="#ctx0" brushRef="#br0" timeOffset="-178621.12">34180 15904 403 0,'0'0'36'0,"0"0"-36"0,0 0 0 0,0 0 0 16,0 0 99-16,12 5 13 0,7-10 2 0,-7 5 1 15,0-6-85-15,-12 6-17 0,13 0-3 0,5 0-1 0,-6 0 8 0,1 0 2 16,-13 0 0-16,18 0 0 0,-5 0 19 0,5 0 4 15,1 0 1-15,-1 6 0 0,1-1 8 0,5-5 1 16,1 0 1-16,6 6 0 0,0-6-20 16,-7 5-4-16,7 1-1 0,0-1 0 0,0-5-12 0,0 6-4 15,6 5 0-15,6-6 0 0,-6-5-12 0,6 0 8 16,0 0-8-16,-6 0 0 0,6-5 12 16,-6-1-3-16,0 1-1 0,6-1 0 0,1 1 26 15,-7-6 5-15,0 5 1 0,6 1 0 0,0-6-20 0,0 0-4 16,0 11-1-16,0 0 0 0,1 0-4 0,-7 0-1 15,0 0 0-15,6 0 0 0,-6 0 2 0,0 0 0 0,0 11 0 16,0-11 0-16,-7 0 6 0,7 5 2 16,-6-5 0-16,0 0 0 15,0 0-41-15,0 0-8 0,0-5-2 16,-7 5 0-16,1 0-94 0,0-11-19 0,30-11-4 0,-24 5-1 16</inkml:trace>
+  <inkml:trace contextRef="#ctx0" brushRef="#br0" timeOffset="-177517.37">22502 17055 403 0,'0'0'17'0,"24"-6"5"0,1 1-22 0,0 5 0 16,-1-6 0-16,-5 1 0 0,5-1 83 0,-5 1 12 15,-1-1 2-15,1 6 1 16,6-11-26-16,-7 11-6 0,1 0-1 0,-1 0 0 0,1 0-7 0,5 0-2 16,-5 0 0-16,-1 0 0 0,7 0-14 0,0 0-3 15,-1 0-1-15,1 0 0 0,0 0-1 0,12 0 0 16,0 0 0-16,-7 0 0 0,1 0 1 0,6 0 0 15,0 0 0-15,6 0 0 0,1 0-18 0,5 0-4 16,-6 11-1-16,6-11 0 0,1 11-15 16,-1-5 11-16,-6-1-11 0,0 6 10 0,7 0-10 15,-7 0 0-15,6 0 0 0,0 6 8 0,7-6-24 0,-1 5-4 16,1 0-2-16,6 6-702 0</inkml:trace>
+  <inkml:trace contextRef="#ctx0" brushRef="#br0" timeOffset="-163883.83">28612 15734 172 0,'0'0'8'0,"0"0"1"0,0 0-9 0,0 0 0 16,0 0 0-16,0 0 0 0,0 0 112 0,0 0 20 15,0 0 4-15,0 0 0 0,0 0-104 0,-6 5-22 16,6-5-10-16,-12 6 10 0,-1-1-10 0,13-5 0 0,0 0 0 16,0 0 0-16,-12 0 0 0,12 0 0 15,0 0 0-15,0 0 0 0,0 0 0 0,0 0 0 16,0 0 0-16,0 0 0 0,0 0 0 0,0 0 8 0,0 0-8 0,0 0 8 15,0 0 14-15,0 0 2 0,0 0 1 0,0 0 0 16,0 0 9-16,0 0 2 0,0 0 0 0,0 0 0 16,0 0-16-16,0 0-2 0,0 0-1 0,0 0 0 15,0 0-17-15,0 0 0 0,0 0 8 0,0 0-8 16,0 0 0-16,0 11 0 0,0-11 0 0,12 17 0 16,-12-17 0-16,0 0 8 0,13 11-8 0,-1 0 0 15,0-11 16-15,1 11-3 0,5-6-1 0,-6-5 0 16,7 0 6-16,6 0 1 0,-7 0 0 0,7 0 0 15,-1 6-1-15,1-6 0 0,6-6 0 0,-7 1 0 16,-5-6-18-16,6 11 0 0,-1 0 0 0,7 5 0 16,-6-5 0-16,6 6 0 0,-7-6 0 0,7 5 0 15,-6 1 0-15,-1-1 0 0,1-5 0 0,6 6 0 0,-6-1 0 16,-1 0 0-16,1 6 0 0,0-5 0 16,-1 5 8-16,1 0-8 0,0-11 9 0,-1 0-9 0,1 11 12 0,0-11-3 15,5 0-1-15,-5 5 0 0,0-10-8 0,6 5 0 16,-1-11 0-16,7 11 0 0,0 0 0 15,-6 0 18-15,0-11-3 0,0 11-1 0,6 0 11 0,0-11 3 16,6 11 0-16,-6-6 0 16,0 6-12-16,0 0-1 0,0-5-1 0,0-1 0 0,0 6-3 0,0 0-1 15,0 6 0-15,-6-1 0 0,6-5-2 16,0 0-8-16,0 0 12 0,0 0-4 0,0 0-8 0,6-5 0 16,-6-1 0-16,6 1 8 0,6-6-8 0,-5 0 0 15,-1 11 9-15,0-11-9 0,6 6 20 0,1-6 0 16,5 0 0-16,-6 5 0 15,1-5-20-15,-1 6-12 0,0-6 2 0,1 0 0 0,-7 5 10 0,0 1 8 0,0-1-8 0,0-5 11 16,7 0-3-16,-7-5-8 16,6 11 12-16,7-6-4 0,-1 0-8 0,1 5 8 0,-7-5-8 0,6 0 8 15,1 0-8-15,-1 11 0 16,1-16 9-16,-1 10-9 0,-5 1 0 0,-1-1 0 0,0 1 0 0,-5 5 8 16,-1 0-8-16,0 0 0 0,-6 5 0 15,0 1 0-15,6-6 0 0,-6 5 0 0,6 1 0 16,0-6 0-16,1 16 8 0,-7-16-8 0,6 0 8 0,0 0-8 15,0 0 8-15,0 0-8 16,7 0 8-16,5 0-8 0,-12 0 0 0,7 0 0 0,-7 0 0 16,0 0 0-16,0 0 0 0,-6 0 8 0,6 0-8 0,-6 0 0 15,6 0 0-15,-6 0 0 0,6 11 0 0,1-11 0 16,5 6-16-16,13 5 0 0,-7-6-1 0,1 6-459 16,11-5-91-16</inkml:trace>
+  <inkml:trace contextRef="#ctx0" brushRef="#br0" timeOffset="-160500.86">29716 17082 172 0,'0'0'16'0,"0"0"-16"16,0 0 0-16,0 0 0 15,0 0 194-15,0 0 36 0,0 0 7 0,0 0 2 0,0 0-187 0,0 0-36 16,0 0-8-16,0 0-8 0,0 0 0 0,0 0 0 16,0 0 0-16,0 0 0 0,0 0 0 0,0 0 0 15,0 0 0-15,0 0 0 0,0 0 25 0,0 0 6 16,0 0 1-16,12 6 0 0,7 5 12 0,-7-11 4 15,-12 0 0-15,18 11 0 0,7 0-16 0,6-6-2 16,-6 11-1-16,5-10 0 0,1-1-8 0,6 1-1 16,0-1-1-16,0-5 0 15,6 6 6-15,-6-6 2 0,7 0 0 0,-1 0 0 0,0-6-3 0,0 6 0 0,6 0 0 0,1 0 0 16,5 0 0 0,1 0-1-16,-1 0 0 0,1 0 0 0,-1 0-3 0,1 6 0 0,5-6 0 15,-5 11 0-15,5-11-4 0,1 11-2 0,-6-6 0 16,-1 6 0-1,-6 0-6-15,7 0 0 0,-7 0-8 0,1 11 12 0,-1-11-3 0,6 0-1 16,-5 0 0-16,11 0 0 0,-11 0 10 0,5 0 2 0,1 5 0 16,-1-5 0-16,1 0-29 0,-7-5-6 15,6-6-1-15,1 5 0 0,-7-5-2 0,1 0-1 0,-1 0 0 16,0-5 0 0,7-1-106-16,-7 6-22 0,68-27-4 0,-24 10-1 0</inkml:trace>
+  <inkml:trace contextRef="#ctx0" brushRef="#br0" timeOffset="-157906.14">26879 17225 460 0,'0'0'41'0,"0"0"-33"0,0 0-8 0,0 0 0 0,13-6 66 0,-13 6 11 15,12-5 3-15,0-1 0 0,7 1-64 0,-7-1-16 16,-12 6 0-16,13-5 0 15,-1 5 0-15,6-11 9 0,1 11-9 0,6-11 8 0,-1 11 28 0,1-11 6 16,6 5 1-16,0 1 0 0,6-6 17 0,0 5 3 16,0 1 1-16,0 0 0 0,-7-1-21 0,7 1-4 15,0 5-1-15,0-11 0 0,0 11-7 0,0 0-2 16,0 0 0-16,0 0 0 0,6 0-5 0,-6 0-2 16,13 0 0-16,-7 11 0 0,6-11-6 15,1 5 0-15,-1 1-1 0,0-1 0 0,7 0-6 16,-1 1-1-16,1-1 0 0,-7 1 0 0,7-6-8 0,-7 5 0 15,6-5 9-15,-5 0-9 0,-1 0 11 0,7 0-3 16,-1 0 0-16,7 0 0 0,-1 6-8 0,-5-1-14 16,6 1 3-16,-7-6 1 15,7 11-80-15,-1 0-16 0</inkml:trace>
+</inkml:ink>
+</file>
+
+<file path=ppt/ink/ink6.xml><?xml version="1.0" encoding="utf-8"?>
+<inkml:ink xmlns:inkml="http://www.w3.org/2003/InkML">
+  <inkml:definitions>
+    <inkml:context xml:id="ctx0">
+      <inkml:inkSource xml:id="inkSrc0">
+        <inkml:traceFormat>
+          <inkml:channel name="X" type="integer" max="9600" units="cm"/>
+          <inkml:channel name="Y" type="integer" max="7200" units="cm"/>
+          <inkml:channel name="F" type="integer" max="4096" units="dev"/>
+          <inkml:channel name="T" type="integer" max="2.14748E9" units="dev"/>
+        </inkml:traceFormat>
+        <inkml:channelProperties>
+          <inkml:channelProperty channel="X" name="resolution" value="369.51501" units="1/cm"/>
+          <inkml:channelProperty channel="Y" name="resolution" value="415.70438" units="1/cm"/>
+          <inkml:channelProperty channel="F" name="resolution" value="0" units="1/dev"/>
+          <inkml:channelProperty channel="T" name="resolution" value="1" units="1/dev"/>
+        </inkml:channelProperties>
+      </inkml:inkSource>
+      <inkml:timestamp xml:id="ts0" timeString="2021-11-03T16:30:55.688"/>
+    </inkml:context>
+    <inkml:brush xml:id="br0">
+      <inkml:brushProperty name="width" value="0.05292" units="cm"/>
+      <inkml:brushProperty name="height" value="0.05292" units="cm"/>
+      <inkml:brushProperty name="color" value="#FF0000"/>
+    </inkml:brush>
+  </inkml:definitions>
+  <inkml:trace contextRef="#ctx0" brushRef="#br0">12723 17882 576 0,'-25'11'51'0,"19"0"-41"15,0-5-10-15,-7 5 0 0,7-6 68 0,6-5 11 16,0 0 2-16,0 0 1 0,0 0-33 0,0 0-6 0,0 0-2 0,0 0 0 15,0 0-13-15,0 0-4 16,0 0 0-16,0 0 0 0,0 0-24 0,0 0-9 16,0 0 0-16,12-5 0 0,-12 5 9 0,19-6 14 0,6 6-3 0,-13 0-1 15,0 0 8-15,13 0 2 16,0 6 0-16,-7-6 0 0,7 0 18 0,-7 0 4 16,1 5 1-16,5-5 0 0,7 0-24 0,12 0-5 0,-24 0-1 0,24-5 0 31,0-1-13-31,-6 1 0 0,0-12 8 0,6-5-8 15,7 6-96-15,-7-11-23 0</inkml:trace>
+  <inkml:trace contextRef="#ctx0" brushRef="#br0" timeOffset="8806.62">10965 7951 288 0,'13'0'25'0,"17"0"-25"0,7 0 0 0,-6 0 0 0,6 0 52 0,0 0 6 16,6 0 1-16,-6 0 0 16,7 11-27-16,-1-11-4 0,0 11-2 0,0-6 0 0,0 1-12 0,-6-1-2 15,6 1-1-15,0-1 0 16,7 6-11-16,5 0 0 0,-12 0 9 0,7 0-9 0,-1 0 8 0,0-5-8 15,7 10 8-15,-1-5-8 0,-5 0 0 0,5 0 0 16,1 5 0-16,-7-5 0 16,0 0 0-16,-5 0 0 0,-1-5 0 0,6-1 0 15,-6 6 0-15,0 0 0 0,1-5 8 0,-1-1-8 0,6-5 0 0,0 0 9 16,-5 0-9-16,5 0 0 0,0-5 10 0,-6 5-10 16,7 0 8-16,5-6-8 0,-12 1 0 0,7-6 8 15,5 0-8-15,-12 0 0 0,7 5 12 0,-1-5-2 0,-6 0-1 0,0-5 0 16,7 5 6-1,-1 0 1-15,0 0 0 0,1-5 0 0,-1 10-8 0,6-5-8 16,1-11 11-16,6 11-11 0,-7 6 12 0,7-12-12 0,12 6 12 0,-19 6-12 16,7-6 0-16,-7 0 0 0,1 11 0 15,-1-11 0-15,1 11 0 0</inkml:trace>
+  <inkml:trace contextRef="#ctx0" brushRef="#br0" timeOffset="9783.65">8622 9447 288 0,'0'0'25'0,"0"0"-25"15,13-11 0-15,5 11 0 0,-12 0 0 0,7 0 0 16,5 0 0-16,7 0 0 0,-7 0 15 0,13-11-3 16,0 11 0-16,0 0 0 0,6 0-12 0,0 0 0 15,6-5 0-15,0-1 0 0,0 6-13 0,-12 0 4 16,12-5 1-16,-6 5 0 0,6 5 8 0,0 1 0 15,1-6 0-15,-1 0 0 0,0 5 9 0,0-5-9 0,-6 11 12 0,6-11-12 16,-6 0 9-16,0 11-9 16,6-5 0-16,1-1 9 0,-14 6-9 0,20-11 0 0,-7 0 0 0,6 6 0 15,7-1 0-15,-13 1 0 0,0-1 0 0,19 1 8 16,-19-1 11-16,19-5 1 0,-1 5 1 16,-5 6 0-16,-1-11-21 0,1 11-10 0,5-11 1 0,-5 0 0 15,-1 0 19 1,7 0 4-16,0-11 1 0,-7 11 0 0,7 0 0 0,-1-11 0 0,1 6 0 0,12 0 0 15,-12-1 1-15,12 6 1 0,-13 0 0 0,7-5 0 16,0-6 0-16,0 5 0 0,-6 6 0 0,-1-16 0 16,1 10 8-16,-1-5 2 0,7-5 0 0,-6 5 0 15,-19 0-11-15,19 5-1 0,-7-5-1 0,7 0 0 16,-7 6 2-16,1 5 0 0,-1-11 0 0,1 0 0 0,-13 11-6 0,6-11-1 16,1 6 0-16,5-6 0 0,-5-6-9 0,-1 6 12 15,6 0-12-15,7 6 12 0,6-17-12 0,6 11 0 16,-6-6 9-16,-1 1-9 0,14-11 9 0,-7 16-9 15,-7-11 12-15,7 0-12 16,-6 11 10-16,-6 0-10 0,6 5 8 0,-7-5-8 0,1 11 0 0,0 0 0 16,-1 0 0-16</inkml:trace>
+  <inkml:trace contextRef="#ctx0" brushRef="#br0" timeOffset="10944.28">9300 10626 403 0,'0'0'36'0,"13"5"-36"0,5 1 0 0,-5-1 0 16,5 6 35-16,7 0 0 0,-7-11 0 0,7 0 0 16,-7 5-12-16,13 6-3 0,-6-11 0 0,6 6 0 15,0-6 3-15,-1 0 0 0,1 0 0 0,12 0 0 0,-6-6 2 0,19 1 1 16,-13-1 0-16,6 1 0 16,7-6 2-16,-7 0 1 0,7 6 0 0,5-6 0 0,-5 0-6 0,5 5-2 15,13-5 0-15,-12 11 0 0,-6-5-3 0,-1-1-1 16,7 1 0-16,-1 5 0 15,1-11-4-15,0 11-1 0,-1-11 0 0,-5 11 0 0,6 0-3 0,-1 0-1 16,1 0 0-16,0 0 0 0,-7-11-8 16,7 11 0-16,-1 11 0 0,-5-11 8 0,6 0-8 15,-7 0 0-15,7 0 0 0,-1 0 0 0,-5 0-10 0,5 0-7 16,7 0-2-16,-12 0 0 0</inkml:trace>
+  <inkml:trace contextRef="#ctx0" brushRef="#br0" timeOffset="12126.53">9011 11996 504 0,'0'0'22'0,"0"0"5"0,0 0-27 0,0 0 0 0,0 0 0 0,0 0 0 15,0 0 64-15,0 0 8 0,0 0 2 0,0 0 0 16,6 11-34-16,6 0-6 0,-12-11-2 0,19 5 0 16,5 6-9-16,-5 0-3 0,-13-11 0 0,12 11 0 15,7-5-10-15,0 5-2 0,6 0-8 0,-1-1 12 0,1 1-12 0,12 11 0 16,7-11 8-16,-1 0-8 0,0 0 14 0,1 0 0 15,5 0 0-15,1-5 0 16,12-6-6-16,-1 0-8 0,14-6 11 0,5 1-11 0,-6-6 9 0,6 5-9 16,1-5 0-16,5 0 9 15,1 0-9-15,-1-11 8 0,7 1-8 0,-13 10 8 0,13-6 4 0,-7 6 1 16,1-5 0-16,5-6 0 16,1 11-1-16,-6-6 0 0,5 12 0 0,-5-6 0 0,5 0-12 15,-5 0 9-15,5 6-9 0,1 5 8 16,6 0-8-16,0 0 0 0,0 11 0 0,-1 5-528 15</inkml:trace>
+  <inkml:trace contextRef="#ctx0" brushRef="#br0" timeOffset="31193.9">10022 16090 172 0,'0'0'16'0,"0"0"-16"16,0 0 0-16,0 0 0 16,0 0 95-16,0 0 16 0,0 0 3 0,0 0 1 15,0 0-75-15,0 0-14 0,0 0-3 0,0 0-1 0,0 0-22 0,0 0 0 16,-6-5-10-16</inkml:trace>
+  <inkml:trace contextRef="#ctx0" brushRef="#br0" timeOffset="34808.04">9923 16074 388 0,'0'0'17'0,"0"0"4"0,0 0-21 0,0 0 0 0,0 0 0 15,0 0 0-15,0 0 16 0,0 0 0 0,0 0-1 0,0 0 0 0,0 0-15 0,0 0 0 16,0 0 0-16,0 0 0 0,0 0 0 0,0 0-10 16,6 11 2-16,-6-11 0 0,13 11 32 0,-13-11 6 15,0 0 2-15,0 0 0 0,12 11 14 0,-12-11 3 16,0 0 1-16,0 0 0 0,6 16-14 0,-6-16-4 15,0 0 0-15,0 0 0 0,0 0 1 0,0 0 0 0,0 0 0 0,0 16 0 16,0-16-13-16,0 0-2 16,0 0-1-16,0 11 0 0,0-11-9 0,0 11-8 0,0-11 12 0,0 11-12 15,0-11 0-15,0 0 0 0,0 0 0 0,0 17 0 16,13-6 8-16,-13 0-8 0,0-11 0 0,0 11 0 16,0-11 8-16,0 0-8 0,0 0 0 0,0 16 0 15,0-5 14-15,0-11-4 16,0 0-1-16,0 0 0 0,0 11 10 0,0 5 1 0,0-16 1 0,0 0 0 15,-13 6-1-15,13-6 0 0,0 16 0 0,0-16 0 16,-6 17 8-16,6-17 2 0,0 0 0 0,0 11 0 16,0-6-22-16,-12 6-8 0,12-11 0 0,0 17 0 15,0-6 0-15,0-11 0 0,-6 5 0 0,6 6 0 0,-7 11-8 0,7-17 8 16,-6 6 0-16,0 0 0 0,6 0 0 16,0-11 0-16,-6 11 0 0,6 0 0 0,-12 0 0 0,12 0 0 15,0-11 0-15,0 0 0 0,-7 17 0 0,7-17 0 16,0 11 0-16,0-11 0 0,0 0 0 0,-6 16 0 15,6-16 0-15,0 11 0 0,0-11 14 16,6 16-3-16,1-5-1 0,-7-11 0 0,0 0-10 0,0 11 0 16,0-11 0-16,0 0-11 0,0 0 11 0,12 17 8 15,-12-1-8-15,0-5 11 16,0 0-11-16,0-11 10 0,0 0-10 0,0 17 10 0,0 5-10 0,0-11 8 16,0-11-8-16,0 16 8 0,0 0-8 0,0-16 0 15,0 0 0-15,0 17 0 0,0 5 9 0,0-22-9 16,0 11 10-16,0 5-10 0,0 1 0 0,0-17 0 15,0 11 0-15,0-11 0 0,6 16 0 0,-6-16 0 0,0 22 0 0,0-6 0 16,0 1 0-16,0-17 0 16,0 16 9-16,0-5-9 0,0 11 0 0,0-22 0 0,-6 6 8 15,6 10-8-15,6-5 8 0,-6-11-8 0,-6 11 12 0,6 0-4 16,0-11 4-16,0 16 1 16,0-16 0-16,0 11 0 0,0-11-2 0,0 0-1 15,0 17 0-15,-12-6 0 0,12 5-2 0,-7-5-8 0,7-11 12 0,-6 11-4 16,0 6-8-16,6-17 0 0,0 0 0 0,0 11 0 15,-12 0 0-15,12-1 0 0,0-10 0 0,0 11 8 16,-13-5-8-16,13-6 8 0,0 11-8 0,0-11 8 16,-6 11-8-16,6-11 8 0,0 0-8 0,0 0 8 15,0 11-8-15,0-11 0 0,0 11 0 0,0-6 0 16,0-5 0-16,0 0 0 0,0 0 0 0,0 0 0 0,0 0 0 16,0 0 0-16,0 0 0 0,0 11 0 0,0-11 0 15,0 0 0-15,0 0 0 0,0 0 0 0,0 11 0 0,0-11 8 16,0 0-8-16,6 6 0 0,-6-6 0 0,0 0 8 15,13 11-8-15,-13-11 0 16,0 0 0-16,0 0 0 0,0 0 0 0,0 0 0 0,12 5 0 0,-12-5 8 16,0 0-8-16,12 0 0 0,7 6 0 0,-19-6 0 15,0 0 0-15,6-6 0 16,6 1 0-16,13 5 8 0,-19 0-8 0,7 0 0 0,-13 0 0 0,12-6 0 16,0 6 0-16,-12 0 0 0,0 0 0 0,19-5 0 15,-13 5 0-15,12-6 0 0,1 6 0 0,-19 0 0 0,0 0 0 0,6-5 0 16,6-1 0-16,7 6 0 15,-7 0 0-15,7-5 0 0,-7 5 0 0,13-6 0 0,-25 6 0 16,6 0 0-16,6 0 0 0,-12 0 0 0,0 0 0 16,19 0 0-16,-19 0 0 0,12 6 0 15,-12-6 0-15,0 0 0 0,0 0 0 0,18 0 0 16,-5 0 0-16,11 0 0 0,-24 0 0 0,7 0 0 0,-7 0 0 0,0 0 0 16,0 0 0-16,18 0 0 15,-6 0 0-15,-12 0 0 0,0 0 0 0,0 0 0 0,0 0 0 0,25 0 0 16,-19 0 0-16,-6 0 0 0,0 0 0 0,0 0 0 15,19 5 0-15,-19-5 0 0,0 0 0 0,0 0 0 16,18 0 0-16,-18 0 0 0,0 0 0 0,13 6 0 16,-13-6 0-16,12 5 0 0,-12-5 0 0,12 6 0 15,13-1 0-15,-25-5 0 0,6 6 0 0,6-6 0 16,-12 0 0-16,25 5 0 0,-19 1 0 16,7-6 0-16,-13 0 0 0,18 5 0 15,-6 6 0-15,1-11 0 0,5 0 0 0,-18 0 0 0,0 0 0 0,13 11 0 0,-1-11 0 16,0 0 0-16,-12 0 0 0,0 0 0 0,19 0 0 15,-13 11 0-15,-6-11 0 0,0 0 0 0,12 0 0 0,-12 0 0 16,13 0 0-16,-13 0 0 16,12 0 0-16,-12 0 0 0,12 0 0 0,-12 0 0 0,0 0 0 0,19 0 8 15,-7 0-8-15,-6 0 0 0,-6 0 0 0,13 0 0 16,-1-11 0-16,-12 11 0 0,18 0 0 0,-5 0 0 16,-7 0 0-16,6 0 0 0,7-11 8 0,-7 11-8 15,0 0 8-15,7 0-8 0,-7-11 0 0,1 11 0 0,-13 0 0 16,18-5 0-16,-6 5 0 15,-12 0 0-15,7 0 0 0,5-6 0 0,0 6 0 0,1-5 0 0,5 5 0 0,-18 0 0 16,0 0 0-16,0 0 0 0,6-6 0 16,7 1 0-16,-1-1 0 0,0 6 0 0,7-5 0 0,-19 5 0 15,12-6 0-15,0 1 0 16,-5-1 0-16,5 6 0 0,-12 0 0 0,18-5 0 0,-18 5 0 16,0 0 0-16,25 0 0 0,-25 0 0 0,0 0 0 0,19 0 0 15,5 0 0-15,-5 0 0 16,-19 0 0-16,12-11 0 0,7 11 0 0,-19 0 0 0,12-11 0 0,-12 11 0 15,18 0 0-15,-5 0 0 0,5-6 0 0,-18 6 0 16,13 0 0-16,-13 0 0 0,12 0 0 0,6-5 0 16,-18 5 0-16,13 0 0 0,-13 0 0 0,0 0 0 15,12 0 0-15,-12 0 0 0,0 0 0 0,0 0 0 16,19 0 0-16,-7 0 0 0,-12 0 0 0,0 0 0 16,12 0 0-16,7 0 0 0,-19 0 0 0,12 0 0 15,7 0 0-15,-7 0 0 0,-12 0 0 0,12 0 0 16,-12 0 0-16,19 0 0 0,-7 0 0 0,-12 0 0 0,12 0 0 15,1 5 0-15,-13-5 0 0,0 0 0 16,0 0 0-16,24 0 0 0,-18 0 0 0,-6 0 0 0,0 0 0 0,19 0 0 16,-1 0 0-16,-5 0 0 0,-1 6 0 15,0-6 0-15,-12 0 0 0,13-6 0 0,5 6 0 0,1 0 0 16,-1-5 0-16,-12 5 0 16,7 0 0-16,5 0 0 0,-5-6 0 0,-1 6 0 0,0 0 0 0,-6 0 0 15,-6 0 0-15,25 0 0 0,-25 0 0 0,0 0 0 16,0 0 0-16,0 0 0 0,0 0 0 0,6 6 0 15,-6-6 0-15,6 0 0 0,-6 0 0 0,13 5 0 16,-1-5 0-16,-12 0 0 0,0 0 0 0,25 0 0 16,-19-5 0-16,6 5 0 0,13 0 0 0,-19 0 0 15,6 0 0-15,1-6 0 0,-13 6 0 0,12 0 0 16,7 0 0-16,-19 0 0 0,18 0 0 0,-18 0 0 16,0 0 0-16,0 0 0 0,12 0 0 0,-12 0 0 0,0 0 9 0,13 0-9 15,5 0 0-15,-5 0 0 0,-13 0 0 0,18 0 0 16,-18 0 0-16,12-5 0 0,7-1 0 0,6 6 0 15,-13 0 0-15,0 0 0 0,7-5 0 0,-1 5 0 16,-5-6 0-16,5 1 0 0,-6 5 0 0,-12 0 0 16,13-5 0-16,-13 5 0 0,0 0 0 0,18-6 0 15,-18 6 0-15,13 0 0 16,-13 0 0-16,18 0 0 0,-6 0 0 0,-12 0 0 0,19 0 0 0,-19 0 0 16,12 0 0-16,-12 0 0 0,13 0 0 0,-1 0 0 15,-12 0 0-15,12 0 0 0,-12 0 0 0,0 0 0 0,0 0 0 0,19 0 0 16,-19 0 0-16,0 0 0 15,0 0 0-15,12 0 0 0,-12 0 0 0,12 0 0 16,-12 0 0-16,0 0 0 0,0 0 0 0,25 0 0 0,-19 0 0 0,-6 0 0 16,0 0 0-16,0 0 0 0,13 6 0 0,-13-6 0 15,0 0 0-15,12 0 0 0,-12 0 0 0,12 5 0 16,-12-5 0-16,0 0 0 0,0 0 0 0,13 0 0 16,-13 0 0-16,12-5 0 0,0 5 0 0,-12 0 8 15,0 0-8-15,0 0 8 16,0 0-8-16,13-6 0 0,-1 12 0 0,-12-6 8 0,0 0-8 0,0 0 0 15,0 0 0-15,12 0 0 0,7 5 0 0,-19-5 0 16,0 0 0-16,12-5 0 0,-12 5 0 0,0 0 0 0,0 0 0 16,12 0 8-16,-12 0-8 0,0 0 0 15,0 0 0-15,7 0 0 0,5 5 0 0,-12-5 8 16,0 0-8-16,0 0 0 0,0 0 8 0,12 0-8 0,-12 0 8 16,0 0-8-16,0 0 0 0,19 0 8 0,-7 0-8 0,-12 0 0 15,0 0 0-15,6 0 0 16,13 0 0-16,-7 0 0 0,-12 0 0 0,12 0 9 15,-12 0-9-15,13 5 0 0,-1-5 10 0,7 0-10 0,-19 0 8 0,6 0-8 16,6 0 16-16,0 0-3 0,-12 0 0 0,0 0 0 16,13 0-13-16,-13 0 0 0,12 0 0 0,-12 0 0 0,12 6 0 15,1-6 0-15,-13 0 0 0,0 0 0 16,0 0 0-16,24 5 0 0,-24-5 0 0,13 6 0 16,-1-6 0-16,-12 0 11 0,18 0-11 0,-18 0 10 15,0 0-10-15,0 0 10 0,0 0-10 0,0 0 10 0,7 5-10 0,-7-5 8 16,0 0-8-16,12 6 8 0,6 5-8 15,-5-11 0 1,-13 0 0-16,0 0 0 0,18 11 8 0,1 0-8 0,-19-11 8 0,18 0-8 0,1 0 8 0,-1 0-8 16,-5 0 0-16,-1 0 8 0,6 0-8 15,-18 0 8-15,25-11-8 0,-25 11 8 0,0 0-8 0,12 0 0 16,-12 0 0-16,19 0 8 16,-19 0-8-16,0 0 0 0,0 0 0 0,18 0 0 0,-18 0 8 0,0 0-8 15,0 0 8-15,19-11-8 0,6 11 8 0,-25 0-8 16,12 0 0-16,-12 0 8 0,0 0-8 0,18 0 0 15,-18 0 0-15,19 0 8 0,-19 0-8 0,25-6 0 16,-25 6 0-16,0 0 8 0,6 0-8 0,-6 0 0 16,0 0 0-16,18 6 8 0,1-6-8 0,-19 0 0 15,12 0 0-15,0 11 0 0,-12-11 0 0,13 0 0 16,5 0 0-16,-5 0 0 0,-13 0 0 0,12 0 0 0,-12 0 0 16,12 11 0-16,1-11 0 0,5 5 0 0,-6-5 0 0,1 6 0 15,-13-6 0-15,0 0 0 0,0 0 0 0,12 5 0 16,0-5 0-16,-12 0 0 0,0 0 0 0,13 6 0 15,-1-6 0-15,-12 0 0 0,12 5 0 0,-12-5 0 16,7 0 0-16,5 11 0 0,-12-11 0 0,6 6 0 16,6-6 0-16,-12 0 0 0,0 0 0 0,0 0 0 15,0 0 0-15,13 0-17 0,-7 0 4 0,-6 0 1 16,0 0 20-16,6 5 5 0,6 1 1 0,1-6 0 16,-13 0-14-16,18 0 0 0,-18 0 0 0,0 0 0 15,0 0-12-15,0 0 0 0,0 0 1 0,0 0 0 16,13 5 19-16,-13-5 3 0,0 0 1 0,0 0 0 15,0 0-12-15,0 0 0 0,0 0 0 0,0 0 0 0,0 0 16 0,0 0 2 16,12-5 0-16,-12 5 0 16,0 0-27-16,0 0-6 0,0 0-1 0,0 0 0 0,0 0 28 0,0 0 4 15,6-6 2-15,-6 6 0 0,0 0-27 0,0 0-6 16,0 0-1-16,0 0 0 0,0 0 26 0,12-5 5 16,-12 5 1-16,0 0 0 0,0 0-16 0,0 0 0 15,0 0 0-15,7-11 0 0,5 0 0 0,-6 5 0 16,-6 6 0-16,0 0 0 0,6-5 0 0,-6 5 0 15,6-11 0-15,-6 11 0 0,0 0 0 0,7 0 0 0,-1-11 0 16,-6 11 0-16,0 0 0 0,12-17 0 0,-12 6 0 0,0 6 0 16,0 5 0-16,0-11 0 0,0 0 0 15,0-5 0-15,0 5 0 0,-12-6-21 0,6 1 3 0,-1-1 1 16,1 1 17-16,6-1-12 16,-12 6 12-16,6-10-10 0,6 4 10 0,-6-5 0 0,-1 11 0 0,7-11 0 15,-6 6 0-15,6-1 0 16,0 1 0-16,0 5 0 0,6-11 0 0,1 6 0 0,-7-1 0 15,6 1 0-15,-6 5 0 0,6 0 0 0,0 0 0 0,-6 0 0 16,0-6 0-16,6 6-20 0,-6 0 4 0,0 11 1 31,0-10-9-31,0 10-1 0,0-11-1 0,6 0 0 0,-6 0 6 0,0-11 2 16,0 5 0-16,0 6 0 0,0-11 26 0,0 11 4 0,13-5 2 0,-13 0 0 16,12-1-14-16,-12 1 0 0,0-1 0 0,0 17 0 15,0-11-12-15,0 0 2 0,0 0 0 0,0 11 0 16,6-11 18-16,0 0 3 0,1 6 1 0,-7 5 0 15,0 0-12-15,0-11 0 0,6 0 0 0,-6 11 0 0,0 0-15 0,0 0-5 16,0 0 0-16,6-11-1 16,0 0 21-16,-6 11 0 0,0 0-9 0,0 0 9 0,0 0 0 0,0 0 0 15,0 0 0-15,0 0 0 16,0 0 0-16,0 0-12 0,0 0 12 0,0 0-10 0,-12 0 10 0,-1-5-8 16,1 5 8-16,12 0-8 0,0 0 8 0,0 0 0 15,0 0 0-15,0 0-8 16,0 0 8-16,0 0 0 0,0 0 0 0,0 0 0 0,0 0 0 0,0 0 0 15,0 0 0-15,0 0 0 0,0 0 0 0,0 0 0 16,0 0 0-16,0 0 0 0,0-11 0 0,0 11 0 16,0 0 0-16,6-11-8 0,0 0 8 0,1 0 0 15,-7 11 0-15,0 0-8 0,0 0 8 0,0 0 0 16,6-11 0-16,0 0 0 0,0 11 0 0,-6 0 0 16,0 0 0-16,6-17 0 0,0 6 0 0,-6 11 0 15,7-11-8-15,-7 11 8 0,0 0 0 0,0 0 0 16,-7-10 0-16,7 10 0 0,-6-11 0 0,6 11 0 0,0 0 0 0,0 0 8 15,-12-6-8-15,12 6-8 16,0 0 8-16,0 0-12 0,-6-5 1 0,0-1 0 0,-7 1 0 16,7 5 0-1,-6 0-23-15,-1 0-5 0,1 0-1 0,0 0 0 16,-7 0 9-16,7 0 2 0,-7 5 0 0,1 1 0 0,-1-1 20 0,1 6 9 16,-1-5-8-16,1 4 8 0,-1 1 0 0,7 6 8 15,-6-6 0-15,5 0 0 0,1 0-8 0,0 0 12 0,5-6-4 0,1 6 0 16,0 0-8-16,0 0 8 0,6-11-8 0,0 0 8 15,0 0-8-15,0 0 0 0,0 0 0 0,0 0 0 0,0 0 8 0,0 0 1 16,0 0 0-16,0 0 0 0,0 0-1 0,18 11-8 16,-18-11 12-16,13 0-4 15,5-11 0-15,-5 6-8 0,5-1 12 0,-6 1-4 0,7 5-8 16,-1-6 0-16,1 1 0 0,-7 5 8 0,7-6-8 0,-1 6 0 16,1-5 0-16,-1-1 8 0,-5 6-8 0,-1 6 0 15,6-6 0-15,-5 0 0 0,-13 0 0 0,12 5 0 16,7 1 0-16,-1 5 0 0,-6-11 0 15,1 11 0-15,-1-6 0 0,7 6 0 0,-7 0 0 16,-12-11 0-16,6 5-9 0,0 6 9 0,-6-11 0 0,6 11 0 16,-6 6 0-16,7-1 0 0,-7 6 0 0,0-11 0 0,0-11 0 0,6 17 0 15,-6-1-21-15,6 1-1 16,-6 4 0-16,0-21 0 0</inkml:trace>
+  <inkml:trace contextRef="#ctx0" brushRef="#br0" timeOffset="35887.58">13974 16107 230 0,'0'0'10'0,"0"0"2"0,19 11-12 0,-1-6 0 15,-18-5 0-15,19 0 0 16,-1 0 149-16,7 5 27 0,-13 6 6 0,7-11 1 16,-19 0-128-16,24 0-26 0,-11 11-5 0,5-11 0 0,-18 0-9 0,19 0-2 15,-1 0 0-15,1 0 0 16,-1-11-13-16,1 11 0 0,-7 0 8 0,6 0-8 0,1 0 0 0,-7-11 0 16,7 11 0-16,-1 0 0 0,1-5 0 0,-1 5 0 15,1-5 0-15,-1 5 0 16,1 0 13-16,5 0 0 0,-5-6 0 0,6 6 0 0,-1 0 7 0,1 0 2 15,-7 0 0-15,7 0 0 16,-6 0-6-16,5 6 0 0,-5-1-1 0,12-5 0 16,-19 5-15-16,13-5 0 0,-7 0 0 0,1 0 0 15,-19 0 0-15,18 0 0 0,7 0 8 0,-1 0-8 0,1-5 0 0,6 0 9 16,0-1-9-16,6 6 8 0,-6-5-8 16,-1-1 12-16,1-5-12 0,0 6 12 0,0-1 1 0,-6 1 1 15,-1-1 0-15,7 6 0 0,-6-11 2 0,-1 11 0 16,1 0 0-16,0-11 0 0,-7 11 0 0,7 0 1 15,6-11 0-15,-7 6 0 0,1-1-4 0,0 6-1 0,6-5 0 16,-1-1 0-16,-5 1-3 0,6 5-1 16,12 0 0-16,-6 0 0 0,0-6-8 0,0 6 0 0,-6 0 0 15,6 0-11-15,0 0 29 0,-6 0 6 0,-1 0 0 16,-5 0 1-16,6 0-25 0,-6 0 0 16,5 0 0-16,-5 0 0 0,6 6 0 0,-6-6 12 0,-1 5-2 15,1-5 0-15,0 0 2 0,-1 0 1 0,1 0 0 16,6 0 0-16,-7 0 0 0,1 0 0 0,0 0 0 15,-1 0 0-15,7-5 6 0,6 5 1 0,-12-6 0 0,12 1 0 16,6 5-5-16,0 0-1 0,-18 0 0 0,6 0 0 0,6 0-14 16,-6 0 11-16,-7 0-11 0,1 5 10 15,-13-5-10-15,13 6 0 0,18-1 0 0,-12 1 8 0,-19 5-8 16,13-6 0-16,6 6 0 0,-1-11 0 0,-11 11 0 16,12 0 0-16,-7-11 0 0,1 6 0 0,6 5 0 0,-6-6 0 15,5 1 0-15,-5-1 0 0,6-5 0 16,-6 6 0-16,-7-6 0 0,7 5 8 0,6 1-8 15,-1-1 0-15,-5-5 0 0,0 5-818 16</inkml:trace>
+  <inkml:trace contextRef="#ctx0" brushRef="#br0" timeOffset="77559.08">22736 19483 230 0,'0'0'20'0,"0"0"-20"15,0 0 0-15,0 0 0 0,0 0 72 0,0 0 11 16,0 0 1-16,0 0 1 0,12 0-53 0,-12 0-12 16,0 0-1-16,13-6-1 0,5 6 14 0,-6-5 4 15,-12 5 0-15,13-6 0 16,-1 1 12-16,0-6 4 0,7 11 0 0,-7-11 0 0,1-5 6 0,5 5 2 0,1-6 0 15,5 1 0-15,-5-6-13 0,12-6-3 0,-1 1 0 16,1 0 0-16,6-6-17 0,0 0-4 16,6-6-1-16,7 7 0 0,-1-7-7 0,7 1-2 0,-1 5 0 15,1-5 0-15,-7 5-4 0,0 0-1 0,0-6 0 0,1 7 0 16,-7-7-8-16,0 6 12 0,0 0-12 16,0-5 12-16,-6 5-12 0,7 11-9 0,-1-16 9 0,0 10-13 15,0-4 21-15,-6 4 5 0,6 1 1 0,-12-6 0 16,6 5-14-16,0 7 0 15,-6-1 0-15,-6-6 0 0,5 12 0 0,-5-6 0 0,-6 5 0 16,5 6 0-16,-5 0-9 0,-1 0 9 16,1 1-13-16,-7-1 5 15,7 0-27-15,-7 5-5 0,0-5 0 0,-12 11-368 16,0 0-74-16</inkml:trace>
+  <inkml:trace contextRef="#ctx0" brushRef="#br0" timeOffset="78177.38">23272 18748 691 0,'19'-16'15'0,"-7"5"3"0,1 0 1 0,11-5 1 0,1 5-20 0,6-6 0 0,0-10 0 0,6-1 0 0,6 1 21 0,-6 0 1 16,6-6 0-16,0 0 0 15,0 0-2-15,6 0 0 0,1-5 0 0,-1 5 0 16,0 5 0-16,7-10-1 0,-7 0 0 0,1 10 0 15,-1-5-8-15,0 6-2 0,1-6 0 0,-1 6 0 16,0-1-9-16,1 1 0 0,-1-6 0 0,-6 6 8 0,0-6-8 0,7 5 0 16,-13 1 0-16,0 10 0 15,0-15 0-15,-7 10 0 0,1 0 0 0,-6 5 0 0,0 1 0 16,-7 5 0-16,1 5-9 0,-7 6 9 0,0 0 0 0,-12 0 0 16,0 0 0-16,6 17 0 0,-12 10 26 15,0-5 2-15,-6 11 1 0,-1 5 0 0,-5-5-5 16,-1 17 0-16,-5-7-1 0,-7 12 0 0,-6 0-11 0,0 0-1 15,0 11-1-15,-6-1 0 0,6-10-10 0,0 5 0 16,0 1 9-16,6-6-529 0</inkml:trace>
+  <inkml:trace contextRef="#ctx0" brushRef="#br0" timeOffset="81752.45">21330 16205 388 0,'0'0'17'0,"0"0"4"0,0 0-21 0,19 0 0 0,-1-5 0 0,-18 5 0 0,19-6 12 0,-19 6-3 15,12-5 0-15,6-1 0 0,-18 6 0 0,19 0 0 16,-19 0 0-16,18 0 0 16,-18 0-9-16,19 0 0 0,-19 0 9 0,25 0-9 0,-7 0 0 0,-18 0 0 15,25 0 0-15,-7 0 0 0,1 0 0 0,-19 0 0 16,18 0 0-16,1 0 0 0,-1 0 0 0,1 0 0 0,-1 0 0 0,1 0 0 16,-19 0 0-16,18 0 0 0,-5 0 0 0,5 0 0 15,-6 0 0-15,1 0 0 16,5-5 0-16,-5 5 0 0,-1-6 0 0,6 6 8 15,1-5-8-15,-1 5 0 0,-5-6 0 0,-1 1 8 16,7-1-8-16,-7 6 0 0,0 0 0 0,7-11 0 0,-7 11 0 0,7-11 0 16,-1 11 0-16,-6-5 9 0,1 5-9 0,-1 0 0 15,7-5 21-15,-7 5-2 0,0 0-1 0,1 0 0 16,-13 0 3-16,12 5 1 0,6 0 0 0,1-5 0 16,-19 0-5-16,12 0-1 0,0 11 0 15,7-11 0-15,-7 0-8 0,1 11-8 0,-1-11 9 0,-12 0-9 16,0 0 8-16,0 0-8 0,0 0 0 0,12 6 0 15,7-1 8-15,-7 1-8 0,-12-6 0 0,0 0 0 16,0 0 16-16,12 5-2 0,-12-5-1 0,13 11 0 0,-13-11 9 16,0 0 2-16,0 0 0 0,12 11 0 15,-6 0-9-15,-6-11-2 0,0 0 0 0,13 17 0 16,-1-6-13-16,-12-11 0 0,0 0 8 0,6 5-8 0,-6-5 0 16,12 11 0-16,-12-11 8 0,7 11-8 15,-7-11 0-15,12 16 0 0,0-5 0 0,1 0 0 0,-13-11 0 0,12 6 0 16,-12-6 0-16,12 11 0 0,1 0 0 0,-13-11 0 15,0 0 0-15,12 11 0 0,6 0 0 0,-11 0 0 16,-7-11 0-16,0 0 0 0,12 11 0 0,-12-11 0 16,12 11 8-16,-12-11-8 0,0 0 0 0,13 16 0 15,-7-5 0-15,-6-11 0 16,0 0 0-16,12 11 0 0,-12-11 0 0,12 11 0 0,-12-11 0 0,7 11 0 16,-7-11 0-16,6 11 0 0,-6-11 0 0,12 11 0 0,0 5 0 15,1-16 0-15,-13 0 0 0,12 11 0 16,0 0 0-16,1-11 0 0,5 0 0 0,-5 0 0 15,-1 0 0-15,6 0 0 0,-5 6 0 0,-1-1 8 0,0-10-8 0,1 10 0 16,5 1 0-16,-5-1 0 16,5-5 0-16,-6 6 0 0,1-1 0 0,-1-5 0 0,0 0-8 0,7 6 8 15,-13-1 0-15,13-5 0 0,-7 0 0 0,0 0 0 16,7 0 0-16,-7 0 0 0,13 0-8 16,-13 6 8-16,7-6 0 0,5 0 0 0,-5-6 0 0,12 6 0 15,-7-5 0-15,1-1 0 0,-7 1-8 0,7-6-262 16,12 11-52-1</inkml:trace>
+  <inkml:trace contextRef="#ctx0" brushRef="#br0" timeOffset="83457.14">21762 16298 529 0,'0'0'23'0,"0"0"5"0,18 0-28 0,-5 6 0 0,-1-12 0 0,6 6 0 16,-5 0 19-16,-1 0-3 16,0-5 0-16,1 5 0 0,5 0-16 0,-5 0 10 0,5 0-10 0,-6-6 8 15,7 6-8-15,-1 0 0 0,1-5 9 0,-1 5-9 16,-5-6 0-16,5 6 8 0,7-5-8 0,-7 0 0 15,1-1 8-15,6 6-8 0,-1-5 8 0,-5-1-8 16,5 1 8-16,-11-1-8 0,-13 6 10 0,18-5-10 16,-6 5 13-16,7 0-3 0,-7 0-1 0,7 0 0 15,-7-11-1-15,0 11-8 0,7 0 12 0,-7 0-4 16,7 0-8-16,-7 0 8 0,7 0-8 0,-7 0 8 0,6 0-8 0,1 0 0 16,-1 0 0-16,1 0 8 0,-1 0-8 15,7 0 0-15,-13 0 0 0,7 0 8 0,-1 0-8 0,1 0 0 16,-19 0 0-16,18 0 0 0,1 0 0 0,-1 0 0 15,1 0 0-15,-7 0 0 16,7 0 0-16,-7 11 0 0,7-11 0 0,-7 0 0 0,0 5 0 16,7 6 10-16,-7-11-10 0,0 11 10 0,1-5-10 0,-1 4 12 15,0-4-12-15,7-1 12 0,-13 1-12 16,13-1 10-16,-7 1-10 0,0 5 10 0,1-11-10 0,5 11 0 16,-6-6 0-16,1-5 8 0,5 6-8 0,-5-6 0 15,5 5 0-15,1-5 8 0,-1 6-8 0,1-1 0 16,-7 1 0-16,0-6 8 0,7 11 0 15,-7-6-8-15,0 1 12 0,-5 10-4 0,5-16 0 16,0 11 0-16,1-6 0 0,-1 1 0 0,0 5 1 0,1-6 0 16,-1 6 0-16,6-5 0 0,1 5-9 0,-7-11 8 0,1 5-8 15,-1 6 8-15,6-11-8 0,-5 11 0 0,5-11 0 16,1 0 8-16,-1 0-8 0,1 0 10 0,-1 0-10 0,-5 11 10 16,11-11-10-16,-5 0 8 0,-1 0-8 0,1 0 8 15,-1 0-8-15,1 0 0 0,-19 0 0 0,18 0 8 16,-6 0-8-16,7 6 0 0,-1-6 0 0,-5 0 8 15,5 5-8-15,-5-5 0 0,5 0 0 0,1 0 8 16,-1 6-8-16,1-6 0 16,-7 0 0-16,6 0 8 0,-5 0-8 0,5-6 0 15,-5 6 0-15,5-5 0 0,-6 5 0 0,7-6 0 0,-7 6 0 0,7 0 0 16,-1 0 0-16,-5 0 0 0,-1 0 0 0,0 0 0 16,7 0 0-16,-7 0 0 0,7-11 9 0,-7 11-9 15,0 11 0-15,7-11 0 0,-7 0 0 0,0 0-8 16,1 0 8-16,5 0 0 0,-18 0 0 0,6 0 0 15,-6 0 12-15,19 0-1 0,-7 0-1 0,7 0 0 0,-7 0-10 16,-12 0-14-16,0 0 3 0,19 0 1 0,-7 0 10 16,-12 0 0-16,18 6 0 0,-5-6-8 15,-1 0 8-15,0 0-12 0,-12 0 12 0,19-6-12 16,-1 6-32-16,1-11-8 16</inkml:trace>
+  <inkml:trace contextRef="#ctx0" brushRef="#br0" timeOffset="83907.36">24506 16101 230 0,'24'11'20'0,"-11"-11"-20"0,5 0 0 0,1 6 0 16,-1-1 20-16,-6-5 0 0,7 5 0 0,-1-5 0 0,-5 11-20 0,5-11 0 16,-5 11 0-16,-1-5 0 15,0-6 11-15,-12 0-3 0,0 0 0 0,0 0 0 0,0 16 44 0,0-5 8 16,-6 6 1-16,0 5 1 0,0-11 18 0,-13 11 3 16,7-6 1-16,-7 6 0 0,-5 0-39 0,5 0-7 15,-12 5-2-15,7-5 0 0,-7 0-15 0,0-6-3 16,0 1-1-16,0 5 0 15,-6-6-5-15,7-5 0 0,-1 6-1 0,-6-1 0 0,0 1-11 16,6-1 0-16,0 11 0 0,0-16-481 0</inkml:trace>
+</inkml:ink>
+</file>
+
+<file path=ppt/ink/ink7.xml><?xml version="1.0" encoding="utf-8"?>
+<inkml:ink xmlns:inkml="http://www.w3.org/2003/InkML">
+  <inkml:definitions>
+    <inkml:context xml:id="ctx0">
+      <inkml:inkSource xml:id="inkSrc0">
+        <inkml:traceFormat>
+          <inkml:channel name="X" type="integer" max="9600" units="cm"/>
+          <inkml:channel name="Y" type="integer" max="7200" units="cm"/>
+          <inkml:channel name="F" type="integer" max="4096" units="dev"/>
+          <inkml:channel name="T" type="integer" max="2.14748E9" units="dev"/>
+        </inkml:traceFormat>
+        <inkml:channelProperties>
+          <inkml:channelProperty channel="X" name="resolution" value="369.51501" units="1/cm"/>
+          <inkml:channelProperty channel="Y" name="resolution" value="415.70438" units="1/cm"/>
+          <inkml:channelProperty channel="F" name="resolution" value="0" units="1/dev"/>
+          <inkml:channelProperty channel="T" name="resolution" value="1" units="1/dev"/>
+        </inkml:channelProperties>
+      </inkml:inkSource>
+      <inkml:timestamp xml:id="ts0" timeString="2019-03-06T10:06:54.050"/>
+    </inkml:context>
+    <inkml:brush xml:id="br0">
+      <inkml:brushProperty name="width" value="0.05" units="cm"/>
+      <inkml:brushProperty name="height" value="0.05" units="cm"/>
+      <inkml:brushProperty name="color" value="#ED1C24"/>
+      <inkml:brushProperty name="fitToCurve" value="1"/>
+    </inkml:brush>
+  </inkml:definitions>
+  <inkml:trace contextRef="#ctx0" brushRef="#br0">0 3675 345 0,'0'0'15'0,"0"0"4"0,0 0-19 0,0 0 0 0,0 0 0 0,0 0 0 15,10-4 132-15,-10 4 24 0,0 0 4 0,5-4 0 16,0-5-108-16,-1 0-23 0,-4 1-4 0,0 8-1 16,10-9-5-16,-5 0-2 0,-5 9 0 0,0-4 0 15,0 4 9-15,0 0 2 0,5-9 0 0,-5 9 0 16,0-8 13-16,0 8 3 0,0 0 1 0,5-5 0 15,-5 5-2-15,0 0-1 0,5-4 0 0,-5 4 0 16,0 0-12-16,4-13-2 0,1 9-1 0,0-5 0 16,-5 9-10-16,5-8-1 0,0-1-1 0,0 0 0 15,4 5 1-15,-4-5 0 0,5 1 0 0,0-1 0 16,-1 0 9-16,1-4 3 0,5 0 0 0,-6 1 0 0,6-6-10 16,0 5-2-16,4-4 0 0,-4-5 0 0,4 1-2 0,0-5-1 15,6 4 0-15,-1-4 0 0,0 1-5 0,1-6 0 16,4 1-8-16,0 0 12 0,5 0-12 0,0-5 0 15,-5 0 8-15,5 1-8 0,5-1 0 0,-5-3 0 16,5-1 8-16,0 4-8 0,0-4 13 0,4 0 0 16,1 1 0-16,0-6 0 0,0 5 9 0,4-4 2 15,1 4 0-15,-1 1 0 0,6-6 0 0,-1 5 0 16,-4-4 0-16,4 4 0 0,1-4-9 0,-1 4-2 16,1 1 0-16,4-1 0 0,0-5-4 0,5 6-1 15,-9 3 0-15,9-4 0 0,0 0-8 0,-5 5 10 0,1-1-10 16,-6 5 10-16,5-5-1 0,-4 1 0 0,-1-1 0 15,1 5 0-15,4-4 0 0,-5-1 0 0,6 5 0 0,-1-5 0 16,0 5-9-16,1-5 12 0,-1 5-12 0,0-4 12 16,1 3-12-16,-1 6 10 0,-5-6-10 0,6 1 10 15,-6 4-10-15,5 0 0 0,1 0 9 0,4 0-9 16,-5-8 0-16,0 8 0 0,1 0 0 0,-6 4 0 16,5-3 0-16,1-1 8 0,-11 4-8 0,6-4 0 15,-6 5 12-15,6-5-3 0,-6 4 0 0,1 0 0 16,4 9 9-16,-4-4 2 0,0-4 0 0,-1 3 0 15,1 1-20-15,-1 4 0 0,-9 0 0 0,0-4 0 16,0 4 0-16,-5 4 0 0,0 1-10 0,-5-1 10 16,0 0 0-16,-4 1 0 0,4-1 0 0,-5 5 8 15,-5-5 0-15,6 1 0 0,9 3 0 0,-10-3 0 0,0 3-8 16,-4 1 0-16,4-5 9 0,0 5-9 0,5 0 0 16,-4-1 0-16,-6-3 0 0,5 3 8 0,6 1-8 0,-11 0 0 15,-4-5 0-15,-1 5 8 16,6-1-68-16,-1-3-14 0,1 4-2 0,-6-5-971 15</inkml:trace>
+  <inkml:trace contextRef="#ctx0" brushRef="#br0" timeOffset="1078">4470 462 460 0,'0'0'41'15,"0"0"-33"-15,0 0-8 0,0 0 0 16,0 0 138-16,0 0 26 0,0 0 4 0,0 0 2 16,0 0-98-16,0 0-20 0,0 0-4 0,0 0-1 15,0 0 3-15,0 0 1 0,0 0 0 0,10 0 0 0,-1 0-11 16,1 0-1-16,-10 0-1 0,10 4 0 0,4 1-15 0,1-5-3 15,-5 4-1-15,-1 0 0 0,6 1 9 0,4-5 3 16,1 4 0-16,-6-4 0 0,-4 4 4 0,9-4 1 16,11 5 0-16,-11-1 0 0,0-4-8 0,6 0 0 15,9 0-1-15,0 0 0 0,0 0-3 0,5 0 0 16,-5 0 0-16,0 0 0 0,5 4-10 0,-5 1-2 16,-10-1-1-16,5-4 0 0,10 4-11 0,-5 1 0 15,-10-1 9-15,-4 0-9 0,4 1 0 0,0 7 0 16,0-7 0-16,-4 3 8 0,-1 5-8 0,6-4 0 0,-1 4 0 15,-9-4 0-15,-6 4 0 0,1-5 0 0,9 5 0 16,-9-4 0-16,-5-1 8 0,0 1-8 0,5 4 10 16,-6-4-10-16,-4 4 32 0,-4 0 0 0,-6-5 0 15,5 5 0-15,5 0-12 0,-10 0-3 0,-9-4 0 0,4 8 0 16,6 0-2-16,-6-4-1 0,-4 0 0 0,-1 4 0 16,-4-4-14-16,4 5 9 0,1-5-9 0,-5 4 8 15,-6 0 12-15,6 0 3 0,5 1 0 0,-6-1 0 16,-4 0-23-16,5-4 9 0,0 5-9 0,4 3 0 15,-4-8 0-15,-5 9 0 0,0-9 0 0,9 4 0 16,6 0 0-16,-6 0 0 0,-9-4 0 0,10 5 0 16,14-5 0-16,-10-5 0 0,-4 5 0 0,4-4 0 15,6 0-82 1,9-9-14-16,0 0-2 0,0 0-1 0,0 0-113 0,0 0-22 0,19 0-5 0,-19 0-1 0</inkml:trace>
+  <inkml:trace contextRef="#ctx0" brushRef="#br0" timeOffset="43822">5918 449 338 0,'0'0'0'0,"0"0"14"0,0 0-4 0,0 0 1 0,0 0-11 0,0 0 0 0,0 0 0 0,0 0 0 16,0 0 93-16,0 0 17 0,0 0 3 0,9 0 1 16,-9 0-33-16,0 0-6 0,0 0-2 0,0 0 0 15,10-4 4-15,-10 4 1 0,0 0 0 0,0 0 0 16,10-4-18-16,-10 4-3 0,0 0-1 0,0 0 0 16,0-9 7-16,0 9 1 0,0 0 0 15,0 0 0-15,0 0-22 0,0 0-4 0,0 0-1 0,0 0 0 0,-10-4-9 0,10 4-1 16,0 0-1-16,0 0 0 0,-10 0-13 15,10 0-2-15,0 0-1 0,0 0 0 0,-4 8-10 0,-6-3-11 16,0 3 3-16,5-4 0 0,5-4 8 0,-9 9 0 16,-1 0 0-16,0-1 0 0,0 1 38 0,6 4 10 15,-6 0 1-15,5 0 1 0,-10 0-38 0,6 0-12 16,4 4 8-16,-5 0-8 0,0 1 0 0,1-5 0 16,-1 0 8-16,0 4-8 0,0-4 11 0,6 4-2 0,-1-4 0 15,5 4 0-15,-10-8-9 0,5 4 0 0,0 4 0 0,0-4 0 16,5 0 0-16,-4 4 0 0,-6-4 0 15,5 5-11-15,5-1 11 0,0 0 0 0,-5 0 0 0,0 1 0 16,5-1 0-16,0 5 0 0,0-5 0 0,0 0 0 16,-5 5 0-16,5-5-8 0,5-4 8 15,0 4-8-15,-5-4 8 0,5 0 0 0,5-4 0 0,4 4 0 16,-9-5 0-16,0-3 0 0,5 3 0 0,-1 1 0 16,6 0 0-16,-5-5 0 0,-10-4 0 0,9 9 0 15,11-1 0-15,-10 1 9 0,4-5-9 0,-4 9 0 16,5-9 0-16,-6 1 0 0,-9-5 0 0,10 4 0 15,5 0 0-15,-6-4 0 0,6 5 0 0,-1-5 0 16,-14 0 9-16,15-5-9 0,0 5 0 0,-1-4 9 16,-14 4-9-16,15-4 0 0,4-1 0 0,1-3 0 15,-6-1-155-15,-4 0-29 0,9-12-7 0,10 4-1 16</inkml:trace>
+  <inkml:trace contextRef="#ctx0" brushRef="#br0" timeOffset="44868">6563 644 172 0,'0'0'16'0,"0"0"-16"15,0 0 0-15,0 0 0 0,0 0 186 0,0 0 34 16,0 0 8-16,0 0 0 0,0 0-102 0,0 0-21 16,0 0-4-16,-5-5-1 0,-5 1-7 0,1 0-1 15,-1-1-1-15,5 5 0 0,-9 0-19 0,9 0-4 16,5 0-1-16,-15 0 0 0,1 0-47 0,4 0-8 15,-5 5-3-15,6 3 0 0,-1-3 44 0,0 3 9 16,-4 1 2-16,4-1 0 0,0 1-52 0,0 4-12 16,-4-4 0-16,4 4 0 0,-5 0-14 0,1 0-6 0,-1-1 0 0,1 1-1 15,4 5 21-15,0-1 0 0,1 0 0 16,-1 9 0-16,-5-4 0 0,6-1 0 0,9 5 0 16,-5 0 0-16,-10 0 12 0,5 4 8 0,10-8 0 0,0 4 1 15,0 0-33-15,-4-5-8 0,-1 1 0 0,10-5-1 16,-1 0 13-16,6 1 8 0,-10-5-10 0,10 0 10 15,4-5-8-15,1 5 8 0,-15-13 0 0,5 5-9 16,9-1 9-16,-4 5 0 0,5-9 0 0,-15 0 0 16,0 0 0-16,14-5-8 0,6-3 8 0,-1-1 0 15,-9 0 0-15,4-4 0 0,1-4 0 0,0 0 0 16,-1 0 0-16,1-5-8 0,4 0 8 0,1-4 0 16,-11 0 0-16,6-4 0 0,-5 9 0 15,4-5-8-15,1-4 8 0,-5 8 0 0,-1-4 0 0,-4 4 0 16,0 1 28-16,5-1 5 0,-5 1 1 0,-1 3 0 15,1 1-53-15,-5 4-10 0,5 0-3 0,-5 5 0 0,5-5 32 0,-5 8 0 16,0 5 0-16,0 0 0 0,0 0 8 0,0 0 0 16,0 0 1-16,0 0 0 0,0 0 10 0,0 0 1 15,0 0 1-15,0 0 0 0,0 0-21 0,0 0 0 16,0 0-10-16,0 0 10 0,-5 5-8 0,-5 3 8 16,6 1 0-16,-1 4 0 0,-5 0 0 0,10-5 0 15,-5 10 0-15,5-5 0 0,0 4 0 0,0 0 0 16,0 0 0-16,0 5 0 0,0-5 0 0,0-4 0 15,5 5 12-15,-5-1-3 0,5-4-9 0,0 4 0 16,0-4-10-16,4 0 10 0,-4 0 0 0,5 0 0 16,0 0-8-16,-1 0 8 0,6 0 0 0,-5 0 0 0,-1-5 12 0,6 1-12 15,-5 0 0-15,-1-5 0 16,1 0 0-16,5 1-9 0,-6-1 9 0,6-4 0 0,-5 0 0 16,4-4 0-16,1-1-14 0,-6 1-7 0,1-5-2 0,5-4 0 31,-1 0-153-31,1 0-32 0,4-21-5 0,6 4-2 0</inkml:trace>
+  <inkml:trace contextRef="#ctx0" brushRef="#br0" timeOffset="45243">7016 212 288 0,'0'0'12'0,"0"0"4"0,0 13-16 0,-5 0 0 16,0 4 0-16,5 0 0 0,-5 0 259 0,5 1 49 15,-5 3 9-15,0 1 3 0,1-1-220 0,4 1-43 16,-10 4-9-16,5-4-1 0,0 8-18 0,5-4-3 0,0 4-1 0,0 4 0 16,-5 5-4-16,0-4-1 0,5-1 0 15,0 5 0-15,0 4-1 0,0 1-1 0,0 3 0 0,0 1 0 16,0 3-18-16,0-3 0 0,5-5 8 0,0 5-8 16,-5-5 0-16,5-9-16 0,5 1 4 0,-5-5 0 31,-1 5-40-31,1-9-7 0,-5-5-1 0,5-8-678 0</inkml:trace>
+  <inkml:trace contextRef="#ctx0" brushRef="#br0" timeOffset="45571">7327 268 864 0,'0'0'76'0,"0"13"-60"16,0 0-16-16,0 4 0 0,0-4 92 0,-5 9 15 16,0-5 3-16,0 9 1 0,-5-5-39 0,5 5-7 15,5 4-1-15,0 1-1 0,-4 3-19 0,-1 5-4 16,0-4-1-16,0 4 0 0,5 4-17 0,0-4-3 15,0 4-1-15,0 0 0 0,0 0-7 0,0 5-2 16,0-5 0-16,5 0 0 0,-5 0-9 0,5-4 0 16,-5 0 0-16,5-5 0 0,-1-8 0 0,1 0 0 15,0 0 0-15,0 0-512 0,-5-4-101 16</inkml:trace>
+  <inkml:trace contextRef="#ctx0" brushRef="#br0" timeOffset="46415">7662 307 633 0,'0'13'56'0,"0"0"-44"16,0 8-12-16,0 1 0 0,0-1 120 0,0 5 23 15,0-4 4-15,0 4 1 0,0 0-78 0,-5 8-15 0,0-4-3 16,5 5-1-16,0 0-15 0,0-5-2 0,10 0-1 0,-10 0 0 16,-5 5-20-16,5-1-4 0,5 10-1 0,-5-1 0 15,-5-4 19-15,0 4 3 0,5-4 1 0,0-1 0 16,0 1-15-16,0-4-4 0,0-5 0 0,0-4 0 15,0 0 4-15,0 0 0 0,-5-5 0 0,5-3 0 16,0-5 7-16,-5 0 1 0,5-5 1 0,-9 1 0 16,9-9 15-16,0 0 4 0,0 0 0 0,0 0 0 15,0 0-2-15,-5-4 0 0,5 4 0 0,-5-13 0 16,0 0-19-16,5-9-4 0,0 5-1 0,0-5 0 16,5 1-18-16,0-5 10 0,-5 0-10 0,0 0 8 15,14 0-8-15,-9 0 0 0,5 4 0 0,-5-3 0 16,-10 3 0-16,10 5 0 0,-5-5 0 0,5 9 0 15,4-4 0-15,-4 4 0 0,0 0 0 0,0 0 0 16,0 4 0-16,0 1 0 0,0-1 0 0,-1 0 0 0,6 1 0 16,-5-1 0-16,0 5 0 0,0-5 0 0,4 5 0 0,-9 4 0 15,10-4 0-15,0 4 0 0,0 0 0 16,-10 0 0-16,9 4 0 0,1 0 0 0,5 5 0 0,-1 0 0 16,-4-1 0-16,0 5 0 0,4 0-8 0,-4 4 8 15,0-4 0-15,-6 9 0 0,6-5 0 0,-5 0 0 16,0 1 0-16,0 3 0 0,0-3 0 0,-5-1 0 15,4 4 0-15,-4-3 0 0,0 3 8 0,0-3-8 16,0 3 0-16,0-4 8 0,-4 5-8 0,4 8 0 16,-10-8 0-16,10-9 0 0,-5 4 0 0,0-4 0 15,-5 0 12-15,6 0-4 0,-6 4-8 0,0-4 10 16,-4 0-10-16,-1 0 10 0,0 0-10 0,6-4 8 0,-6-5-8 16,1 5 8-16,-6-9 2 0,1 0 0 0,9 0 0 0,-9-9 0 15,-1 0-10-15,-4 1 8 0,4-5-8 0,6 0 8 16,-6-4-20-16,6-1-5 0,-1 1-1 15,6 4 0 1,-1-4-46-16,0 0-10 0,5-1-2 0,5 1 0 16,0-5-41-16,5 5-9 0,0-4-2 0,5-1-614 0</inkml:trace>
+  <inkml:trace contextRef="#ctx0" brushRef="#br0" timeOffset="47055">8274 851 1598 0,'0'0'35'0,"0"0"7"0,0 0 2 0,0 0 1 0,0 0-36 0,-5 4-9 15,5-4 0-15,-10 9 0 0,-4-1 57 0,4-3 10 16,0 8 1-16,6-5 1 0,-11 1-30 0,5 4-7 16,1 0 0-16,-1 0-1 0,-5 4 13 0,6-4 2 15,-6 4 1-15,5 1 0 0,1-1-14 0,-1 4-2 16,0-3-1-16,0 3 0 0,1 1-17 0,4-5-3 16,-5 0-1-16,5 5 0 0,0-5-9 0,5 1 0 0,-5-1 0 15,5 0 0-15,0-4 0 0,0 0 0 16,0 4-8-16,5-4 8 0,-5-13 0 0,5 9-9 0,0-5 9 0,0 5 0 15,5 0-11-15,-1-1 11 0,-9-8-10 0,10 0 10 16,0 0 0-16,0 0-9 0,-1-4 9 16,1 0 0-16,0-1 0 0,4-3 0 0,-4 3 0 0,0-8 0 15,4 5 0-15,-4-5 0 0,5 4 0 0,-6-8 0 16,-4 0-12-16,5-1 4 0,0-3 0 0,-6 3 0 16,6 1 8-16,-5-4 14 0,5-1-3 0,-1 5-1 15,-4-5-10-15,0 0 0 0,0 5 9 0,-5-4-9 16,0 3 0-16,5 1-16 0,-5 0 2 0,-5 4 1 15,5-4 13-15,-5 8 0 0,0-4 0 0,0 4 0 16,1 1 28-16,-1-1 9 0,5 9 2 0,0 0 0 16,-5-4-23-16,5 4-5 0,0 0-1 0,0 0 0 15,0 0-10-15,-5 13 0 0,0-5 0 0,0 5 0 0,5 5 0 16,0-1 0-16,0 0 0 0,0 5 0 0,0-1 0 0,0 1 0 16,5-1 9-16,0 5-9 0,0-4 0 0,0 4 9 15,-5-5-9-15,0 5 0 0,5-4 0 0,4 0 0 16,-4 3 0-16,5-7 0 0,-5-5 14 0,0 0-4 15,4 0-1-15,-4 0 0 0,0-5-9 0,5 1-12 16,-1-5 2-16,6 0 1 0,-15-4 9 0,10 5 0 16,-1-5 0-16,6-5 0 15,-5 5-132-15,-1-8-25 0,6-1-5 0</inkml:trace>
+  <inkml:trace contextRef="#ctx0" brushRef="#br0" timeOffset="47446">8823 846 806 0,'0'0'72'0,"0"0"-58"0,0 0-14 0,0 0 0 15,-5 9 186-15,-5 0 34 0,6-1 8 0,-1 1 0 16,-5 0-105-16,5-1-22 0,-5 1-4 0,6 4-1 16,-6 0-47-16,5-5-9 0,-5 5-3 0,1 5 0 0,-6-5-12 15,10 0-2-15,-5 4-1 0,6-4 0 16,-6 4 6-16,0 0 2 0,0 1 0 0,6-1 0 0,-6 0-8 0,5 1-2 16,-5 3 0-16,10-4 0 0,0 1-4 0,0-1 0 15,0-4-1-15,0 8 0 0,5-3-7 0,0-1-8 16,0-4 11-16,0 0-11 0,4 0 8 0,-4 0-8 15,5 0 0-15,5 0 0 0,-6-5 0 0,6 5-9 16,-5 0 1-16,4 0 0 0,-4-13 8 0,4 5 0 16,1-5 0-16,0 0 0 15,4 0-40-15,-4-5-7 0,4-8-1 0,0 5 0 16,1-5-157-16,-1 0-32 0</inkml:trace>
+  <inkml:trace contextRef="#ctx0" brushRef="#br0" timeOffset="47852">9353 0 288 0,'0'0'25'0,"-5"13"-25"0,0 0 0 0,0-4 0 0,5 8 260 0,-5 0 48 16,0 5 8-16,5-1 3 0,-5-3-191 0,1 8-37 15,-1 4-8-15,5 4-2 0,-5 5-8 0,0-4-1 16,0-1-1-16,5 5 0 0,-5 0-32 0,0 4-7 15,1 0 0-15,-1 1-1 0,0-6-17 0,0 6-3 16,0-1-1-16,0 4 0 0,-4-4-10 0,4 5 0 16,-5-1 9-16,5 5-9 0,0 0 0 0,0-4 9 15,1-1-9-15,-1-4 0 0,0 1 0 0,5-6 0 16,-5-3 0-16,0-5-12 16,5 5-81-16,-5-9-16 0,0 0-3 0,1-5-723 0</inkml:trace>
+  <inkml:trace contextRef="#ctx0" brushRef="#br0" timeOffset="48368">9110 769 864 0,'0'0'38'0,"0"0"8"0,0 0-37 0,0 0-9 0,0 0 0 0,9 8 0 16,-9-8 102-16,10 5 18 0,-10-5 4 0,0 0 1 16,0 0-61-16,10 0-13 0,4 0-3 0,1 0 0 15,4 0-13-15,-4 0-3 0,4 0-1 0,1 0 0 16,-6 4-19-16,11 0-4 0,-6 5-8 0,1-5 12 16,-6 5-4-16,6 0-8 0,-1-1 11 0,-4 1-11 0,-1-1 9 0,1 1-9 15,-6-5 0-15,1 5 9 0,0 0-9 0,0-1 8 16,-6-3-8-16,1 3 8 0,0 1 0 0,-5 4-8 15,0-4 12-15,0 3-4 0,-5 1-8 0,0-4 12 16,1 4-12-16,-1 0 12 0,-10 0-12 0,5 0 0 16,1-4 0-16,-1 3 0 0,-5-3 0 0,6 0 0 15,-1-1 0-15,0-3 8 0,-4 3 1 0,4-3 0 16,5 3 0-16,-5-3 0 0,6 3 15 0,4-8 4 16,-5 0 0-16,5 0 0 0,0 0 2 0,0 0 1 15,0 0 0-15,0 9 0 0,0-9-7 0,5 13-2 16,-5-13 0-16,4 9 0 0,1-5-2 0,0 4 0 0,5 5 0 15,-5-4 0-15,4 0-3 0,-4-1-1 0,5 1 0 16,0 4 0-16,4 0 8 0,-4-4 0 0,5 8 1 16,-1 0 0-16,1 5 5 0,-6-1 1 0,6 9 0 0,0 1 0 15,-1-1-13-15,1 0-2 0,-1-4-1 0,1 9 0 16,-1-5-7-16,-4-4-8 0,0 0 11 0,0 0-11 16,-1-1 0-16,-4 1 0 0,5-8 0 0,-5-5 0 31,9 4-116-31,-4-8-21 0,-5-5-4 0</inkml:trace>
+</inkml:ink>
+</file>
+
+<file path=ppt/ink/ink8.xml><?xml version="1.0" encoding="utf-8"?>
+<inkml:ink xmlns:inkml="http://www.w3.org/2003/InkML">
+  <inkml:definitions>
+    <inkml:context xml:id="ctx0">
+      <inkml:inkSource xml:id="inkSrc0">
+        <inkml:traceFormat>
+          <inkml:channel name="X" type="integer" max="9600" units="cm"/>
+          <inkml:channel name="Y" type="integer" max="7200" units="cm"/>
+          <inkml:channel name="F" type="integer" max="4096" units="dev"/>
+          <inkml:channel name="T" type="integer" max="2.14748E9" units="dev"/>
+        </inkml:traceFormat>
+        <inkml:channelProperties>
+          <inkml:channelProperty channel="X" name="resolution" value="369.51501" units="1/cm"/>
+          <inkml:channelProperty channel="Y" name="resolution" value="415.70438" units="1/cm"/>
+          <inkml:channelProperty channel="F" name="resolution" value="0" units="1/dev"/>
+          <inkml:channelProperty channel="T" name="resolution" value="1" units="1/dev"/>
+        </inkml:channelProperties>
+      </inkml:inkSource>
       <inkml:timestamp xml:id="ts0" timeString="2019-03-06T12:46:51.315"/>
     </inkml:context>
     <inkml:brush xml:id="br0">
@@ -285,7 +704,7 @@
 </inkml:ink>
 </file>
 
-<file path=ppt/ink/ink3.xml><?xml version="1.0" encoding="utf-8"?>
+<file path=ppt/ink/ink9.xml><?xml version="1.0" encoding="utf-8"?>
 <inkml:ink xmlns:inkml="http://www.w3.org/2003/InkML">
   <inkml:definitions>
     <inkml:context xml:id="ctx0">
@@ -313,198 +732,6 @@
     </inkml:brush>
   </inkml:definitions>
   <inkml:trace contextRef="#ctx0" brushRef="#br0">1 1 1664 0 0,'0'0'168'0'0</inkml:trace>
-</inkml:ink>
-</file>
-
-<file path=ppt/ink/ink4.xml><?xml version="1.0" encoding="utf-8"?>
-<inkml:ink xmlns:inkml="http://www.w3.org/2003/InkML">
-  <inkml:definitions>
-    <inkml:context xml:id="ctx0">
-      <inkml:inkSource xml:id="inkSrc0">
-        <inkml:traceFormat>
-          <inkml:channel name="X" type="integer" min="-2.14748E9" max="2.14748E9" units="cm"/>
-          <inkml:channel name="Y" type="integer" min="-2.14748E9" max="2.14748E9" units="cm"/>
-          <inkml:channel name="F" type="integer" max="32767" units="dev"/>
-          <inkml:channel name="OA" type="integer" max="360" units="deg"/>
-          <inkml:channel name="OE" type="integer" max="90" units="deg"/>
-        </inkml:traceFormat>
-        <inkml:channelProperties>
-          <inkml:channelProperty channel="X" name="resolution" value="1000" units="1/cm"/>
-          <inkml:channelProperty channel="Y" name="resolution" value="1000" units="1/cm"/>
-          <inkml:channelProperty channel="F" name="resolution" value="0" units="1/dev"/>
-          <inkml:channelProperty channel="OA" name="resolution" value="1000" units="1/deg"/>
-          <inkml:channelProperty channel="OE" name="resolution" value="1000" units="1/deg"/>
-        </inkml:channelProperties>
-      </inkml:inkSource>
-      <inkml:timestamp xml:id="ts0" timeString="2020-11-19T11:30:40.804"/>
-    </inkml:context>
-    <inkml:brush xml:id="br0">
-      <inkml:brushProperty name="width" value="0.05" units="cm"/>
-      <inkml:brushProperty name="height" value="0.05" units="cm"/>
-      <inkml:brushProperty name="color" value="#E71224"/>
-    </inkml:brush>
-  </inkml:definitions>
-  <inkml:trace contextRef="#ctx0" brushRef="#br0">0 4 920 0 0,'0'0'4461'0'0,"14"20"6184"0"0,-10-17-10558 0 0,-1 0 0 0 0,1-1 0 0 0,-1 0-1 0 0,1 0 1 0 0,0 0 0 0 0,0 0 0 0 0,-1 0 0 0 0,1-1 0 0 0,1 0-1 0 0,-1 0 1 0 0,0 0 0 0 0,0 0 0 0 0,0-1 0 0 0,0 1 0 0 0,7-1-1 0 0,15 5 249 0 0,-3 0-126 0 0,170-14 726 0 0,-94 5-792 0 0,-26 2-73 0 0,63-7-58 0 0,-28 13-12 0 0,120-18 64 0 0,8-2-64 0 0,-103 10 0 0 0,1 5 0 0 0,153 18 0 0 0,-146 0 0 0 0,9 6 0 0 0,119 12 0 0 0,-116-13 0 0 0,11 11 0 0 0,96 26 0 0 0,-171-37 0 0 0,71 32 0 0 0,-40-11 0 0 0,116 40 0 0 0,-192-66 0 0 0,90 40 0 0 0,-1 1 0 0 0,90 31 0 0 0,-106-42 0 0 0,360 151 63 0 0,-422-175-62 0 0,118 47-1 0 0,61 25 0 0 0,-168-65 0 0 0,213 87 0 0 0,-179-77 0 0 0,42 15 0 0 0,239 91 0 0 0,-77-26 0 0 0,-193-81 0 0 0,286 109 0 0 0,-202-53 0 0 0,22 9 0 0 0,-109-54 6 0 0,182 115 0 0 0,-196-108 46 0 0,128 97-52 0 0,-116-76 11 0 0,-61-42 47 0 0,-1 1 1 0 0,45 52-1 0 0,-45-44 36 0 0,148 167 6 0 0,-101-108 56 0 0,-8 5-73 0 0,-14-18-15 0 0,-29-41-2 0 0,-2 2 1 0 0,-2 2-1 0 0,32 63 0 0 0,-4-5 82 0 0,-31-58-48 0 0,-1-5-36 0 0,-19-30-20 0 0,18 33 0 0 0,158 309 196 0 0,-134-231-117 0 0,64 224 1 0 0,-95-275-104 0 0,-4-10 39 0 0,16 103-1 0 0,-28-133-38 0 0,2 19 32 0 0,7 73 12 0 0,-13-94-51 0 0,0-7 18 0 0,-1 1 0 0 0,-2 0 0 0 0,-3 35-1 0 0,-2 89 34 0 0,2-125-57 0 0,1-12 5 0 0,0-1-1 0 0,-1 0 1 0 0,-1 1-1 0 0,-6 19 0 0 0,-4 38-11 0 0,-2-28 24 0 0,-31 82 108 0 0,45-128-131 0 0,-66 135 106 0 0,54-111-85 0 0,-2-2 0 0 0,0 0 0 0 0,-27 30 0 0 0,-48 60 50 0 0,63-74-17 0 0,-54 56 0 0 0,59-73-47 0 0,-73 70-6 0 0,0-6 36 0 0,-42 35 48 0 0,-85 45-2 0 0,121-90-84 0 0,62-44 3 0 0,31-25 10 0 0,0 0-1 0 0,0 0 1 0 0,-10 5 0 0 0,-168 87 72 0 0,165-88-71 0 0,-1 0 1 0 0,-28 8-1 0 0,-3 2-4 0 0,-111 43 54 0 0,150-59-64 0 0,-1 0-1 0 0,-15 2 0 0 0,-8 2 14 0 0,-13 4 67 0 0,-101 11 1 0 0,80-15-53 0 0,38-4-20 0 0,-78 11 208 0 0,-139 3 0 0 0,181-18-99 0 0,-54-1 26 0 0,50-3-62 0 0,-66-5 37 0 0,70-2-82 0 0,-23-2 96 0 0,-116-31 1 0 0,39-3-79 0 0,-125-30 28 0 0,-11 1-82 0 0,171 41 0 0 0,-142-28 0 0 0,125 33 75 0 0,26 3 32 0 0,51 12-96 0 0,48 8-11 0 0,0 2 0 0 0,-40-3-1 0 0,10 14-359 0 0,46 18-1726 0 0,5-11 36 0 0</inkml:trace>
-</inkml:ink>
-</file>
-
-<file path=ppt/ink/ink5.xml><?xml version="1.0" encoding="utf-8"?>
-<inkml:ink xmlns:inkml="http://www.w3.org/2003/InkML">
-  <inkml:definitions>
-    <inkml:context xml:id="ctx0">
-      <inkml:inkSource xml:id="inkSrc0">
-        <inkml:traceFormat>
-          <inkml:channel name="X" type="integer" min="-2.14748E9" max="2.14748E9" units="cm"/>
-          <inkml:channel name="Y" type="integer" min="-2.14748E9" max="2.14748E9" units="cm"/>
-          <inkml:channel name="F" type="integer" max="32767" units="dev"/>
-          <inkml:channel name="OA" type="integer" max="360" units="deg"/>
-          <inkml:channel name="OE" type="integer" max="90" units="deg"/>
-        </inkml:traceFormat>
-        <inkml:channelProperties>
-          <inkml:channelProperty channel="X" name="resolution" value="1000" units="1/cm"/>
-          <inkml:channelProperty channel="Y" name="resolution" value="1000" units="1/cm"/>
-          <inkml:channelProperty channel="F" name="resolution" value="0" units="1/dev"/>
-          <inkml:channelProperty channel="OA" name="resolution" value="1000" units="1/deg"/>
-          <inkml:channelProperty channel="OE" name="resolution" value="1000" units="1/deg"/>
-        </inkml:channelProperties>
-      </inkml:inkSource>
-      <inkml:timestamp xml:id="ts0" timeString="2020-11-19T11:30:42.210"/>
-    </inkml:context>
-    <inkml:brush xml:id="br0">
-      <inkml:brushProperty name="width" value="0.05" units="cm"/>
-      <inkml:brushProperty name="height" value="0.05" units="cm"/>
-      <inkml:brushProperty name="color" value="#E71224"/>
-    </inkml:brush>
-  </inkml:definitions>
-  <inkml:trace contextRef="#ctx0" brushRef="#br0">126 317 3624 0 0,'0'0'10536'0'0,"11"-4"-9930"0"0,38-3 725 0 0,-17 2-642 0 0,37-9 1 0 0,-60 11-551 0 0,0 1 0 0 0,0-2 0 0 0,-1 1 0 0 0,1-1 0 0 0,-1-1 0 0 0,0 1 0 0 0,0-2 0 0 0,13-9 0 0 0,-8 4 106 0 0,1 0-1 0 0,19-10 1 0 0,-21 14-149 0 0,0-1 1 0 0,0 0-1 0 0,-1-1 1 0 0,11-10-1 0 0,-1-2-11 0 0,-16 17-65 0 0,0-1 0 0 0,0 1 0 0 0,-1-1 1 0 0,1 0-1 0 0,5-10 0 0 0,-4-7 126 0 0,-6 11-146 0 0,-16-18-85 0 0,7 18-21 0 0,4 10 85 0 0,2 1 1 0 0,-2-2-23 0 0,-1-1 0 0 0,0 1 0 0 0,1 1 0 0 0,-1-1 0 0 0,0 1 0 0 0,0 0 0 0 0,-8 0 0 0 0,10 1-5 0 0,1 0 1 0 0,0 0-1 0 0,-1 0 1 0 0,1 1-1 0 0,0 0 0 0 0,0-1 1 0 0,0 1-1 0 0,-1 0 1 0 0,1 1-1 0 0,0-1 1 0 0,0 1-1 0 0,0-1 1 0 0,1 1-1 0 0,-1 0 1 0 0,-4 3-1 0 0,1 0-85 0 0,0-1 0 0 0,0 0 0 0 0,-1 0-1 0 0,1 0 1 0 0,-13 4 0 0 0,12-5 24 0 0,1 0 0 0 0,-1 1-1 0 0,0 0 1 0 0,1 0 0 0 0,-7 5-1 0 0,-18 16-326 0 0,20-17 336 0 0,2 0 1 0 0,-1 0-1 0 0,1 0 0 0 0,-12 16 1 0 0,-33 41 27 0 0,-22 30 366 0 0,67-81-175 0 0,-50 78 756 0 0,52-80-674 0 0,1 0 0 0 0,0 1 0 0 0,1-1 0 0 0,1 1 0 0 0,-6 25 0 0 0,9 25 478 0 0,1-61-661 0 0,1 1-1 0 0,-1-1 1 0 0,1 0-1 0 0,0 1 1 0 0,0-1 0 0 0,0 0-1 0 0,0 1 1 0 0,0-1-1 0 0,0 0 1 0 0,3 3 0 0 0,2 5 45 0 0,-4-6-28 0 0,0-1 0 0 0,0 1-1 0 0,0 0 1 0 0,0-1 0 0 0,0 0-1 0 0,1 1 1 0 0,0-1 0 0 0,-1 0-1 0 0,1 0 1 0 0,0-1 0 0 0,1 1-1 0 0,-1-1 1 0 0,0 1 0 0 0,1-1-1 0 0,6 3 1 0 0,-5-2 22 0 0,0 1-1 0 0,-1-1 1 0 0,1 1 0 0 0,-1 0-1 0 0,5 5 1 0 0,-5-5-6 0 0,0 1 0 0 0,1-1 1 0 0,0 0-1 0 0,8 6 0 0 0,53 31 190 0 0,-25-17-178 0 0,15 7-43 0 0,-42-24-75 0 0,-10-4-160 0 0,1 0 1 0 0,-1-1-1 0 0,1 0 0 0 0,-1 0 0 0 0,1-1 0 0 0,0 1 1 0 0,6 0-1 0 0</inkml:trace>
-</inkml:ink>
-</file>
-
-<file path=ppt/ink/ink6.xml><?xml version="1.0" encoding="utf-8"?>
-<inkml:ink xmlns:inkml="http://www.w3.org/2003/InkML">
-  <inkml:definitions>
-    <inkml:context xml:id="ctx0">
-      <inkml:inkSource xml:id="inkSrc0">
-        <inkml:traceFormat>
-          <inkml:channel name="X" type="integer" min="-2.14748E9" max="2.14748E9" units="cm"/>
-          <inkml:channel name="Y" type="integer" min="-2.14748E9" max="2.14748E9" units="cm"/>
-          <inkml:channel name="F" type="integer" max="32767" units="dev"/>
-          <inkml:channel name="OA" type="integer" max="360" units="deg"/>
-          <inkml:channel name="OE" type="integer" max="90" units="deg"/>
-        </inkml:traceFormat>
-        <inkml:channelProperties>
-          <inkml:channelProperty channel="X" name="resolution" value="1000" units="1/cm"/>
-          <inkml:channelProperty channel="Y" name="resolution" value="1000" units="1/cm"/>
-          <inkml:channelProperty channel="F" name="resolution" value="0" units="1/dev"/>
-          <inkml:channelProperty channel="OA" name="resolution" value="1000" units="1/deg"/>
-          <inkml:channelProperty channel="OE" name="resolution" value="1000" units="1/deg"/>
-        </inkml:channelProperties>
-      </inkml:inkSource>
-      <inkml:timestamp xml:id="ts0" timeString="2020-11-19T11:30:43.909"/>
-    </inkml:context>
-    <inkml:brush xml:id="br0">
-      <inkml:brushProperty name="width" value="0.05" units="cm"/>
-      <inkml:brushProperty name="height" value="0.05" units="cm"/>
-      <inkml:brushProperty name="color" value="#E71224"/>
-    </inkml:brush>
-  </inkml:definitions>
-  <inkml:trace contextRef="#ctx0" brushRef="#br0">1 694 4688 0 0,'0'0'4512'0'0,"1"-11"-3796"0"0,1-5-412 0 0,2 1 1 0 0,0-1 0 0 0,1 1-1 0 0,0-1 1 0 0,14-26 0 0 0,-12 29 56 0 0,1 0 1 0 0,-1 1-1 0 0,2 0 1 0 0,0 1-1 0 0,18-18 1 0 0,-8 10 128 0 0,-12 12-305 0 0,0 1 0 0 0,0 0-1 0 0,9-6 1 0 0,-2 2 22 0 0,-1-1-1 0 0,0 0 1 0 0,-1 0-1 0 0,0-2 0 0 0,-1 1 1 0 0,12-17-1 0 0,-12 15-91 0 0,71-72 477 0 0,9-9-242 0 0,-21 25-171 0 0,-56 55-141 0 0,20-29-1 0 0,-33 43 59 0 0,-13 20-651 0 0,4-11 442 0 0,0-1-1 0 0,-1 1 0 0 0,0-2 0 0 0,-19 12 1 0 0,14-10-67 0 0,1 0 0 0 0,-15 14 1 0 0,22-17 35 0 0,0-1 0 0 0,0 0 1 0 0,0-1-1 0 0,-13 6 1 0 0,-5 3-223 0 0,1 2-282 0 0,-6-7 473 0 0,-32 5 0 0 0,3-1 21 0 0,29-8 195 0 0,26-4-32 0 0,-1 2 0 0 0,1-1 0 0 0,-1 0 1 0 0,0 1-1 0 0,1-1 0 0 0,0 1 0 0 0,-1 0 0 0 0,1 0 1 0 0,-6 3-1 0 0,6-3 16 0 0,0 0 0 0 0,0 0 0 0 0,0 0 1 0 0,-1-1-1 0 0,1 1 0 0 0,0-1 0 0 0,0 1 0 0 0,-1-1 0 0 0,1 0 1 0 0,-6-1-1 0 0,-10 0 191 0 0,-26 12 287 0 0,43-11-16 0 0,-10-1-95 0 0,18 8 2001 0 0,5 2-2188 0 0,-2 1 1 0 0,13 16-1 0 0,20 32 570 0 0,23 39-546 0 0,46 73 499 0 0,-105-161-718 0 0,-3-4 9 0 0,0 0-1 0 0,0 1 1 0 0,0 0-1 0 0,-1 0 1 0 0,0 0-1 0 0,2 9 1 0 0,-3-9 6 0 0,1 1 0 0 0,0-1 1 0 0,0 0-1 0 0,7 11 0 0 0,31 55 133 0 0,28 44-57 0 0,-65-112-93 0 0,0 0 0 0 0,0 0 0 0 0,-1 0-1 0 0,1 1 1 0 0,-1 0 0 0 0,0-1 0 0 0,0 1 0 0 0,0 0 0 0 0,-1 0-1 0 0,0 0 1 0 0,0 0 0 0 0,0 0 0 0 0,-1 0 0 0 0,1 1 0 0 0,-2 7-1 0 0,1 31-283 0 0,0-42 207 0 0,-1-4-407 0 0,-3-2 326 0 0,0-1-1 0 0,0 0 1 0 0,0 1-1 0 0,1-1 1 0 0,0-1-1 0 0,0 1 1 0 0,1 0-1 0 0,-1-1 1 0 0,1 1-1 0 0,1-1 1 0 0,-1 0-1 0 0,1 0 1 0 0,-1-5-1 0 0,0-7-181 0 0,0 0 0 0 0,-1 1 0 0 0,-1 0 0 0 0,-7-23 0 0 0,-1-1 96 0 0,-21-89 44 0 0,17 61 192 0 0,10 38 0 0 0,-18-51 0 0 0,6 33 0 0 0,7 18 0 0 0,-1 0 0 0 0,-21-38 0 0 0,16 38 0 0 0,5 9 0 0 0,-1 1 0 0 0,0 0 0 0 0,-22-25 0 0 0,29 40 68 0 0,-1 1 0 0 0,0-1 0 0 0,0 1 0 0 0,0 0 0 0 0,-1 0 0 0 0,1 1 0 0 0,-10-4 0 0 0,16 8-50 0 0,-12-3 547 0 0,12 3-557 0 0,1 1-1 0 0,0-1 1 0 0,-1 1-1 0 0,1-1 1 0 0,-1 0-1 0 0,1 1 1 0 0,0-1-1 0 0,-1 1 1 0 0,1-1-1 0 0,0 1 0 0 0,0-1 1 0 0,-1 1-1 0 0,1-1 1 0 0,0 1-1 0 0,0-1 1 0 0,0 1-1 0 0,0 0 1 0 0,0-1-1 0 0,0 1 1 0 0,0-1-1 0 0,0 1 1 0 0,0-1-1 0 0,0 1 1 0 0,0-1-1 0 0,0 2 1 0 0,6 34 158 0 0,-6-35-159 0 0,0 0 0 0 0,1 0 0 0 0,-1 0-1 0 0,0 0 1 0 0,0-1 0 0 0,0 1 0 0 0,1 0 0 0 0,-1 0-1 0 0,0 0 1 0 0,1 0 0 0 0,-1-1 0 0 0,1 1-1 0 0,-1 0 1 0 0,1 0 0 0 0,-1-1 0 0 0,1 1-1 0 0,0 0 1 0 0,0 0 0 0 0,9 13 88 0 0,-8-9-79 0 0,1 0 0 0 0,0 0 0 0 0,0-1 0 0 0,0 1-1 0 0,1-1 1 0 0,0 0 0 0 0,-1 0 0 0 0,1-1-1 0 0,1 1 1 0 0,6 4 0 0 0,8 8 162 0 0,-13-12-100 0 0,1 0 0 0 0,0-1-1 0 0,1 1 1 0 0,-1-1 0 0 0,0-1-1 0 0,1 0 1 0 0,0 0 0 0 0,0 0-1 0 0,15 1 1 0 0,-13-2 16 0 0,4-1 49 0 0,0-1 0 0 0,1 0 0 0 0,-1-1-1 0 0,0-1 1 0 0,-1 0 0 0 0,20-7 0 0 0,-31 10-134 0 0,70-23 289 0 0,-1-4 0 0 0,102-53 0 0 0,-100 36-737 0 0,-39 22-2294 0 0,-17 12-3900 0 0</inkml:trace>
-</inkml:ink>
-</file>
-
-<file path=ppt/ink/ink7.xml><?xml version="1.0" encoding="utf-8"?>
-<inkml:ink xmlns:inkml="http://www.w3.org/2003/InkML">
-  <inkml:definitions>
-    <inkml:context xml:id="ctx0">
-      <inkml:inkSource xml:id="inkSrc0">
-        <inkml:traceFormat>
-          <inkml:channel name="X" type="integer" min="-2.14748E9" max="2.14748E9" units="cm"/>
-          <inkml:channel name="Y" type="integer" min="-2.14748E9" max="2.14748E9" units="cm"/>
-          <inkml:channel name="F" type="integer" max="32767" units="dev"/>
-          <inkml:channel name="OA" type="integer" max="360" units="deg"/>
-          <inkml:channel name="OE" type="integer" max="90" units="deg"/>
-        </inkml:traceFormat>
-        <inkml:channelProperties>
-          <inkml:channelProperty channel="X" name="resolution" value="1000" units="1/cm"/>
-          <inkml:channelProperty channel="Y" name="resolution" value="1000" units="1/cm"/>
-          <inkml:channelProperty channel="F" name="resolution" value="0" units="1/dev"/>
-          <inkml:channelProperty channel="OA" name="resolution" value="1000" units="1/deg"/>
-          <inkml:channelProperty channel="OE" name="resolution" value="1000" units="1/deg"/>
-        </inkml:channelProperties>
-      </inkml:inkSource>
-      <inkml:timestamp xml:id="ts0" timeString="2020-11-19T11:31:05.543"/>
-    </inkml:context>
-    <inkml:brush xml:id="br0">
-      <inkml:brushProperty name="width" value="0.05" units="cm"/>
-      <inkml:brushProperty name="height" value="0.05" units="cm"/>
-      <inkml:brushProperty name="color" value="#E71224"/>
-    </inkml:brush>
-  </inkml:definitions>
-  <inkml:trace contextRef="#ctx0" brushRef="#br0">6182 3252 920 0 0,'-8'7'13992'0'0,"6"-8"-13849"0"0,-1 1 0 0 0,1-1 0 0 0,0 1 0 0 0,-1-1 1 0 0,1 0-1 0 0,0 1 0 0 0,0-1 0 0 0,0-1 0 0 0,-4-1 1 0 0,5 2 55 0 0,-9-21 248 0 0,-13-41 338 0 0,23 43-667 0 0,0 19-115 0 0,0 0-1 0 0,0 0 1 0 0,0 0-1 0 0,0 0 1 0 0,0 0-1 0 0,0 0 1 0 0,0 0 0 0 0,0 0-1 0 0,0 0 1 0 0,0 0-1 0 0,0 0 1 0 0,-1 0-1 0 0,1 0 1 0 0,0 0 0 0 0,-1 0-1 0 0,1 0 1 0 0,-1 0-1 0 0,1 1 1 0 0,-1-1-1 0 0,1 0 1 0 0,-1 0-1 0 0,0 0 1 0 0,1 1 0 0 0,-1-1-1 0 0,0 0 1 0 0,0 1-1 0 0,0-1 1 0 0,-1 0-1 0 0,1 0 4 0 0,1 0-1 0 0,-1 1 0 0 0,0-1 1 0 0,1 0-1 0 0,-1 1 0 0 0,0-1 1 0 0,1 0-1 0 0,-1 0 0 0 0,1 0 1 0 0,-1 0-1 0 0,1 0 0 0 0,0 0 0 0 0,-1 1 1 0 0,1-1-1 0 0,0 0 0 0 0,-1-2 1 0 0,1 1 5 0 0,0 1 0 0 0,-1-1 0 0 0,1 1 0 0 0,0 0 0 0 0,-1-1 1 0 0,0 1-1 0 0,1 0 0 0 0,-1-1 0 0 0,0 1 0 0 0,0 0 0 0 0,-1-2 0 0 0,-13-13 81 0 0,11 13-54 0 0,0-1-1 0 0,1-1 1 0 0,-1 1-1 0 0,1 0 1 0 0,0-1-1 0 0,0 0 1 0 0,-3-5-1 0 0,3 5-12 0 0,1 0 0 0 0,-1 1-1 0 0,0-1 1 0 0,-1 1 0 0 0,1 0-1 0 0,-1 0 1 0 0,0 0-1 0 0,-5-4 1 0 0,-18-20 84 0 0,-37-42 54 0 0,35 35-138 0 0,8 11-4 0 0,-25-37-1 0 0,-15-16 18 0 0,54 66 139 0 0,-2 1 0 0 0,-16-17 0 0 0,3 5 126 0 0,0 1-20 0 0,-2 1 0 0 0,0 0-1 0 0,-30-17 1 0 0,-24-19 242 0 0,-34-20-189 0 0,81 56-304 0 0,-87-51-184 0 0,96 57 161 0 0,-1 1 0 0 0,-30-11-1 0 0,-17-10 153 0 0,-12-5-185 0 0,2 2-19 0 0,-70-40 172 0 0,-13-6 14 0 0,140 71-123 0 0,-1 1 0 0 0,-45-13-1 0 0,-14-6 46 0 0,-99-43-18 0 0,-67-30-18 0 0,124 41-29 0 0,-309-138 0 0 0,358 166 0 0 0,-11-6 0 0 0,-34-14 29 0 0,-3-2 81 0 0,20 15-34 0 0,-45-15 29 0 0,125 47-87 0 0,-41-22 1 0 0,-11-5 8 0 0,-26-12-27 0 0,-236-88 188 0 0,192 85 8 0 0,3 2-86 0 0,7-2-325 0 0,20 6 574 0 0,79 32-283 0 0,0-1 0 0 0,1-2 0 0 0,-36-21 0 0 0,22 8 34 0 0,33 20-72 0 0,1 0 0 0 0,0-1 0 0 0,-28-24 0 0 0,-149-122-26 0 0,155 131 9 0 0,-1 3 1 0 0,-51-23-1 0 0,81 41-21 0 0,-80-29 44 0 0,38 15-13 0 0,-22-6-4 0 0,-41-17-1 0 0,1-12-90 0 0,40 17 64 0 0,-5-4 0 0 0,49 27 0 0 0,24 9 0 0 0,-1 2 0 0 0,0-1 0 0 0,0 1 0 0 0,0-1 0 0 0,0 2 0 0 0,-11-3 0 0 0,-39-9 0 0 0,5 6 0 0 0,35 6 0 0 0,-13 1 0 0 0,-43-3-74 0 0,71 3 18 0 0,1 8-758 0 0</inkml:trace>
-</inkml:ink>
-</file>
-
-<file path=ppt/ink/ink8.xml><?xml version="1.0" encoding="utf-8"?>
-<inkml:ink xmlns:inkml="http://www.w3.org/2003/InkML">
-  <inkml:definitions>
-    <inkml:context xml:id="ctx0">
-      <inkml:inkSource xml:id="inkSrc0">
-        <inkml:traceFormat>
-          <inkml:channel name="X" type="integer" min="-2.14748E9" max="2.14748E9" units="cm"/>
-          <inkml:channel name="Y" type="integer" min="-2.14748E9" max="2.14748E9" units="cm"/>
-          <inkml:channel name="F" type="integer" max="32767" units="dev"/>
-          <inkml:channel name="OA" type="integer" max="360" units="deg"/>
-          <inkml:channel name="OE" type="integer" max="90" units="deg"/>
-        </inkml:traceFormat>
-        <inkml:channelProperties>
-          <inkml:channelProperty channel="X" name="resolution" value="1000" units="1/cm"/>
-          <inkml:channelProperty channel="Y" name="resolution" value="1000" units="1/cm"/>
-          <inkml:channelProperty channel="F" name="resolution" value="0" units="1/dev"/>
-          <inkml:channelProperty channel="OA" name="resolution" value="1000" units="1/deg"/>
-          <inkml:channelProperty channel="OE" name="resolution" value="1000" units="1/deg"/>
-        </inkml:channelProperties>
-      </inkml:inkSource>
-      <inkml:timestamp xml:id="ts0" timeString="2020-11-19T11:31:07.410"/>
-    </inkml:context>
-    <inkml:brush xml:id="br0">
-      <inkml:brushProperty name="width" value="0.05" units="cm"/>
-      <inkml:brushProperty name="height" value="0.05" units="cm"/>
-      <inkml:brushProperty name="color" value="#E71224"/>
-    </inkml:brush>
-  </inkml:definitions>
-  <inkml:trace contextRef="#ctx0" brushRef="#br0">1 351 1376 0 0,'0'0'3216'0'0,"1"-16"-2054"0"0,4 8 2624 0 0,9-8-3010 0 0,-3 7 9097 0 0,-9 8-9647 0 0,13-10 253 0 0,-7 4-343 0 0,38-34 545 0 0,-13 23-437 0 0,9-6-72 0 0,-18 7-108 0 0,-12 10-36 0 0,-1-1 0 0 0,0 0 0 0 0,-1-1 0 0 0,16-17 0 0 0,7-9-12 0 0,-22 25 8 0 0,-1-1-1 0 0,16-21 1 0 0,-17 23 11 0 0,-8 8-27 0 0,1-1-1 0 0,0 0 0 0 0,-1 1 1 0 0,1-1-1 0 0,-1 0 1 0 0,1 0-1 0 0,-1 0 0 0 0,0 0 1 0 0,0 0-1 0 0,0 0 1 0 0,1-4-1 0 0,-1 4 154 0 0,-1 4-948 0 0,0-2 765 0 0,0 1 1 0 0,0-1-1 0 0,-1 1 0 0 0,1 0 1 0 0,0-1-1 0 0,0 1 0 0 0,0-1 1 0 0,-1 1-1 0 0,1 0 0 0 0,0-1 1 0 0,0 1-1 0 0,-1-1 0 0 0,1 1 1 0 0,-1-1-1 0 0,1 1 0 0 0,0-1 1 0 0,-1 0-1 0 0,1 1 0 0 0,-1-1 1 0 0,1 1-1 0 0,-1-1 0 0 0,0 1 1 0 0,-16 13-266 0 0,14-12 275 0 0,-53 46-1133 0 0,15-21 100 0 0,37-25 987 0 0,-1-1 0 0 0,1 1-1 0 0,-1-1 1 0 0,1 1 0 0 0,-1-1 0 0 0,1 0 0 0 0,-1-1 0 0 0,1 1 0 0 0,-6-1-1 0 0,-24 5-249 0 0,-1-3 91 0 0,4 0 66 0 0,23-1 151 0 0,-2-1 1584 0 0,-3 12-841 0 0,12-10-699 0 0,1 0 1 0 0,-1 0-1 0 0,1 0 1 0 0,0 0-1 0 0,0 0 1 0 0,0 1-1 0 0,0-1 0 0 0,0 0 1 0 0,0 0-1 0 0,0 0 1 0 0,1 0-1 0 0,-1 0 0 0 0,1 0 1 0 0,-1 0-1 0 0,2 3 1 0 0,3 20 277 0 0,-5-25-316 0 0,0 0-1 0 0,0 1 0 0 0,0-1 1 0 0,0 1-1 0 0,0-1 1 0 0,0 1-1 0 0,0-1 0 0 0,0 0 1 0 0,0 1-1 0 0,0-1 1 0 0,0 1-1 0 0,0-1 0 0 0,1 0 1 0 0,-1 1-1 0 0,0-1 0 0 0,0 0 1 0 0,0 1-1 0 0,1-1 1 0 0,-1 1-1 0 0,0-1 0 0 0,0 0 1 0 0,1 0-1 0 0,-1 1 0 0 0,0-1 1 0 0,1 0-1 0 0,-1 1 1 0 0,7 8 136 0 0,61 161 616 0 0,6-5-377 0 0,-72-163-370 0 0,1 2-10 0 0,-2 13 80 0 0,0-10-3 0 0,1-6-76 0 0,-1 17 170 0 0,-1-16-248 0 0</inkml:trace>
-</inkml:ink>
-</file>
-
-<file path=ppt/ink/ink9.xml><?xml version="1.0" encoding="utf-8"?>
-<inkml:ink xmlns:inkml="http://www.w3.org/2003/InkML">
-  <inkml:definitions>
-    <inkml:context xml:id="ctx0">
-      <inkml:inkSource xml:id="inkSrc0">
-        <inkml:traceFormat>
-          <inkml:channel name="X" type="integer" min="-2.14748E9" max="2.14748E9" units="cm"/>
-          <inkml:channel name="Y" type="integer" min="-2.14748E9" max="2.14748E9" units="cm"/>
-          <inkml:channel name="F" type="integer" max="32767" units="dev"/>
-          <inkml:channel name="OA" type="integer" max="360" units="deg"/>
-          <inkml:channel name="OE" type="integer" max="90" units="deg"/>
-        </inkml:traceFormat>
-        <inkml:channelProperties>
-          <inkml:channelProperty channel="X" name="resolution" value="1000" units="1/cm"/>
-          <inkml:channelProperty channel="Y" name="resolution" value="1000" units="1/cm"/>
-          <inkml:channelProperty channel="F" name="resolution" value="0" units="1/dev"/>
-          <inkml:channelProperty channel="OA" name="resolution" value="1000" units="1/deg"/>
-          <inkml:channelProperty channel="OE" name="resolution" value="1000" units="1/deg"/>
-        </inkml:channelProperties>
-      </inkml:inkSource>
-      <inkml:timestamp xml:id="ts0" timeString="2020-11-19T11:31:11.027"/>
-    </inkml:context>
-    <inkml:brush xml:id="br0">
-      <inkml:brushProperty name="width" value="0.05" units="cm"/>
-      <inkml:brushProperty name="height" value="0.05" units="cm"/>
-      <inkml:brushProperty name="color" value="#E71224"/>
-    </inkml:brush>
-  </inkml:definitions>
-  <inkml:trace contextRef="#ctx0" brushRef="#br0">510 579 2560 0 0,'0'0'116'0'0,"11"0"8112"0"0,-14 0-8052 0 0,-3-1 3488 0 0,15-10-2786 0 0,-8 11-834 0 0,0-1 0 0 0,0 0 0 0 0,0 0 0 0 0,0 0-1 0 0,0 0 1 0 0,0 0 0 0 0,-1 0 0 0 0,1-1 0 0 0,0 1 0 0 0,-1 0-1 0 0,1 0 1 0 0,-1 0 0 0 0,1-1 0 0 0,-1 1 0 0 0,0 0 0 0 0,0 0-1 0 0,1-1 1 0 0,-1 1 0 0 0,0 0 0 0 0,0-1 0 0 0,0-1 0 0 0,-1 0 68 0 0,0-1 1 0 0,0 1 0 0 0,0-1 0 0 0,0 1 0 0 0,-1-1-1 0 0,1 1 1 0 0,-4-5 0 0 0,3 4-69 0 0,1 0 1 0 0,-1 1 0 0 0,1-1-1 0 0,0 0 1 0 0,0 0-1 0 0,-1-7 1 0 0,-4-17 260 0 0,4 19-167 0 0,0 1-1 0 0,0-1 1 0 0,0-15 0 0 0,1 15-77 0 0,0-1 0 0 0,0 1 1 0 0,-4-12-1 0 0,0 1-26 0 0,0-1-1 0 0,2 0 1 0 0,0 0-1 0 0,1-27 1 0 0,-3-17 9 0 0,4 56-44 0 0,0 0 0 0 0,1 0 0 0 0,0 0 0 0 0,0 0 0 0 0,1 0 0 0 0,0-1 0 0 0,4-13 0 0 0,-4 20-23 0 0,0 1 0 0 0,-1-1 1 0 0,1 0-1 0 0,-1 0 0 0 0,0 1 0 0 0,0-1 0 0 0,0 0 0 0 0,0 0 0 0 0,-1-2 0 0 0,0-29-174 0 0,1 38 111 0 0,1-1 1 0 0,0 0 0 0 0,0 1 0 0 0,0-1-1 0 0,0 0 1 0 0,0 1 0 0 0,1-1-1 0 0,0 0 1 0 0,0 0 0 0 0,3 4 0 0 0,-3-3 12 0 0,1-1 1 0 0,-1 1-1 0 0,0 0 1 0 0,-1 0-1 0 0,1-1 1 0 0,1 6-1 0 0,6 24-451 0 0,-7-28 456 0 0,0 0 0 0 0,0 0-1 0 0,-1 1 1 0 0,0-1-1 0 0,0 0 1 0 0,0 1 0 0 0,-1-1-1 0 0,0 1 1 0 0,0 7 0 0 0,-1-5-1 0 0,1 0 1 0 0,0-1 0 0 0,1 1 0 0 0,1 9 0 0 0,1 16-55 0 0,-3-13 59 0 0,1-3-13 0 0,-2-1-1 0 0,0 1 1 0 0,-3 18-1 0 0,3-16 20 0 0,0 4-17 0 0,-4 3 42 0 0,5-25 29 0 0,0 0 0 0 0,0 0 1 0 0,0 0-1 0 0,0 0 0 0 0,0 0 1 0 0,0 0-1 0 0,0 0 0 0 0,-1 0 1 0 0,1 0-1 0 0,0 0 0 0 0,-1 0 1 0 0,1 0-1 0 0,-1 0 0 0 0,0 1 1 0 0,-2 0 23 0 0,1 0 1 0 0,-1 0 0 0 0,0 0-1 0 0,1-1 1 0 0,-1 1-1 0 0,0-1 1 0 0,0 1 0 0 0,-3 0-1 0 0,2 0 54 0 0,4-1-72 0 0,-1 0 1 0 0,0 0 0 0 0,1-1-1 0 0,-1 1 1 0 0,0 0-1 0 0,0 0 1 0 0,1-1 0 0 0,-1 1-1 0 0,0-1 1 0 0,0 1 0 0 0,0-1-1 0 0,0 1 1 0 0,0-1 0 0 0,0 1-1 0 0,0-1 1 0 0,0 0 0 0 0,0 0-1 0 0,0 1 1 0 0,0-1 0 0 0,0 0-1 0 0,0 0 1 0 0,0 0 0 0 0,0 0-1 0 0,0 0 1 0 0,0 0 0 0 0,0 0-1 0 0,-2-1 1 0 0,-2 0 36 0 0,-5 1 119 0 0,-13 0 255 0 0,0 0 0 0 0,1-2 0 0 0,-38-7 0 0 0,21-1-338 0 0,-62-12 1930 0 0,-1 4-1547 0 0,99 17-464 0 0,1 1 0 0 0,0-1 0 0 0,-1 1 1 0 0,1-1-1 0 0,-1 0 0 0 0,1 1 0 0 0,0-1 1 0 0,-1 0-1 0 0,1-1 0 0 0,0 1 0 0 0,0 0 1 0 0,0-1-1 0 0,0 1 0 0 0,-3-4 0 0 0,2 1-199 0 0,0 0 0 0 0,0 0 0 0 0,0-1 0 0 0,0 1-1 0 0,1-1 1 0 0,-4-7 0 0 0,-1-11-6301 0 0</inkml:trace>
 </inkml:ink>
 </file>
 
@@ -8936,6 +9163,57 @@
           </a:prstGeom>
         </p:spPr>
       </p:pic>
+      <mc:AlternateContent xmlns:mc="http://schemas.openxmlformats.org/markup-compatibility/2006">
+        <mc:Choice xmlns:p14="http://schemas.microsoft.com/office/powerpoint/2010/main" Requires="p14">
+          <p:contentPart p14:bwMode="auto" r:id="rId3">
+            <p14:nvContentPartPr>
+              <p14:cNvPr id="3" name="Ink 2">
+                <a:extLst>
+                  <a:ext uri="{FF2B5EF4-FFF2-40B4-BE49-F238E27FC236}">
+                    <a16:creationId xmlns:a16="http://schemas.microsoft.com/office/drawing/2014/main" id="{327C230E-1420-4A70-B0CC-BA13B3EDF6DA}"/>
+                  </a:ext>
+                </a:extLst>
+              </p14:cNvPr>
+              <p14:cNvContentPartPr/>
+              <p14:nvPr/>
+            </p14:nvContentPartPr>
+            <p14:xfrm>
+              <a:off x="2899800" y="2175840"/>
+              <a:ext cx="8697240" cy="2397600"/>
+            </p14:xfrm>
+          </p:contentPart>
+        </mc:Choice>
+        <mc:Fallback>
+          <p:pic>
+            <p:nvPicPr>
+              <p:cNvPr id="3" name="Ink 2">
+                <a:extLst>
+                  <a:ext uri="{FF2B5EF4-FFF2-40B4-BE49-F238E27FC236}">
+                    <a16:creationId xmlns:a16="http://schemas.microsoft.com/office/drawing/2014/main" id="{327C230E-1420-4A70-B0CC-BA13B3EDF6DA}"/>
+                  </a:ext>
+                </a:extLst>
+              </p:cNvPr>
+              <p:cNvPicPr/>
+              <p:nvPr/>
+            </p:nvPicPr>
+            <p:blipFill>
+              <a:blip r:embed="rId4"/>
+              <a:stretch>
+                <a:fillRect/>
+              </a:stretch>
+            </p:blipFill>
+            <p:spPr>
+              <a:xfrm>
+                <a:off x="2890440" y="2166480"/>
+                <a:ext cx="8715960" cy="2416320"/>
+              </a:xfrm>
+              <a:prstGeom prst="rect">
+                <a:avLst/>
+              </a:prstGeom>
+            </p:spPr>
+          </p:pic>
+        </mc:Fallback>
+      </mc:AlternateContent>
     </p:spTree>
     <p:extLst>
       <p:ext uri="{BB962C8B-B14F-4D97-AF65-F5344CB8AC3E}">
@@ -12932,6 +13210,57 @@
           </a:prstGeom>
         </p:spPr>
       </p:pic>
+      <mc:AlternateContent xmlns:mc="http://schemas.openxmlformats.org/markup-compatibility/2006">
+        <mc:Choice xmlns:p14="http://schemas.microsoft.com/office/powerpoint/2010/main" Requires="p14">
+          <p:contentPart p14:bwMode="auto" r:id="rId3">
+            <p14:nvContentPartPr>
+              <p14:cNvPr id="3" name="Ink 2">
+                <a:extLst>
+                  <a:ext uri="{FF2B5EF4-FFF2-40B4-BE49-F238E27FC236}">
+                    <a16:creationId xmlns:a16="http://schemas.microsoft.com/office/drawing/2014/main" id="{F4EF2C42-EF95-4A9A-A147-8A4A72B6AF93}"/>
+                  </a:ext>
+                </a:extLst>
+              </p14:cNvPr>
+              <p14:cNvContentPartPr/>
+              <p14:nvPr/>
+            </p14:nvContentPartPr>
+            <p14:xfrm>
+              <a:off x="6393600" y="4993200"/>
+              <a:ext cx="2153520" cy="1044360"/>
+            </p14:xfrm>
+          </p:contentPart>
+        </mc:Choice>
+        <mc:Fallback>
+          <p:pic>
+            <p:nvPicPr>
+              <p:cNvPr id="3" name="Ink 2">
+                <a:extLst>
+                  <a:ext uri="{FF2B5EF4-FFF2-40B4-BE49-F238E27FC236}">
+                    <a16:creationId xmlns:a16="http://schemas.microsoft.com/office/drawing/2014/main" id="{F4EF2C42-EF95-4A9A-A147-8A4A72B6AF93}"/>
+                  </a:ext>
+                </a:extLst>
+              </p:cNvPr>
+              <p:cNvPicPr/>
+              <p:nvPr/>
+            </p:nvPicPr>
+            <p:blipFill>
+              <a:blip r:embed="rId4"/>
+              <a:stretch>
+                <a:fillRect/>
+              </a:stretch>
+            </p:blipFill>
+            <p:spPr>
+              <a:xfrm>
+                <a:off x="6384240" y="4983840"/>
+                <a:ext cx="2172240" cy="1063080"/>
+              </a:xfrm>
+              <a:prstGeom prst="rect">
+                <a:avLst/>
+              </a:prstGeom>
+            </p:spPr>
+          </p:pic>
+        </mc:Fallback>
+      </mc:AlternateContent>
     </p:spTree>
     <p:extLst>
       <p:ext uri="{BB962C8B-B14F-4D97-AF65-F5344CB8AC3E}">
@@ -24105,6 +24434,57 @@
           </a:p>
         </p:txBody>
       </p:sp>
+      <mc:AlternateContent xmlns:mc="http://schemas.openxmlformats.org/markup-compatibility/2006">
+        <mc:Choice xmlns:p14="http://schemas.microsoft.com/office/powerpoint/2010/main" Requires="p14">
+          <p:contentPart p14:bwMode="auto" r:id="rId4">
+            <p14:nvContentPartPr>
+              <p14:cNvPr id="3" name="Ink 2">
+                <a:extLst>
+                  <a:ext uri="{FF2B5EF4-FFF2-40B4-BE49-F238E27FC236}">
+                    <a16:creationId xmlns:a16="http://schemas.microsoft.com/office/drawing/2014/main" id="{0EB4710C-F23F-4B95-B551-3D784E48FF2D}"/>
+                  </a:ext>
+                </a:extLst>
+              </p14:cNvPr>
+              <p14:cNvContentPartPr/>
+              <p14:nvPr/>
+            </p14:nvContentPartPr>
+            <p14:xfrm>
+              <a:off x="3190680" y="1270080"/>
+              <a:ext cx="4561920" cy="3366360"/>
+            </p14:xfrm>
+          </p:contentPart>
+        </mc:Choice>
+        <mc:Fallback>
+          <p:pic>
+            <p:nvPicPr>
+              <p:cNvPr id="3" name="Ink 2">
+                <a:extLst>
+                  <a:ext uri="{FF2B5EF4-FFF2-40B4-BE49-F238E27FC236}">
+                    <a16:creationId xmlns:a16="http://schemas.microsoft.com/office/drawing/2014/main" id="{0EB4710C-F23F-4B95-B551-3D784E48FF2D}"/>
+                  </a:ext>
+                </a:extLst>
+              </p:cNvPr>
+              <p:cNvPicPr/>
+              <p:nvPr/>
+            </p:nvPicPr>
+            <p:blipFill>
+              <a:blip r:embed="rId5"/>
+              <a:stretch>
+                <a:fillRect/>
+              </a:stretch>
+            </p:blipFill>
+            <p:spPr>
+              <a:xfrm>
+                <a:off x="3181320" y="1260720"/>
+                <a:ext cx="4580640" cy="3385080"/>
+              </a:xfrm>
+              <a:prstGeom prst="rect">
+                <a:avLst/>
+              </a:prstGeom>
+            </p:spPr>
+          </p:pic>
+        </mc:Fallback>
+      </mc:AlternateContent>
     </p:spTree>
     <p:extLst>
       <p:ext uri="{BB962C8B-B14F-4D97-AF65-F5344CB8AC3E}">
@@ -27887,6 +28267,57 @@
           </a:custGeom>
         </p:spPr>
       </p:pic>
+      <mc:AlternateContent xmlns:mc="http://schemas.openxmlformats.org/markup-compatibility/2006">
+        <mc:Choice xmlns:p14="http://schemas.microsoft.com/office/powerpoint/2010/main" Requires="p14">
+          <p:contentPart p14:bwMode="auto" r:id="rId6">
+            <p14:nvContentPartPr>
+              <p14:cNvPr id="6" name="Ink 5">
+                <a:extLst>
+                  <a:ext uri="{FF2B5EF4-FFF2-40B4-BE49-F238E27FC236}">
+                    <a16:creationId xmlns:a16="http://schemas.microsoft.com/office/drawing/2014/main" id="{5FC58A9D-5D80-48C6-A767-A68782E0F7D7}"/>
+                  </a:ext>
+                </a:extLst>
+              </p14:cNvPr>
+              <p14:cNvContentPartPr/>
+              <p14:nvPr/>
+            </p14:nvContentPartPr>
+            <p14:xfrm>
+              <a:off x="349200" y="4947840"/>
+              <a:ext cx="1045800" cy="1494000"/>
+            </p14:xfrm>
+          </p:contentPart>
+        </mc:Choice>
+        <mc:Fallback>
+          <p:pic>
+            <p:nvPicPr>
+              <p:cNvPr id="6" name="Ink 5">
+                <a:extLst>
+                  <a:ext uri="{FF2B5EF4-FFF2-40B4-BE49-F238E27FC236}">
+                    <a16:creationId xmlns:a16="http://schemas.microsoft.com/office/drawing/2014/main" id="{5FC58A9D-5D80-48C6-A767-A68782E0F7D7}"/>
+                  </a:ext>
+                </a:extLst>
+              </p:cNvPr>
+              <p:cNvPicPr/>
+              <p:nvPr/>
+            </p:nvPicPr>
+            <p:blipFill>
+              <a:blip r:embed="rId7"/>
+              <a:stretch>
+                <a:fillRect/>
+              </a:stretch>
+            </p:blipFill>
+            <p:spPr>
+              <a:xfrm>
+                <a:off x="339840" y="4938480"/>
+                <a:ext cx="1064520" cy="1512720"/>
+              </a:xfrm>
+              <a:prstGeom prst="rect">
+                <a:avLst/>
+              </a:prstGeom>
+            </p:spPr>
+          </p:pic>
+        </mc:Fallback>
+      </mc:AlternateContent>
     </p:spTree>
     <p:extLst>
       <p:ext uri="{BB962C8B-B14F-4D97-AF65-F5344CB8AC3E}">
@@ -28753,6 +29184,57 @@
           </a:p>
         </p:txBody>
       </p:sp>
+      <mc:AlternateContent xmlns:mc="http://schemas.openxmlformats.org/markup-compatibility/2006">
+        <mc:Choice xmlns:p14="http://schemas.microsoft.com/office/powerpoint/2010/main" Requires="p14">
+          <p:contentPart p14:bwMode="auto" r:id="rId7">
+            <p14:nvContentPartPr>
+              <p14:cNvPr id="8" name="Ink 7">
+                <a:extLst>
+                  <a:ext uri="{FF2B5EF4-FFF2-40B4-BE49-F238E27FC236}">
+                    <a16:creationId xmlns:a16="http://schemas.microsoft.com/office/drawing/2014/main" id="{ABCBD38D-BB0E-4B34-8AC8-BB9249652D6D}"/>
+                  </a:ext>
+                </a:extLst>
+              </p14:cNvPr>
+              <p14:cNvContentPartPr/>
+              <p14:nvPr/>
+            </p14:nvContentPartPr>
+            <p14:xfrm>
+              <a:off x="1607760" y="2053440"/>
+              <a:ext cx="11381040" cy="5087160"/>
+            </p14:xfrm>
+          </p:contentPart>
+        </mc:Choice>
+        <mc:Fallback>
+          <p:pic>
+            <p:nvPicPr>
+              <p:cNvPr id="8" name="Ink 7">
+                <a:extLst>
+                  <a:ext uri="{FF2B5EF4-FFF2-40B4-BE49-F238E27FC236}">
+                    <a16:creationId xmlns:a16="http://schemas.microsoft.com/office/drawing/2014/main" id="{ABCBD38D-BB0E-4B34-8AC8-BB9249652D6D}"/>
+                  </a:ext>
+                </a:extLst>
+              </p:cNvPr>
+              <p:cNvPicPr/>
+              <p:nvPr/>
+            </p:nvPicPr>
+            <p:blipFill>
+              <a:blip r:embed="rId8"/>
+              <a:stretch>
+                <a:fillRect/>
+              </a:stretch>
+            </p:blipFill>
+            <p:spPr>
+              <a:xfrm>
+                <a:off x="1598400" y="2044080"/>
+                <a:ext cx="11399760" cy="5105880"/>
+              </a:xfrm>
+              <a:prstGeom prst="rect">
+                <a:avLst/>
+              </a:prstGeom>
+            </p:spPr>
+          </p:pic>
+        </mc:Fallback>
+      </mc:AlternateContent>
     </p:spTree>
   </p:cSld>
   <p:clrMapOvr>
@@ -29742,6 +30224,57 @@
           </a:prstGeom>
         </p:spPr>
       </p:pic>
+      <mc:AlternateContent xmlns:mc="http://schemas.openxmlformats.org/markup-compatibility/2006">
+        <mc:Choice xmlns:p14="http://schemas.microsoft.com/office/powerpoint/2010/main" Requires="p14">
+          <p:contentPart p14:bwMode="auto" r:id="rId3">
+            <p14:nvContentPartPr>
+              <p14:cNvPr id="3" name="Ink 2">
+                <a:extLst>
+                  <a:ext uri="{FF2B5EF4-FFF2-40B4-BE49-F238E27FC236}">
+                    <a16:creationId xmlns:a16="http://schemas.microsoft.com/office/drawing/2014/main" id="{902B5C7C-ECC0-4938-82BE-7A157A49B955}"/>
+                  </a:ext>
+                </a:extLst>
+              </p14:cNvPr>
+              <p14:cNvContentPartPr/>
+              <p14:nvPr/>
+            </p14:nvContentPartPr>
+            <p14:xfrm>
+              <a:off x="3103920" y="2858400"/>
+              <a:ext cx="5822640" cy="4155840"/>
+            </p14:xfrm>
+          </p:contentPart>
+        </mc:Choice>
+        <mc:Fallback>
+          <p:pic>
+            <p:nvPicPr>
+              <p:cNvPr id="3" name="Ink 2">
+                <a:extLst>
+                  <a:ext uri="{FF2B5EF4-FFF2-40B4-BE49-F238E27FC236}">
+                    <a16:creationId xmlns:a16="http://schemas.microsoft.com/office/drawing/2014/main" id="{902B5C7C-ECC0-4938-82BE-7A157A49B955}"/>
+                  </a:ext>
+                </a:extLst>
+              </p:cNvPr>
+              <p:cNvPicPr/>
+              <p:nvPr/>
+            </p:nvPicPr>
+            <p:blipFill>
+              <a:blip r:embed="rId4"/>
+              <a:stretch>
+                <a:fillRect/>
+              </a:stretch>
+            </p:blipFill>
+            <p:spPr>
+              <a:xfrm>
+                <a:off x="3094560" y="2849040"/>
+                <a:ext cx="5841360" cy="4174560"/>
+              </a:xfrm>
+              <a:prstGeom prst="rect">
+                <a:avLst/>
+              </a:prstGeom>
+            </p:spPr>
+          </p:pic>
+        </mc:Fallback>
+      </mc:AlternateContent>
     </p:spTree>
   </p:cSld>
   <p:clrMapOvr>

--- a/topic07/talk-1/node-2019.pptx
+++ b/topic07/talk-1/node-2019.pptx
@@ -5,7 +5,7 @@
     <p:sldMasterId id="2147483648" r:id="rId1"/>
   </p:sldMasterIdLst>
   <p:notesMasterIdLst>
-    <p:notesMasterId r:id="rId57"/>
+    <p:notesMasterId r:id="rId56"/>
   </p:notesMasterIdLst>
   <p:sldIdLst>
     <p:sldId id="256" r:id="rId2"/>
@@ -37,32 +37,31 @@
     <p:sldId id="278" r:id="rId28"/>
     <p:sldId id="279" r:id="rId29"/>
     <p:sldId id="287" r:id="rId30"/>
-    <p:sldId id="321" r:id="rId31"/>
-    <p:sldId id="309" r:id="rId32"/>
-    <p:sldId id="310" r:id="rId33"/>
-    <p:sldId id="288" r:id="rId34"/>
-    <p:sldId id="289" r:id="rId35"/>
-    <p:sldId id="290" r:id="rId36"/>
-    <p:sldId id="311" r:id="rId37"/>
-    <p:sldId id="262" r:id="rId38"/>
-    <p:sldId id="259" r:id="rId39"/>
-    <p:sldId id="313" r:id="rId40"/>
-    <p:sldId id="314" r:id="rId41"/>
-    <p:sldId id="315" r:id="rId42"/>
-    <p:sldId id="268" r:id="rId43"/>
-    <p:sldId id="258" r:id="rId44"/>
-    <p:sldId id="316" r:id="rId45"/>
-    <p:sldId id="317" r:id="rId46"/>
-    <p:sldId id="318" r:id="rId47"/>
-    <p:sldId id="319" r:id="rId48"/>
-    <p:sldId id="280" r:id="rId49"/>
-    <p:sldId id="281" r:id="rId50"/>
-    <p:sldId id="282" r:id="rId51"/>
-    <p:sldId id="283" r:id="rId52"/>
-    <p:sldId id="284" r:id="rId53"/>
-    <p:sldId id="285" r:id="rId54"/>
-    <p:sldId id="320" r:id="rId55"/>
-    <p:sldId id="286" r:id="rId56"/>
+    <p:sldId id="309" r:id="rId31"/>
+    <p:sldId id="310" r:id="rId32"/>
+    <p:sldId id="288" r:id="rId33"/>
+    <p:sldId id="289" r:id="rId34"/>
+    <p:sldId id="290" r:id="rId35"/>
+    <p:sldId id="311" r:id="rId36"/>
+    <p:sldId id="262" r:id="rId37"/>
+    <p:sldId id="259" r:id="rId38"/>
+    <p:sldId id="313" r:id="rId39"/>
+    <p:sldId id="314" r:id="rId40"/>
+    <p:sldId id="315" r:id="rId41"/>
+    <p:sldId id="268" r:id="rId42"/>
+    <p:sldId id="258" r:id="rId43"/>
+    <p:sldId id="316" r:id="rId44"/>
+    <p:sldId id="317" r:id="rId45"/>
+    <p:sldId id="318" r:id="rId46"/>
+    <p:sldId id="319" r:id="rId47"/>
+    <p:sldId id="280" r:id="rId48"/>
+    <p:sldId id="281" r:id="rId49"/>
+    <p:sldId id="282" r:id="rId50"/>
+    <p:sldId id="283" r:id="rId51"/>
+    <p:sldId id="284" r:id="rId52"/>
+    <p:sldId id="285" r:id="rId53"/>
+    <p:sldId id="320" r:id="rId54"/>
+    <p:sldId id="286" r:id="rId55"/>
   </p:sldIdLst>
   <p:sldSz cx="13439775" cy="7559675"/>
   <p:notesSz cx="7559675" cy="10691813"/>
@@ -567,7 +566,7 @@
   <inkml:trace contextRef="#ctx0" brushRef="#br0" timeOffset="52125.16">21003 19560 403 0,'0'0'36'0,"6"-11"-36"0,7-6 0 0,-7 6 0 16,6-5 172-16,1-1 27 0,5 1 5 0,-6 5 2 15,1-11-160-15,5 11-32 0,7-5-6 0,-7 5-8 16,1-6 0-16,6 6-13 16,-7 6 1-16,1 5 0 0,-7-11 12 0,6 0 0 0,1 5 0 0,-7 6 0 15,7-5 8-15,-7 5-8 0,7-6 12 0,5 6-12 16,-11-5 28-16,11 5 0 0,-5 0-1 0,5 0 0 15,7 5-3-15,-6 6 0 0,6-5 0 0,0 5 0 16,-1 0-9-16,1-11-3 16,0 5 0-16,6 6 0 0,-6-5 4 0,6-1 0 0,-6 1 0 0,12 5 0 15,-6-11 12-15,6 5 4 0,6 1 0 0,1-6 0 0,5 0-5 0,1 0-1 16,5 0 0-16,7-6 0 0,0 1-3 16,0 5-1-16,6 0 0 0,0 0 0 0,0 0-22 0,-6 0 9 15,-1 0-9-15,7 0 0 0,-6 5 21 0,0 1-2 16,6-6-1-16,-6 5 0 0,0 6 7 0,12 0 2 15,0 0 0-15,-6-6 0 0,0 12-6 0,-6-1-1 16,0 1 0-16,-1 10 0 0,1-16-10 16,-6 11-2-16,0 0-8 0,5 5 12 0,-5-10-12 15,6 5 0-15,0 0 0 0,-7 0 0 0,1 5-12 16,0-11 0-16,-1 6 1 0,1-5 0 16,-6 5-25-16,-7-17-4 0,6 6-2 0,1-5-782 0</inkml:trace>
   <inkml:trace contextRef="#ctx0" brushRef="#br0" timeOffset="56984.9">14733 10286 568 0,'123'0'25'15,"-61"0"6"-15,5 0-31 0,7 0 0 0,13 0 0 0,-1-6 0 0,7 6 20 0,5-5-1 16,13 5-1-16,6 0 0 15,-6-6 4-15,6 6 1 0,-6 0 0 0,7-5 0 0,-1-1 4 16,6-5 1-16,0 6 0 0,1-1 0 16,-13 6-13-16,0 0-3 0,0-5 0 0,-7 5 0 0,1 0-12 15,-12-11-16-15,-7 11 3 0,-6 0 1 0</inkml:trace>
   <inkml:trace contextRef="#ctx0" brushRef="#br0" timeOffset="58629">4695 10828 403 0,'0'0'36'0,"0"0"-36"0,0 0 0 0,12 11 0 0,6-5 43 0,-11 5 1 16,11-6 1-16,-12 1 0 0,13-1-17 0,-1 6-3 16,1-11-1-16,-1 6 0 0,7-6-4 0,-7 0-2 15,13 0 0-15,0-6 0 0,0 6-18 0,6-5 0 16,0-1 8-16,6 1-8 0,6 5 0 0,-6-6 0 0,-6 6 0 0,7 0 0 16,-1 6-14-16</inkml:trace>
-  <inkml:trace contextRef="#ctx0" brushRef="#br0" timeOffset="67155.74">11335 11831 716 0,'0'0'32'0,"0"0"6"0,0 0-30 0,13-5-8 0,-1-6 0 0,0 11 0 0,7-6 17 0,-7-4 3 46,7-1 0-46,-7 11 0 0,0 0-12 0,7-11-8 0,-7 5 12 0,7 1-12 0,-1-1 32 0,0 1 0 0,1-1 0 0,6 6 0 0,-1-11 12 0,7 6 3 16,-6-1 0-16,6 1 0 0,6-1-3 0,-7-5-1 0,1 11 0 0,0 0 0 16,6 0-15-16,-6 0-4 0,0 0 0 15,0 0 0-15,12 0-24 0,-19 11 0 0,13-11-14 0,7 6 5 16,-14-1 20-16,1 1 4 16,0 5 1-16,0-6 0 0,12 6-16 0,-24 0-16 15,5-5 3-15,7 5 1 16,-12 0-12-16,-1-1-1 15,-6-4-1-15,13 10-535 0</inkml:trace>
+  <inkml:trace contextRef="#ctx0" brushRef="#br0" timeOffset="67155.73">11335 11831 716 0,'0'0'32'0,"0"0"6"0,0 0-30 0,13-5-8 0,-1-6 0 0,0 11 0 0,7-6 17 0,-7-4 3 46,7-1 0-46,-7 11 0 0,0 0-12 0,7-11-8 0,-7 5 12 0,7 1-12 0,-1-1 32 0,0 1 0 0,1-1 0 0,6 6 0 0,-1-11 12 0,7 6 3 16,-6-1 0-16,6 1 0 0,6-1-3 0,-7-5-1 0,1 11 0 0,0 0 0 16,6 0-15-16,-6 0-4 0,0 0 0 15,0 0 0-15,12 0-24 0,-19 11 0 0,13-11-14 0,7 6 5 16,-14-1 20-16,1 1 4 16,0 5 1-16,0-6 0 0,12 6-16 0,-24 0-16 15,5-5 3-15,7 5 1 16,-12 0-12-16,-1-1-1 15,-6-4-1-15,13 10-535 0</inkml:trace>
   <inkml:trace contextRef="#ctx0" brushRef="#br0" timeOffset="67977.87">14282 11799 748 0,'0'0'67'0,"0"0"-54"0,0 0-13 0,0 0 0 16,0 0 68-16,0 0 10 0,0 0 2 16,0 0 1-16,0 0-31 0,0 0-6 15,0 0-2-15,0 0 0 0,0-11-18 0,7-6-3 16,-1 6-1-16,0 6 0 0,6-1-6 0,7-5-2 0,5 6 0 0,7-6 0 15,-6 11 11-15,6-6 1 0,12-5 1 0,0 11 0 16,0-11-1-16,0 11-1 0,7-11 0 0,-1 6 0 16,7 5-1-16,5-6 0 0,1 6 0 0,0-5 0 15,-7 5-32-15,7 0-6 0,-7 0-2 0,-5 0-657 16</inkml:trace>
   <inkml:trace contextRef="#ctx0" brushRef="#br0" timeOffset="76140.05">4466 12533 403 0,'0'0'36'0,"0"0"-36"0,13 5 0 0,-7-10 0 15,-6 5 69-15,18 0 7 0,-5-6 2 0,-1 1 0 16,7 0-61-16,-1 5-17 0,1-6 0 0,-1 1 8 15,1-1-8-15,5-5 12 0,1 11-12 0,0-11 12 16,5 0-12-16,-5 6 0 0,-6-6 0 0,5 5 0 16,-5-5 17-16,5 6-1 0,1-1-1 0,-7 1 0 0,1-1 5 0,6 1 2 15,-13 5 0-15,13 0 0 16,-7-11-10-16,-6 11-3 0,7-11 0 0,-1 11 0 16,7 0-9-16,-6-5 0 0,-1 5 0 0,7-6 8 0,-7 1-8 0,7 5 0 15,12-6 0-15,0 1 0 0,-12 5 0 16,-7-6 0-16,1 6 0 0,5-5 0 0,1-1 0 0,12 6 0 15,-19-5 0-15,13 5 0 16,-6 5 0-16,6-5 0 0,-13 0 0 0,13 6 0 16,-6-1 0-16,6 1 0 0,-13-6 0 0,13 0 0 0,-6 5 0 15,5-5 0-15,-11 6 0 0,6-6 0 0,-7 5 0 0,7 1 0 16,-1-6 0-16,-5 5 8 16,6-5-8-16,-1 0 0 0,7 11 0 0,-12-11 0 0,5 0 0 0,-5 11 0 0,5-11 0 0,-5 5 0 15,-1-5 0-15,7 6 0 16,-6-6 0-16,5 0 0 0,-5 5 0 0,-1 1 0 0,7-6 0 0,-1 0 0 15,13 0 0-15,-18 0 0 16,-7-6 0-16,7 6 0 0,-1 0 0 0,7 0 0 16,-7-5 0-16,19 5 8 0,-18-6 6 0,6 6 1 0,-7 0 0 15,1-5 0-15,5 5-5 0,-5 0-1 16,5 0 0-16,-5 0 0 0,-19 0 4 0,18 5 1 0,7-5 0 16,-6 6 0-16,-7-6-14 0,6 0 9 0,1 0-9 15,6 5 8-15,-7-5-8 0,1 0 0 16,-1-5 0-16,7 5 0 0,-1 0 0 0,-5 0 0 0,6 0 0 0,-7-6 8 15,7 6-8-15,6 0 0 0,-13 0 0 16,13 0 0-16,0 0 0 0,12 0 0 0,-18 0 9 0,5 0-9 16,7 0 0-16,-12 0 9 0,6 0-9 0,-6 0 0 0,12 6 0 0,6-1 0 15,0 1 0 1,0-1 0-16,-12 12 0 0,12-12 0 0,6 6 0 0,-6 0 0 16,1 11 0-16,-1-16 0 0,-6 10 0 0,6 0 0 15,6 1 9-15,7-1-1 0,-13 6-8 0,19 0-482 16</inkml:trace>
   <inkml:trace contextRef="#ctx0" brushRef="#br0" timeOffset="93755.4">10361 16397 403 0,'0'0'36'0,"0"0"-36"0,0 0 0 0,0 0 0 0,-12 0 153 0,12 0 24 0,0 0 5 0,0 0 1 15,0 0-134-15,0 0-26 0,0 0-6 0,0 0-1 16,12 0 13-16,6-16 3 0,-5 5 0 0,11 0 0 15,1 5 3-15,0 1 1 0,-1-6 0 0,7 0 0 16,0 0-12-16,6 0-3 0,0 0 0 0,0 5 0 16,6 1-11-16,0-1-2 0,1 1-8 0,-1 5 12 15,0-5-12-15,0 5 0 0,6 0-9 0,1 5 9 16,-1 0 0-16,0-5 0 0,1 6 0 16,5-1 0-16,-5 1-9 0,5-1 1 0,1 1 0 0,-1 5-417 15,1-11-83-15</inkml:trace>
@@ -586,7 +585,7 @@
   <inkml:trace contextRef="#ctx0" brushRef="#br0" timeOffset="-177517.37">22502 17055 403 0,'0'0'17'0,"24"-6"5"0,1 1-22 0,0 5 0 16,-1-6 0-16,-5 1 0 0,5-1 83 0,-5 1 12 15,-1-1 2-15,1 6 1 16,6-11-26-16,-7 11-6 0,1 0-1 0,-1 0 0 0,1 0-7 0,5 0-2 16,-5 0 0-16,-1 0 0 0,7 0-14 0,0 0-3 15,-1 0-1-15,1 0 0 0,0 0-1 0,12 0 0 16,0 0 0-16,-7 0 0 0,1 0 1 0,6 0 0 15,0 0 0-15,6 0 0 0,1 0-18 0,5 0-4 16,-6 11-1-16,6-11 0 0,1 11-15 16,-1-5 11-16,-6-1-11 0,0 6 10 0,7 0-10 15,-7 0 0-15,6 0 0 0,0 6 8 0,7-6-24 0,-1 5-4 16,1 0-2-16,6 6-702 0</inkml:trace>
   <inkml:trace contextRef="#ctx0" brushRef="#br0" timeOffset="-163883.83">28612 15734 172 0,'0'0'8'0,"0"0"1"0,0 0-9 0,0 0 0 16,0 0 0-16,0 0 0 0,0 0 112 0,0 0 20 15,0 0 4-15,0 0 0 0,0 0-104 0,-6 5-22 16,6-5-10-16,-12 6 10 0,-1-1-10 0,13-5 0 0,0 0 0 16,0 0 0-16,-12 0 0 0,12 0 0 15,0 0 0-15,0 0 0 0,0 0 0 0,0 0 0 16,0 0 0-16,0 0 0 0,0 0 0 0,0 0 8 0,0 0-8 0,0 0 8 15,0 0 14-15,0 0 2 0,0 0 1 0,0 0 0 16,0 0 9-16,0 0 2 0,0 0 0 0,0 0 0 16,0 0-16-16,0 0-2 0,0 0-1 0,0 0 0 15,0 0-17-15,0 0 0 0,0 0 8 0,0 0-8 16,0 0 0-16,0 11 0 0,0-11 0 0,12 17 0 16,-12-17 0-16,0 0 8 0,13 11-8 0,-1 0 0 15,0-11 16-15,1 11-3 0,5-6-1 0,-6-5 0 16,7 0 6-16,6 0 1 0,-7 0 0 0,7 0 0 15,-1 6-1-15,1-6 0 0,6-6 0 0,-7 1 0 16,-5-6-18-16,6 11 0 0,-1 0 0 0,7 5 0 16,-6-5 0-16,6 6 0 0,-7-6 0 0,7 5 0 15,-6 1 0-15,-1-1 0 0,1-5 0 0,6 6 0 0,-6-1 0 16,-1 0 0-16,1 6 0 0,0-5 0 16,-1 5 8-16,1 0-8 0,0-11 9 0,-1 0-9 0,1 11 12 0,0-11-3 15,5 0-1-15,-5 5 0 0,0-10-8 0,6 5 0 16,-1-11 0-16,7 11 0 0,0 0 0 15,-6 0 18-15,0-11-3 0,0 11-1 0,6 0 11 0,0-11 3 16,6 11 0-16,-6-6 0 16,0 6-12-16,0 0-1 0,0-5-1 0,0-1 0 0,0 6-3 0,0 0-1 15,0 6 0-15,-6-1 0 0,6-5-2 16,0 0-8-16,0 0 12 0,0 0-4 0,0 0-8 0,6-5 0 16,-6-1 0-16,6 1 8 0,6-6-8 0,-5 0 0 15,-1 11 9-15,0-11-9 0,6 6 20 0,1-6 0 16,5 0 0-16,-6 5 0 15,1-5-20-15,-1 6-12 0,0-6 2 0,1 0 0 0,-7 5 10 0,0 1 8 0,0-1-8 0,0-5 11 16,7 0-3-16,-7-5-8 16,6 11 12-16,7-6-4 0,-1 0-8 0,1 5 8 0,-7-5-8 0,6 0 8 15,1 0-8-15,-1 11 0 16,1-16 9-16,-1 10-9 0,-5 1 0 0,-1-1 0 0,0 1 0 0,-5 5 8 16,-1 0-8-16,0 0 0 0,-6 5 0 15,0 1 0-15,6-6 0 0,-6 5 0 0,6 1 0 16,0-6 0-16,1 16 8 0,-7-16-8 0,6 0 8 0,0 0-8 15,0 0 8-15,0 0-8 16,7 0 8-16,5 0-8 0,-12 0 0 0,7 0 0 0,-7 0 0 16,0 0 0-16,0 0 0 0,-6 0 8 0,6 0-8 0,-6 0 0 15,6 0 0-15,-6 0 0 0,6 11 0 0,1-11 0 16,5 6-16-16,13 5 0 0,-7-6-1 0,1 6-459 16,11-5-91-16</inkml:trace>
   <inkml:trace contextRef="#ctx0" brushRef="#br0" timeOffset="-160500.86">29716 17082 172 0,'0'0'16'0,"0"0"-16"16,0 0 0-16,0 0 0 15,0 0 194-15,0 0 36 0,0 0 7 0,0 0 2 0,0 0-187 0,0 0-36 16,0 0-8-16,0 0-8 0,0 0 0 0,0 0 0 16,0 0 0-16,0 0 0 0,0 0 0 0,0 0 0 15,0 0 0-15,0 0 0 0,0 0 25 0,0 0 6 16,0 0 1-16,12 6 0 0,7 5 12 0,-7-11 4 15,-12 0 0-15,18 11 0 0,7 0-16 0,6-6-2 16,-6 11-1-16,5-10 0 0,1-1-8 0,6 1-1 16,0-1-1-16,0-5 0 15,6 6 6-15,-6-6 2 0,7 0 0 0,-1 0 0 0,0-6-3 0,0 6 0 0,6 0 0 0,1 0 0 16,5 0 0 0,1 0-1-16,-1 0 0 0,1 0 0 0,-1 0-3 0,1 6 0 0,5-6 0 15,-5 11 0-15,5-11-4 0,1 11-2 0,-6-6 0 16,-1 6 0-1,-6 0-6-15,7 0 0 0,-7 0-8 0,1 11 12 0,-1-11-3 0,6 0-1 16,-5 0 0-16,11 0 0 0,-11 0 10 0,5 0 2 0,1 5 0 16,-1-5 0-16,1 0-29 0,-7-5-6 15,6-6-1-15,1 5 0 0,-7-5-2 0,1 0-1 0,-1 0 0 16,0-5 0 0,7-1-106-16,-7 6-22 0,68-27-4 0,-24 10-1 0</inkml:trace>
-  <inkml:trace contextRef="#ctx0" brushRef="#br0" timeOffset="-157906.14">26879 17225 460 0,'0'0'41'0,"0"0"-33"0,0 0-8 0,0 0 0 0,13-6 66 0,-13 6 11 15,12-5 3-15,0-1 0 0,7 1-64 0,-7-1-16 16,-12 6 0-16,13-5 0 15,-1 5 0-15,6-11 9 0,1 11-9 0,6-11 8 0,-1 11 28 0,1-11 6 16,6 5 1-16,0 1 0 0,6-6 17 0,0 5 3 16,0 1 1-16,0 0 0 0,-7-1-21 0,7 1-4 15,0 5-1-15,0-11 0 0,0 11-7 0,0 0-2 16,0 0 0-16,0 0 0 0,6 0-5 0,-6 0-2 16,13 0 0-16,-7 11 0 0,6-11-6 15,1 5 0-15,-1 1-1 0,0-1 0 0,7 0-6 16,-1 1-1-16,1-1 0 0,-7 1 0 0,7-6-8 0,-7 5 0 15,6-5 9-15,-5 0-9 0,-1 0 11 0,7 0-3 16,-1 0 0-16,7 0 0 0,-1 6-8 0,-5-1-14 16,6 1 3-16,-7-6 1 15,7 11-80-15,-1 0-16 0</inkml:trace>
+  <inkml:trace contextRef="#ctx0" brushRef="#br0" timeOffset="-157906.15">26879 17225 460 0,'0'0'41'0,"0"0"-33"0,0 0-8 0,0 0 0 0,13-6 66 0,-13 6 11 15,12-5 3-15,0-1 0 0,7 1-64 0,-7-1-16 16,-12 6 0-16,13-5 0 15,-1 5 0-15,6-11 9 0,1 11-9 0,6-11 8 0,-1 11 28 0,1-11 6 16,6 5 1-16,0 1 0 0,6-6 17 0,0 5 3 16,0 1 1-16,0 0 0 0,-7-1-21 0,7 1-4 15,0 5-1-15,0-11 0 0,0 11-7 0,0 0-2 16,0 0 0-16,0 0 0 0,6 0-5 0,-6 0-2 16,13 0 0-16,-7 11 0 0,6-11-6 15,1 5 0-15,-1 1-1 0,0-1 0 0,7 0-6 16,-1 1-1-16,1-1 0 0,-7 1 0 0,7-6-8 0,-7 5 0 15,6-5 9-15,-5 0-9 0,-1 0 11 0,7 0-3 16,-1 0 0-16,7 0 0 0,-1 6-8 0,-5-1-14 16,6 1 3-16,-7-6 1 15,7 11-80-15,-1 0-16 0</inkml:trace>
 </inkml:ink>
 </file>
 
@@ -817,7 +816,7 @@
           <a:p>
             <a:fld id="{0A882A87-1ED2-486D-BB61-3F2936C23B09}" type="datetimeFigureOut">
               <a:rPr lang="en-IE" smtClean="0"/>
-              <a:t>03/11/2021</a:t>
+              <a:t>09/11/2021</a:t>
             </a:fld>
             <a:endParaRPr lang="en-IE"/>
           </a:p>
@@ -1234,7 +1233,7 @@
           <a:p>
             <a:fld id="{71B2BC22-52B8-4A4F-B04B-16740D2D9FF3}" type="slidenum">
               <a:rPr lang="en-US"/>
-              <a:t>42</a:t>
+              <a:t>41</a:t>
             </a:fld>
             <a:endParaRPr lang="en-US"/>
           </a:p>
@@ -1428,7 +1427,7 @@
           <a:p>
             <a:fld id="{F0D6F189-F5D7-424A-8239-9221ED55AA00}" type="slidenum">
               <a:rPr lang="en-IE" smtClean="0"/>
-              <a:t>49</a:t>
+              <a:t>48</a:t>
             </a:fld>
             <a:endParaRPr lang="en-IE"/>
           </a:p>
@@ -1512,7 +1511,7 @@
           <a:p>
             <a:fld id="{F0D6F189-F5D7-424A-8239-9221ED55AA00}" type="slidenum">
               <a:rPr lang="en-IE" smtClean="0"/>
-              <a:t>53</a:t>
+              <a:t>52</a:t>
             </a:fld>
             <a:endParaRPr lang="en-IE"/>
           </a:p>
@@ -2059,7 +2058,7 @@
           <a:p>
             <a:fld id="{71B2BC22-52B8-4A4F-B04B-16740D2D9FF3}" type="slidenum">
               <a:rPr lang="en-US"/>
-              <a:t>38</a:t>
+              <a:t>37</a:t>
             </a:fld>
             <a:endParaRPr lang="en-US"/>
           </a:p>
@@ -2143,7 +2142,7 @@
           <a:p>
             <a:fld id="{71B2BC22-52B8-4A4F-B04B-16740D2D9FF3}" type="slidenum">
               <a:rPr lang="en-US"/>
-              <a:t>39</a:t>
+              <a:t>38</a:t>
             </a:fld>
             <a:endParaRPr lang="en-US"/>
           </a:p>
@@ -2227,7 +2226,7 @@
           <a:p>
             <a:fld id="{71B2BC22-52B8-4A4F-B04B-16740D2D9FF3}" type="slidenum">
               <a:rPr lang="en-US"/>
-              <a:t>40</a:t>
+              <a:t>39</a:t>
             </a:fld>
             <a:endParaRPr lang="en-US"/>
           </a:p>
@@ -2311,7 +2310,7 @@
           <a:p>
             <a:fld id="{71B2BC22-52B8-4A4F-B04B-16740D2D9FF3}" type="slidenum">
               <a:rPr lang="en-US"/>
-              <a:t>41</a:t>
+              <a:t>40</a:t>
             </a:fld>
             <a:endParaRPr lang="en-US"/>
           </a:p>
@@ -2964,7 +2963,7 @@
           <a:p>
             <a:fld id="{846CE7D5-CF57-46EF-B807-FDD0502418D4}" type="datetimeFigureOut">
               <a:rPr lang="en-US" smtClean="0"/>
-              <a:t>11/3/2021</a:t>
+              <a:t>11/9/2021</a:t>
             </a:fld>
             <a:endParaRPr lang="en-US"/>
           </a:p>
@@ -3132,7 +3131,7 @@
           <a:p>
             <a:fld id="{846CE7D5-CF57-46EF-B807-FDD0502418D4}" type="datetimeFigureOut">
               <a:rPr lang="en-US" smtClean="0"/>
-              <a:t>11/3/2021</a:t>
+              <a:t>11/9/2021</a:t>
             </a:fld>
             <a:endParaRPr lang="en-US"/>
           </a:p>
@@ -3364,7 +3363,7 @@
           <a:p>
             <a:fld id="{846CE7D5-CF57-46EF-B807-FDD0502418D4}" type="datetimeFigureOut">
               <a:rPr lang="en-US" smtClean="0"/>
-              <a:t>11/3/2021</a:t>
+              <a:t>11/9/2021</a:t>
             </a:fld>
             <a:endParaRPr lang="en-US"/>
           </a:p>
@@ -9163,8 +9162,8 @@
           </a:prstGeom>
         </p:spPr>
       </p:pic>
-      <mc:AlternateContent xmlns:mc="http://schemas.openxmlformats.org/markup-compatibility/2006">
-        <mc:Choice xmlns:p14="http://schemas.microsoft.com/office/powerpoint/2010/main" Requires="p14">
+      <mc:AlternateContent xmlns:mc="http://schemas.openxmlformats.org/markup-compatibility/2006" xmlns:p14="http://schemas.microsoft.com/office/powerpoint/2010/main">
+        <mc:Choice Requires="p14">
           <p:contentPart p14:bwMode="auto" r:id="rId3">
             <p14:nvContentPartPr>
               <p14:cNvPr id="3" name="Ink 2">
@@ -9183,7 +9182,7 @@
             </p14:xfrm>
           </p:contentPart>
         </mc:Choice>
-        <mc:Fallback>
+        <mc:Fallback xmlns="">
           <p:pic>
             <p:nvPicPr>
               <p:cNvPr id="3" name="Ink 2">
@@ -13210,8 +13209,8 @@
           </a:prstGeom>
         </p:spPr>
       </p:pic>
-      <mc:AlternateContent xmlns:mc="http://schemas.openxmlformats.org/markup-compatibility/2006">
-        <mc:Choice xmlns:p14="http://schemas.microsoft.com/office/powerpoint/2010/main" Requires="p14">
+      <mc:AlternateContent xmlns:mc="http://schemas.openxmlformats.org/markup-compatibility/2006" xmlns:p14="http://schemas.microsoft.com/office/powerpoint/2010/main">
+        <mc:Choice Requires="p14">
           <p:contentPart p14:bwMode="auto" r:id="rId3">
             <p14:nvContentPartPr>
               <p14:cNvPr id="3" name="Ink 2">
@@ -13230,7 +13229,7 @@
             </p14:xfrm>
           </p:contentPart>
         </mc:Choice>
-        <mc:Fallback>
+        <mc:Fallback xmlns="">
           <p:pic>
             <p:nvPicPr>
               <p:cNvPr id="3" name="Ink 2">
@@ -13275,177 +13274,6 @@
 </file>
 
 <file path=ppt/slides/slide30.xml><?xml version="1.0" encoding="utf-8"?>
-<p:sld xmlns:a="http://schemas.openxmlformats.org/drawingml/2006/main" xmlns:r="http://schemas.openxmlformats.org/officeDocument/2006/relationships" xmlns:p="http://schemas.openxmlformats.org/presentationml/2006/main">
-  <p:cSld>
-    <p:spTree>
-      <p:nvGrpSpPr>
-        <p:cNvPr id="1" name=""/>
-        <p:cNvGrpSpPr/>
-        <p:nvPr/>
-      </p:nvGrpSpPr>
-      <p:grpSpPr>
-        <a:xfrm>
-          <a:off x="0" y="0"/>
-          <a:ext cx="0" cy="0"/>
-          <a:chOff x="0" y="0"/>
-          <a:chExt cx="0" cy="0"/>
-        </a:xfrm>
-      </p:grpSpPr>
-      <p:sp>
-        <p:nvSpPr>
-          <p:cNvPr id="2" name="Title 1">
-            <a:extLst>
-              <a:ext uri="{FF2B5EF4-FFF2-40B4-BE49-F238E27FC236}">
-                <a16:creationId xmlns:a16="http://schemas.microsoft.com/office/drawing/2014/main" id="{01B8B849-EBF8-45F0-A527-4EF55344A971}"/>
-              </a:ext>
-            </a:extLst>
-          </p:cNvPr>
-          <p:cNvSpPr>
-            <a:spLocks noGrp="1"/>
-          </p:cNvSpPr>
-          <p:nvPr>
-            <p:ph type="title"/>
-          </p:nvPr>
-        </p:nvSpPr>
-        <p:spPr/>
-        <p:txBody>
-          <a:bodyPr/>
-          <a:lstStyle/>
-          <a:p>
-            <a:r>
-              <a:rPr lang="en-IE" dirty="0"/>
-              <a:t>Agenda</a:t>
-            </a:r>
-          </a:p>
-        </p:txBody>
-      </p:sp>
-      <p:sp>
-        <p:nvSpPr>
-          <p:cNvPr id="3" name="Subtitle 2">
-            <a:extLst>
-              <a:ext uri="{FF2B5EF4-FFF2-40B4-BE49-F238E27FC236}">
-                <a16:creationId xmlns:a16="http://schemas.microsoft.com/office/drawing/2014/main" id="{AA4C9E14-F837-4B85-9700-754566695842}"/>
-              </a:ext>
-            </a:extLst>
-          </p:cNvPr>
-          <p:cNvSpPr>
-            <a:spLocks noGrp="1"/>
-          </p:cNvSpPr>
-          <p:nvPr>
-            <p:ph type="subTitle"/>
-          </p:nvPr>
-        </p:nvSpPr>
-        <p:spPr>
-          <a:xfrm>
-            <a:off x="751957" y="2237670"/>
-            <a:ext cx="12094568" cy="4384800"/>
-          </a:xfrm>
-        </p:spPr>
-        <p:txBody>
-          <a:bodyPr anchor="t"/>
-          <a:lstStyle/>
-          <a:p>
-            <a:r>
-              <a:rPr lang="en-IE" dirty="0"/>
-              <a:t>Development Environment</a:t>
-            </a:r>
-          </a:p>
-          <a:p>
-            <a:r>
-              <a:rPr lang="en-IE" dirty="0"/>
-              <a:t>Web APIs</a:t>
-            </a:r>
-          </a:p>
-          <a:p>
-            <a:pPr lvl="1"/>
-            <a:r>
-              <a:rPr lang="en-IE" dirty="0"/>
-              <a:t>HTTP</a:t>
-            </a:r>
-          </a:p>
-          <a:p>
-            <a:pPr lvl="1"/>
-            <a:r>
-              <a:rPr lang="en-IE" dirty="0"/>
-              <a:t>URLs</a:t>
-            </a:r>
-          </a:p>
-          <a:p>
-            <a:pPr lvl="1"/>
-            <a:r>
-              <a:rPr lang="en-IE" dirty="0"/>
-              <a:t>Representational State Transfer (REST)</a:t>
-            </a:r>
-          </a:p>
-          <a:p>
-            <a:pPr lvl="1"/>
-            <a:r>
-              <a:rPr lang="en-IE" dirty="0"/>
-              <a:t>Web API Design</a:t>
-            </a:r>
-          </a:p>
-          <a:p>
-            <a:r>
-              <a:rPr lang="en-IE" dirty="0"/>
-              <a:t>Express and Web APIs</a:t>
-            </a:r>
-          </a:p>
-          <a:p>
-            <a:pPr lvl="1"/>
-            <a:r>
-              <a:rPr lang="en-IE" dirty="0"/>
-              <a:t>Express Package</a:t>
-            </a:r>
-          </a:p>
-          <a:p>
-            <a:pPr lvl="1"/>
-            <a:r>
-              <a:rPr lang="en-IE" dirty="0"/>
-              <a:t>Creating an Express App</a:t>
-            </a:r>
-          </a:p>
-          <a:p>
-            <a:pPr lvl="1"/>
-            <a:r>
-              <a:rPr lang="en-IE" dirty="0"/>
-              <a:t>Intro to Web API Routing using Express</a:t>
-            </a:r>
-          </a:p>
-          <a:p>
-            <a:endParaRPr lang="en-IE" dirty="0"/>
-          </a:p>
-          <a:p>
-            <a:endParaRPr lang="en-IE" dirty="0"/>
-          </a:p>
-          <a:p>
-            <a:pPr lvl="1"/>
-            <a:endParaRPr lang="en-IE" dirty="0"/>
-          </a:p>
-          <a:p>
-            <a:endParaRPr lang="en-IE" dirty="0"/>
-          </a:p>
-          <a:p>
-            <a:endParaRPr lang="en-IE" dirty="0"/>
-          </a:p>
-          <a:p>
-            <a:endParaRPr lang="en-IE" dirty="0"/>
-          </a:p>
-        </p:txBody>
-      </p:sp>
-    </p:spTree>
-    <p:extLst>
-      <p:ext uri="{BB962C8B-B14F-4D97-AF65-F5344CB8AC3E}">
-        <p14:creationId xmlns:p14="http://schemas.microsoft.com/office/powerpoint/2010/main" val="324498086"/>
-      </p:ext>
-    </p:extLst>
-  </p:cSld>
-  <p:clrMapOvr>
-    <a:masterClrMapping/>
-  </p:clrMapOvr>
-</p:sld>
-</file>
-
-<file path=ppt/slides/slide31.xml><?xml version="1.0" encoding="utf-8"?>
 <p:sld xmlns:a="http://schemas.openxmlformats.org/drawingml/2006/main" xmlns:r="http://schemas.openxmlformats.org/officeDocument/2006/relationships" xmlns:p="http://schemas.openxmlformats.org/presentationml/2006/main">
   <p:cSld>
     <p:bg>
@@ -16019,7 +15847,7 @@
 </p:sld>
 </file>
 
-<file path=ppt/slides/slide32.xml><?xml version="1.0" encoding="utf-8"?>
+<file path=ppt/slides/slide31.xml><?xml version="1.0" encoding="utf-8"?>
 <p:sld xmlns:a="http://schemas.openxmlformats.org/drawingml/2006/main" xmlns:r="http://schemas.openxmlformats.org/officeDocument/2006/relationships" xmlns:p="http://schemas.openxmlformats.org/presentationml/2006/main">
   <p:cSld>
     <p:spTree>
@@ -16211,7 +16039,7 @@
 </p:sld>
 </file>
 
-<file path=ppt/slides/slide33.xml><?xml version="1.0" encoding="utf-8"?>
+<file path=ppt/slides/slide32.xml><?xml version="1.0" encoding="utf-8"?>
 <p:sld xmlns:a="http://schemas.openxmlformats.org/drawingml/2006/main" xmlns:r="http://schemas.openxmlformats.org/officeDocument/2006/relationships" xmlns:p="http://schemas.openxmlformats.org/presentationml/2006/main">
   <p:cSld>
     <p:spTree>
@@ -16412,7 +16240,7 @@
 </p:sld>
 </file>
 
-<file path=ppt/slides/slide34.xml><?xml version="1.0" encoding="utf-8"?>
+<file path=ppt/slides/slide33.xml><?xml version="1.0" encoding="utf-8"?>
 <p:sld xmlns:a="http://schemas.openxmlformats.org/drawingml/2006/main" xmlns:r="http://schemas.openxmlformats.org/officeDocument/2006/relationships" xmlns:p="http://schemas.openxmlformats.org/presentationml/2006/main">
   <p:cSld>
     <p:spTree>
@@ -16571,7 +16399,7 @@
 </p:sld>
 </file>
 
-<file path=ppt/slides/slide35.xml><?xml version="1.0" encoding="utf-8"?>
+<file path=ppt/slides/slide34.xml><?xml version="1.0" encoding="utf-8"?>
 <p:sld xmlns:a="http://schemas.openxmlformats.org/drawingml/2006/main" xmlns:r="http://schemas.openxmlformats.org/officeDocument/2006/relationships" xmlns:p="http://schemas.openxmlformats.org/presentationml/2006/main">
   <p:cSld>
     <p:spTree>
@@ -18097,7 +17925,7 @@
 </p:sld>
 </file>
 
-<file path=ppt/slides/slide36.xml><?xml version="1.0" encoding="utf-8"?>
+<file path=ppt/slides/slide35.xml><?xml version="1.0" encoding="utf-8"?>
 <p:sld xmlns:a="http://schemas.openxmlformats.org/drawingml/2006/main" xmlns:r="http://schemas.openxmlformats.org/officeDocument/2006/relationships" xmlns:p="http://schemas.openxmlformats.org/presentationml/2006/main">
   <p:cSld>
     <p:spTree>
@@ -18183,7 +18011,7 @@
 </p:sld>
 </file>
 
-<file path=ppt/slides/slide37.xml><?xml version="1.0" encoding="utf-8"?>
+<file path=ppt/slides/slide36.xml><?xml version="1.0" encoding="utf-8"?>
 <p:sld xmlns:a="http://schemas.openxmlformats.org/drawingml/2006/main" xmlns:r="http://schemas.openxmlformats.org/officeDocument/2006/relationships" xmlns:p="http://schemas.openxmlformats.org/presentationml/2006/main">
   <p:cSld>
     <p:spTree>
@@ -18961,7 +18789,7 @@
 </p:sld>
 </file>
 
-<file path=ppt/slides/slide38.xml><?xml version="1.0" encoding="utf-8"?>
+<file path=ppt/slides/slide37.xml><?xml version="1.0" encoding="utf-8"?>
 <p:sld xmlns:a="http://schemas.openxmlformats.org/drawingml/2006/main" xmlns:r="http://schemas.openxmlformats.org/officeDocument/2006/relationships" xmlns:p="http://schemas.openxmlformats.org/presentationml/2006/main">
   <p:cSld>
     <p:spTree>
@@ -19228,7 +19056,7 @@
 </p:sld>
 </file>
 
-<file path=ppt/slides/slide39.xml><?xml version="1.0" encoding="utf-8"?>
+<file path=ppt/slides/slide38.xml><?xml version="1.0" encoding="utf-8"?>
 <p:sld xmlns:a="http://schemas.openxmlformats.org/drawingml/2006/main" xmlns:r="http://schemas.openxmlformats.org/officeDocument/2006/relationships" xmlns:p="http://schemas.openxmlformats.org/presentationml/2006/main">
   <p:cSld>
     <p:spTree>
@@ -19477,6 +19305,343 @@
     <p:extLst>
       <p:ext uri="{BB962C8B-B14F-4D97-AF65-F5344CB8AC3E}">
         <p14:creationId xmlns:p14="http://schemas.microsoft.com/office/powerpoint/2010/main" val="4009122713"/>
+      </p:ext>
+    </p:extLst>
+  </p:cSld>
+  <p:clrMapOvr>
+    <a:masterClrMapping/>
+  </p:clrMapOvr>
+</p:sld>
+</file>
+
+<file path=ppt/slides/slide39.xml><?xml version="1.0" encoding="utf-8"?>
+<p:sld xmlns:a="http://schemas.openxmlformats.org/drawingml/2006/main" xmlns:r="http://schemas.openxmlformats.org/officeDocument/2006/relationships" xmlns:p="http://schemas.openxmlformats.org/presentationml/2006/main">
+  <p:cSld>
+    <p:spTree>
+      <p:nvGrpSpPr>
+        <p:cNvPr id="1" name=""/>
+        <p:cNvGrpSpPr/>
+        <p:nvPr/>
+      </p:nvGrpSpPr>
+      <p:grpSpPr>
+        <a:xfrm>
+          <a:off x="0" y="0"/>
+          <a:ext cx="0" cy="0"/>
+          <a:chOff x="0" y="0"/>
+          <a:chExt cx="0" cy="0"/>
+        </a:xfrm>
+      </p:grpSpPr>
+      <p:sp>
+        <p:nvSpPr>
+          <p:cNvPr id="2" name="Title 1"/>
+          <p:cNvSpPr>
+            <a:spLocks noGrp="1"/>
+          </p:cNvSpPr>
+          <p:nvPr>
+            <p:ph type="title"/>
+          </p:nvPr>
+        </p:nvSpPr>
+        <p:spPr>
+          <a:xfrm>
+            <a:off x="1026571" y="381996"/>
+            <a:ext cx="11591502" cy="1461188"/>
+          </a:xfrm>
+        </p:spPr>
+        <p:txBody>
+          <a:bodyPr/>
+          <a:lstStyle/>
+          <a:p>
+            <a:r>
+              <a:rPr lang="en-US" dirty="0"/>
+              <a:t>HTTP Protocol (Request)</a:t>
+            </a:r>
+          </a:p>
+        </p:txBody>
+      </p:sp>
+      <p:sp>
+        <p:nvSpPr>
+          <p:cNvPr id="3" name="Content Placeholder 2"/>
+          <p:cNvSpPr>
+            <a:spLocks noGrp="1"/>
+          </p:cNvSpPr>
+          <p:nvPr>
+            <p:ph idx="1"/>
+          </p:nvPr>
+        </p:nvSpPr>
+        <p:spPr>
+          <a:xfrm>
+            <a:off x="1333874" y="1889492"/>
+            <a:ext cx="11591502" cy="4796544"/>
+          </a:xfrm>
+        </p:spPr>
+        <p:txBody>
+          <a:bodyPr vert="horz" lIns="100796" tIns="50398" rIns="100796" bIns="50398" rtlCol="0" anchor="t">
+            <a:normAutofit/>
+          </a:bodyPr>
+          <a:lstStyle/>
+          <a:p>
+            <a:r>
+              <a:rPr lang="en-US" dirty="0">
+                <a:latin typeface="Calibri" charset="0"/>
+              </a:rPr>
+              <a:t>HTTP clients (e.g. a browser) translates a URL into a request message according to the specified protocol; and sends the request message to the server.</a:t>
+            </a:r>
+          </a:p>
+          <a:p>
+            <a:r>
+              <a:rPr lang="en-US" dirty="0">
+                <a:latin typeface="Calibri" charset="0"/>
+              </a:rPr>
+              <a:t>For example, a html client may translated the URL </a:t>
+            </a:r>
+            <a:r>
+              <a:rPr lang="en-US" sz="2800" i="1" dirty="0">
+                <a:latin typeface="Calibri" charset="0"/>
+              </a:rPr>
+              <a:t>http://www.myserver.com:8080/api/movies </a:t>
+            </a:r>
+            <a:r>
+              <a:rPr lang="en-US" dirty="0">
+                <a:latin typeface="Calibri" charset="0"/>
+              </a:rPr>
+              <a:t>into the following HTTP request message:</a:t>
+            </a:r>
+            <a:br>
+              <a:rPr lang="en-US" b="1" dirty="0">
+                <a:latin typeface="Calibri" charset="0"/>
+              </a:rPr>
+            </a:br>
+            <a:br>
+              <a:rPr lang="en-US" b="1" dirty="0">
+                <a:latin typeface="Calibri" charset="0"/>
+              </a:rPr>
+            </a:br>
+            <a:endParaRPr lang="en-US" dirty="0">
+              <a:latin typeface="Arial"/>
+            </a:endParaRPr>
+          </a:p>
+        </p:txBody>
+      </p:sp>
+      <p:sp>
+        <p:nvSpPr>
+          <p:cNvPr id="4" name="TextBox 3"/>
+          <p:cNvSpPr txBox="1"/>
+          <p:nvPr/>
+        </p:nvSpPr>
+        <p:spPr>
+          <a:xfrm>
+            <a:off x="1512467" y="4492525"/>
+            <a:ext cx="8186575" cy="2857449"/>
+          </a:xfrm>
+          <a:prstGeom prst="rect">
+            <a:avLst/>
+          </a:prstGeom>
+          <a:solidFill>
+            <a:schemeClr val="bg2"/>
+          </a:solidFill>
+        </p:spPr>
+        <p:txBody>
+          <a:bodyPr rtlCol="0">
+            <a:spAutoFit/>
+          </a:bodyPr>
+          <a:lstStyle/>
+          <a:p>
+            <a:pPr algn="l"/>
+            <a:r>
+              <a:rPr lang="en-IE" sz="2000" b="0" i="0" dirty="0">
+                <a:solidFill>
+                  <a:srgbClr val="505050"/>
+                </a:solidFill>
+                <a:effectLst/>
+                <a:latin typeface="Cousine"/>
+              </a:rPr>
+              <a:t>GET /</a:t>
+            </a:r>
+            <a:r>
+              <a:rPr lang="en-IE" sz="2000" b="0" i="0" dirty="0" err="1">
+                <a:solidFill>
+                  <a:srgbClr val="505050"/>
+                </a:solidFill>
+                <a:effectLst/>
+                <a:latin typeface="Cousine"/>
+              </a:rPr>
+              <a:t>api</a:t>
+            </a:r>
+            <a:r>
+              <a:rPr lang="en-IE" sz="2000" b="0" i="0" dirty="0">
+                <a:solidFill>
+                  <a:srgbClr val="505050"/>
+                </a:solidFill>
+                <a:effectLst/>
+                <a:latin typeface="Cousine"/>
+              </a:rPr>
+              <a:t>/movies/ HTTP/1.1</a:t>
+            </a:r>
+          </a:p>
+          <a:p>
+            <a:pPr algn="l"/>
+            <a:r>
+              <a:rPr lang="en-IE" sz="2000" b="0" i="0" dirty="0">
+                <a:solidFill>
+                  <a:srgbClr val="505050"/>
+                </a:solidFill>
+                <a:effectLst/>
+                <a:latin typeface="Cousine"/>
+              </a:rPr>
+              <a:t>User-Agent: </a:t>
+            </a:r>
+            <a:r>
+              <a:rPr lang="en-IE" sz="2000" b="0" i="0" dirty="0" err="1">
+                <a:solidFill>
+                  <a:srgbClr val="505050"/>
+                </a:solidFill>
+                <a:effectLst/>
+                <a:latin typeface="Cousine"/>
+              </a:rPr>
+              <a:t>PostmanRuntime</a:t>
+            </a:r>
+            <a:r>
+              <a:rPr lang="en-IE" sz="2000" b="0" i="0" dirty="0">
+                <a:solidFill>
+                  <a:srgbClr val="505050"/>
+                </a:solidFill>
+                <a:effectLst/>
+                <a:latin typeface="Cousine"/>
+              </a:rPr>
+              <a:t>/7.26.5</a:t>
+            </a:r>
+          </a:p>
+          <a:p>
+            <a:pPr algn="l"/>
+            <a:r>
+              <a:rPr lang="en-IE" sz="2000" b="0" i="0" dirty="0">
+                <a:solidFill>
+                  <a:srgbClr val="505050"/>
+                </a:solidFill>
+                <a:effectLst/>
+                <a:latin typeface="Cousine"/>
+              </a:rPr>
+              <a:t>Accept: application/json</a:t>
+            </a:r>
+          </a:p>
+          <a:p>
+            <a:pPr algn="l"/>
+            <a:r>
+              <a:rPr lang="en-IE" sz="2000" b="0" i="0" dirty="0">
+                <a:solidFill>
+                  <a:srgbClr val="505050"/>
+                </a:solidFill>
+                <a:effectLst/>
+                <a:latin typeface="Cousine"/>
+              </a:rPr>
+              <a:t>Cache-Control: no-cache</a:t>
+            </a:r>
+          </a:p>
+          <a:p>
+            <a:pPr algn="l"/>
+            <a:r>
+              <a:rPr lang="en-IE" sz="2000" b="0" i="0" dirty="0">
+                <a:solidFill>
+                  <a:srgbClr val="505050"/>
+                </a:solidFill>
+                <a:effectLst/>
+                <a:latin typeface="Cousine"/>
+              </a:rPr>
+              <a:t>Host: </a:t>
+            </a:r>
+            <a:r>
+              <a:rPr lang="en-US" sz="2000" i="1" dirty="0">
+                <a:latin typeface="Calibri" charset="0"/>
+              </a:rPr>
+              <a:t>www.myserver.com:8080</a:t>
+            </a:r>
+            <a:endParaRPr lang="en-IE" sz="2000" b="0" i="0" dirty="0">
+              <a:solidFill>
+                <a:srgbClr val="505050"/>
+              </a:solidFill>
+              <a:effectLst/>
+              <a:latin typeface="Cousine"/>
+            </a:endParaRPr>
+          </a:p>
+          <a:p>
+            <a:pPr algn="l"/>
+            <a:r>
+              <a:rPr lang="en-IE" sz="2000" b="0" i="0" dirty="0">
+                <a:solidFill>
+                  <a:srgbClr val="505050"/>
+                </a:solidFill>
+                <a:effectLst/>
+                <a:latin typeface="Cousine"/>
+              </a:rPr>
+              <a:t>Accept-Encoding: </a:t>
+            </a:r>
+            <a:r>
+              <a:rPr lang="en-IE" sz="2000" b="0" i="0" dirty="0" err="1">
+                <a:solidFill>
+                  <a:srgbClr val="505050"/>
+                </a:solidFill>
+                <a:effectLst/>
+                <a:latin typeface="Cousine"/>
+              </a:rPr>
+              <a:t>gzip</a:t>
+            </a:r>
+            <a:r>
+              <a:rPr lang="en-IE" sz="2000" b="0" i="0" dirty="0">
+                <a:solidFill>
+                  <a:srgbClr val="505050"/>
+                </a:solidFill>
+                <a:effectLst/>
+                <a:latin typeface="Cousine"/>
+              </a:rPr>
+              <a:t>, deflate, </a:t>
+            </a:r>
+            <a:r>
+              <a:rPr lang="en-IE" sz="2000" b="0" i="0" dirty="0" err="1">
+                <a:solidFill>
+                  <a:srgbClr val="505050"/>
+                </a:solidFill>
+                <a:effectLst/>
+                <a:latin typeface="Cousine"/>
+              </a:rPr>
+              <a:t>br</a:t>
+            </a:r>
+            <a:endParaRPr lang="en-IE" sz="2000" b="0" i="0" dirty="0">
+              <a:solidFill>
+                <a:srgbClr val="505050"/>
+              </a:solidFill>
+              <a:effectLst/>
+              <a:latin typeface="Cousine"/>
+            </a:endParaRPr>
+          </a:p>
+          <a:p>
+            <a:pPr algn="l"/>
+            <a:r>
+              <a:rPr lang="en-IE" sz="2000" b="0" i="0" dirty="0">
+                <a:solidFill>
+                  <a:srgbClr val="505050"/>
+                </a:solidFill>
+                <a:effectLst/>
+                <a:latin typeface="Cousine"/>
+              </a:rPr>
+              <a:t>Connection: keep-alive</a:t>
+            </a:r>
+          </a:p>
+          <a:p>
+            <a:br>
+              <a:rPr lang="en-US" sz="1984" dirty="0">
+                <a:latin typeface="Arial" charset="0"/>
+              </a:rPr>
+            </a:br>
+            <a:endParaRPr lang="en-US" sz="1984" dirty="0">
+              <a:latin typeface="Arial" charset="0"/>
+            </a:endParaRPr>
+          </a:p>
+        </p:txBody>
+      </p:sp>
+    </p:spTree>
+    <p:extLst>
+      <p:ext uri="{BB962C8B-B14F-4D97-AF65-F5344CB8AC3E}">
+        <p14:creationId xmlns:p14="http://schemas.microsoft.com/office/powerpoint/2010/main" val="2374561229"/>
       </p:ext>
     </p:extLst>
   </p:cSld>
@@ -20086,19 +20251,14 @@
             <p:ph type="title"/>
           </p:nvPr>
         </p:nvSpPr>
-        <p:spPr>
-          <a:xfrm>
-            <a:off x="1026571" y="381996"/>
-            <a:ext cx="11591502" cy="1461188"/>
-          </a:xfrm>
-        </p:spPr>
+        <p:spPr/>
         <p:txBody>
           <a:bodyPr/>
           <a:lstStyle/>
           <a:p>
             <a:r>
               <a:rPr lang="en-US" dirty="0"/>
-              <a:t>HTTP Protocol (Request)</a:t>
+              <a:t>HTTP Protocol (Response)</a:t>
             </a:r>
           </a:p>
         </p:txBody>
@@ -20115,54 +20275,76 @@
         </p:nvSpPr>
         <p:spPr>
           <a:xfrm>
-            <a:off x="1333874" y="1889492"/>
-            <a:ext cx="11591502" cy="4796544"/>
+            <a:off x="678293" y="1500240"/>
+            <a:ext cx="11591502" cy="2788827"/>
           </a:xfrm>
         </p:spPr>
         <p:txBody>
           <a:bodyPr vert="horz" lIns="100796" tIns="50398" rIns="100796" bIns="50398" rtlCol="0" anchor="t">
-            <a:normAutofit/>
+            <a:normAutofit lnSpcReduction="10000"/>
           </a:bodyPr>
           <a:lstStyle/>
           <a:p>
+            <a:pPr algn="just"/>
             <a:r>
               <a:rPr lang="en-US" dirty="0">
-                <a:latin typeface="Calibri" charset="0"/>
-              </a:rPr>
-              <a:t>HTTP clients (e.g. a browser) translates a URL into a request message according to the specified protocol; and sends the request message to the server.</a:t>
-            </a:r>
-          </a:p>
-          <a:p>
+                <a:latin typeface="Arial"/>
+              </a:rPr>
+              <a:t>When this request message reaches the server, the server can take either one of these actions:</a:t>
+            </a:r>
+          </a:p>
+          <a:p>
+            <a:pPr marL="1007943" lvl="1" indent="-503972" algn="just">
+              <a:buFont typeface="+mj-lt"/>
+              <a:buAutoNum type="arabicPeriod"/>
+            </a:pPr>
             <a:r>
               <a:rPr lang="en-US" dirty="0">
-                <a:latin typeface="Calibri" charset="0"/>
-              </a:rPr>
-              <a:t>For example, a html client may translated the URL </a:t>
-            </a:r>
-            <a:r>
-              <a:rPr lang="en-US" sz="2800" i="1" dirty="0">
-                <a:latin typeface="Calibri" charset="0"/>
-              </a:rPr>
-              <a:t>http://www.myserver.com:8080/api/movies </a:t>
-            </a:r>
+                <a:latin typeface="Arial"/>
+              </a:rPr>
+              <a:t>The server interprets the request received, maps the request into a program kept in the server, executes the program, and returns the output of the program to the client.</a:t>
+            </a:r>
+          </a:p>
+          <a:p>
+            <a:pPr marL="1007943" lvl="1" indent="-503972" algn="just">
+              <a:buFont typeface="+mj-lt"/>
+              <a:buAutoNum type="arabicPeriod"/>
+            </a:pPr>
             <a:r>
               <a:rPr lang="en-US" dirty="0">
-                <a:latin typeface="Calibri" charset="0"/>
-              </a:rPr>
-              <a:t>into the following HTTP request message:</a:t>
-            </a:r>
-            <a:br>
-              <a:rPr lang="en-US" b="1" dirty="0">
-                <a:latin typeface="Calibri" charset="0"/>
-              </a:rPr>
-            </a:br>
-            <a:br>
-              <a:rPr lang="en-US" b="1" dirty="0">
-                <a:latin typeface="Calibri" charset="0"/>
-              </a:rPr>
-            </a:br>
-            <a:endParaRPr lang="en-US" dirty="0">
-              <a:latin typeface="Arial"/>
+                <a:latin typeface="Arial"/>
+              </a:rPr>
+              <a:t>The request cannot be satisfied, the server returns an error message.</a:t>
+            </a:r>
+            <a:endParaRPr lang="en-US" b="1" dirty="0">
+              <a:latin typeface="Calibri" charset="0"/>
+            </a:endParaRPr>
+          </a:p>
+          <a:p>
+            <a:pPr marL="0" indent="0" algn="just">
+              <a:buNone/>
+            </a:pPr>
+            <a:r>
+              <a:rPr lang="en-US" dirty="0">
+                <a:latin typeface="Arial"/>
+              </a:rPr>
+              <a:t>An example of the HTTP response message is below:</a:t>
+            </a:r>
+          </a:p>
+          <a:p>
+            <a:pPr marL="0" indent="0" algn="just">
+              <a:buNone/>
+            </a:pPr>
+            <a:endParaRPr lang="en-US" b="1" dirty="0">
+              <a:latin typeface="Calibri" charset="0"/>
+            </a:endParaRPr>
+          </a:p>
+          <a:p>
+            <a:pPr marL="0" indent="0">
+              <a:buNone/>
+            </a:pPr>
+            <a:endParaRPr lang="en-US" b="1" dirty="0">
+              <a:latin typeface="Calibri" charset="0"/>
             </a:endParaRPr>
           </a:p>
         </p:txBody>
@@ -20175,8 +20357,8 @@
         </p:nvSpPr>
         <p:spPr>
           <a:xfrm>
-            <a:off x="1512467" y="4492525"/>
-            <a:ext cx="8186575" cy="2857449"/>
+            <a:off x="1479972" y="4637832"/>
+            <a:ext cx="7367097" cy="2840393"/>
           </a:xfrm>
           <a:prstGeom prst="rect">
             <a:avLst/>
@@ -20191,202 +20373,98 @@
           </a:bodyPr>
           <a:lstStyle/>
           <a:p>
-            <a:pPr algn="l"/>
-            <a:r>
-              <a:rPr lang="en-IE" sz="2000" b="0" i="0" dirty="0">
-                <a:solidFill>
-                  <a:srgbClr val="505050"/>
-                </a:solidFill>
-                <a:effectLst/>
-                <a:latin typeface="Cousine"/>
-              </a:rPr>
-              <a:t>GET /</a:t>
-            </a:r>
-            <a:r>
-              <a:rPr lang="en-IE" sz="2000" b="0" i="0" dirty="0" err="1">
-                <a:solidFill>
-                  <a:srgbClr val="505050"/>
-                </a:solidFill>
-                <a:effectLst/>
-                <a:latin typeface="Cousine"/>
-              </a:rPr>
-              <a:t>api</a:t>
-            </a:r>
-            <a:r>
-              <a:rPr lang="en-IE" sz="2000" b="0" i="0" dirty="0">
-                <a:solidFill>
-                  <a:srgbClr val="505050"/>
-                </a:solidFill>
-                <a:effectLst/>
-                <a:latin typeface="Cousine"/>
-              </a:rPr>
-              <a:t>/movies/ HTTP/1.1</a:t>
-            </a:r>
-          </a:p>
-          <a:p>
-            <a:pPr algn="l"/>
-            <a:r>
-              <a:rPr lang="en-IE" sz="2000" b="0" i="0" dirty="0">
-                <a:solidFill>
-                  <a:srgbClr val="505050"/>
-                </a:solidFill>
-                <a:effectLst/>
-                <a:latin typeface="Cousine"/>
-              </a:rPr>
-              <a:t>User-Agent: </a:t>
-            </a:r>
-            <a:r>
-              <a:rPr lang="en-IE" sz="2000" b="0" i="0" dirty="0" err="1">
-                <a:solidFill>
-                  <a:srgbClr val="505050"/>
-                </a:solidFill>
-                <a:effectLst/>
-                <a:latin typeface="Cousine"/>
-              </a:rPr>
-              <a:t>PostmanRuntime</a:t>
-            </a:r>
-            <a:r>
-              <a:rPr lang="en-IE" sz="2000" b="0" i="0" dirty="0">
-                <a:solidFill>
-                  <a:srgbClr val="505050"/>
-                </a:solidFill>
-                <a:effectLst/>
-                <a:latin typeface="Cousine"/>
-              </a:rPr>
-              <a:t>/7.26.5</a:t>
-            </a:r>
-          </a:p>
-          <a:p>
-            <a:pPr algn="l"/>
-            <a:r>
-              <a:rPr lang="en-IE" sz="2000" b="0" i="0" dirty="0">
-                <a:solidFill>
-                  <a:srgbClr val="505050"/>
-                </a:solidFill>
-                <a:effectLst/>
-                <a:latin typeface="Cousine"/>
-              </a:rPr>
-              <a:t>Accept: application/json</a:t>
-            </a:r>
-          </a:p>
-          <a:p>
-            <a:pPr algn="l"/>
-            <a:r>
-              <a:rPr lang="en-IE" sz="2000" b="0" i="0" dirty="0">
-                <a:solidFill>
-                  <a:srgbClr val="505050"/>
-                </a:solidFill>
-                <a:effectLst/>
-                <a:latin typeface="Cousine"/>
-              </a:rPr>
-              <a:t>Cache-Control: no-cache</a:t>
-            </a:r>
-          </a:p>
-          <a:p>
-            <a:pPr algn="l"/>
-            <a:r>
-              <a:rPr lang="en-IE" sz="2000" b="0" i="0" dirty="0">
-                <a:solidFill>
-                  <a:srgbClr val="505050"/>
-                </a:solidFill>
-                <a:effectLst/>
-                <a:latin typeface="Cousine"/>
-              </a:rPr>
-              <a:t>Host: </a:t>
-            </a:r>
-            <a:r>
-              <a:rPr lang="en-US" sz="2000" i="1" dirty="0">
-                <a:latin typeface="Calibri" charset="0"/>
-              </a:rPr>
-              <a:t>www.myserver.com:8080</a:t>
-            </a:r>
-            <a:endParaRPr lang="en-IE" sz="2000" b="0" i="0" dirty="0">
-              <a:solidFill>
-                <a:srgbClr val="505050"/>
-              </a:solidFill>
-              <a:effectLst/>
-              <a:latin typeface="Cousine"/>
-            </a:endParaRPr>
-          </a:p>
-          <a:p>
-            <a:pPr algn="l"/>
-            <a:r>
-              <a:rPr lang="en-IE" sz="2000" b="0" i="0" dirty="0">
-                <a:solidFill>
-                  <a:srgbClr val="505050"/>
-                </a:solidFill>
-                <a:effectLst/>
-                <a:latin typeface="Cousine"/>
-              </a:rPr>
-              <a:t>Accept-Encoding: </a:t>
-            </a:r>
-            <a:r>
-              <a:rPr lang="en-IE" sz="2000" b="0" i="0" dirty="0" err="1">
-                <a:solidFill>
-                  <a:srgbClr val="505050"/>
-                </a:solidFill>
-                <a:effectLst/>
-                <a:latin typeface="Cousine"/>
-              </a:rPr>
-              <a:t>gzip</a:t>
-            </a:r>
-            <a:r>
-              <a:rPr lang="en-IE" sz="2000" b="0" i="0" dirty="0">
-                <a:solidFill>
-                  <a:srgbClr val="505050"/>
-                </a:solidFill>
-                <a:effectLst/>
-                <a:latin typeface="Cousine"/>
-              </a:rPr>
-              <a:t>, deflate, </a:t>
-            </a:r>
-            <a:r>
-              <a:rPr lang="en-IE" sz="2000" b="0" i="0" dirty="0" err="1">
-                <a:solidFill>
-                  <a:srgbClr val="505050"/>
-                </a:solidFill>
-                <a:effectLst/>
-                <a:latin typeface="Cousine"/>
-              </a:rPr>
-              <a:t>br</a:t>
-            </a:r>
-            <a:endParaRPr lang="en-IE" sz="2000" b="0" i="0" dirty="0">
-              <a:solidFill>
-                <a:srgbClr val="505050"/>
-              </a:solidFill>
-              <a:effectLst/>
-              <a:latin typeface="Cousine"/>
-            </a:endParaRPr>
-          </a:p>
-          <a:p>
-            <a:pPr algn="l"/>
-            <a:r>
-              <a:rPr lang="en-IE" sz="2000" b="0" i="0" dirty="0">
-                <a:solidFill>
-                  <a:srgbClr val="505050"/>
-                </a:solidFill>
-                <a:effectLst/>
-                <a:latin typeface="Cousine"/>
-              </a:rPr>
-              <a:t>Connection: keep-alive</a:t>
+            <a:r>
+              <a:rPr lang="en-US" sz="1984" b="1" dirty="0">
+                <a:latin typeface="Arial"/>
+              </a:rPr>
+              <a:t>HTTP/1.1 200 OK</a:t>
+            </a:r>
+            <a:r>
+              <a:rPr lang="en-US" sz="1984" dirty="0">
+                <a:latin typeface="Arial"/>
+              </a:rPr>
+              <a:t> </a:t>
+            </a:r>
+          </a:p>
+          <a:p>
+            <a:r>
+              <a:rPr lang="en-US" sz="1984" dirty="0">
+                <a:latin typeface="Arial"/>
+              </a:rPr>
+              <a:t>Date: Sun, 18 Oct 2009 08:56:53 GMT </a:t>
+            </a:r>
+          </a:p>
+          <a:p>
+            <a:r>
+              <a:rPr lang="en-US" sz="1984" dirty="0">
+                <a:latin typeface="Arial"/>
+              </a:rPr>
+              <a:t>Server: Apache/2.2.14 (Win32) </a:t>
+            </a:r>
+          </a:p>
+          <a:p>
+            <a:r>
+              <a:rPr lang="en-US" sz="1984" dirty="0">
+                <a:latin typeface="Arial"/>
+              </a:rPr>
+              <a:t>Last-Modified: Sat, 20 Nov 2019 07:16:26 GMT </a:t>
+            </a:r>
+          </a:p>
+          <a:p>
+            <a:r>
+              <a:rPr lang="en-US" sz="1984" dirty="0">
+                <a:latin typeface="Arial"/>
+              </a:rPr>
+              <a:t>Content-Length: 22 </a:t>
+            </a:r>
+          </a:p>
+          <a:p>
+            <a:r>
+              <a:rPr lang="en-US" sz="1984" dirty="0">
+                <a:latin typeface="Arial"/>
+              </a:rPr>
+              <a:t>Connection: close </a:t>
+            </a:r>
+          </a:p>
+          <a:p>
+            <a:r>
+              <a:rPr lang="en-US" sz="1984" b="1" dirty="0">
+                <a:latin typeface="Arial"/>
+              </a:rPr>
+              <a:t>Content-Type: application/json</a:t>
             </a:r>
           </a:p>
           <a:p>
             <a:br>
+              <a:rPr lang="en-US" sz="1984" b="1" dirty="0">
+                <a:latin typeface="Arial"/>
+              </a:rPr>
+            </a:br>
+            <a:r>
               <a:rPr lang="en-US" sz="1984" dirty="0">
-                <a:latin typeface="Arial" charset="0"/>
-              </a:rPr>
-            </a:br>
-            <a:endParaRPr lang="en-US" sz="1984" dirty="0">
-              <a:latin typeface="Arial" charset="0"/>
-            </a:endParaRPr>
+                <a:latin typeface="Arial"/>
+              </a:rPr>
+              <a:t> {“</a:t>
+            </a:r>
+            <a:r>
+              <a:rPr lang="en-US" sz="1984" dirty="0" err="1">
+                <a:latin typeface="Arial"/>
+              </a:rPr>
+              <a:t>result”:”It</a:t>
+            </a:r>
+            <a:r>
+              <a:rPr lang="en-US" sz="1984" dirty="0">
+                <a:latin typeface="Arial"/>
+              </a:rPr>
+              <a:t> Works!”}</a:t>
+            </a:r>
           </a:p>
         </p:txBody>
       </p:sp>
     </p:spTree>
     <p:extLst>
       <p:ext uri="{BB962C8B-B14F-4D97-AF65-F5344CB8AC3E}">
-        <p14:creationId xmlns:p14="http://schemas.microsoft.com/office/powerpoint/2010/main" val="2374561229"/>
+        <p14:creationId xmlns:p14="http://schemas.microsoft.com/office/powerpoint/2010/main" val="2939994524"/>
       </p:ext>
     </p:extLst>
   </p:cSld>
@@ -20430,256 +20508,6 @@
           <a:p>
             <a:r>
               <a:rPr lang="en-US" dirty="0"/>
-              <a:t>HTTP Protocol (Response)</a:t>
-            </a:r>
-          </a:p>
-        </p:txBody>
-      </p:sp>
-      <p:sp>
-        <p:nvSpPr>
-          <p:cNvPr id="3" name="Content Placeholder 2"/>
-          <p:cNvSpPr>
-            <a:spLocks noGrp="1"/>
-          </p:cNvSpPr>
-          <p:nvPr>
-            <p:ph idx="1"/>
-          </p:nvPr>
-        </p:nvSpPr>
-        <p:spPr>
-          <a:xfrm>
-            <a:off x="678293" y="1500240"/>
-            <a:ext cx="11591502" cy="2788827"/>
-          </a:xfrm>
-        </p:spPr>
-        <p:txBody>
-          <a:bodyPr vert="horz" lIns="100796" tIns="50398" rIns="100796" bIns="50398" rtlCol="0" anchor="t">
-            <a:normAutofit lnSpcReduction="10000"/>
-          </a:bodyPr>
-          <a:lstStyle/>
-          <a:p>
-            <a:pPr algn="just"/>
-            <a:r>
-              <a:rPr lang="en-US" dirty="0">
-                <a:latin typeface="Arial"/>
-              </a:rPr>
-              <a:t>When this request message reaches the server, the server can take either one of these actions:</a:t>
-            </a:r>
-          </a:p>
-          <a:p>
-            <a:pPr marL="1007943" lvl="1" indent="-503972" algn="just">
-              <a:buFont typeface="+mj-lt"/>
-              <a:buAutoNum type="arabicPeriod"/>
-            </a:pPr>
-            <a:r>
-              <a:rPr lang="en-US" dirty="0">
-                <a:latin typeface="Arial"/>
-              </a:rPr>
-              <a:t>The server interprets the request received, maps the request into a program kept in the server, executes the program, and returns the output of the program to the client.</a:t>
-            </a:r>
-          </a:p>
-          <a:p>
-            <a:pPr marL="1007943" lvl="1" indent="-503972" algn="just">
-              <a:buFont typeface="+mj-lt"/>
-              <a:buAutoNum type="arabicPeriod"/>
-            </a:pPr>
-            <a:r>
-              <a:rPr lang="en-US" dirty="0">
-                <a:latin typeface="Arial"/>
-              </a:rPr>
-              <a:t>The request cannot be satisfied, the server returns an error message.</a:t>
-            </a:r>
-            <a:endParaRPr lang="en-US" b="1" dirty="0">
-              <a:latin typeface="Calibri" charset="0"/>
-            </a:endParaRPr>
-          </a:p>
-          <a:p>
-            <a:pPr marL="0" indent="0" algn="just">
-              <a:buNone/>
-            </a:pPr>
-            <a:r>
-              <a:rPr lang="en-US" dirty="0">
-                <a:latin typeface="Arial"/>
-              </a:rPr>
-              <a:t>An example of the HTTP response message is below:</a:t>
-            </a:r>
-          </a:p>
-          <a:p>
-            <a:pPr marL="0" indent="0" algn="just">
-              <a:buNone/>
-            </a:pPr>
-            <a:endParaRPr lang="en-US" b="1" dirty="0">
-              <a:latin typeface="Calibri" charset="0"/>
-            </a:endParaRPr>
-          </a:p>
-          <a:p>
-            <a:pPr marL="0" indent="0">
-              <a:buNone/>
-            </a:pPr>
-            <a:endParaRPr lang="en-US" b="1" dirty="0">
-              <a:latin typeface="Calibri" charset="0"/>
-            </a:endParaRPr>
-          </a:p>
-        </p:txBody>
-      </p:sp>
-      <p:sp>
-        <p:nvSpPr>
-          <p:cNvPr id="4" name="TextBox 3"/>
-          <p:cNvSpPr txBox="1"/>
-          <p:nvPr/>
-        </p:nvSpPr>
-        <p:spPr>
-          <a:xfrm>
-            <a:off x="1479972" y="4637832"/>
-            <a:ext cx="7367097" cy="2840393"/>
-          </a:xfrm>
-          <a:prstGeom prst="rect">
-            <a:avLst/>
-          </a:prstGeom>
-          <a:solidFill>
-            <a:schemeClr val="bg2"/>
-          </a:solidFill>
-        </p:spPr>
-        <p:txBody>
-          <a:bodyPr rtlCol="0">
-            <a:spAutoFit/>
-          </a:bodyPr>
-          <a:lstStyle/>
-          <a:p>
-            <a:r>
-              <a:rPr lang="en-US" sz="1984" b="1" dirty="0">
-                <a:latin typeface="Arial"/>
-              </a:rPr>
-              <a:t>HTTP/1.1 200 OK</a:t>
-            </a:r>
-            <a:r>
-              <a:rPr lang="en-US" sz="1984" dirty="0">
-                <a:latin typeface="Arial"/>
-              </a:rPr>
-              <a:t> </a:t>
-            </a:r>
-          </a:p>
-          <a:p>
-            <a:r>
-              <a:rPr lang="en-US" sz="1984" dirty="0">
-                <a:latin typeface="Arial"/>
-              </a:rPr>
-              <a:t>Date: Sun, 18 Oct 2009 08:56:53 GMT </a:t>
-            </a:r>
-          </a:p>
-          <a:p>
-            <a:r>
-              <a:rPr lang="en-US" sz="1984" dirty="0">
-                <a:latin typeface="Arial"/>
-              </a:rPr>
-              <a:t>Server: Apache/2.2.14 (Win32) </a:t>
-            </a:r>
-          </a:p>
-          <a:p>
-            <a:r>
-              <a:rPr lang="en-US" sz="1984" dirty="0">
-                <a:latin typeface="Arial"/>
-              </a:rPr>
-              <a:t>Last-Modified: Sat, 20 Nov 2019 07:16:26 GMT </a:t>
-            </a:r>
-          </a:p>
-          <a:p>
-            <a:r>
-              <a:rPr lang="en-US" sz="1984" dirty="0">
-                <a:latin typeface="Arial"/>
-              </a:rPr>
-              <a:t>Content-Length: 22 </a:t>
-            </a:r>
-          </a:p>
-          <a:p>
-            <a:r>
-              <a:rPr lang="en-US" sz="1984" dirty="0">
-                <a:latin typeface="Arial"/>
-              </a:rPr>
-              <a:t>Connection: close </a:t>
-            </a:r>
-          </a:p>
-          <a:p>
-            <a:r>
-              <a:rPr lang="en-US" sz="1984" b="1" dirty="0">
-                <a:latin typeface="Arial"/>
-              </a:rPr>
-              <a:t>Content-Type: application/json</a:t>
-            </a:r>
-          </a:p>
-          <a:p>
-            <a:br>
-              <a:rPr lang="en-US" sz="1984" b="1" dirty="0">
-                <a:latin typeface="Arial"/>
-              </a:rPr>
-            </a:br>
-            <a:r>
-              <a:rPr lang="en-US" sz="1984" dirty="0">
-                <a:latin typeface="Arial"/>
-              </a:rPr>
-              <a:t> {“</a:t>
-            </a:r>
-            <a:r>
-              <a:rPr lang="en-US" sz="1984" dirty="0" err="1">
-                <a:latin typeface="Arial"/>
-              </a:rPr>
-              <a:t>result”:”It</a:t>
-            </a:r>
-            <a:r>
-              <a:rPr lang="en-US" sz="1984" dirty="0">
-                <a:latin typeface="Arial"/>
-              </a:rPr>
-              <a:t> Works!”}</a:t>
-            </a:r>
-          </a:p>
-        </p:txBody>
-      </p:sp>
-    </p:spTree>
-    <p:extLst>
-      <p:ext uri="{BB962C8B-B14F-4D97-AF65-F5344CB8AC3E}">
-        <p14:creationId xmlns:p14="http://schemas.microsoft.com/office/powerpoint/2010/main" val="2939994524"/>
-      </p:ext>
-    </p:extLst>
-  </p:cSld>
-  <p:clrMapOvr>
-    <a:masterClrMapping/>
-  </p:clrMapOvr>
-</p:sld>
-</file>
-
-<file path=ppt/slides/slide42.xml><?xml version="1.0" encoding="utf-8"?>
-<p:sld xmlns:a="http://schemas.openxmlformats.org/drawingml/2006/main" xmlns:r="http://schemas.openxmlformats.org/officeDocument/2006/relationships" xmlns:p="http://schemas.openxmlformats.org/presentationml/2006/main">
-  <p:cSld>
-    <p:spTree>
-      <p:nvGrpSpPr>
-        <p:cNvPr id="1" name=""/>
-        <p:cNvGrpSpPr/>
-        <p:nvPr/>
-      </p:nvGrpSpPr>
-      <p:grpSpPr>
-        <a:xfrm>
-          <a:off x="0" y="0"/>
-          <a:ext cx="0" cy="0"/>
-          <a:chOff x="0" y="0"/>
-          <a:chExt cx="0" cy="0"/>
-        </a:xfrm>
-      </p:grpSpPr>
-      <p:sp>
-        <p:nvSpPr>
-          <p:cNvPr id="2" name="Title 1"/>
-          <p:cNvSpPr>
-            <a:spLocks noGrp="1"/>
-          </p:cNvSpPr>
-          <p:nvPr>
-            <p:ph type="title"/>
-          </p:nvPr>
-        </p:nvSpPr>
-        <p:spPr/>
-        <p:txBody>
-          <a:bodyPr/>
-          <a:lstStyle/>
-          <a:p>
-            <a:r>
-              <a:rPr lang="en-US" dirty="0"/>
               <a:t>HTTP Methods</a:t>
             </a:r>
           </a:p>
@@ -20811,7 +20639,7 @@
 </p:sld>
 </file>
 
-<file path=ppt/slides/slide43.xml><?xml version="1.0" encoding="utf-8"?>
+<file path=ppt/slides/slide42.xml><?xml version="1.0" encoding="utf-8"?>
 <p:sld xmlns:a="http://schemas.openxmlformats.org/drawingml/2006/main" xmlns:r="http://schemas.openxmlformats.org/officeDocument/2006/relationships" xmlns:p="http://schemas.openxmlformats.org/presentationml/2006/main">
   <p:cSld>
     <p:spTree>
@@ -21323,7 +21151,7 @@
 </p:sld>
 </file>
 
-<file path=ppt/slides/slide44.xml><?xml version="1.0" encoding="utf-8"?>
+<file path=ppt/slides/slide43.xml><?xml version="1.0" encoding="utf-8"?>
 <p:sld xmlns:a="http://schemas.openxmlformats.org/drawingml/2006/main" xmlns:r="http://schemas.openxmlformats.org/officeDocument/2006/relationships" xmlns:p="http://schemas.openxmlformats.org/presentationml/2006/main">
   <p:cSld>
     <p:spTree>
@@ -22320,7 +22148,7 @@
 </p:sld>
 </file>
 
-<file path=ppt/slides/slide45.xml><?xml version="1.0" encoding="utf-8"?>
+<file path=ppt/slides/slide44.xml><?xml version="1.0" encoding="utf-8"?>
 <p:sld xmlns:a="http://schemas.openxmlformats.org/drawingml/2006/main" xmlns:r="http://schemas.openxmlformats.org/officeDocument/2006/relationships" xmlns:p="http://schemas.openxmlformats.org/presentationml/2006/main">
   <p:cSld>
     <p:spTree>
@@ -23018,7 +22846,7 @@
 </p:sld>
 </file>
 
-<file path=ppt/slides/slide46.xml><?xml version="1.0" encoding="utf-8"?>
+<file path=ppt/slides/slide45.xml><?xml version="1.0" encoding="utf-8"?>
 <p:sld xmlns:a="http://schemas.openxmlformats.org/drawingml/2006/main" xmlns:r="http://schemas.openxmlformats.org/officeDocument/2006/relationships" xmlns:p="http://schemas.openxmlformats.org/presentationml/2006/main">
   <p:cSld>
     <p:spTree>
@@ -23795,7 +23623,7 @@
 </p:sld>
 </file>
 
-<file path=ppt/slides/slide47.xml><?xml version="1.0" encoding="utf-8"?>
+<file path=ppt/slides/slide46.xml><?xml version="1.0" encoding="utf-8"?>
 <p:sld xmlns:a="http://schemas.openxmlformats.org/drawingml/2006/main" xmlns:r="http://schemas.openxmlformats.org/officeDocument/2006/relationships" xmlns:p="http://schemas.openxmlformats.org/presentationml/2006/main">
   <p:cSld>
     <p:spTree>
@@ -23908,7 +23736,7 @@
 </p:sld>
 </file>
 
-<file path=ppt/slides/slide48.xml><?xml version="1.0" encoding="utf-8"?>
+<file path=ppt/slides/slide47.xml><?xml version="1.0" encoding="utf-8"?>
 <p:sld xmlns:a="http://schemas.openxmlformats.org/drawingml/2006/main" xmlns:r="http://schemas.openxmlformats.org/officeDocument/2006/relationships" xmlns:p="http://schemas.openxmlformats.org/presentationml/2006/main">
   <p:cSld>
     <p:spTree>
@@ -23995,7 +23823,7 @@
 </p:sld>
 </file>
 
-<file path=ppt/slides/slide49.xml><?xml version="1.0" encoding="utf-8"?>
+<file path=ppt/slides/slide48.xml><?xml version="1.0" encoding="utf-8"?>
 <p:sld xmlns:a="http://schemas.openxmlformats.org/drawingml/2006/main" xmlns:r="http://schemas.openxmlformats.org/officeDocument/2006/relationships" xmlns:p="http://schemas.openxmlformats.org/presentationml/2006/main">
   <p:cSld>
     <p:spTree>
@@ -24247,6 +24075,232 @@
 </p:sld>
 </file>
 
+<file path=ppt/slides/slide49.xml><?xml version="1.0" encoding="utf-8"?>
+<p:sld xmlns:a="http://schemas.openxmlformats.org/drawingml/2006/main" xmlns:r="http://schemas.openxmlformats.org/officeDocument/2006/relationships" xmlns:p="http://schemas.openxmlformats.org/presentationml/2006/main">
+  <p:cSld>
+    <p:spTree>
+      <p:nvGrpSpPr>
+        <p:cNvPr id="1" name=""/>
+        <p:cNvGrpSpPr/>
+        <p:nvPr/>
+      </p:nvGrpSpPr>
+      <p:grpSpPr>
+        <a:xfrm>
+          <a:off x="0" y="0"/>
+          <a:ext cx="0" cy="0"/>
+          <a:chOff x="0" y="0"/>
+          <a:chExt cx="0" cy="0"/>
+        </a:xfrm>
+      </p:grpSpPr>
+      <p:sp>
+        <p:nvSpPr>
+          <p:cNvPr id="158" name="CustomShape 1"/>
+          <p:cNvSpPr/>
+          <p:nvPr/>
+        </p:nvSpPr>
+        <p:spPr>
+          <a:xfrm>
+            <a:off x="2183215" y="302760"/>
+            <a:ext cx="9070560" cy="1258200"/>
+          </a:xfrm>
+          <a:prstGeom prst="rect">
+            <a:avLst/>
+          </a:prstGeom>
+          <a:noFill/>
+          <a:ln>
+            <a:noFill/>
+          </a:ln>
+        </p:spPr>
+        <p:txBody>
+          <a:bodyPr lIns="90000" tIns="45000" rIns="90000" bIns="45000" anchor="ctr"/>
+          <a:lstStyle/>
+          <a:p>
+            <a:pPr algn="ctr">
+              <a:lnSpc>
+                <a:spcPct val="100000"/>
+              </a:lnSpc>
+            </a:pPr>
+            <a:r>
+              <a:rPr lang="en-IE" sz="4400">
+                <a:solidFill>
+                  <a:srgbClr val="000000"/>
+                </a:solidFill>
+                <a:latin typeface="Calibri"/>
+                <a:ea typeface="DejaVu Sans"/>
+              </a:rPr>
+              <a:t>What Express Gives Us...</a:t>
+            </a:r>
+            <a:endParaRPr/>
+          </a:p>
+        </p:txBody>
+      </p:sp>
+      <p:sp>
+        <p:nvSpPr>
+          <p:cNvPr id="159" name="CustomShape 2"/>
+          <p:cNvSpPr/>
+          <p:nvPr/>
+        </p:nvSpPr>
+        <p:spPr>
+          <a:xfrm>
+            <a:off x="1623042" y="1744800"/>
+            <a:ext cx="9070560" cy="4987800"/>
+          </a:xfrm>
+          <a:prstGeom prst="rect">
+            <a:avLst/>
+          </a:prstGeom>
+          <a:noFill/>
+          <a:ln>
+            <a:noFill/>
+          </a:ln>
+        </p:spPr>
+        <p:txBody>
+          <a:bodyPr lIns="90000" tIns="45000" rIns="90000" bIns="45000"/>
+          <a:lstStyle/>
+          <a:p>
+            <a:pPr>
+              <a:lnSpc>
+                <a:spcPct val="100000"/>
+              </a:lnSpc>
+              <a:buFont typeface="Arial"/>
+              <a:buChar char="•"/>
+            </a:pPr>
+            <a:r>
+              <a:rPr lang="en-IE" sz="3200" dirty="0">
+                <a:solidFill>
+                  <a:srgbClr val="000000"/>
+                </a:solidFill>
+                <a:latin typeface="Calibri"/>
+                <a:ea typeface="DejaVu Sans"/>
+              </a:rPr>
+              <a:t>Parses arguments and headers</a:t>
+            </a:r>
+            <a:endParaRPr dirty="0"/>
+          </a:p>
+          <a:p>
+            <a:pPr>
+              <a:lnSpc>
+                <a:spcPct val="100000"/>
+              </a:lnSpc>
+              <a:buFont typeface="Arial"/>
+              <a:buChar char="•"/>
+            </a:pPr>
+            <a:r>
+              <a:rPr lang="en-IE" sz="3200" dirty="0">
+                <a:solidFill>
+                  <a:srgbClr val="000000"/>
+                </a:solidFill>
+                <a:latin typeface="Calibri"/>
+                <a:ea typeface="DejaVu Sans"/>
+              </a:rPr>
+              <a:t>Easy Routing</a:t>
+            </a:r>
+            <a:endParaRPr lang="en-IE" dirty="0"/>
+          </a:p>
+          <a:p>
+            <a:pPr lvl="1">
+              <a:buFont typeface="Arial"/>
+              <a:buChar char="•"/>
+            </a:pPr>
+            <a:r>
+              <a:rPr lang="en-IE" sz="3200" dirty="0">
+                <a:solidFill>
+                  <a:srgbClr val="000000"/>
+                </a:solidFill>
+                <a:latin typeface="Calibri"/>
+                <a:ea typeface="DejaVu Sans"/>
+              </a:rPr>
+              <a:t>Route a URL to a </a:t>
+            </a:r>
+            <a:r>
+              <a:rPr lang="en-IE" sz="3200" dirty="0" err="1">
+                <a:solidFill>
+                  <a:srgbClr val="000000"/>
+                </a:solidFill>
+                <a:latin typeface="Calibri"/>
+                <a:ea typeface="DejaVu Sans"/>
+              </a:rPr>
+              <a:t>callback</a:t>
+            </a:r>
+            <a:r>
+              <a:rPr lang="en-IE" sz="3200" dirty="0">
+                <a:solidFill>
+                  <a:srgbClr val="000000"/>
+                </a:solidFill>
+                <a:latin typeface="Calibri"/>
+                <a:ea typeface="DejaVu Sans"/>
+              </a:rPr>
+              <a:t> function</a:t>
+            </a:r>
+            <a:endParaRPr dirty="0"/>
+          </a:p>
+          <a:p>
+            <a:pPr>
+              <a:lnSpc>
+                <a:spcPct val="100000"/>
+              </a:lnSpc>
+              <a:buFont typeface="Arial"/>
+              <a:buChar char="•"/>
+            </a:pPr>
+            <a:r>
+              <a:rPr lang="en-IE" sz="3200" dirty="0">
+                <a:solidFill>
+                  <a:srgbClr val="000000"/>
+                </a:solidFill>
+                <a:latin typeface="Calibri"/>
+                <a:ea typeface="DejaVu Sans"/>
+              </a:rPr>
+              <a:t>Sessions</a:t>
+            </a:r>
+            <a:endParaRPr dirty="0"/>
+          </a:p>
+          <a:p>
+            <a:pPr>
+              <a:lnSpc>
+                <a:spcPct val="100000"/>
+              </a:lnSpc>
+              <a:buFont typeface="Arial"/>
+              <a:buChar char="•"/>
+            </a:pPr>
+            <a:r>
+              <a:rPr lang="en-IE" sz="3200" dirty="0">
+                <a:solidFill>
+                  <a:srgbClr val="000000"/>
+                </a:solidFill>
+                <a:latin typeface="Calibri"/>
+                <a:ea typeface="DejaVu Sans"/>
+              </a:rPr>
+              <a:t>File Uploads</a:t>
+            </a:r>
+          </a:p>
+          <a:p>
+            <a:pPr>
+              <a:lnSpc>
+                <a:spcPct val="100000"/>
+              </a:lnSpc>
+              <a:buFont typeface="Arial"/>
+              <a:buChar char="•"/>
+            </a:pPr>
+            <a:r>
+              <a:rPr lang="en-IE" sz="3200" dirty="0">
+                <a:solidFill>
+                  <a:srgbClr val="000000"/>
+                </a:solidFill>
+                <a:latin typeface="Calibri"/>
+              </a:rPr>
+              <a:t>Middleware…</a:t>
+            </a:r>
+            <a:endParaRPr dirty="0"/>
+          </a:p>
+        </p:txBody>
+      </p:sp>
+    </p:spTree>
+  </p:cSld>
+  <p:clrMapOvr>
+    <a:masterClrMapping/>
+  </p:clrMapOvr>
+</p:sld>
+</file>
+
 <file path=ppt/slides/slide5.xml><?xml version="1.0" encoding="utf-8"?>
 <p:sld xmlns:a="http://schemas.openxmlformats.org/drawingml/2006/main" xmlns:r="http://schemas.openxmlformats.org/officeDocument/2006/relationships" xmlns:p="http://schemas.openxmlformats.org/presentationml/2006/main">
   <p:cSld>
@@ -24434,8 +24488,8 @@
           </a:p>
         </p:txBody>
       </p:sp>
-      <mc:AlternateContent xmlns:mc="http://schemas.openxmlformats.org/markup-compatibility/2006">
-        <mc:Choice xmlns:p14="http://schemas.microsoft.com/office/powerpoint/2010/main" Requires="p14">
+      <mc:AlternateContent xmlns:mc="http://schemas.openxmlformats.org/markup-compatibility/2006" xmlns:p14="http://schemas.microsoft.com/office/powerpoint/2010/main">
+        <mc:Choice Requires="p14">
           <p:contentPart p14:bwMode="auto" r:id="rId4">
             <p14:nvContentPartPr>
               <p14:cNvPr id="3" name="Ink 2">
@@ -24454,7 +24508,7 @@
             </p14:xfrm>
           </p:contentPart>
         </mc:Choice>
-        <mc:Fallback>
+        <mc:Fallback xmlns="">
           <p:pic>
             <p:nvPicPr>
               <p:cNvPr id="3" name="Ink 2">
@@ -24920,232 +24974,6 @@
 </file>
 
 <file path=ppt/slides/slide50.xml><?xml version="1.0" encoding="utf-8"?>
-<p:sld xmlns:a="http://schemas.openxmlformats.org/drawingml/2006/main" xmlns:r="http://schemas.openxmlformats.org/officeDocument/2006/relationships" xmlns:p="http://schemas.openxmlformats.org/presentationml/2006/main">
-  <p:cSld>
-    <p:spTree>
-      <p:nvGrpSpPr>
-        <p:cNvPr id="1" name=""/>
-        <p:cNvGrpSpPr/>
-        <p:nvPr/>
-      </p:nvGrpSpPr>
-      <p:grpSpPr>
-        <a:xfrm>
-          <a:off x="0" y="0"/>
-          <a:ext cx="0" cy="0"/>
-          <a:chOff x="0" y="0"/>
-          <a:chExt cx="0" cy="0"/>
-        </a:xfrm>
-      </p:grpSpPr>
-      <p:sp>
-        <p:nvSpPr>
-          <p:cNvPr id="158" name="CustomShape 1"/>
-          <p:cNvSpPr/>
-          <p:nvPr/>
-        </p:nvSpPr>
-        <p:spPr>
-          <a:xfrm>
-            <a:off x="2183215" y="302760"/>
-            <a:ext cx="9070560" cy="1258200"/>
-          </a:xfrm>
-          <a:prstGeom prst="rect">
-            <a:avLst/>
-          </a:prstGeom>
-          <a:noFill/>
-          <a:ln>
-            <a:noFill/>
-          </a:ln>
-        </p:spPr>
-        <p:txBody>
-          <a:bodyPr lIns="90000" tIns="45000" rIns="90000" bIns="45000" anchor="ctr"/>
-          <a:lstStyle/>
-          <a:p>
-            <a:pPr algn="ctr">
-              <a:lnSpc>
-                <a:spcPct val="100000"/>
-              </a:lnSpc>
-            </a:pPr>
-            <a:r>
-              <a:rPr lang="en-IE" sz="4400">
-                <a:solidFill>
-                  <a:srgbClr val="000000"/>
-                </a:solidFill>
-                <a:latin typeface="Calibri"/>
-                <a:ea typeface="DejaVu Sans"/>
-              </a:rPr>
-              <a:t>What Express Gives Us...</a:t>
-            </a:r>
-            <a:endParaRPr/>
-          </a:p>
-        </p:txBody>
-      </p:sp>
-      <p:sp>
-        <p:nvSpPr>
-          <p:cNvPr id="159" name="CustomShape 2"/>
-          <p:cNvSpPr/>
-          <p:nvPr/>
-        </p:nvSpPr>
-        <p:spPr>
-          <a:xfrm>
-            <a:off x="1623042" y="1744800"/>
-            <a:ext cx="9070560" cy="4987800"/>
-          </a:xfrm>
-          <a:prstGeom prst="rect">
-            <a:avLst/>
-          </a:prstGeom>
-          <a:noFill/>
-          <a:ln>
-            <a:noFill/>
-          </a:ln>
-        </p:spPr>
-        <p:txBody>
-          <a:bodyPr lIns="90000" tIns="45000" rIns="90000" bIns="45000"/>
-          <a:lstStyle/>
-          <a:p>
-            <a:pPr>
-              <a:lnSpc>
-                <a:spcPct val="100000"/>
-              </a:lnSpc>
-              <a:buFont typeface="Arial"/>
-              <a:buChar char="•"/>
-            </a:pPr>
-            <a:r>
-              <a:rPr lang="en-IE" sz="3200" dirty="0">
-                <a:solidFill>
-                  <a:srgbClr val="000000"/>
-                </a:solidFill>
-                <a:latin typeface="Calibri"/>
-                <a:ea typeface="DejaVu Sans"/>
-              </a:rPr>
-              <a:t>Parses arguments and headers</a:t>
-            </a:r>
-            <a:endParaRPr dirty="0"/>
-          </a:p>
-          <a:p>
-            <a:pPr>
-              <a:lnSpc>
-                <a:spcPct val="100000"/>
-              </a:lnSpc>
-              <a:buFont typeface="Arial"/>
-              <a:buChar char="•"/>
-            </a:pPr>
-            <a:r>
-              <a:rPr lang="en-IE" sz="3200" dirty="0">
-                <a:solidFill>
-                  <a:srgbClr val="000000"/>
-                </a:solidFill>
-                <a:latin typeface="Calibri"/>
-                <a:ea typeface="DejaVu Sans"/>
-              </a:rPr>
-              <a:t>Easy Routing</a:t>
-            </a:r>
-            <a:endParaRPr lang="en-IE" dirty="0"/>
-          </a:p>
-          <a:p>
-            <a:pPr lvl="1">
-              <a:buFont typeface="Arial"/>
-              <a:buChar char="•"/>
-            </a:pPr>
-            <a:r>
-              <a:rPr lang="en-IE" sz="3200" dirty="0">
-                <a:solidFill>
-                  <a:srgbClr val="000000"/>
-                </a:solidFill>
-                <a:latin typeface="Calibri"/>
-                <a:ea typeface="DejaVu Sans"/>
-              </a:rPr>
-              <a:t>Route a URL to a </a:t>
-            </a:r>
-            <a:r>
-              <a:rPr lang="en-IE" sz="3200" dirty="0" err="1">
-                <a:solidFill>
-                  <a:srgbClr val="000000"/>
-                </a:solidFill>
-                <a:latin typeface="Calibri"/>
-                <a:ea typeface="DejaVu Sans"/>
-              </a:rPr>
-              <a:t>callback</a:t>
-            </a:r>
-            <a:r>
-              <a:rPr lang="en-IE" sz="3200" dirty="0">
-                <a:solidFill>
-                  <a:srgbClr val="000000"/>
-                </a:solidFill>
-                <a:latin typeface="Calibri"/>
-                <a:ea typeface="DejaVu Sans"/>
-              </a:rPr>
-              <a:t> function</a:t>
-            </a:r>
-            <a:endParaRPr dirty="0"/>
-          </a:p>
-          <a:p>
-            <a:pPr>
-              <a:lnSpc>
-                <a:spcPct val="100000"/>
-              </a:lnSpc>
-              <a:buFont typeface="Arial"/>
-              <a:buChar char="•"/>
-            </a:pPr>
-            <a:r>
-              <a:rPr lang="en-IE" sz="3200" dirty="0">
-                <a:solidFill>
-                  <a:srgbClr val="000000"/>
-                </a:solidFill>
-                <a:latin typeface="Calibri"/>
-                <a:ea typeface="DejaVu Sans"/>
-              </a:rPr>
-              <a:t>Sessions</a:t>
-            </a:r>
-            <a:endParaRPr dirty="0"/>
-          </a:p>
-          <a:p>
-            <a:pPr>
-              <a:lnSpc>
-                <a:spcPct val="100000"/>
-              </a:lnSpc>
-              <a:buFont typeface="Arial"/>
-              <a:buChar char="•"/>
-            </a:pPr>
-            <a:r>
-              <a:rPr lang="en-IE" sz="3200" dirty="0">
-                <a:solidFill>
-                  <a:srgbClr val="000000"/>
-                </a:solidFill>
-                <a:latin typeface="Calibri"/>
-                <a:ea typeface="DejaVu Sans"/>
-              </a:rPr>
-              <a:t>File Uploads</a:t>
-            </a:r>
-          </a:p>
-          <a:p>
-            <a:pPr>
-              <a:lnSpc>
-                <a:spcPct val="100000"/>
-              </a:lnSpc>
-              <a:buFont typeface="Arial"/>
-              <a:buChar char="•"/>
-            </a:pPr>
-            <a:r>
-              <a:rPr lang="en-IE" sz="3200" dirty="0">
-                <a:solidFill>
-                  <a:srgbClr val="000000"/>
-                </a:solidFill>
-                <a:latin typeface="Calibri"/>
-              </a:rPr>
-              <a:t>Middleware…</a:t>
-            </a:r>
-            <a:endParaRPr dirty="0"/>
-          </a:p>
-        </p:txBody>
-      </p:sp>
-    </p:spTree>
-  </p:cSld>
-  <p:clrMapOvr>
-    <a:masterClrMapping/>
-  </p:clrMapOvr>
-</p:sld>
-</file>
-
-<file path=ppt/slides/slide51.xml><?xml version="1.0" encoding="utf-8"?>
 <p:sld xmlns:a="http://schemas.openxmlformats.org/drawingml/2006/main" xmlns:r="http://schemas.openxmlformats.org/officeDocument/2006/relationships" xmlns:p="http://schemas.openxmlformats.org/presentationml/2006/main">
   <p:cSld>
     <p:spTree>
@@ -25856,7 +25684,7 @@
 </p:sld>
 </file>
 
-<file path=ppt/slides/slide52.xml><?xml version="1.0" encoding="utf-8"?>
+<file path=ppt/slides/slide51.xml><?xml version="1.0" encoding="utf-8"?>
 <p:sld xmlns:a="http://schemas.openxmlformats.org/drawingml/2006/main" xmlns:r="http://schemas.openxmlformats.org/officeDocument/2006/relationships" xmlns:p="http://schemas.openxmlformats.org/presentationml/2006/main">
   <p:cSld>
     <p:spTree>
@@ -26071,7 +25899,7 @@
 </p:sld>
 </file>
 
-<file path=ppt/slides/slide53.xml><?xml version="1.0" encoding="utf-8"?>
+<file path=ppt/slides/slide52.xml><?xml version="1.0" encoding="utf-8"?>
 <p:sld xmlns:a="http://schemas.openxmlformats.org/drawingml/2006/main" xmlns:r="http://schemas.openxmlformats.org/officeDocument/2006/relationships" xmlns:p="http://schemas.openxmlformats.org/presentationml/2006/main">
   <p:cSld>
     <p:spTree>
@@ -26210,7 +26038,7 @@
 </p:sld>
 </file>
 
-<file path=ppt/slides/slide54.xml><?xml version="1.0" encoding="utf-8"?>
+<file path=ppt/slides/slide53.xml><?xml version="1.0" encoding="utf-8"?>
 <p:sld xmlns:a="http://schemas.openxmlformats.org/drawingml/2006/main" xmlns:r="http://schemas.openxmlformats.org/officeDocument/2006/relationships" xmlns:p="http://schemas.openxmlformats.org/presentationml/2006/main">
   <p:cSld>
     <p:spTree>
@@ -26360,7 +26188,7 @@
 </p:sld>
 </file>
 
-<file path=ppt/slides/slide55.xml><?xml version="1.0" encoding="utf-8"?>
+<file path=ppt/slides/slide54.xml><?xml version="1.0" encoding="utf-8"?>
 <p:sld xmlns:a="http://schemas.openxmlformats.org/drawingml/2006/main" xmlns:r="http://schemas.openxmlformats.org/officeDocument/2006/relationships" xmlns:p="http://schemas.openxmlformats.org/presentationml/2006/main">
   <p:cSld>
     <p:spTree>
@@ -28267,8 +28095,8 @@
           </a:custGeom>
         </p:spPr>
       </p:pic>
-      <mc:AlternateContent xmlns:mc="http://schemas.openxmlformats.org/markup-compatibility/2006">
-        <mc:Choice xmlns:p14="http://schemas.microsoft.com/office/powerpoint/2010/main" Requires="p14">
+      <mc:AlternateContent xmlns:mc="http://schemas.openxmlformats.org/markup-compatibility/2006" xmlns:p14="http://schemas.microsoft.com/office/powerpoint/2010/main">
+        <mc:Choice Requires="p14">
           <p:contentPart p14:bwMode="auto" r:id="rId6">
             <p14:nvContentPartPr>
               <p14:cNvPr id="6" name="Ink 5">
@@ -28287,7 +28115,7 @@
             </p14:xfrm>
           </p:contentPart>
         </mc:Choice>
-        <mc:Fallback>
+        <mc:Fallback xmlns="">
           <p:pic>
             <p:nvPicPr>
               <p:cNvPr id="6" name="Ink 5">
@@ -29184,8 +29012,8 @@
           </a:p>
         </p:txBody>
       </p:sp>
-      <mc:AlternateContent xmlns:mc="http://schemas.openxmlformats.org/markup-compatibility/2006">
-        <mc:Choice xmlns:p14="http://schemas.microsoft.com/office/powerpoint/2010/main" Requires="p14">
+      <mc:AlternateContent xmlns:mc="http://schemas.openxmlformats.org/markup-compatibility/2006" xmlns:p14="http://schemas.microsoft.com/office/powerpoint/2010/main">
+        <mc:Choice Requires="p14">
           <p:contentPart p14:bwMode="auto" r:id="rId7">
             <p14:nvContentPartPr>
               <p14:cNvPr id="8" name="Ink 7">
@@ -29204,7 +29032,7 @@
             </p14:xfrm>
           </p:contentPart>
         </mc:Choice>
-        <mc:Fallback>
+        <mc:Fallback xmlns="">
           <p:pic>
             <p:nvPicPr>
               <p:cNvPr id="8" name="Ink 7">
@@ -30224,8 +30052,8 @@
           </a:prstGeom>
         </p:spPr>
       </p:pic>
-      <mc:AlternateContent xmlns:mc="http://schemas.openxmlformats.org/markup-compatibility/2006">
-        <mc:Choice xmlns:p14="http://schemas.microsoft.com/office/powerpoint/2010/main" Requires="p14">
+      <mc:AlternateContent xmlns:mc="http://schemas.openxmlformats.org/markup-compatibility/2006" xmlns:p14="http://schemas.microsoft.com/office/powerpoint/2010/main">
+        <mc:Choice Requires="p14">
           <p:contentPart p14:bwMode="auto" r:id="rId3">
             <p14:nvContentPartPr>
               <p14:cNvPr id="3" name="Ink 2">
@@ -30244,7 +30072,7 @@
             </p14:xfrm>
           </p:contentPart>
         </mc:Choice>
-        <mc:Fallback>
+        <mc:Fallback xmlns="">
           <p:pic>
             <p:nvPicPr>
               <p:cNvPr id="3" name="Ink 2">

--- a/topic07/talk-1/node-2019.pptx
+++ b/topic07/talk-1/node-2019.pptx
@@ -198,7 +198,7 @@
           <inkml:channelProperty channel="T" name="resolution" value="1" units="1/dev"/>
         </inkml:channelProperties>
       </inkml:inkSource>
-      <inkml:timestamp xml:id="ts0" timeString="2021-11-03T16:21:39.955"/>
+      <inkml:timestamp xml:id="ts0" timeString="2021-11-03T16:26:53.901"/>
     </inkml:context>
     <inkml:brush xml:id="br0">
       <inkml:brushProperty name="width" value="0.05292" units="cm"/>
@@ -206,171 +206,14 @@
       <inkml:brushProperty name="color" value="#FF0000"/>
     </inkml:brush>
   </inkml:definitions>
-  <inkml:trace contextRef="#ctx0" brushRef="#br0">29333 7178 576 0,'-18'-22'25'0,"6"17"6"0,-7-6-31 0,7-6 0 15,-7 6 0-15,7-5 0 0,-13 5 226 0,7-6 39 0,5-4 8 0,-5 10 2 16,-1-6-194-16,1 12-38 15,-7-17-8-15,7 0-2 0,-7 5-24 0,7 1-9 0,-13-1 0 0,6-4 9 16,0 10-23-16,-5-6-5 0,-7 6-1 0,0-5 0 16,0 10 0-16,-6-16 0 15,-7 11 0-15,-5 11 0 0,5-16 10 0,1 10 2 0,-6-5 0 0,-1 6 0 16,-6 0 22-16,-5-6 5 0,5 5 1 16,-6-5 0-16,0-5-1 0,0 10 0 0,-6-10 0 0,7 10 0 15,-1 1 4-15,0-12 1 16,0 12 0-16,6-17 0 0,-5 11-8 0,-1 0-2 0,-6 0 0 15,-12-5 0-15,-1 5-6 0,1 0-8 0,0 0 11 16,5-6-11-16,-5 6 0 0,0-5 0 16,6 10 0-16,-1-16 0 0,-5 12 0 15,0-12 0-15,-7 5-9 0,1 6 9 0,-1-5 0 0,-5 10 0 0,5-16 0 0,1 6 8 16,-1 5-8-16,1 0 0 0,-1 0-8 0,-12 0 8 16,1 0 0-16,-1 0 0 0,0 0 0 0,-6 0 11 0,0 0-11 15,0 6 0-15,0-6 0 0,-6 11 0 0,-13-11 0 0,1 5 0 16,-13 1 0-16,13 5 8 15,5 0-20-15,-5 0-4 0,-1 0 0 0,1 0-1 0,-1 5 17 16,7-5 0-16,-6 6 0 0,5 5 0 0,7-11 0 0,-6 5 0 16,-1-5-8-16,-5 6 8 0,6 10 0 15,-7-16 12-15,7 11-1 0,-1 0-1 0,1 0-10 16,-6-11-14-16,5 6 3 0,-5-1 1 0,-7 1 10 16,7 4 14-16,-1 1-3 0,1 0-1 0,-1 0-10 0,-5 11-11 15,-1-5 3-15,-6-1 0 0,13 12 8 16,-1 4 0-16,1-10 0 0,5-5 0 0,-11 5 0 0,-1 0 9 15,7 11-1-15,-1-17-8 0,7 17 8 0,0-11-8 16,-1 5 0-16,1-5 0 0,0 0 8 0,-7 5-8 16,-6 6 0-16,19 0 0 0,6-11 0 15,-6 6 10-15,-6 4-10 0,6-15 8 0,6 10-8 0,-6 1 0 16,-19 5 0-16,13 5 0 0,-1-5 0 0,13-6 0 0,-12 6 0 16,0 6 0-16,-7-7 0 0,1 12 0 15,-1-11 8-15,7 6-8 0,0 4 0 0,12-4 0 0,-7 5-12 16,1-12 12-16,0 7-10 0,-6-1 10 0,-1 6 0 0,7-6-9 15,12 6 9-15,1-16 0 0,-7 5 0 0,0-1 0 16,-19 1 0-16,13-5 0 0,-6-1 0 16,6 6 0-16,6 0 0 0,-7-6-10 0,14 1 1 0,-7 10 0 15,-7-5 9-15,1-11 11 0,6 16-3 16,0-10 0-16,13 10-8 0,5-5-14 0,1 0 3 16,-1 0 1-16,7 0 10 0,-7-6 0 0,1 6 0 0,-1-6-8 15,13 6-1-15,0 0 0 0,-12 5 0 0,5-5 0 0,7-5-12 16,0 5-3-16,0-1 0 0,0-10 0 0,0 0 14 15,-7 0 10-15,7 6-13 0,-6-12 5 0,-1 11 8 0,7-5 0 16,6 6 0-16,0-6 0 0,-6 5 0 0,6-5 0 16,12 5 0-16,-11 1 0 15,-1-1 0-15,0 1 0 0,0-1 0 0,0 0 0 16,12 6 0-16,-12-5 0 0,12 5 0 0,-12-11 0 16,13 0 0-16,5 5 0 0,-6 6 0 0,1-22 0 0,5 5 0 0,7 6 0 15,-19 0 0-15,6 0 0 0,1-6 0 16,-1 6 0-16,7 0 0 0,-7 0 0 0,-6 6 0 0,7-6 0 15,-1 10 0-15,0-15 0 0,1 10 0 0,11 1 0 16,-18-1 0-16,19-5 0 0,-13 0 0 16,13 0 0-16,0-6 0 0,-1 6 0 0,1 0 0 0,6 0 0 15,-19 0 0-15,7-6 0 0,5 1 0 0,7-1 0 16,-12 6 0-16,5-5 0 0,-5 5 0 0,6 5 0 16,-13 0 0-16,6-10 0 0,7 5 0 0,0 0 8 0,12 0-8 15,-19 5 8-15,7-5-8 0,6 11 8 0,0-11-8 0,-7 0 8 16,1 0-8-16,6 5 0 15,0-5 0-15,6 5 0 0,6-5 0 0,-12 0 0 0,12 0 0 0,0 0 0 16,13 5 0-16,-7-5 0 0,6-5 0 0,7 10 0 16,6-10 0-16,-6 5-12 15,-1 0 4-15,13-6 0 0,0 6 8 0,0 0 0 16,-12-6 0-16,6 6 0 0,6-5 0 0,0-1-8 16,0 6 8-16,0-6 0 0,-13 6 0 0,7 0-8 0,6 0 8 0,-6 0 0 15,0 0 0-15,6 0 0 0,6-6 0 16,-6 12 0-16,0-1 0 0,6 1 0 0,13-1 0 0,-19 0 0 15,6 1-10-15,6-1 10 0,-6 1-12 0,13-1 12 16,-13 0 0-16,6 1 0 0,1-1 0 0,5 6 0 0,-5 0 0 0,5-6-8 16,-6 6-1-16,7 0 0 0,-1 6 9 0,-5-18 0 15,11 7 0-15,-17 5 0 0,11-17 0 0,1 12 0 16,-1-6 0-16,1 5 0 0,5-5 0 16,-5 0 0-16,5 0 0 0,-5 5 0 0,-1-10 0 15,7-1 0-15,-6 6 0 0,11 5 0 0,-11-16 0 0,6 11 0 16,-1-5 0-16,7 5 0 0,0 0 0 0,0-6 0 15,-7 0 0-15,13 6 8 0,-12 6-8 0,6-12 0 16,6 1 0-16,0 5 0 0,0 5 0 0,6-16 0 16,0 5 8-16,-12 6-8 0,0-5 8 0,0-1-8 0,6 1 8 0,0 5-8 31,6-6 0-31,0 0 0 0,0 6 0 0,-6-5 0 0,6-6 0 16,7 5 0-16,-7-5 0 0,0 6 0 0,0-6 0 0,0 5 0 15,7-5 0-15,-1 0 8 0,0-6-8 0,1 1 0 0,5-1 0 16,1 1 0-16,5-1 0 0,7-5 0 15,-6 6 0-15,5 5 11 0,7-11-11 0,-12 0 0 16,0 0 0-16,-1 0 8 0,1 11-8 0,6-11 0 16,-6 0 0-16,5 0 8 0,1 0-8 0,-6 11 0 15,12-11 0-15,0 5 8 0,0 1-8 0,0 5 0 16,0 0 0-16,0 0 8 0,0-6-8 0,0 1 0 16,0-1 0-16,6 6 8 0,6 0-8 0,-6-11 0 0,7 5 0 0,-13 1 0 15,12-1 0-15,-6-5 8 0,0 11-8 16,-6-5 8-16,7-1-8 0,-1 1 0 15,-6 5 0-15,6-6 0 0,6 6 0 0,1 0 8 16,-13 0-8-16,6-5 0 0,6 5 0 0,0-6 8 0,7 6-8 0,-19-6 0 16,12 1 10-16,7-1-10 0,-1 1 12 15,1-6-12-15,5 0 28 0,7 0-2 0,-6 5 0 0,-1-5 0 16,-5 0-26-16,-1-5 0 0,7 5 8 0,0 0-8 16,5-6 0-16,1 6 0 0,-6 0 0 0,6 0 0 0,-7 0 0 0,-5 0 0 15,-1 0 0-15,7 6 8 0,-6-12-8 0,11 6 0 16,1 0 0-16,0 6 0 0,0-6 0 15,0 5 0-15,-7 6 0 0,-5-11 0 0,-1 0 0 16,7 0 8-16,0 0-8 0,5 0 0 16,7 0 8-16,-6 0-8 0,-6 0 8 15,0 0-8-15,5 0 12 0,1 0-4 0,-12 0 0 16,5 0 0-16,13-11 1 0,-6 11 0 0,-6 0 0 0,-1 0 0 16,7 0-9-16,-6 0 8 0,0 0-8 0,-7 11 8 0,-6-11-8 15,13 0 0-15,18 11 0 0,0-11 0 0,-12 6 0 0,6-6 8 16,0 11-8-16,6-11 0 0,-6 0 0 0,6 0 0 15,-6 0 0-15,13 0 0 0,5-6 0 0,-12 6 0 0,0-5 0 0,-6 5 0 16,0 0 0-16,0 0 8 0,7 0-8 0,5 5 0 16,-12-5 0-16,0 6 0 15,0-1 0-15,0 1 0 0,-6 5 0 0,6-6 0 16,0 6 0-16,6-5 0 0,0 5 0 0,0 0 0 16,0-6 0-16,-6 6 0 0,-6-6 0 0,12 1 8 0,7-1-8 15,5-5 0-15,-12 0 0 0,13 6 0 0,-7-6 0 0,0 0 0 16,7-6 0-16,-1 1 0 0,1-1 0 0,-1 1 0 15,13-1 0-15,-6 1 0 0,-1 0 0 0,-5-6 0 16,5 0 0-16,7 5 0 0,0-5 8 0,0 0-8 16,-6 6 0-16,-1-6 0 0,1 0 0 0,0 5 0 0,5-5 0 15,-5 0 8-15,6 0-8 0,-7 0 8 16,-5 0-8-16,6-5 0 0,-1 5 0 0,1 0 8 0,18-11-8 0,-12 6 0 16,-7-1 0-16,1-5 0 0,0 6 8 0,-7-11-8 15,1 5 8-15,-1 5-8 0,1-10 0 0,-7 5 0 16,-6 0 8-16,-6-5-8 0,0-6 0 15,6 5 8-15,7 6-8 0,-7 0 8 16,0-16 4-16,-12 11 0 0,6-6 0 0,-6 0 0 0,-1 0-2 0,7-5 0 16,0-1 0-16,0 6 0 0,6 0-10 0,-12 1 12 0,0-1-12 15,-6 0 12 1,-7-6-12-16,1 7 0 0,-1-7 9 0,1 1-9 16,-1 5 8-16,-5-16-8 0,5 10 8 0,-6-5-8 0,1 6 0 15,-1-11 0-15,-6 5 0 0,0 0 0 0,-6 0 0 0,0-5 9 0,0-6-9 16,-6 6 0-16,-6 5 15 0,-1-6-4 15,7 1-1-15,6 0 0 0,-6 5-10 0,0 0 0 16,0 0 0-16,-7-5 0 0,1 5 11 0,0-5-3 0,-1-17-8 0,1 11 12 16,-6 0-12-16,-1-5 11 0,7-6-11 0,-1 6 10 15,1 0 2-15,-7-6 1 0,-5 0 0 16,5 11 0-16,-5-5-13 0,-1 0-8 0,-6 5 8 16,-6 0-13-16,0-5 13 0,-6 0 0 0,0-1 12 0,-7 1-12 15,-5 5 19-15,6-5-3 0,-7 0-1 0,-6 5 0 16,7-5-15-16,-7 5 0 0,1 5 8 15,-1-10-8-15,-6 5 0 0,6 6 0 0,-5 5 8 0,-1-5-8 0,0-6 0 0,-6 6 0 16,-6-1 0-16,0-4 0 16,-1 4 10-16,1-5-10 0,-6 17 10 0,-7-22-10 0,7 16 20 15,-6-11-1-15,-7 11-1 0,0-5 0 0,1 5 10 0,-1 0 3 16,-6 0 0-16,6 6 0 0,-5-6-11 16,-7 0-3-16,0 6 0 0,0 0 0 0,0-6-17 0,0 0 0 15,-7 6 0-15,1-6 0 0,0 16 0 0,-6-27 0 16,6 17 0-16,0-6 0 0,-1-5 0 0,1 0 0 15,0 5-8-15,0 0 8 0,0 6 0 0,0-12 0 16,-7 6 0-16,1 6 10 0,0-6-10 0,-13 0 0 16,0 17 0-16,7-22 0 0,-1 16 0 0,-5-11 0 0,-7 11 0 0,6-5 0 15,-6 5 0-15,0 5 0 16,1-16 0-16,-1 12 0 0,-6-7 0 0,-6 6 0 0,0 6 0 16,-1-6 0-16,1 6 0 0,-6-6 0 0,6 0 0 0,0 5 0 15,-1 6 0-15,1-10 0 16,0-7 0-16,0 28 0 0,-6-27 0 0,-1 10 0 0,1 1 0 15,-7 0 0-15,-18-1 0 0,7 6 0 0,5 6 0 16,-6-6 0-16,0 0 0 0,-6 0 0 16,-6 6 0-16,-12 5 0 0,5-6 0 0,1 1 8 15,0 5-8-15,-1 5 8 0,-5-10-8 0,-13 10 0 0,0 6 0 0,-6-10 8 16,0 10-8-16,-6 0 0 0,-6 10 0 0,-13-10 0 16,-12 11 0-16,7 6 0 0,-1 5-8 0,-6 0 8 15,-13 5 0-15,-11 6-11 0,5 11 11 0,-18-6-8 16,-6 17 8-16,-12 16-8 0,-1-5 8 0,-24 16-8 15,-6 11-34 1,-13 6-6-16,-6 11-2 0,-6 10 0 0,-6 12-118 16,-18 16-23-16</inkml:trace>
+  <inkml:trace contextRef="#ctx0" brushRef="#br0">4695 10828 403 0,'0'0'36'0,"0"0"-36"0,0 0 0 0,12 11 0 0,6-5 43 0,-11 5 1 16,11-6 1-16,-12 1 0 0,13-1-17 0,-1 6-3 16,1-11-1-16,-1 6 0 0,7-6-4 0,-7 0-2 15,13 0 0-15,0-6 0 0,0 6-18 0,6-5 0 16,0-1 8-16,6 1-8 0,6 5 0 0,-6-6 0 0,-6 6 0 0,7 0 0 16,-1 6-14-16</inkml:trace>
+  <inkml:trace contextRef="#ctx0" brushRef="#br0" timeOffset="69229.11">32947 8713 172 0,'0'0'8'0,"0"0"1"0,0 0-9 0,0 0 0 0</inkml:trace>
+  <inkml:trace contextRef="#ctx0" brushRef="#br0" timeOffset="69604.32">32367 8773 288 0,'0'0'25'0,"0"0"-25"15,0 0 0-15,0 0 0 0,0 0 100 0,0 0 16 16,0 0 2-16,0 0 1 0,0 0-87 0,0 0-16 0,0 0-4 0,0 0-1 16,12 6-11-16,1-12 0 0,-1 6 0 15,0 0 0-15,7 0 0 0,-1-5 0 16,1-1 0-16,6 6 0 0,-1-5 0 0,7 5 0 0,-12 0 8 0,11 0-8 16,7-11 44-16,0 11 4 15,0-11 1-15,7 11 0 0,-7 0 5 0,6-11 1 0,0 11 0 0,0 0 0 16,0-6-14-16,0 6-2 0,0 0-1 0,1-5 0 15,5 5-10-15,6-6-1 16,1 6-1-16,12 0 0 0,0 0-7 0,-1 6-2 16,1-1 0-16,0 1 0 0,0 5-17 0,6 0 0 15,-6 0 0-15,6-6 0 0,-6 6 0 0,-7-5 0 16,1-1-15-16,0 0-406 0,-1 6-82 0</inkml:trace>
+  <inkml:trace contextRef="#ctx0" brushRef="#br0" timeOffset="133798.04">24018 13624 460 0,'0'0'41'0,"0"0"-33"0,0 0-8 0,0 0 0 15,0 0 98-15,13-11 18 0,-7 0 3 0,0-6 1 16,6 12-59-16,1-6-11 16,-1 0-2-16,0 0-1 0,1-5-19 0,-1 5-3 0,7 11-1 0,-1-11 0 15,-18 11-8-15,12-6-1 0,7 6-1 0,-1-5 0 16,-18 5-6-16,19-6-8 0,-1 6 11 0,-18 0-11 16,19 6 15-16,-7-1-4 0,7-5-1 0,-1 6 0 15,-18-6 10-15,19 11 1 0,-19-11 1 0,24 0 0 16,-24 0-30-16,0 0-7 0,25 11-1 0,0-11 0 15,-1 0 16-15,-24 0 0 0,25 10 0 0,-6-10 0 16,5 0 0-16,-5 6 0 0,5-6 8 0,-5 0-8 16,6 5 8-16,-7-5-8 0,7-5 12 0,-1 5-12 15,1-6 18-15,0 6-3 0,-1-10-1 0,7 10 0 16,-6 0-2-16,6 0-1 0,-7 0 0 16,7 0 0-16,0 0-1 0,0 0 0 0,-7 0 0 0,7 10 0 15,0-10-10-15,-6 6 0 0,-13-6 0 0,7 11 8 0,-1-6-8 16,1 1 0-16,-1-1 0 0,7 1 0 0,6-1-9 0,-1 6-4 15,1-5-1-15,6 5-406 16,-6 0-82-16</inkml:trace>
 </inkml:ink>
 </file>
 
 <file path=ppt/ink/ink10.xml><?xml version="1.0" encoding="utf-8"?>
-<inkml:ink xmlns:inkml="http://www.w3.org/2003/InkML">
-  <inkml:definitions>
-    <inkml:context xml:id="ctx0">
-      <inkml:inkSource xml:id="inkSrc0">
-        <inkml:traceFormat>
-          <inkml:channel name="X" type="integer" min="-2.14748E9" max="2.14748E9" units="cm"/>
-          <inkml:channel name="Y" type="integer" min="-2.14748E9" max="2.14748E9" units="cm"/>
-          <inkml:channel name="F" type="integer" max="32767" units="dev"/>
-          <inkml:channel name="OA" type="integer" max="360" units="deg"/>
-          <inkml:channel name="OE" type="integer" max="90" units="deg"/>
-        </inkml:traceFormat>
-        <inkml:channelProperties>
-          <inkml:channelProperty channel="X" name="resolution" value="1000" units="1/cm"/>
-          <inkml:channelProperty channel="Y" name="resolution" value="1000" units="1/cm"/>
-          <inkml:channelProperty channel="F" name="resolution" value="0" units="1/dev"/>
-          <inkml:channelProperty channel="OA" name="resolution" value="1000" units="1/deg"/>
-          <inkml:channelProperty channel="OE" name="resolution" value="1000" units="1/deg"/>
-        </inkml:channelProperties>
-      </inkml:inkSource>
-      <inkml:timestamp xml:id="ts0" timeString="2020-11-19T11:30:40.804"/>
-    </inkml:context>
-    <inkml:brush xml:id="br0">
-      <inkml:brushProperty name="width" value="0.05" units="cm"/>
-      <inkml:brushProperty name="height" value="0.05" units="cm"/>
-      <inkml:brushProperty name="color" value="#E71224"/>
-    </inkml:brush>
-  </inkml:definitions>
-  <inkml:trace contextRef="#ctx0" brushRef="#br0">0 4 920 0 0,'0'0'4461'0'0,"14"20"6184"0"0,-10-17-10558 0 0,-1 0 0 0 0,1-1 0 0 0,-1 0-1 0 0,1 0 1 0 0,0 0 0 0 0,0 0 0 0 0,-1 0 0 0 0,1-1 0 0 0,1 0-1 0 0,-1 0 1 0 0,0 0 0 0 0,0 0 0 0 0,0-1 0 0 0,0 1 0 0 0,7-1-1 0 0,15 5 249 0 0,-3 0-126 0 0,170-14 726 0 0,-94 5-792 0 0,-26 2-73 0 0,63-7-58 0 0,-28 13-12 0 0,120-18 64 0 0,8-2-64 0 0,-103 10 0 0 0,1 5 0 0 0,153 18 0 0 0,-146 0 0 0 0,9 6 0 0 0,119 12 0 0 0,-116-13 0 0 0,11 11 0 0 0,96 26 0 0 0,-171-37 0 0 0,71 32 0 0 0,-40-11 0 0 0,116 40 0 0 0,-192-66 0 0 0,90 40 0 0 0,-1 1 0 0 0,90 31 0 0 0,-106-42 0 0 0,360 151 63 0 0,-422-175-62 0 0,118 47-1 0 0,61 25 0 0 0,-168-65 0 0 0,213 87 0 0 0,-179-77 0 0 0,42 15 0 0 0,239 91 0 0 0,-77-26 0 0 0,-193-81 0 0 0,286 109 0 0 0,-202-53 0 0 0,22 9 0 0 0,-109-54 6 0 0,182 115 0 0 0,-196-108 46 0 0,128 97-52 0 0,-116-76 11 0 0,-61-42 47 0 0,-1 1 1 0 0,45 52-1 0 0,-45-44 36 0 0,148 167 6 0 0,-101-108 56 0 0,-8 5-73 0 0,-14-18-15 0 0,-29-41-2 0 0,-2 2 1 0 0,-2 2-1 0 0,32 63 0 0 0,-4-5 82 0 0,-31-58-48 0 0,-1-5-36 0 0,-19-30-20 0 0,18 33 0 0 0,158 309 196 0 0,-134-231-117 0 0,64 224 1 0 0,-95-275-104 0 0,-4-10 39 0 0,16 103-1 0 0,-28-133-38 0 0,2 19 32 0 0,7 73 12 0 0,-13-94-51 0 0,0-7 18 0 0,-1 1 0 0 0,-2 0 0 0 0,-3 35-1 0 0,-2 89 34 0 0,2-125-57 0 0,1-12 5 0 0,0-1-1 0 0,-1 0 1 0 0,-1 1-1 0 0,-6 19 0 0 0,-4 38-11 0 0,-2-28 24 0 0,-31 82 108 0 0,45-128-131 0 0,-66 135 106 0 0,54-111-85 0 0,-2-2 0 0 0,0 0 0 0 0,-27 30 0 0 0,-48 60 50 0 0,63-74-17 0 0,-54 56 0 0 0,59-73-47 0 0,-73 70-6 0 0,0-6 36 0 0,-42 35 48 0 0,-85 45-2 0 0,121-90-84 0 0,62-44 3 0 0,31-25 10 0 0,0 0-1 0 0,0 0 1 0 0,-10 5 0 0 0,-168 87 72 0 0,165-88-71 0 0,-1 0 1 0 0,-28 8-1 0 0,-3 2-4 0 0,-111 43 54 0 0,150-59-64 0 0,-1 0-1 0 0,-15 2 0 0 0,-8 2 14 0 0,-13 4 67 0 0,-101 11 1 0 0,80-15-53 0 0,38-4-20 0 0,-78 11 208 0 0,-139 3 0 0 0,181-18-99 0 0,-54-1 26 0 0,50-3-62 0 0,-66-5 37 0 0,70-2-82 0 0,-23-2 96 0 0,-116-31 1 0 0,39-3-79 0 0,-125-30 28 0 0,-11 1-82 0 0,171 41 0 0 0,-142-28 0 0 0,125 33 75 0 0,26 3 32 0 0,51 12-96 0 0,48 8-11 0 0,0 2 0 0 0,-40-3-1 0 0,10 14-359 0 0,46 18-1726 0 0,5-11 36 0 0</inkml:trace>
-</inkml:ink>
-</file>
-
-<file path=ppt/ink/ink11.xml><?xml version="1.0" encoding="utf-8"?>
-<inkml:ink xmlns:inkml="http://www.w3.org/2003/InkML">
-  <inkml:definitions>
-    <inkml:context xml:id="ctx0">
-      <inkml:inkSource xml:id="inkSrc0">
-        <inkml:traceFormat>
-          <inkml:channel name="X" type="integer" min="-2.14748E9" max="2.14748E9" units="cm"/>
-          <inkml:channel name="Y" type="integer" min="-2.14748E9" max="2.14748E9" units="cm"/>
-          <inkml:channel name="F" type="integer" max="32767" units="dev"/>
-          <inkml:channel name="OA" type="integer" max="360" units="deg"/>
-          <inkml:channel name="OE" type="integer" max="90" units="deg"/>
-        </inkml:traceFormat>
-        <inkml:channelProperties>
-          <inkml:channelProperty channel="X" name="resolution" value="1000" units="1/cm"/>
-          <inkml:channelProperty channel="Y" name="resolution" value="1000" units="1/cm"/>
-          <inkml:channelProperty channel="F" name="resolution" value="0" units="1/dev"/>
-          <inkml:channelProperty channel="OA" name="resolution" value="1000" units="1/deg"/>
-          <inkml:channelProperty channel="OE" name="resolution" value="1000" units="1/deg"/>
-        </inkml:channelProperties>
-      </inkml:inkSource>
-      <inkml:timestamp xml:id="ts0" timeString="2020-11-19T11:30:42.210"/>
-    </inkml:context>
-    <inkml:brush xml:id="br0">
-      <inkml:brushProperty name="width" value="0.05" units="cm"/>
-      <inkml:brushProperty name="height" value="0.05" units="cm"/>
-      <inkml:brushProperty name="color" value="#E71224"/>
-    </inkml:brush>
-  </inkml:definitions>
-  <inkml:trace contextRef="#ctx0" brushRef="#br0">126 317 3624 0 0,'0'0'10536'0'0,"11"-4"-9930"0"0,38-3 725 0 0,-17 2-642 0 0,37-9 1 0 0,-60 11-551 0 0,0 1 0 0 0,0-2 0 0 0,-1 1 0 0 0,1-1 0 0 0,-1-1 0 0 0,0 1 0 0 0,0-2 0 0 0,13-9 0 0 0,-8 4 106 0 0,1 0-1 0 0,19-10 1 0 0,-21 14-149 0 0,0-1 1 0 0,0 0-1 0 0,-1-1 1 0 0,11-10-1 0 0,-1-2-11 0 0,-16 17-65 0 0,0-1 0 0 0,0 1 0 0 0,-1-1 1 0 0,1 0-1 0 0,5-10 0 0 0,-4-7 126 0 0,-6 11-146 0 0,-16-18-85 0 0,7 18-21 0 0,4 10 85 0 0,2 1 1 0 0,-2-2-23 0 0,-1-1 0 0 0,0 1 0 0 0,1 1 0 0 0,-1-1 0 0 0,0 1 0 0 0,0 0 0 0 0,-8 0 0 0 0,10 1-5 0 0,1 0 1 0 0,0 0-1 0 0,-1 0 1 0 0,1 1-1 0 0,0 0 0 0 0,0-1 1 0 0,0 1-1 0 0,-1 0 1 0 0,1 1-1 0 0,0-1 1 0 0,0 1-1 0 0,0-1 1 0 0,1 1-1 0 0,-1 0 1 0 0,-4 3-1 0 0,1 0-85 0 0,0-1 0 0 0,0 0 0 0 0,-1 0-1 0 0,1 0 1 0 0,-13 4 0 0 0,12-5 24 0 0,1 0 0 0 0,-1 1-1 0 0,0 0 1 0 0,1 0 0 0 0,-7 5-1 0 0,-18 16-326 0 0,20-17 336 0 0,2 0 1 0 0,-1 0-1 0 0,1 0 0 0 0,-12 16 1 0 0,-33 41 27 0 0,-22 30 366 0 0,67-81-175 0 0,-50 78 756 0 0,52-80-674 0 0,1 0 0 0 0,0 1 0 0 0,1-1 0 0 0,1 1 0 0 0,-6 25 0 0 0,9 25 478 0 0,1-61-661 0 0,1 1-1 0 0,-1-1 1 0 0,1 0-1 0 0,0 1 1 0 0,0-1 0 0 0,0 0-1 0 0,0 1 1 0 0,0-1-1 0 0,0 0 1 0 0,3 3 0 0 0,2 5 45 0 0,-4-6-28 0 0,0-1 0 0 0,0 1-1 0 0,0 0 1 0 0,0-1 0 0 0,0 0-1 0 0,1 1 1 0 0,0-1 0 0 0,-1 0-1 0 0,1 0 1 0 0,0-1 0 0 0,1 1-1 0 0,-1-1 1 0 0,0 1 0 0 0,1-1-1 0 0,6 3 1 0 0,-5-2 22 0 0,0 1-1 0 0,-1-1 1 0 0,1 1 0 0 0,-1 0-1 0 0,5 5 1 0 0,-5-5-6 0 0,0 1 0 0 0,1-1 1 0 0,0 0-1 0 0,8 6 0 0 0,53 31 190 0 0,-25-17-178 0 0,15 7-43 0 0,-42-24-75 0 0,-10-4-160 0 0,1 0 1 0 0,-1-1-1 0 0,1 0 0 0 0,-1 0 0 0 0,1-1 0 0 0,0 1 1 0 0,6 0-1 0 0</inkml:trace>
-</inkml:ink>
-</file>
-
-<file path=ppt/ink/ink12.xml><?xml version="1.0" encoding="utf-8"?>
-<inkml:ink xmlns:inkml="http://www.w3.org/2003/InkML">
-  <inkml:definitions>
-    <inkml:context xml:id="ctx0">
-      <inkml:inkSource xml:id="inkSrc0">
-        <inkml:traceFormat>
-          <inkml:channel name="X" type="integer" min="-2.14748E9" max="2.14748E9" units="cm"/>
-          <inkml:channel name="Y" type="integer" min="-2.14748E9" max="2.14748E9" units="cm"/>
-          <inkml:channel name="F" type="integer" max="32767" units="dev"/>
-          <inkml:channel name="OA" type="integer" max="360" units="deg"/>
-          <inkml:channel name="OE" type="integer" max="90" units="deg"/>
-        </inkml:traceFormat>
-        <inkml:channelProperties>
-          <inkml:channelProperty channel="X" name="resolution" value="1000" units="1/cm"/>
-          <inkml:channelProperty channel="Y" name="resolution" value="1000" units="1/cm"/>
-          <inkml:channelProperty channel="F" name="resolution" value="0" units="1/dev"/>
-          <inkml:channelProperty channel="OA" name="resolution" value="1000" units="1/deg"/>
-          <inkml:channelProperty channel="OE" name="resolution" value="1000" units="1/deg"/>
-        </inkml:channelProperties>
-      </inkml:inkSource>
-      <inkml:timestamp xml:id="ts0" timeString="2020-11-19T11:30:43.909"/>
-    </inkml:context>
-    <inkml:brush xml:id="br0">
-      <inkml:brushProperty name="width" value="0.05" units="cm"/>
-      <inkml:brushProperty name="height" value="0.05" units="cm"/>
-      <inkml:brushProperty name="color" value="#E71224"/>
-    </inkml:brush>
-  </inkml:definitions>
-  <inkml:trace contextRef="#ctx0" brushRef="#br0">1 694 4688 0 0,'0'0'4512'0'0,"1"-11"-3796"0"0,1-5-412 0 0,2 1 1 0 0,0-1 0 0 0,1 1-1 0 0,0-1 1 0 0,14-26 0 0 0,-12 29 56 0 0,1 0 1 0 0,-1 1-1 0 0,2 0 1 0 0,0 1-1 0 0,18-18 1 0 0,-8 10 128 0 0,-12 12-305 0 0,0 1 0 0 0,0 0-1 0 0,9-6 1 0 0,-2 2 22 0 0,-1-1-1 0 0,0 0 1 0 0,-1 0-1 0 0,0-2 0 0 0,-1 1 1 0 0,12-17-1 0 0,-12 15-91 0 0,71-72 477 0 0,9-9-242 0 0,-21 25-171 0 0,-56 55-141 0 0,20-29-1 0 0,-33 43 59 0 0,-13 20-651 0 0,4-11 442 0 0,0-1-1 0 0,-1 1 0 0 0,0-2 0 0 0,-19 12 1 0 0,14-10-67 0 0,1 0 0 0 0,-15 14 1 0 0,22-17 35 0 0,0-1 0 0 0,0 0 1 0 0,0-1-1 0 0,-13 6 1 0 0,-5 3-223 0 0,1 2-282 0 0,-6-7 473 0 0,-32 5 0 0 0,3-1 21 0 0,29-8 195 0 0,26-4-32 0 0,-1 2 0 0 0,1-1 0 0 0,-1 0 1 0 0,0 1-1 0 0,1-1 0 0 0,0 1 0 0 0,-1 0 0 0 0,1 0 1 0 0,-6 3-1 0 0,6-3 16 0 0,0 0 0 0 0,0 0 0 0 0,0 0 1 0 0,-1-1-1 0 0,1 1 0 0 0,0-1 0 0 0,0 1 0 0 0,-1-1 0 0 0,1 0 1 0 0,-6-1-1 0 0,-10 0 191 0 0,-26 12 287 0 0,43-11-16 0 0,-10-1-95 0 0,18 8 2001 0 0,5 2-2188 0 0,-2 1 1 0 0,13 16-1 0 0,20 32 570 0 0,23 39-546 0 0,46 73 499 0 0,-105-161-718 0 0,-3-4 9 0 0,0 0-1 0 0,0 1 1 0 0,0 0-1 0 0,-1 0 1 0 0,0 0-1 0 0,2 9 1 0 0,-3-9 6 0 0,1 1 0 0 0,0-1 1 0 0,0 0-1 0 0,7 11 0 0 0,31 55 133 0 0,28 44-57 0 0,-65-112-93 0 0,0 0 0 0 0,0 0 0 0 0,-1 0-1 0 0,1 1 1 0 0,-1 0 0 0 0,0-1 0 0 0,0 1 0 0 0,0 0 0 0 0,-1 0-1 0 0,0 0 1 0 0,0 0 0 0 0,0 0 0 0 0,-1 0 0 0 0,1 1 0 0 0,-2 7-1 0 0,1 31-283 0 0,0-42 207 0 0,-1-4-407 0 0,-3-2 326 0 0,0-1-1 0 0,0 0 1 0 0,0 1-1 0 0,1-1 1 0 0,0-1-1 0 0,0 1 1 0 0,1 0-1 0 0,-1-1 1 0 0,1 1-1 0 0,1-1 1 0 0,-1 0-1 0 0,1 0 1 0 0,-1-5-1 0 0,0-7-181 0 0,0 0 0 0 0,-1 1 0 0 0,-1 0 0 0 0,-7-23 0 0 0,-1-1 96 0 0,-21-89 44 0 0,17 61 192 0 0,10 38 0 0 0,-18-51 0 0 0,6 33 0 0 0,7 18 0 0 0,-1 0 0 0 0,-21-38 0 0 0,16 38 0 0 0,5 9 0 0 0,-1 1 0 0 0,0 0 0 0 0,-22-25 0 0 0,29 40 68 0 0,-1 1 0 0 0,0-1 0 0 0,0 1 0 0 0,0 0 0 0 0,-1 0 0 0 0,1 1 0 0 0,-10-4 0 0 0,16 8-50 0 0,-12-3 547 0 0,12 3-557 0 0,1 1-1 0 0,0-1 1 0 0,-1 1-1 0 0,1-1 1 0 0,-1 0-1 0 0,1 1 1 0 0,0-1-1 0 0,-1 1 1 0 0,1-1-1 0 0,0 1 0 0 0,0-1 1 0 0,-1 1-1 0 0,1-1 1 0 0,0 1-1 0 0,0-1 1 0 0,0 1-1 0 0,0 0 1 0 0,0-1-1 0 0,0 1 1 0 0,0-1-1 0 0,0 1 1 0 0,0-1-1 0 0,0 1 1 0 0,0-1-1 0 0,0 2 1 0 0,6 34 158 0 0,-6-35-159 0 0,0 0 0 0 0,1 0 0 0 0,-1 0-1 0 0,0 0 1 0 0,0-1 0 0 0,0 1 0 0 0,1 0 0 0 0,-1 0-1 0 0,0 0 1 0 0,1 0 0 0 0,-1-1 0 0 0,1 1-1 0 0,-1 0 1 0 0,1 0 0 0 0,-1-1 0 0 0,1 1-1 0 0,0 0 1 0 0,0 0 0 0 0,9 13 88 0 0,-8-9-79 0 0,1 0 0 0 0,0 0 0 0 0,0-1 0 0 0,0 1-1 0 0,1-1 1 0 0,0 0 0 0 0,-1 0 0 0 0,1-1-1 0 0,1 1 1 0 0,6 4 0 0 0,8 8 162 0 0,-13-12-100 0 0,1 0 0 0 0,0-1-1 0 0,1 1 1 0 0,-1-1 0 0 0,0-1-1 0 0,1 0 1 0 0,0 0 0 0 0,0 0-1 0 0,15 1 1 0 0,-13-2 16 0 0,4-1 49 0 0,0-1 0 0 0,1 0 0 0 0,-1-1-1 0 0,0-1 1 0 0,-1 0 0 0 0,20-7 0 0 0,-31 10-134 0 0,70-23 289 0 0,-1-4 0 0 0,102-53 0 0 0,-100 36-737 0 0,-39 22-2294 0 0,-17 12-3900 0 0</inkml:trace>
-</inkml:ink>
-</file>
-
-<file path=ppt/ink/ink13.xml><?xml version="1.0" encoding="utf-8"?>
-<inkml:ink xmlns:inkml="http://www.w3.org/2003/InkML">
-  <inkml:definitions>
-    <inkml:context xml:id="ctx0">
-      <inkml:inkSource xml:id="inkSrc0">
-        <inkml:traceFormat>
-          <inkml:channel name="X" type="integer" min="-2.14748E9" max="2.14748E9" units="cm"/>
-          <inkml:channel name="Y" type="integer" min="-2.14748E9" max="2.14748E9" units="cm"/>
-          <inkml:channel name="F" type="integer" max="32767" units="dev"/>
-          <inkml:channel name="OA" type="integer" max="360" units="deg"/>
-          <inkml:channel name="OE" type="integer" max="90" units="deg"/>
-        </inkml:traceFormat>
-        <inkml:channelProperties>
-          <inkml:channelProperty channel="X" name="resolution" value="1000" units="1/cm"/>
-          <inkml:channelProperty channel="Y" name="resolution" value="1000" units="1/cm"/>
-          <inkml:channelProperty channel="F" name="resolution" value="0" units="1/dev"/>
-          <inkml:channelProperty channel="OA" name="resolution" value="1000" units="1/deg"/>
-          <inkml:channelProperty channel="OE" name="resolution" value="1000" units="1/deg"/>
-        </inkml:channelProperties>
-      </inkml:inkSource>
-      <inkml:timestamp xml:id="ts0" timeString="2020-11-19T11:31:05.543"/>
-    </inkml:context>
-    <inkml:brush xml:id="br0">
-      <inkml:brushProperty name="width" value="0.05" units="cm"/>
-      <inkml:brushProperty name="height" value="0.05" units="cm"/>
-      <inkml:brushProperty name="color" value="#E71224"/>
-    </inkml:brush>
-  </inkml:definitions>
-  <inkml:trace contextRef="#ctx0" brushRef="#br0">6182 3252 920 0 0,'-8'7'13992'0'0,"6"-8"-13849"0"0,-1 1 0 0 0,1-1 0 0 0,0 1 0 0 0,-1-1 1 0 0,1 0-1 0 0,0 1 0 0 0,0-1 0 0 0,0-1 0 0 0,-4-1 1 0 0,5 2 55 0 0,-9-21 248 0 0,-13-41 338 0 0,23 43-667 0 0,0 19-115 0 0,0 0-1 0 0,0 0 1 0 0,0 0-1 0 0,0 0 1 0 0,0 0-1 0 0,0 0 1 0 0,0 0 0 0 0,0 0-1 0 0,0 0 1 0 0,0 0-1 0 0,0 0 1 0 0,-1 0-1 0 0,1 0 1 0 0,0 0 0 0 0,-1 0-1 0 0,1 0 1 0 0,-1 0-1 0 0,1 1 1 0 0,-1-1-1 0 0,1 0 1 0 0,-1 0-1 0 0,0 0 1 0 0,1 1 0 0 0,-1-1-1 0 0,0 0 1 0 0,0 1-1 0 0,0-1 1 0 0,-1 0-1 0 0,1 0 4 0 0,1 0-1 0 0,-1 1 0 0 0,0-1 1 0 0,1 0-1 0 0,-1 1 0 0 0,0-1 1 0 0,1 0-1 0 0,-1 0 0 0 0,1 0 1 0 0,-1 0-1 0 0,1 0 0 0 0,0 0 0 0 0,-1 1 1 0 0,1-1-1 0 0,0 0 0 0 0,-1-2 1 0 0,1 1 5 0 0,0 1 0 0 0,-1-1 0 0 0,1 1 0 0 0,0 0 0 0 0,-1-1 1 0 0,0 1-1 0 0,1 0 0 0 0,-1-1 0 0 0,0 1 0 0 0,0 0 0 0 0,-1-2 0 0 0,-13-13 81 0 0,11 13-54 0 0,0-1-1 0 0,1-1 1 0 0,-1 1-1 0 0,1 0 1 0 0,0-1-1 0 0,0 0 1 0 0,-3-5-1 0 0,3 5-12 0 0,1 0 0 0 0,-1 1-1 0 0,0-1 1 0 0,-1 1 0 0 0,1 0-1 0 0,-1 0 1 0 0,0 0-1 0 0,-5-4 1 0 0,-18-20 84 0 0,-37-42 54 0 0,35 35-138 0 0,8 11-4 0 0,-25-37-1 0 0,-15-16 18 0 0,54 66 139 0 0,-2 1 0 0 0,-16-17 0 0 0,3 5 126 0 0,0 1-20 0 0,-2 1 0 0 0,0 0-1 0 0,-30-17 1 0 0,-24-19 242 0 0,-34-20-189 0 0,81 56-304 0 0,-87-51-184 0 0,96 57 161 0 0,-1 1 0 0 0,-30-11-1 0 0,-17-10 153 0 0,-12-5-185 0 0,2 2-19 0 0,-70-40 172 0 0,-13-6 14 0 0,140 71-123 0 0,-1 1 0 0 0,-45-13-1 0 0,-14-6 46 0 0,-99-43-18 0 0,-67-30-18 0 0,124 41-29 0 0,-309-138 0 0 0,358 166 0 0 0,-11-6 0 0 0,-34-14 29 0 0,-3-2 81 0 0,20 15-34 0 0,-45-15 29 0 0,125 47-87 0 0,-41-22 1 0 0,-11-5 8 0 0,-26-12-27 0 0,-236-88 188 0 0,192 85 8 0 0,3 2-86 0 0,7-2-325 0 0,20 6 574 0 0,79 32-283 0 0,0-1 0 0 0,1-2 0 0 0,-36-21 0 0 0,22 8 34 0 0,33 20-72 0 0,1 0 0 0 0,0-1 0 0 0,-28-24 0 0 0,-149-122-26 0 0,155 131 9 0 0,-1 3 1 0 0,-51-23-1 0 0,81 41-21 0 0,-80-29 44 0 0,38 15-13 0 0,-22-6-4 0 0,-41-17-1 0 0,1-12-90 0 0,40 17 64 0 0,-5-4 0 0 0,49 27 0 0 0,24 9 0 0 0,-1 2 0 0 0,0-1 0 0 0,0 1 0 0 0,0-1 0 0 0,0 2 0 0 0,-11-3 0 0 0,-39-9 0 0 0,5 6 0 0 0,35 6 0 0 0,-13 1 0 0 0,-43-3-74 0 0,71 3 18 0 0,1 8-758 0 0</inkml:trace>
-</inkml:ink>
-</file>
-
-<file path=ppt/ink/ink14.xml><?xml version="1.0" encoding="utf-8"?>
-<inkml:ink xmlns:inkml="http://www.w3.org/2003/InkML">
-  <inkml:definitions>
-    <inkml:context xml:id="ctx0">
-      <inkml:inkSource xml:id="inkSrc0">
-        <inkml:traceFormat>
-          <inkml:channel name="X" type="integer" min="-2.14748E9" max="2.14748E9" units="cm"/>
-          <inkml:channel name="Y" type="integer" min="-2.14748E9" max="2.14748E9" units="cm"/>
-          <inkml:channel name="F" type="integer" max="32767" units="dev"/>
-          <inkml:channel name="OA" type="integer" max="360" units="deg"/>
-          <inkml:channel name="OE" type="integer" max="90" units="deg"/>
-        </inkml:traceFormat>
-        <inkml:channelProperties>
-          <inkml:channelProperty channel="X" name="resolution" value="1000" units="1/cm"/>
-          <inkml:channelProperty channel="Y" name="resolution" value="1000" units="1/cm"/>
-          <inkml:channelProperty channel="F" name="resolution" value="0" units="1/dev"/>
-          <inkml:channelProperty channel="OA" name="resolution" value="1000" units="1/deg"/>
-          <inkml:channelProperty channel="OE" name="resolution" value="1000" units="1/deg"/>
-        </inkml:channelProperties>
-      </inkml:inkSource>
-      <inkml:timestamp xml:id="ts0" timeString="2020-11-19T11:31:07.410"/>
-    </inkml:context>
-    <inkml:brush xml:id="br0">
-      <inkml:brushProperty name="width" value="0.05" units="cm"/>
-      <inkml:brushProperty name="height" value="0.05" units="cm"/>
-      <inkml:brushProperty name="color" value="#E71224"/>
-    </inkml:brush>
-  </inkml:definitions>
-  <inkml:trace contextRef="#ctx0" brushRef="#br0">1 351 1376 0 0,'0'0'3216'0'0,"1"-16"-2054"0"0,4 8 2624 0 0,9-8-3010 0 0,-3 7 9097 0 0,-9 8-9647 0 0,13-10 253 0 0,-7 4-343 0 0,38-34 545 0 0,-13 23-437 0 0,9-6-72 0 0,-18 7-108 0 0,-12 10-36 0 0,-1-1 0 0 0,0 0 0 0 0,-1-1 0 0 0,16-17 0 0 0,7-9-12 0 0,-22 25 8 0 0,-1-1-1 0 0,16-21 1 0 0,-17 23 11 0 0,-8 8-27 0 0,1-1-1 0 0,0 0 0 0 0,-1 1 1 0 0,1-1-1 0 0,-1 0 1 0 0,1 0-1 0 0,-1 0 0 0 0,0 0 1 0 0,0 0-1 0 0,0 0 1 0 0,1-4-1 0 0,-1 4 154 0 0,-1 4-948 0 0,0-2 765 0 0,0 1 1 0 0,0-1-1 0 0,-1 1 0 0 0,1 0 1 0 0,0-1-1 0 0,0 1 0 0 0,0-1 1 0 0,-1 1-1 0 0,1 0 0 0 0,0-1 1 0 0,0 1-1 0 0,-1-1 0 0 0,1 1 1 0 0,-1-1-1 0 0,1 1 0 0 0,0-1 1 0 0,-1 0-1 0 0,1 1 0 0 0,-1-1 1 0 0,1 1-1 0 0,-1-1 0 0 0,0 1 1 0 0,-16 13-266 0 0,14-12 275 0 0,-53 46-1133 0 0,15-21 100 0 0,37-25 987 0 0,-1-1 0 0 0,1 1-1 0 0,-1-1 1 0 0,1 1 0 0 0,-1-1 0 0 0,1 0 0 0 0,-1-1 0 0 0,1 1 0 0 0,-6-1-1 0 0,-24 5-249 0 0,-1-3 91 0 0,4 0 66 0 0,23-1 151 0 0,-2-1 1584 0 0,-3 12-841 0 0,12-10-699 0 0,1 0 1 0 0,-1 0-1 0 0,1 0 1 0 0,0 0-1 0 0,0 0 1 0 0,0 1-1 0 0,0-1 0 0 0,0 0 1 0 0,0 0-1 0 0,0 0 1 0 0,1 0-1 0 0,-1 0 0 0 0,1 0 1 0 0,-1 0-1 0 0,2 3 1 0 0,3 20 277 0 0,-5-25-316 0 0,0 0-1 0 0,0 1 0 0 0,0-1 1 0 0,0 1-1 0 0,0-1 1 0 0,0 1-1 0 0,0-1 0 0 0,0 0 1 0 0,0 1-1 0 0,0-1 1 0 0,0 1-1 0 0,0-1 0 0 0,1 0 1 0 0,-1 1-1 0 0,0-1 0 0 0,0 0 1 0 0,0 1-1 0 0,1-1 1 0 0,-1 1-1 0 0,0-1 0 0 0,0 0 1 0 0,1 0-1 0 0,-1 1 0 0 0,0-1 1 0 0,1 0-1 0 0,-1 1 1 0 0,7 8 136 0 0,61 161 616 0 0,6-5-377 0 0,-72-163-370 0 0,1 2-10 0 0,-2 13 80 0 0,0-10-3 0 0,1-6-76 0 0,-1 17 170 0 0,-1-16-248 0 0</inkml:trace>
-</inkml:ink>
-</file>
-
-<file path=ppt/ink/ink15.xml><?xml version="1.0" encoding="utf-8"?>
 <inkml:ink xmlns:inkml="http://www.w3.org/2003/InkML">
   <inkml:definitions>
     <inkml:context xml:id="ctx0">
@@ -402,7 +245,7 @@
 </inkml:ink>
 </file>
 
-<file path=ppt/ink/ink16.xml><?xml version="1.0" encoding="utf-8"?>
+<file path=ppt/ink/ink11.xml><?xml version="1.0" encoding="utf-8"?>
 <inkml:ink xmlns:inkml="http://www.w3.org/2003/InkML">
   <inkml:definitions>
     <inkml:context xml:id="ctx0">
@@ -452,203 +295,6 @@
           <inkml:channelProperty channel="T" name="resolution" value="1" units="1/dev"/>
         </inkml:channelProperties>
       </inkml:inkSource>
-      <inkml:timestamp xml:id="ts0" timeString="2021-11-03T16:22:30.661"/>
-    </inkml:context>
-    <inkml:brush xml:id="br0">
-      <inkml:brushProperty name="width" value="0.05292" units="cm"/>
-      <inkml:brushProperty name="height" value="0.05292" units="cm"/>
-      <inkml:brushProperty name="color" value="#FF0000"/>
-    </inkml:brush>
-  </inkml:definitions>
-  <inkml:trace contextRef="#ctx0" brushRef="#br0">21632 14479 345 0,'0'0'15'0,"-12"-17"4"0,0 12-19 0,-1-6 0 0,1 0 0 0,0 0 0 16,-1 0 95-16,1 5 15 0,0-15 3 0,5 10 1 15,-5 0-91-15,6 0-23 0,-6-6 0 0,5 6 0 16,1-11 0-16,-6 6 0 0,0-1 0 0,-1 1 0 16,7 0 0-16,-6-1-13 0,-7 1 1 0,7-1 1 15,0 1 11-15,-1-1 8 0,-11 1-8 0,-1 5 11 16,0-11 43-16,-6 0 9 0,1 6 1 0,-1 5 1 15,-6 0 15-15,0-11 2 0,0 5 1 0,0 6 0 16,0 0-26-16,-6 0-5 0,6 1 0 0,0-1-1 16,-7 0-35-16,8 5-6 0,-8 6-2 0,1-5 0 0,6-1-23 0,-6 1-5 15,0-6 0-15,6 11-1 0,-6-11 1 0,6 5 0 16,0 6 0-16,-6 0 0 16,-1-11-13-16,1 11-3 0,0 0 0 15,0-11 0-15,-13 11 12 0,13 0 3 0,-6 0 0 0,-7 11 0 16,7-11 21-16,-6 11-11 0,-7-5 11 0,0 5-8 0,-6-6 8 15,1 12 0-15,-7-1 0 0,6 11-8 16,0-5-20-16,-6 11-4 0,6-5-1 16,0 5 0-16,7-1 22 0,-1 1 11 0,-6 6-10 0,7-1 10 0,-1-11 0 0,0 1 0 15,7 10 0-15,-13-5 0 0,-6 5 0 0,12-5 12 16,13 6-4-16,0-1-8 0,-13 6 8 0,0 5-8 0,19 6 0 16,-6-6 0-16,-1 6 0 0,1-5 0 0,6 10 0 15,0 6 0-15,6-17 0 0,0 0-11 16,0 6 11-16,6-6-13 0,13 6 13 0,-13-11 0 15,-6-6 0-15,6 6-9 0,19-5 9 0,-7-1 0 0,-6 6 0 0,7-11 0 16,12 0 15-16,0 5-2 0,-7-5 0 16,7-6 0-16,6 6 8 0,6-5 2 0,0 4 0 0,-6-4 0 15,0-1 0-15,13-5 0 0,5 6 0 0,1-1 0 16,-7-5-12-16,7 11-3 0,5-17 0 0,7 12 0 16,-6-1-8-16,6-5 8 0,-1 5-8 0,14-5 8 15,-7 0-8-15,12 0 12 0,-6-5-12 0,12 5 12 0,13 10 8 16,-6-15 1-16,-13 10 1 0,13 1 0 15,12-6-22-15,-6 0 0 0,-7-6 0 0,1 6 0 0,6 0 0 16,0-6 0-16,-7-5-10 0,7 6 10 16,0-6 0-16,6 5 0 0,6 6 8 0,7-17-8 0,-1 6 9 15,0-5-9-15,0 5 8 0,-5 0-8 0,-1 0 10 16,0 5-10-16,0-16 12 0,6 11-12 0,7 0 11 0,6-5-11 16,-7 5 10-16,7 0-10 15,-1 0 8-15,1 0-8 0,-6 10 0 0,-1-10 0 0,1 17 0 0,11-12 0 16,1 12 0-16,6-17 0 0,-12 11 8 0,6-1-8 15,-1-4 0-15,-5 5 0 0,0-11 9 0,-1-6-9 16,1 1 8-16,-6-6-8 0,5-6 16 0,-5 6-3 16,5-5 0-16,-5-6 0 0,-1-17 6 0,1 12 1 15,-13-11 0-15,6 5 0 0,-12-17 6 0,6 6 2 16,7 1 0-16,-13-7 0 0,0 6-7 0,0-11-1 16,0 6 0-16,-6 0 0 0,-7-6-8 0,-5 5-3 15,-1-4 0-15,-6-1 0 0,-5 5-1 0,-7-4-8 0,0 4 12 0,-7-10-4 16,-5 5 6-16,-6-5 1 0,-1 5 0 0,-6-11 0 15,1 0 11-15,-7 6 2 16,-6-6 1-16,-6 0 0 0,0 0 8 0,-7 1 2 0,-5 10 0 0,-1-16 0 16,-5 16-5-16,-7-17-1 0,-12 7 0 0,-7-7 0 15,-5 6-9-15,-1-5-1 0,-5 0-1 0,-1-6 0 16,-6 0-8-16,-6 6-2 0,0 5 0 0,-6-11 0 16,0 12 4-16,0-1 0 0,-13 0 0 0,-5 6 0 15,-7-6-3-15,0 6 0 0,-6 5 0 0,0 5 0 16,0-4 5-16,0-1 1 0,-12 0 0 0,-1 0 0 15,-11 0-27-15,-1 17-6 0,0-12-1 0,-5 12 0 16,5 11 15-16,-12-12 0 0,-6 12 0 0,0 5 0 0,0 0 0 16,-1 11 0-16,14 0-11 0</inkml:trace>
-  <inkml:trace contextRef="#ctx0" brushRef="#br0" timeOffset="171.04">20011 13898 2688 0,'-142'5'-31'0,"0"6"1"0,-6 6 0 0,6 16 0 15,13-12-6-15,-1 7-2 79,7 5 0-79,12 5-622 15,18 0-124 1</inkml:trace>
-</inkml:ink>
-</file>
-
-<file path=ppt/ink/ink3.xml><?xml version="1.0" encoding="utf-8"?>
-<inkml:ink xmlns:inkml="http://www.w3.org/2003/InkML">
-  <inkml:definitions>
-    <inkml:context xml:id="ctx0">
-      <inkml:inkSource xml:id="inkSrc0">
-        <inkml:traceFormat>
-          <inkml:channel name="X" type="integer" max="9600" units="cm"/>
-          <inkml:channel name="Y" type="integer" max="7200" units="cm"/>
-          <inkml:channel name="F" type="integer" max="4096" units="dev"/>
-          <inkml:channel name="T" type="integer" max="2.14748E9" units="dev"/>
-        </inkml:traceFormat>
-        <inkml:channelProperties>
-          <inkml:channelProperty channel="X" name="resolution" value="369.51501" units="1/cm"/>
-          <inkml:channelProperty channel="Y" name="resolution" value="415.70438" units="1/cm"/>
-          <inkml:channelProperty channel="F" name="resolution" value="0" units="1/dev"/>
-          <inkml:channelProperty channel="T" name="resolution" value="1" units="1/dev"/>
-        </inkml:channelProperties>
-      </inkml:inkSource>
-      <inkml:timestamp xml:id="ts0" timeString="2021-11-03T16:23:27.222"/>
-    </inkml:context>
-    <inkml:brush xml:id="br0">
-      <inkml:brushProperty name="width" value="0.05292" units="cm"/>
-      <inkml:brushProperty name="height" value="0.05292" units="cm"/>
-      <inkml:brushProperty name="color" value="#FF0000"/>
-    </inkml:brush>
-  </inkml:definitions>
-  <inkml:trace contextRef="#ctx0" brushRef="#br0">16693 4629 1785 0,'-135'-16'159'0,"85"16"-127"0,-5 0-32 0,6-5 0 0,-7 10 35 0,-6-5 1 0,13-5 0 0,0-1 0 16,-1 6-36-16,-5-11 0 0,-7 0 0 0,7 6 0 15,-7-12 0-15,7 6 0 0,-7 6 10 0,0-1-10 16,-6-5 0-16,1 0 0 0,11 6 0 0,1-12 0 15,-7 12 0-15,7-6 0 0,-7-5 0 16,6 10 0-16,1-5-10 0,-7 6 10 0,-12-1 0 16,6 1-9-16,7 5-2 0,-1 0 0 0,0 0 0 0,-12 0 0 15,0 0 1-15,13 0 0 0,-7 5 0 16,6 1 0-16,1 10 10 0,-1-10 0 0,0 10 0 16,1-5 0-16,-1-6 0 0,-6 12 0 0,7 10 0 0,5-16 0 15,-6 11 0-15,1-5 0 0,11 5 0 0,-5 10 0 16,-1-10 0-16,7 6 0 0,6 16 0 0,0-12 0 15,-7 7 0-15,13-1 0 0,0-5 0 0,7 11-8 16,-14 0 8-16,14 5 0 0,-1-11 0 0,0 6 0 16,6 6-9-16,1-1 0 0,-1 6 0 0,0 0 0 0,13 5 9 0,-7 0-13 15,1 11 5-15,6-10 8 16,-1 10-11-16,7 6 11 0,6-22-8 0,0 16 8 16,-12-11 0-16,12 0 0 0,0 1 0 0,12-7 0 0,-6 7 0 0,7-6 0 15,-1-1 0-15,6 12 0 0,1-11 0 0,6 5 0 16,-1 11 0-16,1-16 0 0,0 6 0 15,5-1 0-15,1 0 0 0,6 0 0 16,0-5 11-16,0 0 1 0,6 0 0 0,1 11 0 16,11-28-12-16,-6 11-11 0,7 1 3 0,-1 10 0 15,13-22 8-15,0 12 11 0,0-6-3 0,0-1 0 0,0-4-8 16,6 5-9-16,-7-12 9 0,7 7-13 0,0-6 13 16,13 5 0-16,-7-16 0 0,6 0 0 0,7 5 0 15,-1-5 0-15,1 0 8 0,-1-5-8 0,1-1 0 0,-1 1 0 0,7-7 8 16,6-10-8-16,-1 11 0 0,7-11 8 0,6 0-8 15,-12 0 0-15,0-11 10 0,6 1-10 0,12-1 8 0,-12 0-8 16,7-11 0-16,5 11 8 0,6-6-8 0,1-5 0 16,-7 0 9-16,7 6-9 0,-1-17 10 15,7 0-10-15,6 0 8 0,-7-5-8 0,-11 0 0 0,11-6 0 16,1 0 0-16,12-11 8 0,-13 6-8 16,7-12 0-16,12 1 0 0,-12 0 9 0,0-11-9 0,6-6 8 15,-6 0-8-15,6-11 0 0,6 1 0 0,-12-1 8 16,-13 0-8-16,7 6 0 0,-7 0 0 15,1 5-11-15,-1-5 11 0,1 11 0 0,-7-1 0 16,-12-4 0-16,-6 5 0 0,-6-1 0 0,-7 12 0 0,1-11 0 16,-7-1 16-16,0 7-2 0,-18 4 0 15,0 7 0-15,-13-7 14 0,1 1 4 0,-7 5 0 0,-6 0 0 16,-12 1 4-16,-6 4 2 0,-7-16 0 0,-11 6 0 16,-7 0 5-16,-7 0 1 0,-5 5 0 0,-13-11 0 15,-5 11 6-15,-14 0 2 0,-11-5 0 16,-7 16 0-16,-12-5-22 0,0-11-4 0,-12 16-1 0,0-6 0 15,-13 7-4-15,-6 4-1 0,-6-5 0 0,-6-10 0 16,-12 10-6-16,-1 0-2 0,7 0 0 0,-19 0 0 16,0-5-12-16,-18 5 0 0,-1 6-9 0,-11 10 9 0,5-16 0 15,-24 6-9-15,-12 11 9 0,5-1 0 16,13-10 0-16,-6 16 0 0,-24 0 9 0,-1-5-9 16,6 16 8-16,-12 0-8 0,0-6 0 0,-6 12 0 0,-12 5 0 0,-7 0 0 15,-12 5-8-15,6-5 8 0,0 17 0 0,-6-1 0 16,-6 17 0-16,-6 0 10 0,6 11-26 0,-7 16-6 0,-5-5-1 0,-7 22 0 31,7-6-5-31,-7 22 0 0,13-11-1 0,-13 33-735 16,-12-5-146-16</inkml:trace>
-  <inkml:trace contextRef="#ctx0" brushRef="#br0" timeOffset="42306.4">12155 7934 576 0,'-37'-27'51'0,"13"22"-41"0,-7-12-10 0,0 12 0 16,-6-28 153-16,0 11 29 0,-6 0 6 0,0 5 0 15,-1-10-81-15,-5 0-17 0,6-1-3 0,-6 6-1 16,5-5-58-16,1 0-11 0,-6-1-2 0,0 6-1 15,-1 0-14-15,1-5 0 0,-6 5 8 0,-7 11-8 16,-6-11 0-16,6 17 0 0,-5-12 0 0,-1 12-10 16,6 5-2-16,-12 5 0 0,0-5 0 0,12 17 0 31,1-6-13-31,-7 5-3 0,6 6-1 0,-6-6 0 16,1 6-24-16,-1 22-5 0,0-16-1 0,6 15 0 0,1-4-37 0,-13 5-7 15,6 10-1-15,0 7-1 0,-6-12 37 0,6 11 7 16,0 17 1-16,-6-6 1 0,7 1 76 0,-1 15 15 0,-12 1 4 0,12 5 0 0,-19-11 28 0,26 6 7 15,-1 0 1-15,0-1 0 0,7-4-16 0,6-1-4 16,12 6 0-16,0-12 0 0,12 12-28 16,0-11-7-16,19-6-1 0,-12 0 0 0,18 0-4 0,0-5-2 15,6-5 0-15,6-1 0 16,7-5-10-16,11-1 0 0,-5 12 0 0,12-27 8 16,0 15-19-16,6-10-4 0,0 6-1 0,7-7 0 0,5 1 26 0,13-5 5 15,-6 4 1-15,6-10 0 0,6 0-16 16,6-16-16-16,6 5 3 0,19-6 1 15,-19-16 12-15,19-5 0 0,18-6 0 0,-6-6 0 0,7-5 0 16,-1-5 0-16,0-6 8 0,13-5-8 0,6-12 0 0,6-10 0 16,-6 0 8-16,6-1-8 0,0-4 0 0,6-12 0 15,-12 0 0-15,-1-5 0 0,1-11 0 0,-6 5 0 16,-13-5 8-16,7 0-8 0,-1 5 0 0,-5-5 10 16,5 11-10-16,-18-6 8 0,-6 6 31 0,-13-6 5 0,-5-5 2 15,-13 11 0-15,0-1 29 0,-13 12 5 0,1-17 2 16,-7 23 0-16,-5-7-14 0,-19 7-4 0,6 4 0 15,-19 12 0-15,-12-11-28 0,-12 16-7 16,-6-5-1-16,-7-1 0 0,-12 6 4 0,-12 1 0 0,0 4 0 16,-12 6 0-16,-1-5-32 0,-12 5 8 0,-18 0-8 0,6 17 0 15,-13-1-31-15,-5 6-9 16,-7 0-1-16,6 6-1 16,7 5-29-16,5 0-5 0,1 0-2 0,0 0 0 0,-1 0 5 15,7 11 1-15,6-6 0 0,-12 1 0 0</inkml:trace>
-  <inkml:trace contextRef="#ctx0" brushRef="#br0" timeOffset="43403.01">16490 7628 1209 0,'-37'-17'108'0,"6"-10"-87"0,0 5-21 0,-6-6 0 0,0-5 56 0,0 1 6 15,0 10 2-15,0-11 0 0,-6-6 16 0,0 7 3 16,-6 4 1-16,-7 6 0 0,1 0-36 0,-7 11-8 16,-6-11 0-16,0 11-1 15,-12 6-23-15,6-1-4 0,0 6 0 0,6 6-1 0,-12-1-11 0,6 6 0 16,0 0-12 0,-6 11 12-16,-6 0-19 0,-1 0 4 0,7 16 1 0,0-5 0 0,-6 0-7 0,-1 6-2 0,7-1 0 15,0-5 0-15,6 11 23 0,0-6 0 0,0 6 10 16,0 5-10-16,6-5 0 0,-6 11-19 0,7-11 3 15,-1 11 0-15,0-6 26 0,0 6 6 0,6 5 0 0,1 0 1 16,5 1-17-16,1 4 0 0,5-4 0 0,7 10 0 16,0 0 0-16,12 0 0 15,-6 1 0-15,13-1 0 0,-7-5 0 0,12-1 0 0,1 7 0 0,12-1 0 16,6 0 0-16,-13 0 0 0,26-5 0 0,-7 0 0 16,12 0-12-16,1 5-5 0,12-11-2 15,-1 1 0-15,14-7 19 0,5-4-10 0,6-1 10 0,1-5-8 16,6 0 8-16,5-6-10 0,14-5 10 0,-1 11-10 0,0-6 10 15,6-10 0-15,-6 5 0 0,7 10-8 16,-1-10 8-16,13 6 0 0,5-1 0 0,7 6 0 0,7-17 0 0,-14 6 0 16,14 11 0-16,-7-17-8 15,12-5 8-15,0 0 0 0,13-5 10 0,-1-6-10 0,1 5 0 16,0-5 0-16,-1-11 0 0,1 0 0 0,-13-16 0 16,13 5 0-16,12-6 0 0,0-5 0 0,-12 6 0 15,-7-12 0-15,7 1 0 0,-1-11 0 0,1-6 0 0,0-6 0 16,-7-4 0-16,-5-1 0 0,5 0 8 15,-6-11-8-15,-12-5 0 0,6-11 0 0,1 0 9 0,-1-12-9 16,-19 12 8-16,1-11-8 16,-13 11 0-16,-5-22 8 0,-14 21-8 0,1-10 0 0,-12 11 11 0,-1-17-3 0,-24 6-8 0,6 0 12 15,-12 0 19-15,-7 5 3 16,-5 0 1-16,-20 1 0 0,1-1 13 0,-12-5 4 0,-7 11 0 0,-6-11 0 16,-6-1-6-16,-18 1-1 15,-13 0 0-15,-12 0 0 0,0 5-6 0,-13 6-2 0,-30 5 0 16,6 0 0-16,6 12-7 0,-19 10-2 0,-12-5 0 15,-12-1 0-15,-6 23-11 0,-7 0-2 16,1-1-1-16,-19 17 0 0,-12 0-14 0,-7 11 0 0,13 0 0 16,-12 22 0-16,-7 0-9 0,-6 11 9 0,0 6-13 15,0 16 5 1,-5-6-37-16,-1 17-7 0,0 5-2 0,-7 6-647 0,7 21-130 0</inkml:trace>
-  <inkml:trace contextRef="#ctx0" brushRef="#br0" timeOffset="56261.11">13802 12725 601 0,'0'0'26'0,"0"0"6"0,0 0-32 0,0 0 0 16,12-11 0-16,-12 11 0 0,0-6 44 0,12-5 3 16,-12 11 0-16,6-11 0 0,7 0-31 0,5 1-5 15,-5 10-2-15,-1-11 0 0,6 11-9 0,1 0 8 16,6-11-8-16,-7 5 8 0,1 6-8 0,5 0 12 16,1 0-12-16,0 0 12 0,-7 0-12 0,13 6 10 0,-13 5-10 0,13-11 10 15,-12 11-1-15,5-6 0 16,7 6 0-16,0-6 0 0,0 1 5 0,0 5 1 15,6-6 0-15,0 1 0 0,6-1-3 0,6 1 0 0,0 5 0 16,1-11 0-16,-1 0-12 0,7 0 0 0,-7 11 0 16,6-11 0-16,-5 0 32 0,5 0 0 0,1 11 0 0,-1-11 0 15,1 5-22-15,-7 1-10 0,7-1 10 0,-7 1-10 16,0-1 29-16,7 1 0 0,-1-1 0 16,7 1 0-16,-1-6-5 0,1 5-2 15,0-5 0-15,6 6 0 0,-1-1-6 0,1 6-2 16,0-11 0-16,-6 11 0 0,-1 0-14 0,1-6 11 0,6 1-11 0,-6-1 10 15,-7-5-10-15,13 11 8 0,12-11-8 0,-12 0 8 16,-13 0 4-16,1 0 1 0,18-5 0 0,-6 5 0 16,0-6-13-16,-7 6 11 0,1-11-11 0,6 6 10 15,-7-6 4-15,7 0 1 0,-6 0 0 0,6-5 0 0,12-1 1 0,-12 1 0 16,-19 5 0-16,6 0 0 0,19-11-2 0,-6 11 0 16,-6 0 0-16,0 0 0 0,-1 0-5 15,1 0-1-15,-7 6 0 0,1-6 0 16,-7-6-8-16,7 12 12 0,-7-12-12 0,0 12 12 0,-12-1-12 15,13 1 0-15,5-1 0 0,-12 1 0 0,-6 5 0 0,6 0-11 16,13 0 3-16,6 0 0 0,-7 5-10 0,-6 1-2 16,13-1 0-16</inkml:trace>
-</inkml:ink>
-</file>
-
-<file path=ppt/ink/ink4.xml><?xml version="1.0" encoding="utf-8"?>
-<inkml:ink xmlns:inkml="http://www.w3.org/2003/InkML">
-  <inkml:definitions>
-    <inkml:context xml:id="ctx0">
-      <inkml:inkSource xml:id="inkSrc0">
-        <inkml:traceFormat>
-          <inkml:channel name="X" type="integer" max="9600" units="cm"/>
-          <inkml:channel name="Y" type="integer" max="7200" units="cm"/>
-          <inkml:channel name="F" type="integer" max="4096" units="dev"/>
-          <inkml:channel name="T" type="integer" max="2.14748E9" units="dev"/>
-        </inkml:traceFormat>
-        <inkml:channelProperties>
-          <inkml:channelProperty channel="X" name="resolution" value="369.51501" units="1/cm"/>
-          <inkml:channelProperty channel="Y" name="resolution" value="415.70438" units="1/cm"/>
-          <inkml:channelProperty channel="F" name="resolution" value="0" units="1/dev"/>
-          <inkml:channelProperty channel="T" name="resolution" value="1" units="1/dev"/>
-        </inkml:channelProperties>
-      </inkml:inkSource>
-      <inkml:timestamp xml:id="ts0" timeString="2021-11-03T16:25:22.243"/>
-    </inkml:context>
-    <inkml:brush xml:id="br0">
-      <inkml:brushProperty name="width" value="0.05292" units="cm"/>
-      <inkml:brushProperty name="height" value="0.05292" units="cm"/>
-      <inkml:brushProperty name="color" value="#FF0000"/>
-    </inkml:brush>
-  </inkml:definitions>
-  <inkml:trace contextRef="#ctx0" brushRef="#br0">2777 14183 460 0,'-12'0'41'0,"-1"0"-33"0,-5-6-8 0,-1 1 0 15,-5-1 100-15,5-5 19 0,-6 6 3 0,-5-6 1 16,11-11-67-16,-6 6-12 0,7-1-4 0,6 6 0 15,-7-5-10-15,7-6-2 0,-7 5-1 0,7-5 0 16,-19 0-2-16,6 12 0 0,7-12 0 0,6 11 0 16,-19-6 9-16,12 1 2 15,7-1 0-15,-7 6 0 0,-5 0-19 0,5 0-3 0,-12 6-1 0,19-6 0 16,-6-5-2-16,-1 5-1 0,-5 5 0 0,5-5 0 16,1 0-10-16,-1 6 12 0,1-1-12 0,11 1 12 15,-17-6-12-15,5 11 0 16,1-6 0-16,-1 6 8 0,1 0-8 0,-7 0 10 0,7 6-10 0,-7 5 10 15,0 0-2-15,7 5 0 0,-7 1 0 0,-6-6 0 16,7 10-8-16,-1-4 8 0,6 10-8 0,1-5 8 16,-7 0-8-16,7 6 0 0,-1-1 0 0,13 6 0 15,-12 0 0-15,-1 5 12 0,13-5-2 0,-13 11 0 0,1 0-10 16,12 0 0-16,-7 10 0 0,7-10 0 0,-12 16-14 0,-1-5-5 16,-5 6-1-16,5 4 0 0,-6 12 20 15,7-17 0-15,-1 6-8 0,-5 0 8 0,5 11 0 0,-5-17 0 16,5 11 0-16,1-5 0 0,5-6 0 0,-5-5 0 15,-1 0 0-15,1 11 0 0,12-17 0 0,-13 6 0 16,19-6 0-16,-18 0 0 0,11-5 0 0,-11 6 0 16,6 4 0-16,5-15 0 0,-11 5 0 15,12-1 0-15,-13-4 0 0,7 5 0 0,6-17 0 0,0 6 0 16,-13-6 0-16,19 6 9 0,-18-11 5 16,18-5 1-16,-19 10 0 0,13-11 0 0,6 6-1 0,-12 0 0 15,5-5 0-15,7-1 0 0,-12 12-14 0,6-17 8 0,6 5-8 0,0-5 0 16,0 5 8-16,0-5-8 0,0-11 0 15,0 17 0-15,0-6 9 0,0 0-9 0,0-11 8 0,0 16-8 16,0 1 0-16,0-6 0 0,0 5-9 0,0-5 9 16,-6-6 0-16,6 6 0 0,0 0 0 0,0-11 0 15,0 0 0-15,-13 17 0 0,13-6 0 0,-6 5 0 16,6-5 0-16,0-11 0 0,0 11 0 0,0-11 0 16,0 11 0-16,0 6 0 0,0-6 0 0,0 5 0 15,0 0 0-15,0 1 0 0,0 5 0 0,0-6 0 16,0 1 0-16,6 5 0 0,-6-11 0 0,13 0 0 0,-7 5 0 0,-6 0 0 15,18 1 0-15,-11-6 0 16,11 5 0-16,1 1 0 0,-1-1 0 0,7 1 0 0,-1-1-8 0,13-5 8 16,0 11 0-16,-6-6 0 0,25-5 0 15,-13 6 0-15,6-1 0 0,7 6 0 0,5 0 0 0,-11 5 0 16,11 1 0-16,1 5 0 0,0-6 0 16,-1 12 0-16,-11-1 0 0,11 0 0 0,1 12 0 0,6-7 0 15,-6 7 0-15,12 5 0 0,-13-1 8 0,7-4-8 16,-6-1 0-16,5 0 0 0,14 1 8 0,-1-6-8 15,-6-1 0-15,0-4 0 0,0-6 9 0,0-6-9 16,6-5 8-16,-6-6-8 0,6-5 8 16,6 0-8-16,13-11 0 0,-6 0 8 0,5-11-8 15,-5 0 0-15,5-5-10 0,1-6-481 0,-7-11-96 0</inkml:trace>
-</inkml:ink>
-</file>
-
-<file path=ppt/ink/ink5.xml><?xml version="1.0" encoding="utf-8"?>
-<inkml:ink xmlns:inkml="http://www.w3.org/2003/InkML">
-  <inkml:definitions>
-    <inkml:context xml:id="ctx0">
-      <inkml:inkSource xml:id="inkSrc0">
-        <inkml:traceFormat>
-          <inkml:channel name="X" type="integer" max="9600" units="cm"/>
-          <inkml:channel name="Y" type="integer" max="7200" units="cm"/>
-          <inkml:channel name="F" type="integer" max="4096" units="dev"/>
-          <inkml:channel name="T" type="integer" max="2.14748E9" units="dev"/>
-        </inkml:traceFormat>
-        <inkml:channelProperties>
-          <inkml:channelProperty channel="X" name="resolution" value="369.51501" units="1/cm"/>
-          <inkml:channelProperty channel="Y" name="resolution" value="415.70438" units="1/cm"/>
-          <inkml:channelProperty channel="F" name="resolution" value="0" units="1/dev"/>
-          <inkml:channelProperty channel="T" name="resolution" value="1" units="1/dev"/>
-        </inkml:channelProperties>
-      </inkml:inkSource>
-      <inkml:timestamp xml:id="ts0" timeString="2021-11-03T16:25:55.272"/>
-    </inkml:context>
-    <inkml:brush xml:id="br0">
-      <inkml:brushProperty name="width" value="0.05292" units="cm"/>
-      <inkml:brushProperty name="height" value="0.05292" units="cm"/>
-      <inkml:brushProperty name="color" value="#FF0000"/>
-    </inkml:brush>
-  </inkml:definitions>
-  <inkml:trace contextRef="#ctx0" brushRef="#br0">8431 5704 288 0,'0'0'25'0,"0"0"-25"16,0 0 0-16,12 0 0 16,-5 5 65-16,5 12 8 0,-12-17 2 0,12 0 0 15,1 5-41-15,5 6-8 0,-18-11-2 0,12 6 0 0,1 5-12 0,5 5-2 16,-18-16-1-16,19 0 0 15,-7 11-9-15,0 0 0 0,7-11 0 0,-7 0 8 0,7 0 0 0,-1 0-8 16,1 0 12-16,5 0-4 0,1 0 13 0,-6 0 3 16,11 0 0-16,-11 0 0 0,6 0 3 0,-1 0 1 15,13 0 0-15,-18 5 0 0,5 1-9 0,7-6-2 16,0 11 0-16,-6-11 0 0,12 0-7 16,-7 11-2-16,-11-6 0 0,6 6 0 0,-1-5-8 0,7-1 10 15,0 6-10-15,0 0 10 0,0-11-10 16,-1 6 8-16,14 10-8 0,-14-10 8 0,1 4 4 0,12 1 0 15,-18-5 0-15,6-1 0 0,0 6 6 0,-7 0 2 0,1-11 0 16,6 11 0-16,-6-5-20 0,5-6 0 16,1 5-13-16,-6 6 5 0,12-11 8 0,-6 0 0 0,12 0 0 15,-6 0 0-15,6 0 0 0,-6 0-20 16,0 0 4-16,0 0-305 16,0 0-62-16</inkml:trace>
-  <inkml:trace contextRef="#ctx0" brushRef="#br0" timeOffset="1407.4">11008 6087 471 0,'56'-11'20'0,"-13"11"6"0,-12 0-26 0,12-16 0 0,6 10 0 0,1 6 0 0,5 0 63 0,1-21 7 16,-1 15 2-16,1 1 0 0,11-6-42 0,-5 5-8 16,-6 1-2-16,5-1 0 15,1-5-20-15,12 6 0 0,-12-1 0 0,5 1 0 0,1-1 0 0,-6 6 0 16,6-11 0-16,-13 11-240 15,1-16-42-15</inkml:trace>
-  <inkml:trace contextRef="#ctx0" brushRef="#br0" timeOffset="5329.22">11970 6734 288 0,'19'0'25'0,"-13"0"-25"16,6 0 0-16,1 11 0 0,17-11 57 0,-17 6 7 16,18-1 0-16,-13-5 1 0,13 6-20 0,0-6-4 15,6 5-1-15,0-5 0 0,-6 0 6 0,12 0 1 16,-6 0 0-16,0 0 0 0,0-5-2 0,0 5 0 16,12 0 0-16,-6 0 0 0,0 0-14 0,1 0-3 15,5 0-1-15,0 0 0 0,-12 5-11 0,6-5-3 16,7 0 0-16,-7 0 0 0,0 5-13 0,0 1 0 15,0-1 0-15,0 1 0 0,7-6 0 0,-19 5 0 16,12-5 0-16,-6 11 0 16,0-11-30-16,6 11-6 0,-12-11 0 0</inkml:trace>
-  <inkml:trace contextRef="#ctx0" brushRef="#br0" timeOffset="5844.62">15140 6964 1234 0,'24'-27'55'0,"-5"10"11"0,5 7-53 0,1-12-13 0,6 0 0 0,6 0 0 15,6 5 11-15,0-5-1 0,7-5 0 0,11 5 0 16,7 0 3-16,0 6 1 0,0 10 0 0,6-10 0 15,-7 5-14-15,7 0 0 0,0 5 0 0,-6 6 0 16,0-5 0-16,0 5 0 16,-13 0 0-16,7 0-10 15,0 5-22-15,-7 1-4 0,1 5 0 0,-13-6-508 0</inkml:trace>
-  <inkml:trace contextRef="#ctx0" brushRef="#br0" timeOffset="18590.91">5607 7847 403 0,'0'0'17'0,"0"0"5"0,12 0-22 0,7 11 0 0,-1 0 0 0,7 0 0 16,6-11 51-16,-19 0 5 0,7 0 2 0,5 0 0 15,7 0-30-15,-12 5-7 0,5-5-1 0,1 6 0 16,0 5-7-16,6-11-1 0,-19 0-1 0,19 5 0 16,-7 1 5-16,-5-1 2 0,6 6 0 0,-1-6 0 15,1 12 6-15,6-6 2 0,12 0 0 16,-19-6 0-16,13 6-6 0,-6 0 0 0,0-5-1 0,12 5 0 16,0 0-3-16,1-6-1 0,-14 17 0 15,20-22 0-15,-1 6-15 0,-6-6 0 0,13 0 0 16,-13 0 0-16,6 0 0 0,7 0 0 0,5-6 8 0,1 6-8 15,12-11 0-15,0-5 0 0,-12 5 0 0,24 5 0 16,-12-10-9-16,6 5-5 0,0 5-1 16,0 1 0-16,-12-6-17 15,12 0-4-15,-12-6-1 0</inkml:trace>
-  <inkml:trace contextRef="#ctx0" brushRef="#br0" timeOffset="34935.54">6199 8570 172 0,'0'0'8'0,"18"0"1"0,-11-11-9 0,5 11 0 15,13-11 0-15,-19 6 0 0,-6 5 39 0,18-6 5 16,1 1 2-16,-1-1 0 0,1 1 2 15,-7 5 1-15,7-6 0 0,-1 6 0 0,1 0-9 0,-1 0-1 16,1 0-1-16,5 0 0 0,-5 6-16 0,-7 5-3 16,0-6-1-16,7 6 0 0,-1 0-18 0,7 0 10 15,-19-11-10-15,13 11 8 0,-1-5-8 0,1-1 0 16,-19-5 0-16,12 6 0 0,7 5 0 0,-1-6-12 0,-6 1 2 0,13-1 1 47,-25-5-27-47,19 6-4 0,-1-1-2 0,7 0-140 0,-7-5-28 0</inkml:trace>
-  <inkml:trace contextRef="#ctx0" brushRef="#br0" timeOffset="46153.49">8585 9283 536 0,'0'0'24'0,"0"0"4"0,0 0-28 0,0 0 0 0,0 0 0 0,0 0 0 0,0 0 58 0,0 0 6 16,0 0 0-16,0 0 1 15,0 0-34-15,13 0-7 0,-13 0-2 0,12 0 0 16,0 0-14-16,-12 0-8 0,19-6 8 0,-7 6-8 0,-12 0 0 0,19 0 0 16,-7 6 0-16,0-6 0 0,7 5 0 0,-7-5 0 15,7 0 0-15,-7 6 0 0,6-6 10 0,-5 5-2 16,5-5-8-16,1 0 12 0,-7 0 11 0,13 0 1 16,-7 0 1-16,-6 0 0 0,7 0 6 0,-1 6 1 15,7-6 0-15,6 0 0 0,-19 0-4 0,7 5-1 16,5 1 0-16,-5-6 0 0,-1 5-6 0,-5 1-1 15,11-6 0-15,-5 5 0 0,6-5-20 0,12 0 0 16,-13 0 0-16,1 0 0 0,12 0 11 0,6 0-3 16,-18-5 0-16,12 5 0 0,6-6 4 0,-12 1 0 15,6-1 0-15,0 1 0 0,-6-1-12 0,12 1-17 16,-6-6 4-16,6 0 1 0,0 11 12 0,0-22 0 16,7 16 0-16,-7 1 0 0,-12-1 0 0,6 6 10 0,6-5-10 15,-6-1 8-15,6 6-8 0,-12 0 0 0,6-5 0 16,0 5-11-16,-13 0 11 0,13 0 0 0,-18 5 0 15,5-5 0-15,1 6 0 0,0-1 0 16,-1 1 0-16,-5 5 0 0,6-11 0 0,-1 22 0 16,1-22 0-16,-13 0 0 0,19 5 0 0,-19-5 0 0,13 6 0 0,0-1 0 15,-1-5 0-15,1 6 0 0,0-12 0 0,6 6 0 16,-19 0 0-16,19 0 0 0,0 0 0 0,-1 0 0 16,1-5 0-16,0 5 0 0,12 0 0 0,-12 0-8 15,0 5-8-15,12-5-2 0,-18 0 0 0,12 6-538 16</inkml:trace>
-  <inkml:trace contextRef="#ctx0" brushRef="#br0" timeOffset="49649.58">18839 19708 576 0,'0'0'51'0,"0"0"-41"0,0 0-10 0,0 0 0 0,0 0 42 0,0 0 6 15,0-11 2-15</inkml:trace>
-  <inkml:trace contextRef="#ctx0" brushRef="#br0" timeOffset="49863.23">18882 19565 288 0,'0'0'12'0,"0"0"4"0,0 0-16 0,0 0 0 0,0 0 0 15,13 0 0-15,-1 0 192 0,-12 0 35 0,6 11 7 0,6 0 2 16,-5 5-180-16,5-5-36 0,-6 11-8 0,0-11 0 0,7 6-12 16,-7-1 8-16,6 12-8 0,7-17 8 0,-7-1 5 0,13 1 1 15,-1 0 0-15,7 0 0 0,0-5 16 0,6-1 3 16,6-5 1-16,6 0 0 0,1-5-6 0,11-1-2 15,-5-5 0-15,6 0 0 0,5 6-11 0,1-6-3 16,0-5 0-16,-6 5 0 0,-7 5 5 0,1-5 1 16,-7 6 0-16,0-1 0 0,1 1-18 0,-7-1-16 0,0 1 4 15,0 10 0-15,-6-5 3 0,0 6 1 16,6-1 0-16,-6 1-661 0</inkml:trace>
-  <inkml:trace contextRef="#ctx0" brushRef="#br0" timeOffset="52125.16">21003 19560 403 0,'0'0'36'0,"6"-11"-36"0,7-6 0 0,-7 6 0 16,6-5 172-16,1-1 27 0,5 1 5 0,-6 5 2 15,1-11-160-15,5 11-32 0,7-5-6 0,-7 5-8 16,1-6 0-16,6 6-13 16,-7 6 1-16,1 5 0 0,-7-11 12 0,6 0 0 0,1 5 0 0,-7 6 0 15,7-5 8-15,-7 5-8 0,7-6 12 0,5 6-12 16,-11-5 28-16,11 5 0 0,-5 0-1 0,5 0 0 15,7 5-3-15,-6 6 0 0,6-5 0 0,0 5 0 16,-1 0-9-16,1-11-3 16,0 5 0-16,6 6 0 0,-6-5 4 0,6-1 0 0,-6 1 0 0,12 5 0 15,-6-11 12-15,6 5 4 0,6 1 0 0,1-6 0 0,5 0-5 0,1 0-1 16,5 0 0-16,7-6 0 0,0 1-3 16,0 5-1-16,6 0 0 0,0 0 0 0,0 0-22 0,-6 0 9 15,-1 0-9-15,7 0 0 0,-6 5 21 0,0 1-2 16,6-6-1-16,-6 5 0 0,0 6 7 0,12 0 2 15,0 0 0-15,-6-6 0 0,0 12-6 0,-6-1-1 16,0 1 0-16,-1 10 0 0,1-16-10 16,-6 11-2-16,0 0-8 0,5 5 12 0,-5-10-12 15,6 5 0-15,0 0 0 0,-7 0 0 0,1 5-12 16,0-11 0-16,-1 6 1 0,1-5 0 16,-6 5-25-16,-7-17-4 0,6 6-2 0,1-5-782 0</inkml:trace>
-  <inkml:trace contextRef="#ctx0" brushRef="#br0" timeOffset="56984.9">14733 10286 568 0,'123'0'25'15,"-61"0"6"-15,5 0-31 0,7 0 0 0,13 0 0 0,-1-6 0 0,7 6 20 0,5-5-1 16,13 5-1-16,6 0 0 15,-6-6 4-15,6 6 1 0,-6 0 0 0,7-5 0 0,-1-1 4 16,6-5 1-16,0 6 0 0,1-1 0 16,-13 6-13-16,0 0-3 0,0-5 0 0,-7 5 0 0,1 0-12 15,-12-11-16-15,-7 11 3 0,-6 0 1 0</inkml:trace>
-  <inkml:trace contextRef="#ctx0" brushRef="#br0" timeOffset="58629">4695 10828 403 0,'0'0'36'0,"0"0"-36"0,0 0 0 0,12 11 0 0,6-5 43 0,-11 5 1 16,11-6 1-16,-12 1 0 0,13-1-17 0,-1 6-3 16,1-11-1-16,-1 6 0 0,7-6-4 0,-7 0-2 15,13 0 0-15,0-6 0 0,0 6-18 0,6-5 0 16,0-1 8-16,6 1-8 0,6 5 0 0,-6-6 0 0,-6 6 0 0,7 0 0 16,-1 6-14-16</inkml:trace>
-  <inkml:trace contextRef="#ctx0" brushRef="#br0" timeOffset="67155.73">11335 11831 716 0,'0'0'32'0,"0"0"6"0,0 0-30 0,13-5-8 0,-1-6 0 0,0 11 0 0,7-6 17 0,-7-4 3 46,7-1 0-46,-7 11 0 0,0 0-12 0,7-11-8 0,-7 5 12 0,7 1-12 0,-1-1 32 0,0 1 0 0,1-1 0 0,6 6 0 0,-1-11 12 0,7 6 3 16,-6-1 0-16,6 1 0 0,6-1-3 0,-7-5-1 0,1 11 0 0,0 0 0 16,6 0-15-16,-6 0-4 0,0 0 0 15,0 0 0-15,12 0-24 0,-19 11 0 0,13-11-14 0,7 6 5 16,-14-1 20-16,1 1 4 16,0 5 1-16,0-6 0 0,12 6-16 0,-24 0-16 15,5-5 3-15,7 5 1 16,-12 0-12-16,-1-1-1 15,-6-4-1-15,13 10-535 0</inkml:trace>
-  <inkml:trace contextRef="#ctx0" brushRef="#br0" timeOffset="67977.87">14282 11799 748 0,'0'0'67'0,"0"0"-54"0,0 0-13 0,0 0 0 16,0 0 68-16,0 0 10 0,0 0 2 16,0 0 1-16,0 0-31 0,0 0-6 15,0 0-2-15,0 0 0 0,0-11-18 0,7-6-3 16,-1 6-1-16,0 6 0 0,6-1-6 0,7-5-2 0,5 6 0 0,7-6 0 15,-6 11 11-15,6-6 1 0,12-5 1 0,0 11 0 16,0-11-1-16,0 11-1 0,7-11 0 0,-1 6 0 16,7 5-1-16,5-6 0 0,1 6 0 0,0-5 0 15,-7 5-32-15,7 0-6 0,-7 0-2 0,-5 0-657 16</inkml:trace>
-  <inkml:trace contextRef="#ctx0" brushRef="#br0" timeOffset="76140.05">4466 12533 403 0,'0'0'36'0,"0"0"-36"0,13 5 0 0,-7-10 0 15,-6 5 69-15,18 0 7 0,-5-6 2 0,-1 1 0 16,7 0-61-16,-1 5-17 0,1-6 0 0,-1 1 8 15,1-1-8-15,5-5 12 0,1 11-12 0,0-11 12 16,5 0-12-16,-5 6 0 0,-6-6 0 0,5 5 0 16,-5-5 17-16,5 6-1 0,1-1-1 0,-7 1 0 0,1-1 5 0,6 1 2 15,-13 5 0-15,13 0 0 16,-7-11-10-16,-6 11-3 0,7-11 0 0,-1 11 0 16,7 0-9-16,-6-5 0 0,-1 5 0 0,7-6 8 0,-7 1-8 0,7 5 0 15,12-6 0-15,0 1 0 0,-12 5 0 16,-7-6 0-16,1 6 0 0,5-5 0 0,1-1 0 0,12 6 0 15,-19-5 0-15,13 5 0 16,-6 5 0-16,6-5 0 0,-13 0 0 0,13 6 0 16,-6-1 0-16,6 1 0 0,-13-6 0 0,13 0 0 0,-6 5 0 15,5-5 0-15,-11 6 0 0,6-6 0 0,-7 5 0 0,7 1 0 16,-1-6 0-16,-5 5 8 16,6-5-8-16,-1 0 0 0,7 11 0 0,-12-11 0 0,5 0 0 0,-5 11 0 0,5-11 0 0,-5 5 0 15,-1-5 0-15,7 6 0 16,-6-6 0-16,5 0 0 0,-5 5 0 0,-1 1 0 0,7-6 0 0,-1 0 0 15,13 0 0-15,-18 0 0 16,-7-6 0-16,7 6 0 0,-1 0 0 0,7 0 0 16,-7-5 0-16,19 5 8 0,-18-6 6 0,6 6 1 0,-7 0 0 15,1-5 0-15,5 5-5 0,-5 0-1 16,5 0 0-16,-5 0 0 0,-19 0 4 0,18 5 1 0,7-5 0 16,-6 6 0-16,-7-6-14 0,6 0 9 0,1 0-9 15,6 5 8-15,-7-5-8 0,1 0 0 16,-1-5 0-16,7 5 0 0,-1 0 0 0,-5 0 0 0,6 0 0 0,-7-6 8 15,7 6-8-15,6 0 0 0,-13 0 0 16,13 0 0-16,0 0 0 0,12 0 0 0,-18 0 9 0,5 0-9 16,7 0 0-16,-12 0 9 0,6 0-9 0,-6 0 0 0,12 6 0 0,6-1 0 15,0 1 0 1,0-1 0-16,-12 12 0 0,12-12 0 0,6 6 0 0,-6 0 0 16,1 11 0-16,-1-16 0 0,-6 10 0 0,6 0 0 15,6 1 9-15,7-1-1 0,-13 6-8 0,19 0-482 16</inkml:trace>
-  <inkml:trace contextRef="#ctx0" brushRef="#br0" timeOffset="93755.4">10361 16397 403 0,'0'0'36'0,"0"0"-36"0,0 0 0 0,0 0 0 0,-12 0 153 0,12 0 24 0,0 0 5 0,0 0 1 15,0 0-134-15,0 0-26 0,0 0-6 0,0 0-1 16,12 0 13-16,6-16 3 0,-5 5 0 0,11 0 0 15,1 5 3-15,0 1 1 0,-1-6 0 0,7 0 0 16,0 0-12-16,6 0-3 0,0 0 0 0,0 5 0 16,6 1-11-16,0-1-2 0,1 1-8 0,-1 5 12 15,0-5-12-15,0 5 0 0,6 0-9 0,1 5 9 16,-1 0 0-16,0-5 0 0,1 6 0 16,5-1 0-16,-5 1-9 0,5-1 1 0,1 1 0 0,-1 5-417 15,1-11-83-15</inkml:trace>
-  <inkml:trace contextRef="#ctx0" brushRef="#br0" timeOffset="127858.11">32947 8713 172 0,'0'0'8'0,"0"0"1"0,0 0-9 0,0 0 0 0</inkml:trace>
-  <inkml:trace contextRef="#ctx0" brushRef="#br0" timeOffset="128233.32">32367 8773 288 0,'0'0'25'0,"0"0"-25"15,0 0 0-15,0 0 0 0,0 0 100 0,0 0 16 16,0 0 2-16,0 0 1 0,0 0-87 0,0 0-16 0,0 0-4 0,0 0-1 16,12 6-11-16,1-12 0 0,-1 6 0 15,0 0 0-15,7 0 0 0,-1-5 0 16,1-1 0-16,6 6 0 0,-1-5 0 0,7 5 0 0,-12 0 8 0,11 0-8 16,7-11 44-16,0 11 4 15,0-11 1-15,7 11 0 0,-7 0 5 0,6-11 1 0,0 11 0 0,0 0 0 16,0-6-14-16,0 6-2 0,0 0-1 0,1-5 0 15,5 5-10-15,6-6-1 16,1 6-1-16,12 0 0 0,0 0-7 0,-1 6-2 16,1-1 0-16,0 1 0 0,0 5-17 0,6 0 0 15,-6 0 0-15,6-6 0 0,-6 6 0 0,-7-5 0 16,1-1-15-16,0 0-406 0,-1 6-82 0</inkml:trace>
-  <inkml:trace contextRef="#ctx0" brushRef="#br0" timeOffset="129216.23">23587 9557 633 0,'0'0'56'0,"0"0"-44"0,0-11-12 0,0 11 0 16,-13-6 62-16,13 6 10 0,0 0 3 0,0 0 0 16,0 0-65-16,0 0-10 0,0 0 0 0,0 0-12 15,0 0-12-15,0 0-1 16,0 0-1-16,19 0 0 0,-7 0 12 0,7 6 2 0,-7-6 1 0,7 5 0 0,-1 1 11 15,7-6 8-15,-7 5-8 0,1 1 11 0,-1-1 19 16,7 1 4-16,-7-1 1 0,7 1 0 16,0 5-1-16,-1 0 0 0,7-11 0 0,0 11 0 0,-6 0-9 0,12 0-1 15,0-6-1-15,12 0 0 16,0 12-15-16,7-12-8 0,6-5 8 0,-1 6-8 16,7 5 8-16,0-11-8 0,6 0 8 15,0-11-8-15,0 11 0 0,12-6 8 0,0 1-8 0,7 5 0 16,-1-17 0-16,1 12 8 0,-1-6-8 0,1 0 0 0,-1 6 0 15,1-6 0-15,-1-6 0 0,1 6 0 0,-1 0 9 16,7-5-9-16,6 10 12 0,-6 1-12 0,-1-1 0 16,-5 6 0-16,-1 0 0 0,-6 6 0 0,7-6-26 0,-7 5 1 15,99 1 0-15,-55-1 0 0</inkml:trace>
-  <inkml:trace contextRef="#ctx0" brushRef="#br0" timeOffset="131345.22">30480 10160 864 0,'0'11'76'0,"0"-11"-60"0,13 5-16 0,-1 1 0 15,6-6 15-15,7 0 0 0,0 0 0 0,6 11 0 16,6-6 3-16,0 1 1 15,0-6 0-15,12 5 0 0,0 6-19 0,7 0 0 0,5-11 0 0,-5 5 0 16,6 6 0-16,-1-5 0 0,-5-1 0 0,5 1 0 16,1-6 13-16,0 5-4 0,-1 1-1 0,1-6-306 15,6-6-62-15</inkml:trace>
-  <inkml:trace contextRef="#ctx0" brushRef="#br0" timeOffset="132032.94">22933 11283 806 0,'19'-11'36'0,"-7"0"7"0,7 0-35 0,5 0-8 0,1 1 0 0,12-1 0 15,0 0 141-15,12 0 27 0,7 5 4 0,12-5 2 16,12 0-139-16,0 6-35 0,12-6 0 0,1 5 0 16,12 1 10-16,-1-1-10 0,7 1 8 0,13-1-8 15,-1 1 9-15,0 5-9 16,1 0 10-16,-7 0-10 0,6 5-20 15,1 1-9-15,110 10-3 0,-62 1 0 0</inkml:trace>
-  <inkml:trace contextRef="#ctx0" brushRef="#br0" timeOffset="192427.04">24018 13624 460 0,'0'0'41'0,"0"0"-33"0,0 0-8 0,0 0 0 15,0 0 98-15,13-11 18 0,-7 0 3 0,0-6 1 16,6 12-59-16,1-6-11 16,-1 0-2-16,0 0-1 0,1-5-19 0,-1 5-3 0,7 11-1 0,-1-11 0 15,-18 11-8-15,12-6-1 0,7 6-1 0,-1-5 0 16,-18 5-6-16,19-6-8 0,-1 6 11 0,-18 0-11 16,19 6 15-16,-7-1-4 0,7-5-1 0,-1 6 0 15,-18-6 10-15,19 11 1 0,-19-11 1 0,24 0 0 16,-24 0-30-16,0 0-7 0,25 11-1 0,0-11 0 15,-1 0 16-15,-24 0 0 0,25 10 0 0,-6-10 0 16,5 0 0-16,-5 6 0 0,5-6 8 0,-5 0-8 16,6 5 8-16,-7-5-8 0,7-5 12 0,-1 5-12 15,1-6 18-15,0 6-3 0,-1-10-1 0,7 10 0 16,-6 0-2-16,6 0-1 0,-7 0 0 16,7 0 0-16,0 0-1 0,0 0 0 0,-7 0 0 0,7 10 0 15,0-10-10-15,-6 6 0 0,-13-6 0 0,7 11 8 0,-1-6-8 16,1 1 0-16,-1-1 0 0,7 1 0 0,6-1-9 0,-1 6-4 15,1-5-1-15,6 5-406 16,-6 0-82-16</inkml:trace>
-  <inkml:trace contextRef="#ctx0" brushRef="#br0" timeOffset="196494">23685 14588 489 0,'0'0'21'0,"0"0"6"0,0 0-27 0,0 0 0 0,0 0 0 0,0 0 0 15,13 0 11-15,-13 0-3 16,0 0-8-16,12 11 12 0,-12-11-2 0,0 0-1 0,0 0 0 0,12 6 0 16,-12-6 15-16,13 5 2 0,-13-5 1 0,12 6 0 31,-12-6 3-31,0 0 1 0,12 5 0 0,7 1 0 0,-19-6-3 0,12 0 0 0,1 0 0 0,-13 0 0 16,12-6 0-16,6 6 0 0,1 0 0 15,-7 0 0-15,7-5-7 0,-7-1-1 0,0 6-1 0,1 0 0 16,-1 0-9-16,0 6-2 0,7-6 0 0,-7 5 0 15,1 1 11-15,-13-6 1 0,12-6 1 0,0 6 0 16,7 0-21-16,-1 0 9 0,1 0-9 0,-7 0 0 16,7 0 20-16,-7 0-4 0,0-5 0 0,1-1 0 15,-1 1 2-15,6 5 0 0,1 0 0 0,-1 0 0 16,-5-6-8-16,-1 6-2 0,-12 0 0 0,12 0 0 16,7 0 2-16,-19 0 0 0,18 0 0 0,1 6 0 15,-19-6-10-15,12 5 0 0,7 1 0 0,-7-1 8 16,0 1-8-16,-12-6 0 0,19 5 0 0,-1 1 0 15,1-6 0-15,-1 5 0 0,-18-5 0 0,0 0 8 16,19 0-8-16,-1 0 0 0,-18 0 0 0,0 0 8 0,13 0-8 0,-13 0 0 16,18 0 0-16,-18 0 0 15,19 0 0-15,-1 11 0 0,-5-11 0 0,-1 0 0 0,-12 0 0 16,12 0 8-16,-12 0-8 0,13 11 8 0,5-11 0 0,-18 0-8 16,12 0 12-16,-12 0-4 15,13 11-8-15,-1-11 8 0,0 6-8 0,1 4 8 0,-13-10-8 16,18 0 0-16,-5 0 0 0,-1 0 8 0,-12 0-8 15,12 0 8-15,7 0-8 0,-7 0 8 0,-12 0-8 0,12 0 0 16,1 0 0-16,-1 0 0 0,0 0 0 0,1 0 8 16,-1 6-8-16,0-6 8 0,1 0-8 0,5-6 8 15,-12 6-8-15,13 0 8 0,-13-5 1 0,12 5 0 16,-5 0 0-16,-1 0 0 0,7-5-9 0,-7-1 0 0,0 6 0 16,7-11 0-16,-1 11 0 0,1 0 0 15,-1-11 0-15,1 11 8 0,-19 0-8 0,0 0 0 16,0 0 0-16,0 0 0 0,0 0 0 0,0 0 0 0,0 0 0 0,18 0 8 15,7 0-8-15,-25 0 12 16,18 0-12-16,1-11 12 0,6 6 0 0,-13 5 0 16,6 0 0-16,7-6 0 0,-25 6-12 0,19 0 0 0,5 0-12 0,-5 0 12 15,-1 0 0-15,1 0 0 16,-1 0 0-16,-5 0 0 0,5-5 0 0,-6 5 0 16,-12 0 0-16,19 5 0 0,-1-5 0 0,-5 6 0 0,-13-6 0 0,18 5 0 15,-5-5 0-15,-13 0 0 0,18-5 0 0,-6 5 0 16,7 16 0-16,-7-16 0 0,1 0 0 0,-1 0 0 0,-12 0 0 0,18 0 0 15,-5 0 0-15,-1 11 8 0,0-11 0 16,1-11 0-16,5 11 0 0,-5 0 0 16,-1 0-8-16,6 0 0 0,-5 0 0 0,5 0 0 15,-5 0 0-15,5 0-9 0,-12 11 9 0,13-11-10 16,-1 0 10-16,1 11 0 0,-1-11 8 0,1 6-8 16,5-1 0-16,-5 0 8 0,-1 1-8 0,7-1 0 15,6 1 0-15,-13-1 0 0,1-5 0 0,-7 6 0 0,13-6 0 0,-7 5 0 16,1-5 0-16,-1 6 0 15,1-6 0-15,6-6 8 0,-7 6-8 0,0 6 0 0,1-6 0 16,-1 5 0-16,1 6 0 0,-1-11-8 0,1 0 8 0,6 0 0 16,-7 11 0-16,7-11 0 0,-7 0 0 0,7 6 0 15,-7-6 0-15,1 0 0 0,6 5 0 0,-7-10 0 16,7-1 0-16,-1 6 0 0,-5 0 0 0,-1 0 0 16,1 0 0-16,6 0 0 0,-7-11 0 0,7 11 8 15,-7-11-8-15,7 6 0 0,-7-1 0 0,7 1 8 16,0 5-8-16,-1 0 0 0,1-11 0 0,0 5 9 15,-1 1-9-15,1-1 0 0,0 1 12 0,-7 0-12 16,1-1 12-16,5-5-12 0,7 0 0 0,-6 11 0 0,6-11 0 0,0 6 0 16,6-6 0-16,-7-6 0 0,7 6 0 0,-6 6 0 15,6-6-17 1,-6 0-11-16,6 11-1 0,-6-11-439 0,6 0-87 0</inkml:trace>
-  <inkml:trace contextRef="#ctx0" brushRef="#br0" timeOffset="198062.09">32194 14769 288 0,'0'0'25'0,"0"0"-25"0,0 0 0 0,13 0 0 15,-13 0 37-15,12 0 3 0,7-5 0 0,-7 5 0 16,0-6-32-16,1-5-8 0,-1 11 0 15,0 0 0-15,7 0 0 0,-7-11 0 0,0 11 0 0,7-5 0 16,-7-1 27-16,7 6 4 16,-7-5 1-16,0 5 0 0,7 5 28 0,-7 1 5 0,-6-1 2 0,7 6 0 15,5 0-16-15,-5-5-3 0,-1-1-1 0,0 6 0 16,1-5-23-16,-1-1-4 0,0 1 0 0,7-1-1 16,-19-5 2-16,12 0 1 0,7 0 0 0,5 0 0 15,-11 0-22-15,5 0 0 0,7 0 0 0,-1 6 0 16,-5-1 0-16,-1 1 0 0,1 4 0 0,-1-10 0 15,-5 0 0-15,5 11 0 0,1-11-12 0,-7 11 4 16,6 0-4-16,-5 0-1 0</inkml:trace>
-  <inkml:trace contextRef="#ctx0" brushRef="#br0" timeOffset="199399.15">34192 14780 172 0,'0'0'16'16,"0"0"-16"-16,0 0 0 0,0 0 0 0,-6 11 17 0,6-11 1 0,0 0 0 0,0 0 0 15,0 0-18-15,0 0 0 0,-6 6 0 0,6-6 0 16,0 0 30-16,0 0 2 0,-6 5 1 0,6-5 0 16,0 0 47-16,0 0 8 0,0 0 3 0,0 0 0 0,0 0-33 0,0 0-6 15,0 0-2-15,0 0 0 16,0 0-28-16,0 0-6 0,0 0 0 0,12 0-1 16,-12 0 9-16,18 0 1 0,1 0 1 0,6 0 0 15,-7-5-1-15,1-1 0 0,5 6 0 0,1-5 0 16,0-1 2-16,-1 6 0 0,7 0 0 0,-6 6 0 0,6-1 2 0,-7 1 1 15,-5-1 0-15,5 1 0 16,7-1-4-16,0 1-1 0,-6 4 0 0,6 1 0 16,6-11-9-16,0 0-3 0,-7 6 0 15,7-1 0-15,0 6 17 0,0-5 3 0,-6 5 1 16,0-6 0-16,0 6-34 0,6-5-9 0,-6 5-1 0,6 0 0 16,-6-11 10-16,12 16 0 0,-6 1 0 0,6-1-8 31,6-5-22-31,-6 0-4 0,50 22-1 0,-19-17 0 0</inkml:trace>
-  <inkml:trace contextRef="#ctx0" brushRef="#br0" timeOffset="204207.92">31726 14561 345 0,'0'0'31'0,"0"0"-31"16,0 0 0-16,0 0 0 0,0 0 98 0,0 0 14 15,0 0 2-15,0 0 1 0,0 0-72 0,6 0-15 16,12 0-2-16,-11 0-1 15,-7 0-11-15,18-6-2 0,-6 1-1 0,7-1 0 0,-7 1-1 0,7 0 0 16,-1 5 0-16,-5 0 0 0,5-6 8 0,-6 6 2 16,-12 0 0-16,19-5 0 0,-1-1-2 0,-18 6 0 15,19 0 0-15,-1-5 0 0,1-1-4 0,-1 6-1 16,-5 0 0-16,5-5 0 0,1-6-4 0,-1 11-1 16,1 0 0-16,-1-11 0 0,-5 11-8 0,5 0 0 0,-6 0 0 15,7-11 8 1,-1 11-8-16,-5 0 0 0,5 0 0 0,1 0 0 0,-7 0 0 0,0 0 0 15,7 0 0-15,-7 11 0 0,1-11 0 0,5 0 0 0,1 0 0 0,-1 0 8 16,1 0-8 0,5 0 12-16,-5 0-12 0,-1 0 12 0,7 0-4 0,-7 0-8 15,7 0 12-15,-6 0-4 0,5 0-8 0,-11 0 12 16,-13 0-12-16,18-11 12 0,-6 11-12 0,1 11 0 16,5-11 0-16,1 0 8 0,-13 0-8 0,12 11 0 15,-5-11 0-15,-1 0 0 0,-12 0 0 0,0 0 0 0,0 0 0 0,19 11 0 16,-1-11 0-16,-18 0 0 0,12 5 0 0,7 6 0 15,-19-11 0-15,18 11 0 0,-18-11 0 0,13 6 0 16,-1 4-9-16,0 1 9 0,-12-11-12 0,13 17-525 16</inkml:trace>
-  <inkml:trace contextRef="#ctx0" brushRef="#br0" timeOffset="205146.5">31812 14665 172 0,'6'0'16'0,"7"0"-16"16,-7 0 0-16,12 0 0 0,-5 0 65 0,5 11 11 15,-6-11 1-15,7 0 1 0,-1 0-49 0,1-11-9 16,-1 11-3-16,1 0 0 0,-1 0 23 0,1 0 4 16,-1 0 0-16,1 0 1 0,-1 0 4 0,7 0 1 15,-6 0 0-15,-1 0 0 0,7 0-28 0,-1 11-6 16,-5-11 0-16,6 6-1 0,-1-6-5 0,1 5-1 16,6 0 0-16,-7 1 0 0,13-1-1 0,-6-5 0 15,0 6 0-15,0-6 0 0,6 5 4 0,-12 1 1 16,-1 5 0-16,7-6 0 0,0-5 6 0,0 0 1 15,0 0 0-15,6 0 0 16,0 0 6-16,-7 11 2 0,7-11 0 0,0 0 0 16,-6 0-4-16,6 0 0 0,0 0 0 0,-6 0 0 15,6 0-6-15,-6 0-2 0,6 0 0 0,0 0 0 0,-6 11-6 0,-1-11-2 16,1 0 0-16,6 6 0 0,6-6-8 16,-6 0 0-16,0 11-12 0,7-6 12 0,-14-5 0 0,7 0 0 15,-12 0 0-15,0 0 0 0,6 6 0 0,-7-1 0 0,1-5 0 0,-7 6 0 16,1-6 0-16,-1 0 8 0,-18 0-8 15,13 0 0-15,-13 0 0 0,0 0 0 0,0 0 0 0,0 0 0 16,0 0 0-16,0 0 0 0,0 0 0 0,0 0 0 16,0 0 10-16,0 0-10 0,0 0 12 0,0 0-12 15,0 0 8-15,0 0-8 0,-13 0 0 0,1 0 0 0,0-6 10 16,-1 6-10-16,-5 0 8 0,-1-5-8 0,7 5 0 0,-6 0 0 16,-1-11 0-16,-6 5 0 15,1 1 0-15,-7 5 0 0,0-6 0 0,0-5 0 16,-6 11 0-16,6 0 15 0,-6-11-3 0,7 6 0 0,-7 5-12 15,0 0 0-15,6 0 8 0,-6 5-8 0,-6-5 0 16,6 11 0-16,-13-11 0 0,1 0-10 16,0 11-4-16,-13-11-1 0,0 17 0 0,7-12 0 0,-1 6 1 15,1 0 0-15,-7-11 0 0,7 11 0 0,-1 5 0 0,7 1 0 16,-7-6 0-16,7 5 0 0,0 1 0 0,-1-6 0 16,1 0 0-16,0 11-356 15,-1-17-71-15</inkml:trace>
-  <inkml:trace contextRef="#ctx0" brushRef="#br0" timeOffset="-178621.12">34180 15904 403 0,'0'0'36'0,"0"0"-36"0,0 0 0 0,0 0 0 16,0 0 99-16,12 5 13 0,7-10 2 0,-7 5 1 15,0-6-85-15,-12 6-17 0,13 0-3 0,5 0-1 0,-6 0 8 0,1 0 2 16,-13 0 0-16,18 0 0 0,-5 0 19 0,5 0 4 15,1 0 1-15,-1 6 0 0,1-1 8 0,5-5 1 16,1 0 1-16,6 6 0 0,0-6-20 16,-7 5-4-16,7 1-1 0,0-1 0 0,0-5-12 0,0 6-4 15,6 5 0-15,6-6 0 0,-6-5-12 0,6 0 8 16,0 0-8-16,-6 0 0 0,6-5 12 16,-6-1-3-16,0 1-1 0,6-1 0 0,1 1 26 15,-7-6 5-15,0 5 1 0,6 1 0 0,0-6-20 0,0 0-4 16,0 11-1-16,0 0 0 0,1 0-4 0,-7 0-1 15,0 0 0-15,6 0 0 0,-6 0 2 0,0 0 0 0,0 11 0 16,0-11 0-16,-7 0 6 0,7 5 2 16,-6-5 0-16,0 0 0 15,0 0-41-15,0 0-8 0,0-5-2 16,-7 5 0-16,1 0-94 0,0-11-19 0,30-11-4 0,-24 5-1 16</inkml:trace>
-  <inkml:trace contextRef="#ctx0" brushRef="#br0" timeOffset="-177517.37">22502 17055 403 0,'0'0'17'0,"24"-6"5"0,1 1-22 0,0 5 0 16,-1-6 0-16,-5 1 0 0,5-1 83 0,-5 1 12 15,-1-1 2-15,1 6 1 16,6-11-26-16,-7 11-6 0,1 0-1 0,-1 0 0 0,1 0-7 0,5 0-2 16,-5 0 0-16,-1 0 0 0,7 0-14 0,0 0-3 15,-1 0-1-15,1 0 0 0,0 0-1 0,12 0 0 16,0 0 0-16,-7 0 0 0,1 0 1 0,6 0 0 15,0 0 0-15,6 0 0 0,1 0-18 0,5 0-4 16,-6 11-1-16,6-11 0 0,1 11-15 16,-1-5 11-16,-6-1-11 0,0 6 10 0,7 0-10 15,-7 0 0-15,6 0 0 0,0 6 8 0,7-6-24 0,-1 5-4 16,1 0-2-16,6 6-702 0</inkml:trace>
-  <inkml:trace contextRef="#ctx0" brushRef="#br0" timeOffset="-163883.83">28612 15734 172 0,'0'0'8'0,"0"0"1"0,0 0-9 0,0 0 0 16,0 0 0-16,0 0 0 0,0 0 112 0,0 0 20 15,0 0 4-15,0 0 0 0,0 0-104 0,-6 5-22 16,6-5-10-16,-12 6 10 0,-1-1-10 0,13-5 0 0,0 0 0 16,0 0 0-16,-12 0 0 0,12 0 0 15,0 0 0-15,0 0 0 0,0 0 0 0,0 0 0 16,0 0 0-16,0 0 0 0,0 0 0 0,0 0 8 0,0 0-8 0,0 0 8 15,0 0 14-15,0 0 2 0,0 0 1 0,0 0 0 16,0 0 9-16,0 0 2 0,0 0 0 0,0 0 0 16,0 0-16-16,0 0-2 0,0 0-1 0,0 0 0 15,0 0-17-15,0 0 0 0,0 0 8 0,0 0-8 16,0 0 0-16,0 11 0 0,0-11 0 0,12 17 0 16,-12-17 0-16,0 0 8 0,13 11-8 0,-1 0 0 15,0-11 16-15,1 11-3 0,5-6-1 0,-6-5 0 16,7 0 6-16,6 0 1 0,-7 0 0 0,7 0 0 15,-1 6-1-15,1-6 0 0,6-6 0 0,-7 1 0 16,-5-6-18-16,6 11 0 0,-1 0 0 0,7 5 0 16,-6-5 0-16,6 6 0 0,-7-6 0 0,7 5 0 15,-6 1 0-15,-1-1 0 0,1-5 0 0,6 6 0 0,-6-1 0 16,-1 0 0-16,1 6 0 0,0-5 0 16,-1 5 8-16,1 0-8 0,0-11 9 0,-1 0-9 0,1 11 12 0,0-11-3 15,5 0-1-15,-5 5 0 0,0-10-8 0,6 5 0 16,-1-11 0-16,7 11 0 0,0 0 0 15,-6 0 18-15,0-11-3 0,0 11-1 0,6 0 11 0,0-11 3 16,6 11 0-16,-6-6 0 16,0 6-12-16,0 0-1 0,0-5-1 0,0-1 0 0,0 6-3 0,0 0-1 15,0 6 0-15,-6-1 0 0,6-5-2 16,0 0-8-16,0 0 12 0,0 0-4 0,0 0-8 0,6-5 0 16,-6-1 0-16,6 1 8 0,6-6-8 0,-5 0 0 15,-1 11 9-15,0-11-9 0,6 6 20 0,1-6 0 16,5 0 0-16,-6 5 0 15,1-5-20-15,-1 6-12 0,0-6 2 0,1 0 0 0,-7 5 10 0,0 1 8 0,0-1-8 0,0-5 11 16,7 0-3-16,-7-5-8 16,6 11 12-16,7-6-4 0,-1 0-8 0,1 5 8 0,-7-5-8 0,6 0 8 15,1 0-8-15,-1 11 0 16,1-16 9-16,-1 10-9 0,-5 1 0 0,-1-1 0 0,0 1 0 0,-5 5 8 16,-1 0-8-16,0 0 0 0,-6 5 0 15,0 1 0-15,6-6 0 0,-6 5 0 0,6 1 0 16,0-6 0-16,1 16 8 0,-7-16-8 0,6 0 8 0,0 0-8 15,0 0 8-15,0 0-8 16,7 0 8-16,5 0-8 0,-12 0 0 0,7 0 0 0,-7 0 0 16,0 0 0-16,0 0 0 0,-6 0 8 0,6 0-8 0,-6 0 0 15,6 0 0-15,-6 0 0 0,6 11 0 0,1-11 0 16,5 6-16-16,13 5 0 0,-7-6-1 0,1 6-459 16,11-5-91-16</inkml:trace>
-  <inkml:trace contextRef="#ctx0" brushRef="#br0" timeOffset="-160500.86">29716 17082 172 0,'0'0'16'0,"0"0"-16"16,0 0 0-16,0 0 0 15,0 0 194-15,0 0 36 0,0 0 7 0,0 0 2 0,0 0-187 0,0 0-36 16,0 0-8-16,0 0-8 0,0 0 0 0,0 0 0 16,0 0 0-16,0 0 0 0,0 0 0 0,0 0 0 15,0 0 0-15,0 0 0 0,0 0 25 0,0 0 6 16,0 0 1-16,12 6 0 0,7 5 12 0,-7-11 4 15,-12 0 0-15,18 11 0 0,7 0-16 0,6-6-2 16,-6 11-1-16,5-10 0 0,1-1-8 0,6 1-1 16,0-1-1-16,0-5 0 15,6 6 6-15,-6-6 2 0,7 0 0 0,-1 0 0 0,0-6-3 0,0 6 0 0,6 0 0 0,1 0 0 16,5 0 0 0,1 0-1-16,-1 0 0 0,1 0 0 0,-1 0-3 0,1 6 0 0,5-6 0 15,-5 11 0-15,5-11-4 0,1 11-2 0,-6-6 0 16,-1 6 0-1,-6 0-6-15,7 0 0 0,-7 0-8 0,1 11 12 0,-1-11-3 0,6 0-1 16,-5 0 0-16,11 0 0 0,-11 0 10 0,5 0 2 0,1 5 0 16,-1-5 0-16,1 0-29 0,-7-5-6 15,6-6-1-15,1 5 0 0,-7-5-2 0,1 0-1 0,-1 0 0 16,0-5 0 0,7-1-106-16,-7 6-22 0,68-27-4 0,-24 10-1 0</inkml:trace>
-  <inkml:trace contextRef="#ctx0" brushRef="#br0" timeOffset="-157906.15">26879 17225 460 0,'0'0'41'0,"0"0"-33"0,0 0-8 0,0 0 0 0,13-6 66 0,-13 6 11 15,12-5 3-15,0-1 0 0,7 1-64 0,-7-1-16 16,-12 6 0-16,13-5 0 15,-1 5 0-15,6-11 9 0,1 11-9 0,6-11 8 0,-1 11 28 0,1-11 6 16,6 5 1-16,0 1 0 0,6-6 17 0,0 5 3 16,0 1 1-16,0 0 0 0,-7-1-21 0,7 1-4 15,0 5-1-15,0-11 0 0,0 11-7 0,0 0-2 16,0 0 0-16,0 0 0 0,6 0-5 0,-6 0-2 16,13 0 0-16,-7 11 0 0,6-11-6 15,1 5 0-15,-1 1-1 0,0-1 0 0,7 0-6 16,-1 1-1-16,1-1 0 0,-7 1 0 0,7-6-8 0,-7 5 0 15,6-5 9-15,-5 0-9 0,-1 0 11 0,7 0-3 16,-1 0 0-16,7 0 0 0,-1 6-8 0,-5-1-14 16,6 1 3-16,-7-6 1 15,7 11-80-15,-1 0-16 0</inkml:trace>
-</inkml:ink>
-</file>
-
-<file path=ppt/ink/ink6.xml><?xml version="1.0" encoding="utf-8"?>
-<inkml:ink xmlns:inkml="http://www.w3.org/2003/InkML">
-  <inkml:definitions>
-    <inkml:context xml:id="ctx0">
-      <inkml:inkSource xml:id="inkSrc0">
-        <inkml:traceFormat>
-          <inkml:channel name="X" type="integer" max="9600" units="cm"/>
-          <inkml:channel name="Y" type="integer" max="7200" units="cm"/>
-          <inkml:channel name="F" type="integer" max="4096" units="dev"/>
-          <inkml:channel name="T" type="integer" max="2.14748E9" units="dev"/>
-        </inkml:traceFormat>
-        <inkml:channelProperties>
-          <inkml:channelProperty channel="X" name="resolution" value="369.51501" units="1/cm"/>
-          <inkml:channelProperty channel="Y" name="resolution" value="415.70438" units="1/cm"/>
-          <inkml:channelProperty channel="F" name="resolution" value="0" units="1/dev"/>
-          <inkml:channelProperty channel="T" name="resolution" value="1" units="1/dev"/>
-        </inkml:channelProperties>
-      </inkml:inkSource>
-      <inkml:timestamp xml:id="ts0" timeString="2021-11-03T16:30:55.688"/>
-    </inkml:context>
-    <inkml:brush xml:id="br0">
-      <inkml:brushProperty name="width" value="0.05292" units="cm"/>
-      <inkml:brushProperty name="height" value="0.05292" units="cm"/>
-      <inkml:brushProperty name="color" value="#FF0000"/>
-    </inkml:brush>
-  </inkml:definitions>
-  <inkml:trace contextRef="#ctx0" brushRef="#br0">12723 17882 576 0,'-25'11'51'0,"19"0"-41"15,0-5-10-15,-7 5 0 0,7-6 68 0,6-5 11 16,0 0 2-16,0 0 1 0,0 0-33 0,0 0-6 0,0 0-2 0,0 0 0 15,0 0-13-15,0 0-4 16,0 0 0-16,0 0 0 0,0 0-24 0,0 0-9 16,0 0 0-16,12-5 0 0,-12 5 9 0,19-6 14 0,6 6-3 0,-13 0-1 15,0 0 8-15,13 0 2 16,0 6 0-16,-7-6 0 0,7 0 18 0,-7 0 4 16,1 5 1-16,5-5 0 0,7 0-24 0,12 0-5 0,-24 0-1 0,24-5 0 31,0-1-13-31,-6 1 0 0,0-12 8 0,6-5-8 15,7 6-96-15,-7-11-23 0</inkml:trace>
-  <inkml:trace contextRef="#ctx0" brushRef="#br0" timeOffset="8806.62">10965 7951 288 0,'13'0'25'0,"17"0"-25"0,7 0 0 0,-6 0 0 0,6 0 52 0,0 0 6 16,6 0 1-16,-6 0 0 16,7 11-27-16,-1-11-4 0,0 11-2 0,0-6 0 0,0 1-12 0,-6-1-2 15,6 1-1-15,0-1 0 16,7 6-11-16,5 0 0 0,-12 0 9 0,7 0-9 0,-1 0 8 0,0-5-8 15,7 10 8-15,-1-5-8 0,-5 0 0 0,5 0 0 16,1 5 0-16,-7-5 0 16,0 0 0-16,-5 0 0 0,-1-5 0 0,6-1 0 15,-6 6 0-15,0 0 0 0,1-5 8 0,-1-1-8 0,6-5 0 0,0 0 9 16,-5 0-9-16,5 0 0 0,0-5 10 0,-6 5-10 16,7 0 8-16,5-6-8 0,-12 1 0 0,7-6 8 15,5 0-8-15,-12 0 0 0,7 5 12 0,-1-5-2 0,-6 0-1 0,0-5 0 16,7 5 6-1,-1 0 1-15,0 0 0 0,1-5 0 0,-1 10-8 0,6-5-8 16,1-11 11-16,6 11-11 0,-7 6 12 0,7-12-12 0,12 6 12 0,-19 6-12 16,7-6 0-16,-7 0 0 0,1 11 0 15,-1-11 0-15,1 11 0 0</inkml:trace>
-  <inkml:trace contextRef="#ctx0" brushRef="#br0" timeOffset="9783.65">8622 9447 288 0,'0'0'25'0,"0"0"-25"15,13-11 0-15,5 11 0 0,-12 0 0 0,7 0 0 16,5 0 0-16,7 0 0 0,-7 0 15 0,13-11-3 16,0 11 0-16,0 0 0 0,6 0-12 0,0 0 0 15,6-5 0-15,0-1 0 0,0 6-13 0,-12 0 4 16,12-5 1-16,-6 5 0 0,6 5 8 0,0 1 0 15,1-6 0-15,-1 0 0 0,0 5 9 0,0-5-9 0,-6 11 12 0,6-11-12 16,-6 0 9-16,0 11-9 16,6-5 0-16,1-1 9 0,-14 6-9 0,20-11 0 0,-7 0 0 0,6 6 0 15,7-1 0-15,-13 1 0 0,0-1 0 0,19 1 8 16,-19-1 11-16,19-5 1 0,-1 5 1 16,-5 6 0-16,-1-11-21 0,1 11-10 0,5-11 1 0,-5 0 0 15,-1 0 19 1,7 0 4-16,0-11 1 0,-7 11 0 0,7 0 0 0,-1-11 0 0,1 6 0 0,12 0 0 15,-12-1 1-15,12 6 1 0,-13 0 0 0,7-5 0 16,0-6 0-16,0 5 0 0,-6 6 0 0,-1-16 0 16,1 10 8-16,-1-5 2 0,7-5 0 0,-6 5 0 15,-19 0-11-15,19 5-1 0,-7-5-1 0,7 0 0 16,-7 6 2-16,1 5 0 0,-1-11 0 0,1 0 0 0,-13 11-6 0,6-11-1 16,1 6 0-16,5-6 0 0,-5-6-9 0,-1 6 12 15,6 0-12-15,7 6 12 0,6-17-12 0,6 11 0 16,-6-6 9-16,-1 1-9 0,14-11 9 0,-7 16-9 15,-7-11 12-15,7 0-12 16,-6 11 10-16,-6 0-10 0,6 5 8 0,-7-5-8 0,1 11 0 0,0 0 0 16,-1 0 0-16</inkml:trace>
-  <inkml:trace contextRef="#ctx0" brushRef="#br0" timeOffset="10944.28">9300 10626 403 0,'0'0'36'0,"13"5"-36"0,5 1 0 0,-5-1 0 16,5 6 35-16,7 0 0 0,-7-11 0 0,7 0 0 16,-7 5-12-16,13 6-3 0,-6-11 0 0,6 6 0 15,0-6 3-15,-1 0 0 0,1 0 0 0,12 0 0 0,-6-6 2 0,19 1 1 16,-13-1 0-16,6 1 0 16,7-6 2-16,-7 0 1 0,7 6 0 0,5-6 0 0,-5 0-6 0,5 5-2 15,13-5 0-15,-12 11 0 0,-6-5-3 0,-1-1-1 16,7 1 0-16,-1 5 0 15,1-11-4-15,0 11-1 0,-1-11 0 0,-5 11 0 0,6 0-3 0,-1 0-1 16,1 0 0-16,0 0 0 0,-7-11-8 16,7 11 0-16,-1 11 0 0,-5-11 8 0,6 0-8 15,-7 0 0-15,7 0 0 0,-1 0 0 0,-5 0-10 0,5 0-7 16,7 0-2-16,-12 0 0 0</inkml:trace>
-  <inkml:trace contextRef="#ctx0" brushRef="#br0" timeOffset="12126.53">9011 11996 504 0,'0'0'22'0,"0"0"5"0,0 0-27 0,0 0 0 0,0 0 0 0,0 0 0 15,0 0 64-15,0 0 8 0,0 0 2 0,0 0 0 16,6 11-34-16,6 0-6 0,-12-11-2 0,19 5 0 16,5 6-9-16,-5 0-3 0,-13-11 0 0,12 11 0 15,7-5-10-15,0 5-2 0,6 0-8 0,-1-1 12 0,1 1-12 0,12 11 0 16,7-11 8-16,-1 0-8 0,0 0 14 0,1 0 0 15,5 0 0-15,1-5 0 16,12-6-6-16,-1 0-8 0,14-6 11 0,5 1-11 0,-6-6 9 0,6 5-9 16,1-5 0-16,5 0 9 15,1 0-9-15,-1-11 8 0,7 1-8 0,-13 10 8 0,13-6 4 0,-7 6 1 16,1-5 0-16,5-6 0 16,1 11-1-16,-6-6 0 0,5 12 0 0,-5-6 0 0,5 0-12 15,-5 0 9-15,5 6-9 0,1 5 8 16,6 0-8-16,0 0 0 0,0 11 0 0,-1 5-528 15</inkml:trace>
-  <inkml:trace contextRef="#ctx0" brushRef="#br0" timeOffset="31193.9">10022 16090 172 0,'0'0'16'0,"0"0"-16"16,0 0 0-16,0 0 0 16,0 0 95-16,0 0 16 0,0 0 3 0,0 0 1 15,0 0-75-15,0 0-14 0,0 0-3 0,0 0-1 0,0 0-22 0,0 0 0 16,-6-5-10-16</inkml:trace>
-  <inkml:trace contextRef="#ctx0" brushRef="#br0" timeOffset="34808.04">9923 16074 388 0,'0'0'17'0,"0"0"4"0,0 0-21 0,0 0 0 0,0 0 0 15,0 0 0-15,0 0 16 0,0 0 0 0,0 0-1 0,0 0 0 0,0 0-15 0,0 0 0 16,0 0 0-16,0 0 0 0,0 0 0 0,0 0-10 16,6 11 2-16,-6-11 0 0,13 11 32 0,-13-11 6 15,0 0 2-15,0 0 0 0,12 11 14 0,-12-11 3 16,0 0 1-16,0 0 0 0,6 16-14 0,-6-16-4 15,0 0 0-15,0 0 0 0,0 0 1 0,0 0 0 0,0 0 0 0,0 16 0 16,0-16-13-16,0 0-2 16,0 0-1-16,0 11 0 0,0-11-9 0,0 11-8 0,0-11 12 0,0 11-12 15,0-11 0-15,0 0 0 0,0 0 0 0,0 17 0 16,13-6 8-16,-13 0-8 0,0-11 0 0,0 11 0 16,0-11 8-16,0 0-8 0,0 0 0 0,0 16 0 15,0-5 14-15,0-11-4 16,0 0-1-16,0 0 0 0,0 11 10 0,0 5 1 0,0-16 1 0,0 0 0 15,-13 6-1-15,13-6 0 0,0 16 0 0,0-16 0 16,-6 17 8-16,6-17 2 0,0 0 0 0,0 11 0 16,0-6-22-16,-12 6-8 0,12-11 0 0,0 17 0 15,0-6 0-15,0-11 0 0,-6 5 0 0,6 6 0 0,-7 11-8 0,7-17 8 16,-6 6 0-16,0 0 0 0,6 0 0 16,0-11 0-16,-6 11 0 0,6 0 0 0,-12 0 0 0,12 0 0 15,0-11 0-15,0 0 0 0,-7 17 0 0,7-17 0 16,0 11 0-16,0-11 0 0,0 0 0 0,-6 16 0 15,6-16 0-15,0 11 0 0,0-11 14 16,6 16-3-16,1-5-1 0,-7-11 0 0,0 0-10 0,0 11 0 16,0-11 0-16,0 0-11 0,0 0 11 0,12 17 8 15,-12-1-8-15,0-5 11 16,0 0-11-16,0-11 10 0,0 0-10 0,0 17 10 0,0 5-10 0,0-11 8 16,0-11-8-16,0 16 8 0,0 0-8 0,0-16 0 15,0 0 0-15,0 17 0 0,0 5 9 0,0-22-9 16,0 11 10-16,0 5-10 0,0 1 0 0,0-17 0 15,0 11 0-15,0-11 0 0,6 16 0 0,-6-16 0 0,0 22 0 0,0-6 0 16,0 1 0-16,0-17 0 16,0 16 9-16,0-5-9 0,0 11 0 0,0-22 0 0,-6 6 8 15,6 10-8-15,6-5 8 0,-6-11-8 0,-6 11 12 0,6 0-4 16,0-11 4-16,0 16 1 16,0-16 0-16,0 11 0 0,0-11-2 0,0 0-1 15,0 17 0-15,-12-6 0 0,12 5-2 0,-7-5-8 0,7-11 12 0,-6 11-4 16,0 6-8-16,6-17 0 0,0 0 0 0,0 11 0 15,-12 0 0-15,12-1 0 0,0-10 0 0,0 11 8 16,-13-5-8-16,13-6 8 0,0 11-8 0,0-11 8 16,-6 11-8-16,6-11 8 0,0 0-8 0,0 0 8 15,0 11-8-15,0-11 0 0,0 11 0 0,0-6 0 16,0-5 0-16,0 0 0 0,0 0 0 0,0 0 0 0,0 0 0 16,0 0 0-16,0 0 0 0,0 11 0 0,0-11 0 15,0 0 0-15,0 0 0 0,0 0 0 0,0 11 0 0,0-11 8 16,0 0-8-16,6 6 0 0,-6-6 0 0,0 0 8 15,13 11-8-15,-13-11 0 16,0 0 0-16,0 0 0 0,0 0 0 0,0 0 0 0,12 5 0 0,-12-5 8 16,0 0-8-16,12 0 0 0,7 6 0 0,-19-6 0 15,0 0 0-15,6-6 0 16,6 1 0-16,13 5 8 0,-19 0-8 0,7 0 0 0,-13 0 0 0,12-6 0 16,0 6 0-16,-12 0 0 0,0 0 0 0,19-5 0 15,-13 5 0-15,12-6 0 0,1 6 0 0,-19 0 0 0,0 0 0 0,6-5 0 16,6-1 0-16,7 6 0 15,-7 0 0-15,7-5 0 0,-7 5 0 0,13-6 0 0,-25 6 0 16,6 0 0-16,6 0 0 0,-12 0 0 0,0 0 0 16,19 0 0-16,-19 0 0 0,12 6 0 15,-12-6 0-15,0 0 0 0,0 0 0 0,18 0 0 16,-5 0 0-16,11 0 0 0,-24 0 0 0,7 0 0 0,-7 0 0 0,0 0 0 16,0 0 0-16,18 0 0 15,-6 0 0-15,-12 0 0 0,0 0 0 0,0 0 0 0,0 0 0 0,25 0 0 16,-19 0 0-16,-6 0 0 0,0 0 0 0,0 0 0 15,19 5 0-15,-19-5 0 0,0 0 0 0,0 0 0 16,18 0 0-16,-18 0 0 0,0 0 0 0,13 6 0 16,-13-6 0-16,12 5 0 0,-12-5 0 0,12 6 0 15,13-1 0-15,-25-5 0 0,6 6 0 0,6-6 0 16,-12 0 0-16,25 5 0 0,-19 1 0 16,7-6 0-16,-13 0 0 0,18 5 0 15,-6 6 0-15,1-11 0 0,5 0 0 0,-18 0 0 0,0 0 0 0,13 11 0 0,-1-11 0 16,0 0 0-16,-12 0 0 0,0 0 0 0,19 0 0 15,-13 11 0-15,-6-11 0 0,0 0 0 0,12 0 0 0,-12 0 0 16,13 0 0-16,-13 0 0 16,12 0 0-16,-12 0 0 0,12 0 0 0,-12 0 0 0,0 0 0 0,19 0 8 15,-7 0-8-15,-6 0 0 0,-6 0 0 0,13 0 0 16,-1-11 0-16,-12 11 0 0,18 0 0 0,-5 0 0 16,-7 0 0-16,6 0 0 0,7-11 8 0,-7 11-8 15,0 0 8-15,7 0-8 0,-7-11 0 0,1 11 0 0,-13 0 0 16,18-5 0-16,-6 5 0 15,-12 0 0-15,7 0 0 0,5-6 0 0,0 6 0 0,1-5 0 0,5 5 0 0,-18 0 0 16,0 0 0-16,0 0 0 0,6-6 0 16,7 1 0-16,-1-1 0 0,0 6 0 0,7-5 0 0,-19 5 0 15,12-6 0-15,0 1 0 16,-5-1 0-16,5 6 0 0,-12 0 0 0,18-5 0 0,-18 5 0 16,0 0 0-16,25 0 0 0,-25 0 0 0,0 0 0 0,19 0 0 15,5 0 0-15,-5 0 0 16,-19 0 0-16,12-11 0 0,7 11 0 0,-19 0 0 0,12-11 0 0,-12 11 0 15,18 0 0-15,-5 0 0 0,5-6 0 0,-18 6 0 16,13 0 0-16,-13 0 0 0,12 0 0 0,6-5 0 16,-18 5 0-16,13 0 0 0,-13 0 0 0,0 0 0 15,12 0 0-15,-12 0 0 0,0 0 0 0,0 0 0 16,19 0 0-16,-7 0 0 0,-12 0 0 0,0 0 0 16,12 0 0-16,7 0 0 0,-19 0 0 0,12 0 0 15,7 0 0-15,-7 0 0 0,-12 0 0 0,12 0 0 16,-12 0 0-16,19 0 0 0,-7 0 0 0,-12 0 0 0,12 0 0 15,1 5 0-15,-13-5 0 0,0 0 0 16,0 0 0-16,24 0 0 0,-18 0 0 0,-6 0 0 0,0 0 0 0,19 0 0 16,-1 0 0-16,-5 0 0 0,-1 6 0 15,0-6 0-15,-12 0 0 0,13-6 0 0,5 6 0 0,1 0 0 16,-1-5 0-16,-12 5 0 16,7 0 0-16,5 0 0 0,-5-6 0 0,-1 6 0 0,0 0 0 0,-6 0 0 15,-6 0 0-15,25 0 0 0,-25 0 0 0,0 0 0 16,0 0 0-16,0 0 0 0,0 0 0 0,6 6 0 15,-6-6 0-15,6 0 0 0,-6 0 0 0,13 5 0 16,-1-5 0-16,-12 0 0 0,0 0 0 0,25 0 0 16,-19-5 0-16,6 5 0 0,13 0 0 0,-19 0 0 15,6 0 0-15,1-6 0 0,-13 6 0 0,12 0 0 16,7 0 0-16,-19 0 0 0,18 0 0 0,-18 0 0 16,0 0 0-16,0 0 0 0,12 0 0 0,-12 0 0 0,0 0 9 0,13 0-9 15,5 0 0-15,-5 0 0 0,-13 0 0 0,18 0 0 16,-18 0 0-16,12-5 0 0,7-1 0 0,6 6 0 15,-13 0 0-15,0 0 0 0,7-5 0 0,-1 5 0 16,-5-6 0-16,5 1 0 0,-6 5 0 0,-12 0 0 16,13-5 0-16,-13 5 0 0,0 0 0 0,18-6 0 15,-18 6 0-15,13 0 0 16,-13 0 0-16,18 0 0 0,-6 0 0 0,-12 0 0 0,19 0 0 0,-19 0 0 16,12 0 0-16,-12 0 0 0,13 0 0 0,-1 0 0 15,-12 0 0-15,12 0 0 0,-12 0 0 0,0 0 0 0,0 0 0 0,19 0 0 16,-19 0 0-16,0 0 0 15,0 0 0-15,12 0 0 0,-12 0 0 0,12 0 0 16,-12 0 0-16,0 0 0 0,0 0 0 0,25 0 0 0,-19 0 0 0,-6 0 0 16,0 0 0-16,0 0 0 0,13 6 0 0,-13-6 0 15,0 0 0-15,12 0 0 0,-12 0 0 0,12 5 0 16,-12-5 0-16,0 0 0 0,0 0 0 0,13 0 0 16,-13 0 0-16,12-5 0 0,0 5 0 0,-12 0 8 15,0 0-8-15,0 0 8 16,0 0-8-16,13-6 0 0,-1 12 0 0,-12-6 8 0,0 0-8 0,0 0 0 15,0 0 0-15,12 0 0 0,7 5 0 0,-19-5 0 16,0 0 0-16,12-5 0 0,-12 5 0 0,0 0 0 0,0 0 0 16,12 0 8-16,-12 0-8 0,0 0 0 15,0 0 0-15,7 0 0 0,5 5 0 0,-12-5 8 16,0 0-8-16,0 0 0 0,0 0 8 0,12 0-8 0,-12 0 8 16,0 0-8-16,0 0 0 0,19 0 8 0,-7 0-8 0,-12 0 0 15,0 0 0-15,6 0 0 16,13 0 0-16,-7 0 0 0,-12 0 0 0,12 0 9 15,-12 0-9-15,13 5 0 0,-1-5 10 0,7 0-10 0,-19 0 8 0,6 0-8 16,6 0 16-16,0 0-3 0,-12 0 0 0,0 0 0 16,13 0-13-16,-13 0 0 0,12 0 0 0,-12 0 0 0,12 6 0 15,1-6 0-15,-13 0 0 0,0 0 0 16,0 0 0-16,24 5 0 0,-24-5 0 0,13 6 0 16,-1-6 0-16,-12 0 11 0,18 0-11 0,-18 0 10 15,0 0-10-15,0 0 10 0,0 0-10 0,0 0 10 0,7 5-10 0,-7-5 8 16,0 0-8-16,12 6 8 0,6 5-8 15,-5-11 0 1,-13 0 0-16,0 0 0 0,18 11 8 0,1 0-8 0,-19-11 8 0,18 0-8 0,1 0 8 0,-1 0-8 16,-5 0 0-16,-1 0 8 0,6 0-8 15,-18 0 8-15,25-11-8 0,-25 11 8 0,0 0-8 0,12 0 0 16,-12 0 0-16,19 0 8 16,-19 0-8-16,0 0 0 0,0 0 0 0,18 0 0 0,-18 0 8 0,0 0-8 15,0 0 8-15,19-11-8 0,6 11 8 0,-25 0-8 16,12 0 0-16,-12 0 8 0,0 0-8 0,18 0 0 15,-18 0 0-15,19 0 8 0,-19 0-8 0,25-6 0 16,-25 6 0-16,0 0 8 0,6 0-8 0,-6 0 0 16,0 0 0-16,18 6 8 0,1-6-8 0,-19 0 0 15,12 0 0-15,0 11 0 0,-12-11 0 0,13 0 0 16,5 0 0-16,-5 0 0 0,-13 0 0 0,12 0 0 0,-12 0 0 16,12 11 0-16,1-11 0 0,5 5 0 0,-6-5 0 0,1 6 0 15,-13-6 0-15,0 0 0 0,0 0 0 0,12 5 0 16,0-5 0-16,-12 0 0 0,0 0 0 0,13 6 0 15,-1-6 0-15,-12 0 0 0,12 5 0 0,-12-5 0 16,7 0 0-16,5 11 0 0,-12-11 0 0,6 6 0 16,6-6 0-16,-12 0 0 0,0 0 0 0,0 0 0 15,0 0 0-15,13 0-17 0,-7 0 4 0,-6 0 1 16,0 0 20-16,6 5 5 0,6 1 1 0,1-6 0 16,-13 0-14-16,18 0 0 0,-18 0 0 0,0 0 0 15,0 0-12-15,0 0 0 0,0 0 1 0,0 0 0 16,13 5 19-16,-13-5 3 0,0 0 1 0,0 0 0 15,0 0-12-15,0 0 0 0,0 0 0 0,0 0 0 0,0 0 16 0,0 0 2 16,12-5 0-16,-12 5 0 16,0 0-27-16,0 0-6 0,0 0-1 0,0 0 0 0,0 0 28 0,0 0 4 15,6-6 2-15,-6 6 0 0,0 0-27 0,0 0-6 16,0 0-1-16,0 0 0 0,0 0 26 0,12-5 5 16,-12 5 1-16,0 0 0 0,0 0-16 0,0 0 0 15,0 0 0-15,7-11 0 0,5 0 0 0,-6 5 0 16,-6 6 0-16,0 0 0 0,6-5 0 0,-6 5 0 15,6-11 0-15,-6 11 0 0,0 0 0 0,7 0 0 0,-1-11 0 16,-6 11 0-16,0 0 0 0,12-17 0 0,-12 6 0 0,0 6 0 16,0 5 0-16,0-11 0 0,0 0 0 15,0-5 0-15,0 5 0 0,-12-6-21 0,6 1 3 0,-1-1 1 16,1 1 17-16,6-1-12 16,-12 6 12-16,6-10-10 0,6 4 10 0,-6-5 0 0,-1 11 0 0,7-11 0 15,-6 6 0-15,6-1 0 16,0 1 0-16,0 5 0 0,6-11 0 0,1 6 0 0,-7-1 0 15,6 1 0-15,-6 5 0 0,6 0 0 0,0 0 0 0,-6 0 0 16,0-6 0-16,6 6-20 0,-6 0 4 0,0 11 1 31,0-10-9-31,0 10-1 0,0-11-1 0,6 0 0 0,-6 0 6 0,0-11 2 16,0 5 0-16,0 6 0 0,0-11 26 0,0 11 4 0,13-5 2 0,-13 0 0 16,12-1-14-16,-12 1 0 0,0-1 0 0,0 17 0 15,0-11-12-15,0 0 2 0,0 0 0 0,0 11 0 16,6-11 18-16,0 0 3 0,1 6 1 0,-7 5 0 15,0 0-12-15,0-11 0 0,6 0 0 0,-6 11 0 0,0 0-15 0,0 0-5 16,0 0 0-16,6-11-1 16,0 0 21-16,-6 11 0 0,0 0-9 0,0 0 9 0,0 0 0 0,0 0 0 15,0 0 0-15,0 0 0 16,0 0 0-16,0 0-12 0,0 0 12 0,0 0-10 0,-12 0 10 0,-1-5-8 16,1 5 8-16,12 0-8 0,0 0 8 0,0 0 0 15,0 0 0-15,0 0-8 16,0 0 8-16,0 0 0 0,0 0 0 0,0 0 0 0,0 0 0 0,0 0 0 15,0 0 0-15,0 0 0 0,0 0 0 0,0 0 0 16,0 0 0-16,0 0 0 0,0-11 0 0,0 11 0 16,0 0 0-16,6-11-8 0,0 0 8 0,1 0 0 15,-7 11 0-15,0 0-8 0,0 0 8 0,0 0 0 16,6-11 0-16,0 0 0 0,0 11 0 0,-6 0 0 16,0 0 0-16,6-17 0 0,0 6 0 0,-6 11 0 15,7-11-8-15,-7 11 8 0,0 0 0 0,0 0 0 16,-7-10 0-16,7 10 0 0,-6-11 0 0,6 11 0 0,0 0 0 0,0 0 8 15,-12-6-8-15,12 6-8 16,0 0 8-16,0 0-12 0,-6-5 1 0,0-1 0 0,-7 1 0 16,7 5 0-1,-6 0-23-15,-1 0-5 0,1 0-1 0,0 0 0 16,-7 0 9-16,7 0 2 0,-7 5 0 0,1 1 0 0,-1-1 20 0,1 6 9 16,-1-5-8-16,1 4 8 0,-1 1 0 0,7 6 8 15,-6-6 0-15,5 0 0 0,1 0-8 0,0 0 12 0,5-6-4 0,1 6 0 16,0 0-8-16,0 0 8 0,6-11-8 0,0 0 8 15,0 0-8-15,0 0 0 0,0 0 0 0,0 0 0 0,0 0 8 0,0 0 1 16,0 0 0-16,0 0 0 0,0 0-1 0,18 11-8 16,-18-11 12-16,13 0-4 15,5-11 0-15,-5 6-8 0,5-1 12 0,-6 1-4 0,7 5-8 16,-1-6 0-16,1 1 0 0,-7 5 8 0,7-6-8 0,-1 6 0 16,1-5 0-16,-1-1 8 0,-5 6-8 0,-1 6 0 15,6-6 0-15,-5 0 0 0,-13 0 0 0,12 5 0 16,7 1 0-16,-1 5 0 0,-6-11 0 15,1 11 0-15,-1-6 0 0,7 6 0 0,-7 0 0 16,-12-11 0-16,6 5-9 0,0 6 9 0,-6-11 0 0,6 11 0 16,-6 6 0-16,7-1 0 0,-7 6 0 0,0-11 0 0,0-11 0 0,6 17 0 15,-6-1-21-15,6 1-1 16,-6 4 0-16,0-21 0 0</inkml:trace>
-  <inkml:trace contextRef="#ctx0" brushRef="#br0" timeOffset="35887.58">13974 16107 230 0,'0'0'10'0,"0"0"2"0,19 11-12 0,-1-6 0 15,-18-5 0-15,19 0 0 16,-1 0 149-16,7 5 27 0,-13 6 6 0,7-11 1 16,-19 0-128-16,24 0-26 0,-11 11-5 0,5-11 0 0,-18 0-9 0,19 0-2 15,-1 0 0-15,1 0 0 16,-1-11-13-16,1 11 0 0,-7 0 8 0,6 0-8 0,1 0 0 0,-7-11 0 16,7 11 0-16,-1 0 0 0,1-5 0 0,-1 5 0 15,1-5 0-15,-1 5 0 16,1 0 13-16,5 0 0 0,-5-6 0 0,6 6 0 0,-1 0 7 0,1 0 2 15,-7 0 0-15,7 0 0 16,-6 0-6-16,5 6 0 0,-5-1-1 0,12-5 0 16,-19 5-15-16,13-5 0 0,-7 0 0 0,1 0 0 15,-19 0 0-15,18 0 0 0,7 0 8 0,-1 0-8 0,1-5 0 0,6 0 9 16,0-1-9-16,6 6 8 0,-6-5-8 16,-1-1 12-16,1-5-12 0,0 6 12 0,0-1 1 0,-6 1 1 15,-1-1 0-15,7 6 0 0,-6-11 2 0,-1 11 0 16,1 0 0-16,0-11 0 0,-7 11 0 0,7 0 1 15,6-11 0-15,-7 6 0 0,1-1-4 0,0 6-1 0,6-5 0 16,-1-1 0-16,-5 1-3 0,6 5-1 16,12 0 0-16,-6 0 0 0,0-6-8 0,0 6 0 0,-6 0 0 15,6 0-11-15,0 0 29 0,-6 0 6 0,-1 0 0 16,-5 0 1-16,6 0-25 0,-6 0 0 16,5 0 0-16,-5 0 0 0,6 6 0 0,-6-6 12 0,-1 5-2 15,1-5 0-15,0 0 2 0,-1 0 1 0,1 0 0 16,6 0 0-16,-7 0 0 0,1 0 0 0,0 0 0 15,-1 0 0-15,7-5 6 0,6 5 1 0,-12-6 0 0,12 1 0 16,6 5-5-16,0 0-1 0,-18 0 0 0,6 0 0 0,6 0-14 16,-6 0 11-16,-7 0-11 0,1 5 10 15,-13-5-10-15,13 6 0 0,18-1 0 0,-12 1 8 0,-19 5-8 16,13-6 0-16,6 6 0 0,-1-11 0 0,-11 11 0 16,12 0 0-16,-7-11 0 0,1 6 0 0,6 5 0 0,-6-6 0 15,5 1 0-15,-5-1 0 0,6-5 0 16,-6 6 0-16,-7-6 0 0,7 5 8 0,6 1-8 15,-1-1 0-15,-5-5 0 0,0 5-818 16</inkml:trace>
-  <inkml:trace contextRef="#ctx0" brushRef="#br0" timeOffset="77559.08">22736 19483 230 0,'0'0'20'0,"0"0"-20"15,0 0 0-15,0 0 0 0,0 0 72 0,0 0 11 16,0 0 1-16,0 0 1 0,12 0-53 0,-12 0-12 16,0 0-1-16,13-6-1 0,5 6 14 0,-6-5 4 15,-12 5 0-15,13-6 0 16,-1 1 12-16,0-6 4 0,7 11 0 0,-7-11 0 0,1-5 6 0,5 5 2 0,1-6 0 15,5 1 0-15,-5-6-13 0,12-6-3 0,-1 1 0 16,1 0 0-16,6-6-17 0,0 0-4 16,6-6-1-16,7 7 0 0,-1-7-7 0,7 1-2 0,-1 5 0 15,1-5 0-15,-7 5-4 0,0 0-1 0,0-6 0 0,1 7 0 16,-7-7-8-16,0 6 12 0,0 0-12 16,0-5 12-16,-6 5-12 0,7 11-9 0,-1-16 9 0,0 10-13 15,0-4 21-15,-6 4 5 0,6 1 1 0,-12-6 0 16,6 5-14-16,0 7 0 15,-6-1 0-15,-6-6 0 0,5 12 0 0,-5-6 0 0,-6 5 0 16,5 6 0-16,-5 0-9 0,-1 0 9 16,1 1-13-16,-7-1 5 15,7 0-27-15,-7 5-5 0,0-5 0 0,-12 11-368 16,0 0-74-16</inkml:trace>
-  <inkml:trace contextRef="#ctx0" brushRef="#br0" timeOffset="78177.38">23272 18748 691 0,'19'-16'15'0,"-7"5"3"0,1 0 1 0,11-5 1 0,1 5-20 0,6-6 0 0,0-10 0 0,6-1 0 0,6 1 21 0,-6 0 1 16,6-6 0-16,0 0 0 15,0 0-2-15,6 0 0 0,1-5 0 0,-1 5 0 16,0 5 0-16,7-10-1 0,-7 0 0 0,1 10 0 15,-1-5-8-15,0 6-2 0,1-6 0 0,-1 6 0 16,0-1-9-16,1 1 0 0,-1-6 0 0,-6 6 8 0,0-6-8 0,7 5 0 16,-13 1 0-16,0 10 0 15,0-15 0-15,-7 10 0 0,1 0 0 0,-6 5 0 0,0 1 0 16,-7 5 0-16,1 5-9 0,-7 6 9 0,0 0 0 0,-12 0 0 16,0 0 0-16,6 17 0 0,-12 10 26 15,0-5 2-15,-6 11 1 0,-1 5 0 0,-5-5-5 16,-1 17 0-16,-5-7-1 0,-7 12 0 0,-6 0-11 0,0 0-1 15,0 11-1-15,-6-1 0 0,6-10-10 0,0 5 0 16,0 1 9-16,6-6-529 0</inkml:trace>
-  <inkml:trace contextRef="#ctx0" brushRef="#br0" timeOffset="81752.45">21330 16205 388 0,'0'0'17'0,"0"0"4"0,0 0-21 0,19 0 0 0,-1-5 0 0,-18 5 0 0,19-6 12 0,-19 6-3 15,12-5 0-15,6-1 0 0,-18 6 0 0,19 0 0 16,-19 0 0-16,18 0 0 16,-18 0-9-16,19 0 0 0,-19 0 9 0,25 0-9 0,-7 0 0 0,-18 0 0 15,25 0 0-15,-7 0 0 0,1 0 0 0,-19 0 0 16,18 0 0-16,1 0 0 0,-1 0 0 0,1 0 0 0,-1 0 0 0,1 0 0 16,-19 0 0-16,18 0 0 0,-5 0 0 0,5 0 0 15,-6 0 0-15,1 0 0 16,5-5 0-16,-5 5 0 0,-1-6 0 0,6 6 8 15,1-5-8-15,-1 5 0 0,-5-6 0 0,-1 1 8 16,7-1-8-16,-7 6 0 0,0 0 0 0,7-11 0 0,-7 11 0 0,7-11 0 16,-1 11 0-16,-6-5 9 0,1 5-9 0,-1 0 0 15,7-5 21-15,-7 5-2 0,0 0-1 0,1 0 0 16,-13 0 3-16,12 5 1 0,6 0 0 0,1-5 0 16,-19 0-5-16,12 0-1 0,0 11 0 15,7-11 0-15,-7 0-8 0,1 11-8 0,-1-11 9 0,-12 0-9 16,0 0 8-16,0 0-8 0,0 0 0 0,12 6 0 15,7-1 8-15,-7 1-8 0,-12-6 0 0,0 0 0 16,0 0 16-16,12 5-2 0,-12-5-1 0,13 11 0 0,-13-11 9 16,0 0 2-16,0 0 0 0,12 11 0 15,-6 0-9-15,-6-11-2 0,0 0 0 0,13 17 0 16,-1-6-13-16,-12-11 0 0,0 0 8 0,6 5-8 0,-6-5 0 16,12 11 0-16,-12-11 8 0,7 11-8 15,-7-11 0-15,12 16 0 0,0-5 0 0,1 0 0 0,-13-11 0 0,12 6 0 16,-12-6 0-16,12 11 0 0,1 0 0 0,-13-11 0 15,0 0 0-15,12 11 0 0,6 0 0 0,-11 0 0 16,-7-11 0-16,0 0 0 0,12 11 0 0,-12-11 0 16,12 11 8-16,-12-11-8 0,0 0 0 0,13 16 0 15,-7-5 0-15,-6-11 0 16,0 0 0-16,12 11 0 0,-12-11 0 0,12 11 0 0,-12-11 0 0,7 11 0 16,-7-11 0-16,6 11 0 0,-6-11 0 0,12 11 0 0,0 5 0 15,1-16 0-15,-13 0 0 0,12 11 0 16,0 0 0-16,1-11 0 0,5 0 0 0,-5 0 0 15,-1 0 0-15,6 0 0 0,-5 6 0 0,-1-1 8 0,0-10-8 0,1 10 0 16,5 1 0-16,-5-1 0 16,5-5 0-16,-6 6 0 0,1-1 0 0,-1-5 0 0,0 0-8 0,7 6 8 15,-13-1 0-15,13-5 0 0,-7 0 0 0,0 0 0 16,7 0 0-16,-7 0 0 0,13 0-8 16,-13 6 8-16,7-6 0 0,5 0 0 0,-5-6 0 0,12 6 0 15,-7-5 0-15,1-1 0 0,-7 1-8 0,7-6-262 16,12 11-52-1</inkml:trace>
-  <inkml:trace contextRef="#ctx0" brushRef="#br0" timeOffset="83457.14">21762 16298 529 0,'0'0'23'0,"0"0"5"0,18 0-28 0,-5 6 0 0,-1-12 0 0,6 6 0 16,-5 0 19-16,-1 0-3 16,0-5 0-16,1 5 0 0,5 0-16 0,-5 0 10 0,5 0-10 0,-6-6 8 15,7 6-8-15,-1 0 0 0,1-5 9 0,-1 5-9 16,-5-6 0-16,5 6 8 0,7-5-8 0,-7 0 0 15,1-1 8-15,6 6-8 0,-1-5 8 0,-5-1-8 16,5 1 8-16,-11-1-8 0,-13 6 10 0,18-5-10 16,-6 5 13-16,7 0-3 0,-7 0-1 0,7 0 0 15,-7-11-1-15,0 11-8 0,7 0 12 0,-7 0-4 16,7 0-8-16,-7 0 8 0,7 0-8 0,-7 0 8 0,6 0-8 0,1 0 0 16,-1 0 0-16,1 0 8 0,-1 0-8 15,7 0 0-15,-13 0 0 0,7 0 8 0,-1 0-8 0,1 0 0 16,-19 0 0-16,18 0 0 0,1 0 0 0,-1 0 0 15,1 0 0-15,-7 0 0 16,7 0 0-16,-7 11 0 0,7-11 0 0,-7 0 0 0,0 5 0 16,7 6 10-16,-7-11-10 0,0 11 10 0,1-5-10 0,-1 4 12 15,0-4-12-15,7-1 12 0,-13 1-12 16,13-1 10-16,-7 1-10 0,0 5 10 0,1-11-10 0,5 11 0 16,-6-6 0-16,1-5 8 0,5 6-8 0,-5-6 0 15,5 5 0-15,1-5 8 0,-1 6-8 0,1-1 0 16,-7 1 0-16,0-6 8 0,7 11 0 15,-7-6-8-15,0 1 12 0,-5 10-4 0,5-16 0 16,0 11 0-16,1-6 0 0,-1 1 0 0,0 5 1 0,1-6 0 16,-1 6 0-16,6-5 0 0,1 5-9 0,-7-11 8 0,1 5-8 15,-1 6 8-15,6-11-8 0,-5 11 0 0,5-11 0 16,1 0 8-16,-1 0-8 0,1 0 10 0,-1 0-10 0,-5 11 10 16,11-11-10-16,-5 0 8 0,-1 0-8 0,1 0 8 15,-1 0-8-15,1 0 0 0,-19 0 0 0,18 0 8 16,-6 0-8-16,7 6 0 0,-1-6 0 0,-5 0 8 15,5 5-8-15,-5-5 0 0,5 0 0 0,1 0 8 16,-1 6-8-16,1-6 0 16,-7 0 0-16,6 0 8 0,-5 0-8 0,5-6 0 15,-5 6 0-15,5-5 0 0,-6 5 0 0,7-6 0 0,-7 6 0 0,7 0 0 16,-1 0 0-16,-5 0 0 0,-1 0 0 0,0 0 0 16,7 0 0-16,-7 0 0 0,7-11 9 0,-7 11-9 15,0 11 0-15,7-11 0 0,-7 0 0 0,0 0-8 16,1 0 8-16,5 0 0 0,-18 0 0 0,6 0 0 15,-6 0 12-15,19 0-1 0,-7 0-1 0,7 0 0 0,-7 0-10 16,-12 0-14-16,0 0 3 0,19 0 1 0,-7 0 10 16,-12 0 0-16,18 6 0 0,-5-6-8 15,-1 0 8-15,0 0-12 0,-12 0 12 0,19-6-12 16,-1 6-32-16,1-11-8 16</inkml:trace>
-  <inkml:trace contextRef="#ctx0" brushRef="#br0" timeOffset="83907.36">24506 16101 230 0,'24'11'20'0,"-11"-11"-20"0,5 0 0 0,1 6 0 16,-1-1 20-16,-6-5 0 0,7 5 0 0,-1-5 0 0,-5 11-20 0,5-11 0 16,-5 11 0-16,-1-5 0 15,0-6 11-15,-12 0-3 0,0 0 0 0,0 0 0 0,0 16 44 0,0-5 8 16,-6 6 1-16,0 5 1 0,0-11 18 0,-13 11 3 16,7-6 1-16,-7 6 0 0,-5 0-39 0,5 0-7 15,-12 5-2-15,7-5 0 0,-7 0-15 0,0-6-3 16,0 1-1-16,0 5 0 15,-6-6-5-15,7-5 0 0,-1 6-1 0,-6-1 0 0,0 1-11 16,6-1 0-16,0 11 0 0,0-16-481 0</inkml:trace>
-</inkml:ink>
-</file>
-
-<file path=ppt/ink/ink7.xml><?xml version="1.0" encoding="utf-8"?>
-<inkml:ink xmlns:inkml="http://www.w3.org/2003/InkML">
-  <inkml:definitions>
-    <inkml:context xml:id="ctx0">
-      <inkml:inkSource xml:id="inkSrc0">
-        <inkml:traceFormat>
-          <inkml:channel name="X" type="integer" max="9600" units="cm"/>
-          <inkml:channel name="Y" type="integer" max="7200" units="cm"/>
-          <inkml:channel name="F" type="integer" max="4096" units="dev"/>
-          <inkml:channel name="T" type="integer" max="2.14748E9" units="dev"/>
-        </inkml:traceFormat>
-        <inkml:channelProperties>
-          <inkml:channelProperty channel="X" name="resolution" value="369.51501" units="1/cm"/>
-          <inkml:channelProperty channel="Y" name="resolution" value="415.70438" units="1/cm"/>
-          <inkml:channelProperty channel="F" name="resolution" value="0" units="1/dev"/>
-          <inkml:channelProperty channel="T" name="resolution" value="1" units="1/dev"/>
-        </inkml:channelProperties>
-      </inkml:inkSource>
       <inkml:timestamp xml:id="ts0" timeString="2019-03-06T10:06:54.050"/>
     </inkml:context>
     <inkml:brush xml:id="br0">
@@ -672,7 +318,7 @@
 </inkml:ink>
 </file>
 
-<file path=ppt/ink/ink8.xml><?xml version="1.0" encoding="utf-8"?>
+<file path=ppt/ink/ink3.xml><?xml version="1.0" encoding="utf-8"?>
 <inkml:ink xmlns:inkml="http://www.w3.org/2003/InkML">
   <inkml:definitions>
     <inkml:context xml:id="ctx0">
@@ -703,7 +349,7 @@
 </inkml:ink>
 </file>
 
-<file path=ppt/ink/ink9.xml><?xml version="1.0" encoding="utf-8"?>
+<file path=ppt/ink/ink4.xml><?xml version="1.0" encoding="utf-8"?>
 <inkml:ink xmlns:inkml="http://www.w3.org/2003/InkML">
   <inkml:definitions>
     <inkml:context xml:id="ctx0">
@@ -731,6 +377,166 @@
     </inkml:brush>
   </inkml:definitions>
   <inkml:trace contextRef="#ctx0" brushRef="#br0">1 1 1664 0 0,'0'0'168'0'0</inkml:trace>
+</inkml:ink>
+</file>
+
+<file path=ppt/ink/ink5.xml><?xml version="1.0" encoding="utf-8"?>
+<inkml:ink xmlns:inkml="http://www.w3.org/2003/InkML">
+  <inkml:definitions>
+    <inkml:context xml:id="ctx0">
+      <inkml:inkSource xml:id="inkSrc0">
+        <inkml:traceFormat>
+          <inkml:channel name="X" type="integer" min="-2.14748E9" max="2.14748E9" units="cm"/>
+          <inkml:channel name="Y" type="integer" min="-2.14748E9" max="2.14748E9" units="cm"/>
+          <inkml:channel name="F" type="integer" max="32767" units="dev"/>
+          <inkml:channel name="OA" type="integer" max="360" units="deg"/>
+          <inkml:channel name="OE" type="integer" max="90" units="deg"/>
+        </inkml:traceFormat>
+        <inkml:channelProperties>
+          <inkml:channelProperty channel="X" name="resolution" value="1000" units="1/cm"/>
+          <inkml:channelProperty channel="Y" name="resolution" value="1000" units="1/cm"/>
+          <inkml:channelProperty channel="F" name="resolution" value="0" units="1/dev"/>
+          <inkml:channelProperty channel="OA" name="resolution" value="1000" units="1/deg"/>
+          <inkml:channelProperty channel="OE" name="resolution" value="1000" units="1/deg"/>
+        </inkml:channelProperties>
+      </inkml:inkSource>
+      <inkml:timestamp xml:id="ts0" timeString="2020-11-19T11:30:40.804"/>
+    </inkml:context>
+    <inkml:brush xml:id="br0">
+      <inkml:brushProperty name="width" value="0.05" units="cm"/>
+      <inkml:brushProperty name="height" value="0.05" units="cm"/>
+      <inkml:brushProperty name="color" value="#E71224"/>
+    </inkml:brush>
+  </inkml:definitions>
+  <inkml:trace contextRef="#ctx0" brushRef="#br0">0 4 920 0 0,'0'0'4461'0'0,"14"20"6184"0"0,-10-17-10558 0 0,-1 0 0 0 0,1-1 0 0 0,-1 0-1 0 0,1 0 1 0 0,0 0 0 0 0,0 0 0 0 0,-1 0 0 0 0,1-1 0 0 0,1 0-1 0 0,-1 0 1 0 0,0 0 0 0 0,0 0 0 0 0,0-1 0 0 0,0 1 0 0 0,7-1-1 0 0,15 5 249 0 0,-3 0-126 0 0,170-14 726 0 0,-94 5-792 0 0,-26 2-73 0 0,63-7-58 0 0,-28 13-12 0 0,120-18 64 0 0,8-2-64 0 0,-103 10 0 0 0,1 5 0 0 0,153 18 0 0 0,-146 0 0 0 0,9 6 0 0 0,119 12 0 0 0,-116-13 0 0 0,11 11 0 0 0,96 26 0 0 0,-171-37 0 0 0,71 32 0 0 0,-40-11 0 0 0,116 40 0 0 0,-192-66 0 0 0,90 40 0 0 0,-1 1 0 0 0,90 31 0 0 0,-106-42 0 0 0,360 151 63 0 0,-422-175-62 0 0,118 47-1 0 0,61 25 0 0 0,-168-65 0 0 0,213 87 0 0 0,-179-77 0 0 0,42 15 0 0 0,239 91 0 0 0,-77-26 0 0 0,-193-81 0 0 0,286 109 0 0 0,-202-53 0 0 0,22 9 0 0 0,-109-54 6 0 0,182 115 0 0 0,-196-108 46 0 0,128 97-52 0 0,-116-76 11 0 0,-61-42 47 0 0,-1 1 1 0 0,45 52-1 0 0,-45-44 36 0 0,148 167 6 0 0,-101-108 56 0 0,-8 5-73 0 0,-14-18-15 0 0,-29-41-2 0 0,-2 2 1 0 0,-2 2-1 0 0,32 63 0 0 0,-4-5 82 0 0,-31-58-48 0 0,-1-5-36 0 0,-19-30-20 0 0,18 33 0 0 0,158 309 196 0 0,-134-231-117 0 0,64 224 1 0 0,-95-275-104 0 0,-4-10 39 0 0,16 103-1 0 0,-28-133-38 0 0,2 19 32 0 0,7 73 12 0 0,-13-94-51 0 0,0-7 18 0 0,-1 1 0 0 0,-2 0 0 0 0,-3 35-1 0 0,-2 89 34 0 0,2-125-57 0 0,1-12 5 0 0,0-1-1 0 0,-1 0 1 0 0,-1 1-1 0 0,-6 19 0 0 0,-4 38-11 0 0,-2-28 24 0 0,-31 82 108 0 0,45-128-131 0 0,-66 135 106 0 0,54-111-85 0 0,-2-2 0 0 0,0 0 0 0 0,-27 30 0 0 0,-48 60 50 0 0,63-74-17 0 0,-54 56 0 0 0,59-73-47 0 0,-73 70-6 0 0,0-6 36 0 0,-42 35 48 0 0,-85 45-2 0 0,121-90-84 0 0,62-44 3 0 0,31-25 10 0 0,0 0-1 0 0,0 0 1 0 0,-10 5 0 0 0,-168 87 72 0 0,165-88-71 0 0,-1 0 1 0 0,-28 8-1 0 0,-3 2-4 0 0,-111 43 54 0 0,150-59-64 0 0,-1 0-1 0 0,-15 2 0 0 0,-8 2 14 0 0,-13 4 67 0 0,-101 11 1 0 0,80-15-53 0 0,38-4-20 0 0,-78 11 208 0 0,-139 3 0 0 0,181-18-99 0 0,-54-1 26 0 0,50-3-62 0 0,-66-5 37 0 0,70-2-82 0 0,-23-2 96 0 0,-116-31 1 0 0,39-3-79 0 0,-125-30 28 0 0,-11 1-82 0 0,171 41 0 0 0,-142-28 0 0 0,125 33 75 0 0,26 3 32 0 0,51 12-96 0 0,48 8-11 0 0,0 2 0 0 0,-40-3-1 0 0,10 14-359 0 0,46 18-1726 0 0,5-11 36 0 0</inkml:trace>
+</inkml:ink>
+</file>
+
+<file path=ppt/ink/ink6.xml><?xml version="1.0" encoding="utf-8"?>
+<inkml:ink xmlns:inkml="http://www.w3.org/2003/InkML">
+  <inkml:definitions>
+    <inkml:context xml:id="ctx0">
+      <inkml:inkSource xml:id="inkSrc0">
+        <inkml:traceFormat>
+          <inkml:channel name="X" type="integer" min="-2.14748E9" max="2.14748E9" units="cm"/>
+          <inkml:channel name="Y" type="integer" min="-2.14748E9" max="2.14748E9" units="cm"/>
+          <inkml:channel name="F" type="integer" max="32767" units="dev"/>
+          <inkml:channel name="OA" type="integer" max="360" units="deg"/>
+          <inkml:channel name="OE" type="integer" max="90" units="deg"/>
+        </inkml:traceFormat>
+        <inkml:channelProperties>
+          <inkml:channelProperty channel="X" name="resolution" value="1000" units="1/cm"/>
+          <inkml:channelProperty channel="Y" name="resolution" value="1000" units="1/cm"/>
+          <inkml:channelProperty channel="F" name="resolution" value="0" units="1/dev"/>
+          <inkml:channelProperty channel="OA" name="resolution" value="1000" units="1/deg"/>
+          <inkml:channelProperty channel="OE" name="resolution" value="1000" units="1/deg"/>
+        </inkml:channelProperties>
+      </inkml:inkSource>
+      <inkml:timestamp xml:id="ts0" timeString="2020-11-19T11:30:42.210"/>
+    </inkml:context>
+    <inkml:brush xml:id="br0">
+      <inkml:brushProperty name="width" value="0.05" units="cm"/>
+      <inkml:brushProperty name="height" value="0.05" units="cm"/>
+      <inkml:brushProperty name="color" value="#E71224"/>
+    </inkml:brush>
+  </inkml:definitions>
+  <inkml:trace contextRef="#ctx0" brushRef="#br0">126 317 3624 0 0,'0'0'10536'0'0,"11"-4"-9930"0"0,38-3 725 0 0,-17 2-642 0 0,37-9 1 0 0,-60 11-551 0 0,0 1 0 0 0,0-2 0 0 0,-1 1 0 0 0,1-1 0 0 0,-1-1 0 0 0,0 1 0 0 0,0-2 0 0 0,13-9 0 0 0,-8 4 106 0 0,1 0-1 0 0,19-10 1 0 0,-21 14-149 0 0,0-1 1 0 0,0 0-1 0 0,-1-1 1 0 0,11-10-1 0 0,-1-2-11 0 0,-16 17-65 0 0,0-1 0 0 0,0 1 0 0 0,-1-1 1 0 0,1 0-1 0 0,5-10 0 0 0,-4-7 126 0 0,-6 11-146 0 0,-16-18-85 0 0,7 18-21 0 0,4 10 85 0 0,2 1 1 0 0,-2-2-23 0 0,-1-1 0 0 0,0 1 0 0 0,1 1 0 0 0,-1-1 0 0 0,0 1 0 0 0,0 0 0 0 0,-8 0 0 0 0,10 1-5 0 0,1 0 1 0 0,0 0-1 0 0,-1 0 1 0 0,1 1-1 0 0,0 0 0 0 0,0-1 1 0 0,0 1-1 0 0,-1 0 1 0 0,1 1-1 0 0,0-1 1 0 0,0 1-1 0 0,0-1 1 0 0,1 1-1 0 0,-1 0 1 0 0,-4 3-1 0 0,1 0-85 0 0,0-1 0 0 0,0 0 0 0 0,-1 0-1 0 0,1 0 1 0 0,-13 4 0 0 0,12-5 24 0 0,1 0 0 0 0,-1 1-1 0 0,0 0 1 0 0,1 0 0 0 0,-7 5-1 0 0,-18 16-326 0 0,20-17 336 0 0,2 0 1 0 0,-1 0-1 0 0,1 0 0 0 0,-12 16 1 0 0,-33 41 27 0 0,-22 30 366 0 0,67-81-175 0 0,-50 78 756 0 0,52-80-674 0 0,1 0 0 0 0,0 1 0 0 0,1-1 0 0 0,1 1 0 0 0,-6 25 0 0 0,9 25 478 0 0,1-61-661 0 0,1 1-1 0 0,-1-1 1 0 0,1 0-1 0 0,0 1 1 0 0,0-1 0 0 0,0 0-1 0 0,0 1 1 0 0,0-1-1 0 0,0 0 1 0 0,3 3 0 0 0,2 5 45 0 0,-4-6-28 0 0,0-1 0 0 0,0 1-1 0 0,0 0 1 0 0,0-1 0 0 0,0 0-1 0 0,1 1 1 0 0,0-1 0 0 0,-1 0-1 0 0,1 0 1 0 0,0-1 0 0 0,1 1-1 0 0,-1-1 1 0 0,0 1 0 0 0,1-1-1 0 0,6 3 1 0 0,-5-2 22 0 0,0 1-1 0 0,-1-1 1 0 0,1 1 0 0 0,-1 0-1 0 0,5 5 1 0 0,-5-5-6 0 0,0 1 0 0 0,1-1 1 0 0,0 0-1 0 0,8 6 0 0 0,53 31 190 0 0,-25-17-178 0 0,15 7-43 0 0,-42-24-75 0 0,-10-4-160 0 0,1 0 1 0 0,-1-1-1 0 0,1 0 0 0 0,-1 0 0 0 0,1-1 0 0 0,0 1 1 0 0,6 0-1 0 0</inkml:trace>
+</inkml:ink>
+</file>
+
+<file path=ppt/ink/ink7.xml><?xml version="1.0" encoding="utf-8"?>
+<inkml:ink xmlns:inkml="http://www.w3.org/2003/InkML">
+  <inkml:definitions>
+    <inkml:context xml:id="ctx0">
+      <inkml:inkSource xml:id="inkSrc0">
+        <inkml:traceFormat>
+          <inkml:channel name="X" type="integer" min="-2.14748E9" max="2.14748E9" units="cm"/>
+          <inkml:channel name="Y" type="integer" min="-2.14748E9" max="2.14748E9" units="cm"/>
+          <inkml:channel name="F" type="integer" max="32767" units="dev"/>
+          <inkml:channel name="OA" type="integer" max="360" units="deg"/>
+          <inkml:channel name="OE" type="integer" max="90" units="deg"/>
+        </inkml:traceFormat>
+        <inkml:channelProperties>
+          <inkml:channelProperty channel="X" name="resolution" value="1000" units="1/cm"/>
+          <inkml:channelProperty channel="Y" name="resolution" value="1000" units="1/cm"/>
+          <inkml:channelProperty channel="F" name="resolution" value="0" units="1/dev"/>
+          <inkml:channelProperty channel="OA" name="resolution" value="1000" units="1/deg"/>
+          <inkml:channelProperty channel="OE" name="resolution" value="1000" units="1/deg"/>
+        </inkml:channelProperties>
+      </inkml:inkSource>
+      <inkml:timestamp xml:id="ts0" timeString="2020-11-19T11:30:43.909"/>
+    </inkml:context>
+    <inkml:brush xml:id="br0">
+      <inkml:brushProperty name="width" value="0.05" units="cm"/>
+      <inkml:brushProperty name="height" value="0.05" units="cm"/>
+      <inkml:brushProperty name="color" value="#E71224"/>
+    </inkml:brush>
+  </inkml:definitions>
+  <inkml:trace contextRef="#ctx0" brushRef="#br0">1 694 4688 0 0,'0'0'4512'0'0,"1"-11"-3796"0"0,1-5-412 0 0,2 1 1 0 0,0-1 0 0 0,1 1-1 0 0,0-1 1 0 0,14-26 0 0 0,-12 29 56 0 0,1 0 1 0 0,-1 1-1 0 0,2 0 1 0 0,0 1-1 0 0,18-18 1 0 0,-8 10 128 0 0,-12 12-305 0 0,0 1 0 0 0,0 0-1 0 0,9-6 1 0 0,-2 2 22 0 0,-1-1-1 0 0,0 0 1 0 0,-1 0-1 0 0,0-2 0 0 0,-1 1 1 0 0,12-17-1 0 0,-12 15-91 0 0,71-72 477 0 0,9-9-242 0 0,-21 25-171 0 0,-56 55-141 0 0,20-29-1 0 0,-33 43 59 0 0,-13 20-651 0 0,4-11 442 0 0,0-1-1 0 0,-1 1 0 0 0,0-2 0 0 0,-19 12 1 0 0,14-10-67 0 0,1 0 0 0 0,-15 14 1 0 0,22-17 35 0 0,0-1 0 0 0,0 0 1 0 0,0-1-1 0 0,-13 6 1 0 0,-5 3-223 0 0,1 2-282 0 0,-6-7 473 0 0,-32 5 0 0 0,3-1 21 0 0,29-8 195 0 0,26-4-32 0 0,-1 2 0 0 0,1-1 0 0 0,-1 0 1 0 0,0 1-1 0 0,1-1 0 0 0,0 1 0 0 0,-1 0 0 0 0,1 0 1 0 0,-6 3-1 0 0,6-3 16 0 0,0 0 0 0 0,0 0 0 0 0,0 0 1 0 0,-1-1-1 0 0,1 1 0 0 0,0-1 0 0 0,0 1 0 0 0,-1-1 0 0 0,1 0 1 0 0,-6-1-1 0 0,-10 0 191 0 0,-26 12 287 0 0,43-11-16 0 0,-10-1-95 0 0,18 8 2001 0 0,5 2-2188 0 0,-2 1 1 0 0,13 16-1 0 0,20 32 570 0 0,23 39-546 0 0,46 73 499 0 0,-105-161-718 0 0,-3-4 9 0 0,0 0-1 0 0,0 1 1 0 0,0 0-1 0 0,-1 0 1 0 0,0 0-1 0 0,2 9 1 0 0,-3-9 6 0 0,1 1 0 0 0,0-1 1 0 0,0 0-1 0 0,7 11 0 0 0,31 55 133 0 0,28 44-57 0 0,-65-112-93 0 0,0 0 0 0 0,0 0 0 0 0,-1 0-1 0 0,1 1 1 0 0,-1 0 0 0 0,0-1 0 0 0,0 1 0 0 0,0 0 0 0 0,-1 0-1 0 0,0 0 1 0 0,0 0 0 0 0,0 0 0 0 0,-1 0 0 0 0,1 1 0 0 0,-2 7-1 0 0,1 31-283 0 0,0-42 207 0 0,-1-4-407 0 0,-3-2 326 0 0,0-1-1 0 0,0 0 1 0 0,0 1-1 0 0,1-1 1 0 0,0-1-1 0 0,0 1 1 0 0,1 0-1 0 0,-1-1 1 0 0,1 1-1 0 0,1-1 1 0 0,-1 0-1 0 0,1 0 1 0 0,-1-5-1 0 0,0-7-181 0 0,0 0 0 0 0,-1 1 0 0 0,-1 0 0 0 0,-7-23 0 0 0,-1-1 96 0 0,-21-89 44 0 0,17 61 192 0 0,10 38 0 0 0,-18-51 0 0 0,6 33 0 0 0,7 18 0 0 0,-1 0 0 0 0,-21-38 0 0 0,16 38 0 0 0,5 9 0 0 0,-1 1 0 0 0,0 0 0 0 0,-22-25 0 0 0,29 40 68 0 0,-1 1 0 0 0,0-1 0 0 0,0 1 0 0 0,0 0 0 0 0,-1 0 0 0 0,1 1 0 0 0,-10-4 0 0 0,16 8-50 0 0,-12-3 547 0 0,12 3-557 0 0,1 1-1 0 0,0-1 1 0 0,-1 1-1 0 0,1-1 1 0 0,-1 0-1 0 0,1 1 1 0 0,0-1-1 0 0,-1 1 1 0 0,1-1-1 0 0,0 1 0 0 0,0-1 1 0 0,-1 1-1 0 0,1-1 1 0 0,0 1-1 0 0,0-1 1 0 0,0 1-1 0 0,0 0 1 0 0,0-1-1 0 0,0 1 1 0 0,0-1-1 0 0,0 1 1 0 0,0-1-1 0 0,0 1 1 0 0,0-1-1 0 0,0 2 1 0 0,6 34 158 0 0,-6-35-159 0 0,0 0 0 0 0,1 0 0 0 0,-1 0-1 0 0,0 0 1 0 0,0-1 0 0 0,0 1 0 0 0,1 0 0 0 0,-1 0-1 0 0,0 0 1 0 0,1 0 0 0 0,-1-1 0 0 0,1 1-1 0 0,-1 0 1 0 0,1 0 0 0 0,-1-1 0 0 0,1 1-1 0 0,0 0 1 0 0,0 0 0 0 0,9 13 88 0 0,-8-9-79 0 0,1 0 0 0 0,0 0 0 0 0,0-1 0 0 0,0 1-1 0 0,1-1 1 0 0,0 0 0 0 0,-1 0 0 0 0,1-1-1 0 0,1 1 1 0 0,6 4 0 0 0,8 8 162 0 0,-13-12-100 0 0,1 0 0 0 0,0-1-1 0 0,1 1 1 0 0,-1-1 0 0 0,0-1-1 0 0,1 0 1 0 0,0 0 0 0 0,0 0-1 0 0,15 1 1 0 0,-13-2 16 0 0,4-1 49 0 0,0-1 0 0 0,1 0 0 0 0,-1-1-1 0 0,0-1 1 0 0,-1 0 0 0 0,20-7 0 0 0,-31 10-134 0 0,70-23 289 0 0,-1-4 0 0 0,102-53 0 0 0,-100 36-737 0 0,-39 22-2294 0 0,-17 12-3900 0 0</inkml:trace>
+</inkml:ink>
+</file>
+
+<file path=ppt/ink/ink8.xml><?xml version="1.0" encoding="utf-8"?>
+<inkml:ink xmlns:inkml="http://www.w3.org/2003/InkML">
+  <inkml:definitions>
+    <inkml:context xml:id="ctx0">
+      <inkml:inkSource xml:id="inkSrc0">
+        <inkml:traceFormat>
+          <inkml:channel name="X" type="integer" min="-2.14748E9" max="2.14748E9" units="cm"/>
+          <inkml:channel name="Y" type="integer" min="-2.14748E9" max="2.14748E9" units="cm"/>
+          <inkml:channel name="F" type="integer" max="32767" units="dev"/>
+          <inkml:channel name="OA" type="integer" max="360" units="deg"/>
+          <inkml:channel name="OE" type="integer" max="90" units="deg"/>
+        </inkml:traceFormat>
+        <inkml:channelProperties>
+          <inkml:channelProperty channel="X" name="resolution" value="1000" units="1/cm"/>
+          <inkml:channelProperty channel="Y" name="resolution" value="1000" units="1/cm"/>
+          <inkml:channelProperty channel="F" name="resolution" value="0" units="1/dev"/>
+          <inkml:channelProperty channel="OA" name="resolution" value="1000" units="1/deg"/>
+          <inkml:channelProperty channel="OE" name="resolution" value="1000" units="1/deg"/>
+        </inkml:channelProperties>
+      </inkml:inkSource>
+      <inkml:timestamp xml:id="ts0" timeString="2020-11-19T11:31:05.543"/>
+    </inkml:context>
+    <inkml:brush xml:id="br0">
+      <inkml:brushProperty name="width" value="0.05" units="cm"/>
+      <inkml:brushProperty name="height" value="0.05" units="cm"/>
+      <inkml:brushProperty name="color" value="#E71224"/>
+    </inkml:brush>
+  </inkml:definitions>
+  <inkml:trace contextRef="#ctx0" brushRef="#br0">6182 3252 920 0 0,'-8'7'13992'0'0,"6"-8"-13849"0"0,-1 1 0 0 0,1-1 0 0 0,0 1 0 0 0,-1-1 1 0 0,1 0-1 0 0,0 1 0 0 0,0-1 0 0 0,0-1 0 0 0,-4-1 1 0 0,5 2 55 0 0,-9-21 248 0 0,-13-41 338 0 0,23 43-667 0 0,0 19-115 0 0,0 0-1 0 0,0 0 1 0 0,0 0-1 0 0,0 0 1 0 0,0 0-1 0 0,0 0 1 0 0,0 0 0 0 0,0 0-1 0 0,0 0 1 0 0,0 0-1 0 0,0 0 1 0 0,-1 0-1 0 0,1 0 1 0 0,0 0 0 0 0,-1 0-1 0 0,1 0 1 0 0,-1 0-1 0 0,1 1 1 0 0,-1-1-1 0 0,1 0 1 0 0,-1 0-1 0 0,0 0 1 0 0,1 1 0 0 0,-1-1-1 0 0,0 0 1 0 0,0 1-1 0 0,0-1 1 0 0,-1 0-1 0 0,1 0 4 0 0,1 0-1 0 0,-1 1 0 0 0,0-1 1 0 0,1 0-1 0 0,-1 1 0 0 0,0-1 1 0 0,1 0-1 0 0,-1 0 0 0 0,1 0 1 0 0,-1 0-1 0 0,1 0 0 0 0,0 0 0 0 0,-1 1 1 0 0,1-1-1 0 0,0 0 0 0 0,-1-2 1 0 0,1 1 5 0 0,0 1 0 0 0,-1-1 0 0 0,1 1 0 0 0,0 0 0 0 0,-1-1 1 0 0,0 1-1 0 0,1 0 0 0 0,-1-1 0 0 0,0 1 0 0 0,0 0 0 0 0,-1-2 0 0 0,-13-13 81 0 0,11 13-54 0 0,0-1-1 0 0,1-1 1 0 0,-1 1-1 0 0,1 0 1 0 0,0-1-1 0 0,0 0 1 0 0,-3-5-1 0 0,3 5-12 0 0,1 0 0 0 0,-1 1-1 0 0,0-1 1 0 0,-1 1 0 0 0,1 0-1 0 0,-1 0 1 0 0,0 0-1 0 0,-5-4 1 0 0,-18-20 84 0 0,-37-42 54 0 0,35 35-138 0 0,8 11-4 0 0,-25-37-1 0 0,-15-16 18 0 0,54 66 139 0 0,-2 1 0 0 0,-16-17 0 0 0,3 5 126 0 0,0 1-20 0 0,-2 1 0 0 0,0 0-1 0 0,-30-17 1 0 0,-24-19 242 0 0,-34-20-189 0 0,81 56-304 0 0,-87-51-184 0 0,96 57 161 0 0,-1 1 0 0 0,-30-11-1 0 0,-17-10 153 0 0,-12-5-185 0 0,2 2-19 0 0,-70-40 172 0 0,-13-6 14 0 0,140 71-123 0 0,-1 1 0 0 0,-45-13-1 0 0,-14-6 46 0 0,-99-43-18 0 0,-67-30-18 0 0,124 41-29 0 0,-309-138 0 0 0,358 166 0 0 0,-11-6 0 0 0,-34-14 29 0 0,-3-2 81 0 0,20 15-34 0 0,-45-15 29 0 0,125 47-87 0 0,-41-22 1 0 0,-11-5 8 0 0,-26-12-27 0 0,-236-88 188 0 0,192 85 8 0 0,3 2-86 0 0,7-2-325 0 0,20 6 574 0 0,79 32-283 0 0,0-1 0 0 0,1-2 0 0 0,-36-21 0 0 0,22 8 34 0 0,33 20-72 0 0,1 0 0 0 0,0-1 0 0 0,-28-24 0 0 0,-149-122-26 0 0,155 131 9 0 0,-1 3 1 0 0,-51-23-1 0 0,81 41-21 0 0,-80-29 44 0 0,38 15-13 0 0,-22-6-4 0 0,-41-17-1 0 0,1-12-90 0 0,40 17 64 0 0,-5-4 0 0 0,49 27 0 0 0,24 9 0 0 0,-1 2 0 0 0,0-1 0 0 0,0 1 0 0 0,0-1 0 0 0,0 2 0 0 0,-11-3 0 0 0,-39-9 0 0 0,5 6 0 0 0,35 6 0 0 0,-13 1 0 0 0,-43-3-74 0 0,71 3 18 0 0,1 8-758 0 0</inkml:trace>
+</inkml:ink>
+</file>
+
+<file path=ppt/ink/ink9.xml><?xml version="1.0" encoding="utf-8"?>
+<inkml:ink xmlns:inkml="http://www.w3.org/2003/InkML">
+  <inkml:definitions>
+    <inkml:context xml:id="ctx0">
+      <inkml:inkSource xml:id="inkSrc0">
+        <inkml:traceFormat>
+          <inkml:channel name="X" type="integer" min="-2.14748E9" max="2.14748E9" units="cm"/>
+          <inkml:channel name="Y" type="integer" min="-2.14748E9" max="2.14748E9" units="cm"/>
+          <inkml:channel name="F" type="integer" max="32767" units="dev"/>
+          <inkml:channel name="OA" type="integer" max="360" units="deg"/>
+          <inkml:channel name="OE" type="integer" max="90" units="deg"/>
+        </inkml:traceFormat>
+        <inkml:channelProperties>
+          <inkml:channelProperty channel="X" name="resolution" value="1000" units="1/cm"/>
+          <inkml:channelProperty channel="Y" name="resolution" value="1000" units="1/cm"/>
+          <inkml:channelProperty channel="F" name="resolution" value="0" units="1/dev"/>
+          <inkml:channelProperty channel="OA" name="resolution" value="1000" units="1/deg"/>
+          <inkml:channelProperty channel="OE" name="resolution" value="1000" units="1/deg"/>
+        </inkml:channelProperties>
+      </inkml:inkSource>
+      <inkml:timestamp xml:id="ts0" timeString="2020-11-19T11:31:07.410"/>
+    </inkml:context>
+    <inkml:brush xml:id="br0">
+      <inkml:brushProperty name="width" value="0.05" units="cm"/>
+      <inkml:brushProperty name="height" value="0.05" units="cm"/>
+      <inkml:brushProperty name="color" value="#E71224"/>
+    </inkml:brush>
+  </inkml:definitions>
+  <inkml:trace contextRef="#ctx0" brushRef="#br0">1 351 1376 0 0,'0'0'3216'0'0,"1"-16"-2054"0"0,4 8 2624 0 0,9-8-3010 0 0,-3 7 9097 0 0,-9 8-9647 0 0,13-10 253 0 0,-7 4-343 0 0,38-34 545 0 0,-13 23-437 0 0,9-6-72 0 0,-18 7-108 0 0,-12 10-36 0 0,-1-1 0 0 0,0 0 0 0 0,-1-1 0 0 0,16-17 0 0 0,7-9-12 0 0,-22 25 8 0 0,-1-1-1 0 0,16-21 1 0 0,-17 23 11 0 0,-8 8-27 0 0,1-1-1 0 0,0 0 0 0 0,-1 1 1 0 0,1-1-1 0 0,-1 0 1 0 0,1 0-1 0 0,-1 0 0 0 0,0 0 1 0 0,0 0-1 0 0,0 0 1 0 0,1-4-1 0 0,-1 4 154 0 0,-1 4-948 0 0,0-2 765 0 0,0 1 1 0 0,0-1-1 0 0,-1 1 0 0 0,1 0 1 0 0,0-1-1 0 0,0 1 0 0 0,0-1 1 0 0,-1 1-1 0 0,1 0 0 0 0,0-1 1 0 0,0 1-1 0 0,-1-1 0 0 0,1 1 1 0 0,-1-1-1 0 0,1 1 0 0 0,0-1 1 0 0,-1 0-1 0 0,1 1 0 0 0,-1-1 1 0 0,1 1-1 0 0,-1-1 0 0 0,0 1 1 0 0,-16 13-266 0 0,14-12 275 0 0,-53 46-1133 0 0,15-21 100 0 0,37-25 987 0 0,-1-1 0 0 0,1 1-1 0 0,-1-1 1 0 0,1 1 0 0 0,-1-1 0 0 0,1 0 0 0 0,-1-1 0 0 0,1 1 0 0 0,-6-1-1 0 0,-24 5-249 0 0,-1-3 91 0 0,4 0 66 0 0,23-1 151 0 0,-2-1 1584 0 0,-3 12-841 0 0,12-10-699 0 0,1 0 1 0 0,-1 0-1 0 0,1 0 1 0 0,0 0-1 0 0,0 0 1 0 0,0 1-1 0 0,0-1 0 0 0,0 0 1 0 0,0 0-1 0 0,0 0 1 0 0,1 0-1 0 0,-1 0 0 0 0,1 0 1 0 0,-1 0-1 0 0,2 3 1 0 0,3 20 277 0 0,-5-25-316 0 0,0 0-1 0 0,0 1 0 0 0,0-1 1 0 0,0 1-1 0 0,0-1 1 0 0,0 1-1 0 0,0-1 0 0 0,0 0 1 0 0,0 1-1 0 0,0-1 1 0 0,0 1-1 0 0,0-1 0 0 0,1 0 1 0 0,-1 1-1 0 0,0-1 0 0 0,0 0 1 0 0,0 1-1 0 0,1-1 1 0 0,-1 1-1 0 0,0-1 0 0 0,0 0 1 0 0,1 0-1 0 0,-1 1 0 0 0,0-1 1 0 0,1 0-1 0 0,-1 1 1 0 0,7 8 136 0 0,61 161 616 0 0,6-5-377 0 0,-72-163-370 0 0,1 2-10 0 0,-2 13 80 0 0,0-10-3 0 0,1-6-76 0 0,-1 17 170 0 0,-1-16-248 0 0</inkml:trace>
 </inkml:ink>
 </file>
 
@@ -816,7 +622,7 @@
           <a:p>
             <a:fld id="{0A882A87-1ED2-486D-BB61-3F2936C23B09}" type="datetimeFigureOut">
               <a:rPr lang="en-IE" smtClean="0"/>
-              <a:t>09/11/2021</a:t>
+              <a:t>26/10/2022</a:t>
             </a:fld>
             <a:endParaRPr lang="en-IE"/>
           </a:p>
@@ -2963,7 +2769,7 @@
           <a:p>
             <a:fld id="{846CE7D5-CF57-46EF-B807-FDD0502418D4}" type="datetimeFigureOut">
               <a:rPr lang="en-US" smtClean="0"/>
-              <a:t>11/9/2021</a:t>
+              <a:t>10/26/2022</a:t>
             </a:fld>
             <a:endParaRPr lang="en-US"/>
           </a:p>
@@ -3131,7 +2937,7 @@
           <a:p>
             <a:fld id="{846CE7D5-CF57-46EF-B807-FDD0502418D4}" type="datetimeFigureOut">
               <a:rPr lang="en-US" smtClean="0"/>
-              <a:t>11/9/2021</a:t>
+              <a:t>10/26/2022</a:t>
             </a:fld>
             <a:endParaRPr lang="en-US"/>
           </a:p>
@@ -3363,7 +3169,7 @@
           <a:p>
             <a:fld id="{846CE7D5-CF57-46EF-B807-FDD0502418D4}" type="datetimeFigureOut">
               <a:rPr lang="en-US" smtClean="0"/>
-              <a:t>11/9/2021</a:t>
+              <a:t>10/26/2022</a:t>
             </a:fld>
             <a:endParaRPr lang="en-US"/>
           </a:p>
@@ -9162,57 +8968,6 @@
           </a:prstGeom>
         </p:spPr>
       </p:pic>
-      <mc:AlternateContent xmlns:mc="http://schemas.openxmlformats.org/markup-compatibility/2006" xmlns:p14="http://schemas.microsoft.com/office/powerpoint/2010/main">
-        <mc:Choice Requires="p14">
-          <p:contentPart p14:bwMode="auto" r:id="rId3">
-            <p14:nvContentPartPr>
-              <p14:cNvPr id="3" name="Ink 2">
-                <a:extLst>
-                  <a:ext uri="{FF2B5EF4-FFF2-40B4-BE49-F238E27FC236}">
-                    <a16:creationId xmlns:a16="http://schemas.microsoft.com/office/drawing/2014/main" id="{327C230E-1420-4A70-B0CC-BA13B3EDF6DA}"/>
-                  </a:ext>
-                </a:extLst>
-              </p14:cNvPr>
-              <p14:cNvContentPartPr/>
-              <p14:nvPr/>
-            </p14:nvContentPartPr>
-            <p14:xfrm>
-              <a:off x="2899800" y="2175840"/>
-              <a:ext cx="8697240" cy="2397600"/>
-            </p14:xfrm>
-          </p:contentPart>
-        </mc:Choice>
-        <mc:Fallback xmlns="">
-          <p:pic>
-            <p:nvPicPr>
-              <p:cNvPr id="3" name="Ink 2">
-                <a:extLst>
-                  <a:ext uri="{FF2B5EF4-FFF2-40B4-BE49-F238E27FC236}">
-                    <a16:creationId xmlns:a16="http://schemas.microsoft.com/office/drawing/2014/main" id="{327C230E-1420-4A70-B0CC-BA13B3EDF6DA}"/>
-                  </a:ext>
-                </a:extLst>
-              </p:cNvPr>
-              <p:cNvPicPr/>
-              <p:nvPr/>
-            </p:nvPicPr>
-            <p:blipFill>
-              <a:blip r:embed="rId4"/>
-              <a:stretch>
-                <a:fillRect/>
-              </a:stretch>
-            </p:blipFill>
-            <p:spPr>
-              <a:xfrm>
-                <a:off x="2890440" y="2166480"/>
-                <a:ext cx="8715960" cy="2416320"/>
-              </a:xfrm>
-              <a:prstGeom prst="rect">
-                <a:avLst/>
-              </a:prstGeom>
-            </p:spPr>
-          </p:pic>
-        </mc:Fallback>
-      </mc:AlternateContent>
     </p:spTree>
     <p:extLst>
       <p:ext uri="{BB962C8B-B14F-4D97-AF65-F5344CB8AC3E}">
@@ -13209,57 +12964,6 @@
           </a:prstGeom>
         </p:spPr>
       </p:pic>
-      <mc:AlternateContent xmlns:mc="http://schemas.openxmlformats.org/markup-compatibility/2006" xmlns:p14="http://schemas.microsoft.com/office/powerpoint/2010/main">
-        <mc:Choice Requires="p14">
-          <p:contentPart p14:bwMode="auto" r:id="rId3">
-            <p14:nvContentPartPr>
-              <p14:cNvPr id="3" name="Ink 2">
-                <a:extLst>
-                  <a:ext uri="{FF2B5EF4-FFF2-40B4-BE49-F238E27FC236}">
-                    <a16:creationId xmlns:a16="http://schemas.microsoft.com/office/drawing/2014/main" id="{F4EF2C42-EF95-4A9A-A147-8A4A72B6AF93}"/>
-                  </a:ext>
-                </a:extLst>
-              </p14:cNvPr>
-              <p14:cNvContentPartPr/>
-              <p14:nvPr/>
-            </p14:nvContentPartPr>
-            <p14:xfrm>
-              <a:off x="6393600" y="4993200"/>
-              <a:ext cx="2153520" cy="1044360"/>
-            </p14:xfrm>
-          </p:contentPart>
-        </mc:Choice>
-        <mc:Fallback xmlns="">
-          <p:pic>
-            <p:nvPicPr>
-              <p:cNvPr id="3" name="Ink 2">
-                <a:extLst>
-                  <a:ext uri="{FF2B5EF4-FFF2-40B4-BE49-F238E27FC236}">
-                    <a16:creationId xmlns:a16="http://schemas.microsoft.com/office/drawing/2014/main" id="{F4EF2C42-EF95-4A9A-A147-8A4A72B6AF93}"/>
-                  </a:ext>
-                </a:extLst>
-              </p:cNvPr>
-              <p:cNvPicPr/>
-              <p:nvPr/>
-            </p:nvPicPr>
-            <p:blipFill>
-              <a:blip r:embed="rId4"/>
-              <a:stretch>
-                <a:fillRect/>
-              </a:stretch>
-            </p:blipFill>
-            <p:spPr>
-              <a:xfrm>
-                <a:off x="6384240" y="4983840"/>
-                <a:ext cx="2172240" cy="1063080"/>
-              </a:xfrm>
-              <a:prstGeom prst="rect">
-                <a:avLst/>
-              </a:prstGeom>
-            </p:spPr>
-          </p:pic>
-        </mc:Fallback>
-      </mc:AlternateContent>
     </p:spTree>
     <p:extLst>
       <p:ext uri="{BB962C8B-B14F-4D97-AF65-F5344CB8AC3E}">
@@ -24488,57 +24192,6 @@
           </a:p>
         </p:txBody>
       </p:sp>
-      <mc:AlternateContent xmlns:mc="http://schemas.openxmlformats.org/markup-compatibility/2006" xmlns:p14="http://schemas.microsoft.com/office/powerpoint/2010/main">
-        <mc:Choice Requires="p14">
-          <p:contentPart p14:bwMode="auto" r:id="rId4">
-            <p14:nvContentPartPr>
-              <p14:cNvPr id="3" name="Ink 2">
-                <a:extLst>
-                  <a:ext uri="{FF2B5EF4-FFF2-40B4-BE49-F238E27FC236}">
-                    <a16:creationId xmlns:a16="http://schemas.microsoft.com/office/drawing/2014/main" id="{0EB4710C-F23F-4B95-B551-3D784E48FF2D}"/>
-                  </a:ext>
-                </a:extLst>
-              </p14:cNvPr>
-              <p14:cNvContentPartPr/>
-              <p14:nvPr/>
-            </p14:nvContentPartPr>
-            <p14:xfrm>
-              <a:off x="3190680" y="1270080"/>
-              <a:ext cx="4561920" cy="3366360"/>
-            </p14:xfrm>
-          </p:contentPart>
-        </mc:Choice>
-        <mc:Fallback xmlns="">
-          <p:pic>
-            <p:nvPicPr>
-              <p:cNvPr id="3" name="Ink 2">
-                <a:extLst>
-                  <a:ext uri="{FF2B5EF4-FFF2-40B4-BE49-F238E27FC236}">
-                    <a16:creationId xmlns:a16="http://schemas.microsoft.com/office/drawing/2014/main" id="{0EB4710C-F23F-4B95-B551-3D784E48FF2D}"/>
-                  </a:ext>
-                </a:extLst>
-              </p:cNvPr>
-              <p:cNvPicPr/>
-              <p:nvPr/>
-            </p:nvPicPr>
-            <p:blipFill>
-              <a:blip r:embed="rId5"/>
-              <a:stretch>
-                <a:fillRect/>
-              </a:stretch>
-            </p:blipFill>
-            <p:spPr>
-              <a:xfrm>
-                <a:off x="3181320" y="1260720"/>
-                <a:ext cx="4580640" cy="3385080"/>
-              </a:xfrm>
-              <a:prstGeom prst="rect">
-                <a:avLst/>
-              </a:prstGeom>
-            </p:spPr>
-          </p:pic>
-        </mc:Fallback>
-      </mc:AlternateContent>
     </p:spTree>
     <p:extLst>
       <p:ext uri="{BB962C8B-B14F-4D97-AF65-F5344CB8AC3E}">
@@ -28095,57 +27748,6 @@
           </a:custGeom>
         </p:spPr>
       </p:pic>
-      <mc:AlternateContent xmlns:mc="http://schemas.openxmlformats.org/markup-compatibility/2006" xmlns:p14="http://schemas.microsoft.com/office/powerpoint/2010/main">
-        <mc:Choice Requires="p14">
-          <p:contentPart p14:bwMode="auto" r:id="rId6">
-            <p14:nvContentPartPr>
-              <p14:cNvPr id="6" name="Ink 5">
-                <a:extLst>
-                  <a:ext uri="{FF2B5EF4-FFF2-40B4-BE49-F238E27FC236}">
-                    <a16:creationId xmlns:a16="http://schemas.microsoft.com/office/drawing/2014/main" id="{5FC58A9D-5D80-48C6-A767-A68782E0F7D7}"/>
-                  </a:ext>
-                </a:extLst>
-              </p14:cNvPr>
-              <p14:cNvContentPartPr/>
-              <p14:nvPr/>
-            </p14:nvContentPartPr>
-            <p14:xfrm>
-              <a:off x="349200" y="4947840"/>
-              <a:ext cx="1045800" cy="1494000"/>
-            </p14:xfrm>
-          </p:contentPart>
-        </mc:Choice>
-        <mc:Fallback xmlns="">
-          <p:pic>
-            <p:nvPicPr>
-              <p:cNvPr id="6" name="Ink 5">
-                <a:extLst>
-                  <a:ext uri="{FF2B5EF4-FFF2-40B4-BE49-F238E27FC236}">
-                    <a16:creationId xmlns:a16="http://schemas.microsoft.com/office/drawing/2014/main" id="{5FC58A9D-5D80-48C6-A767-A68782E0F7D7}"/>
-                  </a:ext>
-                </a:extLst>
-              </p:cNvPr>
-              <p:cNvPicPr/>
-              <p:nvPr/>
-            </p:nvPicPr>
-            <p:blipFill>
-              <a:blip r:embed="rId7"/>
-              <a:stretch>
-                <a:fillRect/>
-              </a:stretch>
-            </p:blipFill>
-            <p:spPr>
-              <a:xfrm>
-                <a:off x="339840" y="4938480"/>
-                <a:ext cx="1064520" cy="1512720"/>
-              </a:xfrm>
-              <a:prstGeom prst="rect">
-                <a:avLst/>
-              </a:prstGeom>
-            </p:spPr>
-          </p:pic>
-        </mc:Fallback>
-      </mc:AlternateContent>
     </p:spTree>
     <p:extLst>
       <p:ext uri="{BB962C8B-B14F-4D97-AF65-F5344CB8AC3E}">
@@ -29027,8 +28629,8 @@
               <p14:nvPr/>
             </p14:nvContentPartPr>
             <p14:xfrm>
-              <a:off x="1607760" y="2053440"/>
-              <a:ext cx="11381040" cy="5087160"/>
+              <a:off x="1690200" y="3134520"/>
+              <a:ext cx="10619280" cy="1770480"/>
             </p14:xfrm>
           </p:contentPart>
         </mc:Choice>
@@ -30052,57 +29654,6 @@
           </a:prstGeom>
         </p:spPr>
       </p:pic>
-      <mc:AlternateContent xmlns:mc="http://schemas.openxmlformats.org/markup-compatibility/2006" xmlns:p14="http://schemas.microsoft.com/office/powerpoint/2010/main">
-        <mc:Choice Requires="p14">
-          <p:contentPart p14:bwMode="auto" r:id="rId3">
-            <p14:nvContentPartPr>
-              <p14:cNvPr id="3" name="Ink 2">
-                <a:extLst>
-                  <a:ext uri="{FF2B5EF4-FFF2-40B4-BE49-F238E27FC236}">
-                    <a16:creationId xmlns:a16="http://schemas.microsoft.com/office/drawing/2014/main" id="{902B5C7C-ECC0-4938-82BE-7A157A49B955}"/>
-                  </a:ext>
-                </a:extLst>
-              </p14:cNvPr>
-              <p14:cNvContentPartPr/>
-              <p14:nvPr/>
-            </p14:nvContentPartPr>
-            <p14:xfrm>
-              <a:off x="3103920" y="2858400"/>
-              <a:ext cx="5822640" cy="4155840"/>
-            </p14:xfrm>
-          </p:contentPart>
-        </mc:Choice>
-        <mc:Fallback xmlns="">
-          <p:pic>
-            <p:nvPicPr>
-              <p:cNvPr id="3" name="Ink 2">
-                <a:extLst>
-                  <a:ext uri="{FF2B5EF4-FFF2-40B4-BE49-F238E27FC236}">
-                    <a16:creationId xmlns:a16="http://schemas.microsoft.com/office/drawing/2014/main" id="{902B5C7C-ECC0-4938-82BE-7A157A49B955}"/>
-                  </a:ext>
-                </a:extLst>
-              </p:cNvPr>
-              <p:cNvPicPr/>
-              <p:nvPr/>
-            </p:nvPicPr>
-            <p:blipFill>
-              <a:blip r:embed="rId4"/>
-              <a:stretch>
-                <a:fillRect/>
-              </a:stretch>
-            </p:blipFill>
-            <p:spPr>
-              <a:xfrm>
-                <a:off x="3094560" y="2849040"/>
-                <a:ext cx="5841360" cy="4174560"/>
-              </a:xfrm>
-              <a:prstGeom prst="rect">
-                <a:avLst/>
-              </a:prstGeom>
-            </p:spPr>
-          </p:pic>
-        </mc:Fallback>
-      </mc:AlternateContent>
     </p:spTree>
   </p:cSld>
   <p:clrMapOvr>

--- a/topic07/talk-1/node-2019.pptx
+++ b/topic07/talk-1/node-2019.pptx
@@ -622,7 +622,7 @@
           <a:p>
             <a:fld id="{0A882A87-1ED2-486D-BB61-3F2936C23B09}" type="datetimeFigureOut">
               <a:rPr lang="en-IE" smtClean="0"/>
-              <a:t>26/10/2022</a:t>
+              <a:t>07/11/2022</a:t>
             </a:fld>
             <a:endParaRPr lang="en-IE"/>
           </a:p>
@@ -2769,7 +2769,7 @@
           <a:p>
             <a:fld id="{846CE7D5-CF57-46EF-B807-FDD0502418D4}" type="datetimeFigureOut">
               <a:rPr lang="en-US" smtClean="0"/>
-              <a:t>10/26/2022</a:t>
+              <a:t>11/7/2022</a:t>
             </a:fld>
             <a:endParaRPr lang="en-US"/>
           </a:p>
@@ -2937,7 +2937,7 @@
           <a:p>
             <a:fld id="{846CE7D5-CF57-46EF-B807-FDD0502418D4}" type="datetimeFigureOut">
               <a:rPr lang="en-US" smtClean="0"/>
-              <a:t>10/26/2022</a:t>
+              <a:t>11/7/2022</a:t>
             </a:fld>
             <a:endParaRPr lang="en-US"/>
           </a:p>
@@ -3169,7 +3169,7 @@
           <a:p>
             <a:fld id="{846CE7D5-CF57-46EF-B807-FDD0502418D4}" type="datetimeFigureOut">
               <a:rPr lang="en-US" smtClean="0"/>
-              <a:t>10/26/2022</a:t>
+              <a:t>11/7/2022</a:t>
             </a:fld>
             <a:endParaRPr lang="en-US"/>
           </a:p>
@@ -13269,7 +13269,7 @@
                 <a:ea typeface="+mn-ea"/>
                 <a:cs typeface="+mn-cs"/>
               </a:rPr>
-              <a:t>Node v12.18.4 or closer</a:t>
+              <a:t>Node v16.x or later</a:t>
             </a:r>
           </a:p>
           <a:p>
@@ -15689,17 +15689,24 @@
                 <a:effectLst/>
                 <a:latin typeface="-apple-system"/>
               </a:rPr>
-              <a:t> code into a backwards compatible version of JavaScript in current and older browsers or environments(e.g. Node.js </a:t>
-            </a:r>
-            <a:r>
-              <a:rPr lang="en-GB" dirty="0">
+              <a:t> code into a backwards compatible version of JavaScript in current and older browsers </a:t>
+            </a:r>
+            <a:r>
+              <a:rPr lang="en-GB" b="0" i="0">
                 <a:solidFill>
                   <a:srgbClr val="24292E"/>
                 </a:solidFill>
+                <a:effectLst/>
                 <a:latin typeface="-apple-system"/>
               </a:rPr>
-              <a:t>v12.18.4)</a:t>
-            </a:r>
+              <a:t>or environments</a:t>
+            </a:r>
+            <a:endParaRPr lang="en-GB" dirty="0">
+              <a:solidFill>
+                <a:srgbClr val="24292E"/>
+              </a:solidFill>
+              <a:latin typeface="-apple-system"/>
+            </a:endParaRPr>
           </a:p>
           <a:p>
             <a:pPr marL="571500" indent="-571500">
@@ -15760,6 +15767,45 @@
           <a:chExt cx="0" cy="0"/>
         </a:xfrm>
       </p:grpSpPr>
+      <p:pic>
+        <p:nvPicPr>
+          <p:cNvPr id="3" name="Picture 2" descr="A picture containing diagram">
+            <a:extLst>
+              <a:ext uri="{FF2B5EF4-FFF2-40B4-BE49-F238E27FC236}">
+                <a16:creationId xmlns:a16="http://schemas.microsoft.com/office/drawing/2014/main" id="{D41356E8-4D2E-B3D7-E3C3-31D070005ACE}"/>
+              </a:ext>
+            </a:extLst>
+          </p:cNvPr>
+          <p:cNvPicPr>
+            <a:picLocks noChangeAspect="1"/>
+          </p:cNvPicPr>
+          <p:nvPr/>
+        </p:nvPicPr>
+        <p:blipFill>
+          <a:blip r:embed="rId2">
+            <a:extLst>
+              <a:ext uri="{28A0092B-C50C-407E-A947-70E740481C1C}">
+                <a14:useLocalDpi xmlns:a14="http://schemas.microsoft.com/office/drawing/2010/main" val="0"/>
+              </a:ext>
+              <a:ext uri="{837473B0-CC2E-450A-ABE3-18F120FF3D39}">
+                <a1611:picAttrSrcUrl xmlns:a1611="http://schemas.microsoft.com/office/drawing/2016/11/main" r:id="rId3"/>
+              </a:ext>
+            </a:extLst>
+          </a:blip>
+          <a:stretch>
+            <a:fillRect/>
+          </a:stretch>
+        </p:blipFill>
+        <p:spPr>
+          <a:xfrm>
+            <a:off x="8318592" y="1563480"/>
+            <a:ext cx="4271741" cy="3988140"/>
+          </a:xfrm>
+          <a:prstGeom prst="rect">
+            <a:avLst/>
+          </a:prstGeom>
+        </p:spPr>
+      </p:pic>
       <p:sp>
         <p:nvSpPr>
           <p:cNvPr id="179" name="TextShape 1"/>
@@ -15798,7 +15844,7 @@
         </p:nvSpPr>
         <p:spPr>
           <a:xfrm>
-            <a:off x="2183575" y="1769040"/>
+            <a:off x="715264" y="1905132"/>
             <a:ext cx="9071640" cy="4384440"/>
           </a:xfrm>
           <a:prstGeom prst="rect">
@@ -15933,6 +15979,54 @@
               <a:buChar char=""/>
             </a:pPr>
             <a:endParaRPr dirty="0"/>
+          </a:p>
+        </p:txBody>
+      </p:sp>
+      <p:sp>
+        <p:nvSpPr>
+          <p:cNvPr id="4" name="TextBox 3">
+            <a:extLst>
+              <a:ext uri="{FF2B5EF4-FFF2-40B4-BE49-F238E27FC236}">
+                <a16:creationId xmlns:a16="http://schemas.microsoft.com/office/drawing/2014/main" id="{D5463E81-B4B3-DCC0-70C4-1D1123FB47DC}"/>
+              </a:ext>
+            </a:extLst>
+          </p:cNvPr>
+          <p:cNvSpPr txBox="1"/>
+          <p:nvPr/>
+        </p:nvSpPr>
+        <p:spPr>
+          <a:xfrm>
+            <a:off x="4469606" y="7027523"/>
+            <a:ext cx="6886575" cy="230832"/>
+          </a:xfrm>
+          <a:prstGeom prst="rect">
+            <a:avLst/>
+          </a:prstGeom>
+          <a:noFill/>
+        </p:spPr>
+        <p:txBody>
+          <a:bodyPr wrap="square" rtlCol="0">
+            <a:spAutoFit/>
+          </a:bodyPr>
+          <a:lstStyle/>
+          <a:p>
+            <a:r>
+              <a:rPr lang="en-IE" sz="900">
+                <a:hlinkClick r:id="rId3" tooltip="http://chemistry.stackexchange.com/questions/22228/molecular-structure-of-all-periodic-table-element-molecules-exceptional-cases-et/59394"/>
+              </a:rPr>
+              <a:t>This Photo</a:t>
+            </a:r>
+            <a:r>
+              <a:rPr lang="en-IE" sz="900"/>
+              <a:t> by Unknown Author is licensed under </a:t>
+            </a:r>
+            <a:r>
+              <a:rPr lang="en-IE" sz="900">
+                <a:hlinkClick r:id="rId4" tooltip="https://creativecommons.org/licenses/by-sa/3.0/"/>
+              </a:rPr>
+              <a:t>CC BY-SA</a:t>
+            </a:r>
+            <a:endParaRPr lang="en-IE" sz="900"/>
           </a:p>
         </p:txBody>
       </p:sp>
@@ -15982,12 +16076,12 @@
           <a:p>
             <a:pPr algn="ctr"/>
             <a:r>
-              <a:rPr lang="en-IE" sz="4400">
+              <a:rPr lang="en-IE" sz="4400" dirty="0">
                 <a:latin typeface="Arial"/>
               </a:rPr>
-              <a:t>Example Approach:</a:t>
-            </a:r>
-            <a:endParaRPr/>
+              <a:t>Suggested Approach:</a:t>
+            </a:r>
+            <a:endParaRPr dirty="0"/>
           </a:p>
         </p:txBody>
       </p:sp>
@@ -19088,7 +19182,7 @@
               <a:rPr lang="en-US" dirty="0">
                 <a:latin typeface="Calibri" charset="0"/>
               </a:rPr>
-              <a:t>HTTP clients (e.g. a browser) translates a URL into a request message according to the specified protocol; and sends the request message to the server.</a:t>
+              <a:t>HTTP clients translate a URL into a request message according to the specified protocol; and sends the request message to the server.</a:t>
             </a:r>
           </a:p>
           <a:p>
@@ -25661,7 +25755,13 @@
       </p:sp>
       <p:pic>
         <p:nvPicPr>
-          <p:cNvPr id="2" name="Picture 1"/>
+          <p:cNvPr id="4" name="Picture 3">
+            <a:extLst>
+              <a:ext uri="{FF2B5EF4-FFF2-40B4-BE49-F238E27FC236}">
+                <a16:creationId xmlns:a16="http://schemas.microsoft.com/office/drawing/2014/main" id="{DF38F2EE-5242-9CF1-EEF6-29FBD4B32EAF}"/>
+              </a:ext>
+            </a:extLst>
+          </p:cNvPr>
           <p:cNvPicPr>
             <a:picLocks noChangeAspect="1"/>
           </p:cNvPicPr>
@@ -25675,8 +25775,8 @@
         </p:blipFill>
         <p:spPr>
           <a:xfrm>
-            <a:off x="2308905" y="3328080"/>
-            <a:ext cx="8228449" cy="2608263"/>
+            <a:off x="1649253" y="3909992"/>
+            <a:ext cx="10542350" cy="1373208"/>
           </a:xfrm>
           <a:prstGeom prst="rect">
             <a:avLst/>
